--- a/Slides/1. Logging.pptx
+++ b/Slides/1. Logging.pptx
@@ -5,7 +5,7 @@
     <p:sldMasterId id="2147483648" r:id="rId1"/>
   </p:sldMasterIdLst>
   <p:notesMasterIdLst>
-    <p:notesMasterId r:id="rId14"/>
+    <p:notesMasterId r:id="rId17"/>
   </p:notesMasterIdLst>
   <p:sldIdLst>
     <p:sldId id="256" r:id="rId2"/>
@@ -19,7 +19,10 @@
     <p:sldId id="266" r:id="rId10"/>
     <p:sldId id="264" r:id="rId11"/>
     <p:sldId id="262" r:id="rId12"/>
-    <p:sldId id="263" r:id="rId13"/>
+    <p:sldId id="269" r:id="rId13"/>
+    <p:sldId id="263" r:id="rId14"/>
+    <p:sldId id="270" r:id="rId15"/>
+    <p:sldId id="271" r:id="rId16"/>
   </p:sldIdLst>
   <p:sldSz cx="12192000" cy="6858000"/>
   <p:notesSz cx="6858000" cy="9144000"/>
@@ -118,6 +121,14 @@
       </a:defRPr>
     </a:lvl9pPr>
   </p:defaultTextStyle>
+  <p:extLst>
+    <p:ext uri="{EFAFB233-063F-42B5-8137-9DF3F51BA10A}">
+      <p15:sldGuideLst xmlns:p15="http://schemas.microsoft.com/office/powerpoint/2012/main"/>
+    </p:ext>
+    <p:ext uri="{2D200454-40CA-4A62-9FC3-DE9A4176ACB9}">
+      <p15:notesGuideLst xmlns:p15="http://schemas.microsoft.com/office/powerpoint/2012/main"/>
+    </p:ext>
+  </p:extLst>
 </p:presentation>
 </file>
 
@@ -203,7 +214,7 @@
           <a:p>
             <a:fld id="{2EEC8B6C-ECA7-4502-A71C-D2F93F5DB82F}" type="datetimeFigureOut">
               <a:rPr lang="en-GB" smtClean="0"/>
-              <a:t>24/09/2015</a:t>
+              <a:t>25/09/2015</a:t>
             </a:fld>
             <a:endParaRPr lang="en-GB"/>
           </a:p>
@@ -678,6 +689,285 @@
 </p:notes>
 </file>
 
+<file path=ppt/notesSlides/notesSlide3.xml><?xml version="1.0" encoding="utf-8"?>
+<p:notes xmlns:a="http://schemas.openxmlformats.org/drawingml/2006/main" xmlns:r="http://schemas.openxmlformats.org/officeDocument/2006/relationships" xmlns:p="http://schemas.openxmlformats.org/presentationml/2006/main">
+  <p:cSld>
+    <p:spTree>
+      <p:nvGrpSpPr>
+        <p:cNvPr id="1" name=""/>
+        <p:cNvGrpSpPr/>
+        <p:nvPr/>
+      </p:nvGrpSpPr>
+      <p:grpSpPr>
+        <a:xfrm>
+          <a:off x="0" y="0"/>
+          <a:ext cx="0" cy="0"/>
+          <a:chOff x="0" y="0"/>
+          <a:chExt cx="0" cy="0"/>
+        </a:xfrm>
+      </p:grpSpPr>
+      <p:sp>
+        <p:nvSpPr>
+          <p:cNvPr id="2" name="Slide Image Placeholder 1"/>
+          <p:cNvSpPr>
+            <a:spLocks noGrp="1" noRot="1" noChangeAspect="1"/>
+          </p:cNvSpPr>
+          <p:nvPr>
+            <p:ph type="sldImg"/>
+          </p:nvPr>
+        </p:nvSpPr>
+        <p:spPr/>
+      </p:sp>
+      <p:sp>
+        <p:nvSpPr>
+          <p:cNvPr id="3" name="Notes Placeholder 2"/>
+          <p:cNvSpPr>
+            <a:spLocks noGrp="1"/>
+          </p:cNvSpPr>
+          <p:nvPr>
+            <p:ph type="body" idx="1"/>
+          </p:nvPr>
+        </p:nvSpPr>
+        <p:spPr/>
+        <p:txBody>
+          <a:bodyPr/>
+          <a:lstStyle/>
+          <a:p>
+            <a:pPr marL="0" marR="0" indent="0" algn="l" defTabSz="914400" rtl="0" eaLnBrk="1" fontAlgn="auto" latinLnBrk="0" hangingPunct="1">
+              <a:lnSpc>
+                <a:spcPct val="100000"/>
+              </a:lnSpc>
+              <a:spcBef>
+                <a:spcPts val="0"/>
+              </a:spcBef>
+              <a:spcAft>
+                <a:spcPts val="0"/>
+              </a:spcAft>
+              <a:buClrTx/>
+              <a:buSzTx/>
+              <a:buFontTx/>
+              <a:buNone/>
+              <a:tabLst/>
+              <a:defRPr/>
+            </a:pPr>
+            <a:r>
+              <a:rPr lang="en-GB" dirty="0" smtClean="0"/>
+              <a:t>SabinIO.Logging.Demo1</a:t>
+            </a:r>
+          </a:p>
+          <a:p>
+            <a:endParaRPr lang="en-GB" dirty="0"/>
+          </a:p>
+        </p:txBody>
+      </p:sp>
+      <p:sp>
+        <p:nvSpPr>
+          <p:cNvPr id="4" name="Slide Number Placeholder 3"/>
+          <p:cNvSpPr>
+            <a:spLocks noGrp="1"/>
+          </p:cNvSpPr>
+          <p:nvPr>
+            <p:ph type="sldNum" sz="quarter" idx="10"/>
+          </p:nvPr>
+        </p:nvSpPr>
+        <p:spPr/>
+        <p:txBody>
+          <a:bodyPr/>
+          <a:lstStyle/>
+          <a:p>
+            <a:fld id="{B8CE15B0-7A20-444B-AEAA-2A6F3DDB1305}" type="slidenum">
+              <a:rPr lang="en-GB" smtClean="0"/>
+              <a:t>6</a:t>
+            </a:fld>
+            <a:endParaRPr lang="en-GB"/>
+          </a:p>
+        </p:txBody>
+      </p:sp>
+    </p:spTree>
+    <p:extLst>
+      <p:ext uri="{BB962C8B-B14F-4D97-AF65-F5344CB8AC3E}">
+        <p14:creationId xmlns:p14="http://schemas.microsoft.com/office/powerpoint/2010/main" val="2674959316"/>
+      </p:ext>
+    </p:extLst>
+  </p:cSld>
+  <p:clrMapOvr>
+    <a:masterClrMapping/>
+  </p:clrMapOvr>
+</p:notes>
+</file>
+
+<file path=ppt/notesSlides/notesSlide4.xml><?xml version="1.0" encoding="utf-8"?>
+<p:notes xmlns:a="http://schemas.openxmlformats.org/drawingml/2006/main" xmlns:r="http://schemas.openxmlformats.org/officeDocument/2006/relationships" xmlns:p="http://schemas.openxmlformats.org/presentationml/2006/main">
+  <p:cSld>
+    <p:spTree>
+      <p:nvGrpSpPr>
+        <p:cNvPr id="1" name=""/>
+        <p:cNvGrpSpPr/>
+        <p:nvPr/>
+      </p:nvGrpSpPr>
+      <p:grpSpPr>
+        <a:xfrm>
+          <a:off x="0" y="0"/>
+          <a:ext cx="0" cy="0"/>
+          <a:chOff x="0" y="0"/>
+          <a:chExt cx="0" cy="0"/>
+        </a:xfrm>
+      </p:grpSpPr>
+      <p:sp>
+        <p:nvSpPr>
+          <p:cNvPr id="2" name="Slide Image Placeholder 1"/>
+          <p:cNvSpPr>
+            <a:spLocks noGrp="1" noRot="1" noChangeAspect="1"/>
+          </p:cNvSpPr>
+          <p:nvPr>
+            <p:ph type="sldImg"/>
+          </p:nvPr>
+        </p:nvSpPr>
+        <p:spPr/>
+      </p:sp>
+      <p:sp>
+        <p:nvSpPr>
+          <p:cNvPr id="3" name="Notes Placeholder 2"/>
+          <p:cNvSpPr>
+            <a:spLocks noGrp="1"/>
+          </p:cNvSpPr>
+          <p:nvPr>
+            <p:ph type="body" idx="1"/>
+          </p:nvPr>
+        </p:nvSpPr>
+        <p:spPr/>
+        <p:txBody>
+          <a:bodyPr/>
+          <a:lstStyle/>
+          <a:p>
+            <a:endParaRPr lang="en-GB" dirty="0"/>
+          </a:p>
+        </p:txBody>
+      </p:sp>
+      <p:sp>
+        <p:nvSpPr>
+          <p:cNvPr id="4" name="Slide Number Placeholder 3"/>
+          <p:cNvSpPr>
+            <a:spLocks noGrp="1"/>
+          </p:cNvSpPr>
+          <p:nvPr>
+            <p:ph type="sldNum" sz="quarter" idx="10"/>
+          </p:nvPr>
+        </p:nvSpPr>
+        <p:spPr/>
+        <p:txBody>
+          <a:bodyPr/>
+          <a:lstStyle/>
+          <a:p>
+            <a:fld id="{B8CE15B0-7A20-444B-AEAA-2A6F3DDB1305}" type="slidenum">
+              <a:rPr lang="en-GB" smtClean="0"/>
+              <a:t>11</a:t>
+            </a:fld>
+            <a:endParaRPr lang="en-GB"/>
+          </a:p>
+        </p:txBody>
+      </p:sp>
+    </p:spTree>
+    <p:extLst>
+      <p:ext uri="{BB962C8B-B14F-4D97-AF65-F5344CB8AC3E}">
+        <p14:creationId xmlns:p14="http://schemas.microsoft.com/office/powerpoint/2010/main" val="3480711512"/>
+      </p:ext>
+    </p:extLst>
+  </p:cSld>
+  <p:clrMapOvr>
+    <a:masterClrMapping/>
+  </p:clrMapOvr>
+</p:notes>
+</file>
+
+<file path=ppt/notesSlides/notesSlide5.xml><?xml version="1.0" encoding="utf-8"?>
+<p:notes xmlns:a="http://schemas.openxmlformats.org/drawingml/2006/main" xmlns:r="http://schemas.openxmlformats.org/officeDocument/2006/relationships" xmlns:p="http://schemas.openxmlformats.org/presentationml/2006/main">
+  <p:cSld>
+    <p:spTree>
+      <p:nvGrpSpPr>
+        <p:cNvPr id="1" name=""/>
+        <p:cNvGrpSpPr/>
+        <p:nvPr/>
+      </p:nvGrpSpPr>
+      <p:grpSpPr>
+        <a:xfrm>
+          <a:off x="0" y="0"/>
+          <a:ext cx="0" cy="0"/>
+          <a:chOff x="0" y="0"/>
+          <a:chExt cx="0" cy="0"/>
+        </a:xfrm>
+      </p:grpSpPr>
+      <p:sp>
+        <p:nvSpPr>
+          <p:cNvPr id="2" name="Slide Image Placeholder 1"/>
+          <p:cNvSpPr>
+            <a:spLocks noGrp="1" noRot="1" noChangeAspect="1"/>
+          </p:cNvSpPr>
+          <p:nvPr>
+            <p:ph type="sldImg"/>
+          </p:nvPr>
+        </p:nvSpPr>
+        <p:spPr/>
+      </p:sp>
+      <p:sp>
+        <p:nvSpPr>
+          <p:cNvPr id="3" name="Notes Placeholder 2"/>
+          <p:cNvSpPr>
+            <a:spLocks noGrp="1"/>
+          </p:cNvSpPr>
+          <p:nvPr>
+            <p:ph type="body" idx="1"/>
+          </p:nvPr>
+        </p:nvSpPr>
+        <p:spPr/>
+        <p:txBody>
+          <a:bodyPr/>
+          <a:lstStyle/>
+          <a:p>
+            <a:r>
+              <a:rPr lang="en-GB" dirty="0" smtClean="0"/>
+              <a:t>SabinIO.Logging.Demo2</a:t>
+            </a:r>
+            <a:endParaRPr lang="en-GB" dirty="0"/>
+          </a:p>
+        </p:txBody>
+      </p:sp>
+      <p:sp>
+        <p:nvSpPr>
+          <p:cNvPr id="4" name="Slide Number Placeholder 3"/>
+          <p:cNvSpPr>
+            <a:spLocks noGrp="1"/>
+          </p:cNvSpPr>
+          <p:nvPr>
+            <p:ph type="sldNum" sz="quarter" idx="10"/>
+          </p:nvPr>
+        </p:nvSpPr>
+        <p:spPr/>
+        <p:txBody>
+          <a:bodyPr/>
+          <a:lstStyle/>
+          <a:p>
+            <a:fld id="{B8CE15B0-7A20-444B-AEAA-2A6F3DDB1305}" type="slidenum">
+              <a:rPr lang="en-GB" smtClean="0"/>
+              <a:t>12</a:t>
+            </a:fld>
+            <a:endParaRPr lang="en-GB"/>
+          </a:p>
+        </p:txBody>
+      </p:sp>
+    </p:spTree>
+    <p:extLst>
+      <p:ext uri="{BB962C8B-B14F-4D97-AF65-F5344CB8AC3E}">
+        <p14:creationId xmlns:p14="http://schemas.microsoft.com/office/powerpoint/2010/main" val="2683790675"/>
+      </p:ext>
+    </p:extLst>
+  </p:cSld>
+  <p:clrMapOvr>
+    <a:masterClrMapping/>
+  </p:clrMapOvr>
+</p:notes>
+</file>
+
 <file path=ppt/slideLayouts/slideLayout1.xml><?xml version="1.0" encoding="utf-8"?>
 <p:sldLayout xmlns:a="http://schemas.openxmlformats.org/drawingml/2006/main" xmlns:r="http://schemas.openxmlformats.org/officeDocument/2006/relationships" xmlns:p="http://schemas.openxmlformats.org/presentationml/2006/main" type="title" preserve="1">
   <p:cSld name="Title Slide">
@@ -809,7 +1099,7 @@
           <a:p>
             <a:fld id="{0450233C-AED0-40A2-94DD-085E6C2BAB99}" type="datetimeFigureOut">
               <a:rPr lang="en-GB" smtClean="0"/>
-              <a:t>24/09/2015</a:t>
+              <a:t>25/09/2015</a:t>
             </a:fld>
             <a:endParaRPr lang="en-GB"/>
           </a:p>
@@ -979,7 +1269,7 @@
           <a:p>
             <a:fld id="{0450233C-AED0-40A2-94DD-085E6C2BAB99}" type="datetimeFigureOut">
               <a:rPr lang="en-GB" smtClean="0"/>
-              <a:t>24/09/2015</a:t>
+              <a:t>25/09/2015</a:t>
             </a:fld>
             <a:endParaRPr lang="en-GB"/>
           </a:p>
@@ -1159,7 +1449,7 @@
           <a:p>
             <a:fld id="{0450233C-AED0-40A2-94DD-085E6C2BAB99}" type="datetimeFigureOut">
               <a:rPr lang="en-GB" smtClean="0"/>
-              <a:t>24/09/2015</a:t>
+              <a:t>25/09/2015</a:t>
             </a:fld>
             <a:endParaRPr lang="en-GB"/>
           </a:p>
@@ -1329,7 +1619,7 @@
           <a:p>
             <a:fld id="{0450233C-AED0-40A2-94DD-085E6C2BAB99}" type="datetimeFigureOut">
               <a:rPr lang="en-GB" smtClean="0"/>
-              <a:t>24/09/2015</a:t>
+              <a:t>25/09/2015</a:t>
             </a:fld>
             <a:endParaRPr lang="en-GB"/>
           </a:p>
@@ -1575,7 +1865,7 @@
           <a:p>
             <a:fld id="{0450233C-AED0-40A2-94DD-085E6C2BAB99}" type="datetimeFigureOut">
               <a:rPr lang="en-GB" smtClean="0"/>
-              <a:t>24/09/2015</a:t>
+              <a:t>25/09/2015</a:t>
             </a:fld>
             <a:endParaRPr lang="en-GB"/>
           </a:p>
@@ -1807,7 +2097,7 @@
           <a:p>
             <a:fld id="{0450233C-AED0-40A2-94DD-085E6C2BAB99}" type="datetimeFigureOut">
               <a:rPr lang="en-GB" smtClean="0"/>
-              <a:t>24/09/2015</a:t>
+              <a:t>25/09/2015</a:t>
             </a:fld>
             <a:endParaRPr lang="en-GB"/>
           </a:p>
@@ -2174,7 +2464,7 @@
           <a:p>
             <a:fld id="{0450233C-AED0-40A2-94DD-085E6C2BAB99}" type="datetimeFigureOut">
               <a:rPr lang="en-GB" smtClean="0"/>
-              <a:t>24/09/2015</a:t>
+              <a:t>25/09/2015</a:t>
             </a:fld>
             <a:endParaRPr lang="en-GB"/>
           </a:p>
@@ -2292,7 +2582,7 @@
           <a:p>
             <a:fld id="{0450233C-AED0-40A2-94DD-085E6C2BAB99}" type="datetimeFigureOut">
               <a:rPr lang="en-GB" smtClean="0"/>
-              <a:t>24/09/2015</a:t>
+              <a:t>25/09/2015</a:t>
             </a:fld>
             <a:endParaRPr lang="en-GB"/>
           </a:p>
@@ -2387,7 +2677,7 @@
           <a:p>
             <a:fld id="{0450233C-AED0-40A2-94DD-085E6C2BAB99}" type="datetimeFigureOut">
               <a:rPr lang="en-GB" smtClean="0"/>
-              <a:t>24/09/2015</a:t>
+              <a:t>25/09/2015</a:t>
             </a:fld>
             <a:endParaRPr lang="en-GB"/>
           </a:p>
@@ -2664,7 +2954,7 @@
           <a:p>
             <a:fld id="{0450233C-AED0-40A2-94DD-085E6C2BAB99}" type="datetimeFigureOut">
               <a:rPr lang="en-GB" smtClean="0"/>
-              <a:t>24/09/2015</a:t>
+              <a:t>25/09/2015</a:t>
             </a:fld>
             <a:endParaRPr lang="en-GB"/>
           </a:p>
@@ -2917,7 +3207,7 @@
           <a:p>
             <a:fld id="{0450233C-AED0-40A2-94DD-085E6C2BAB99}" type="datetimeFigureOut">
               <a:rPr lang="en-GB" smtClean="0"/>
-              <a:t>24/09/2015</a:t>
+              <a:t>25/09/2015</a:t>
             </a:fld>
             <a:endParaRPr lang="en-GB"/>
           </a:p>
@@ -3130,7 +3420,7 @@
           <a:p>
             <a:fld id="{0450233C-AED0-40A2-94DD-085E6C2BAB99}" type="datetimeFigureOut">
               <a:rPr lang="en-GB" smtClean="0"/>
-              <a:t>24/09/2015</a:t>
+              <a:t>25/09/2015</a:t>
             </a:fld>
             <a:endParaRPr lang="en-GB"/>
           </a:p>
@@ -3766,40 +4056,40 @@
           <a:lstStyle/>
           <a:p>
             <a:r>
-              <a:rPr lang="en-GB" dirty="0" smtClean="0"/>
+              <a:rPr lang="en-GB" sz="2400" dirty="0" smtClean="0"/>
               <a:t>Contains multiple Virtual Log Files (VLF’s)</a:t>
             </a:r>
           </a:p>
           <a:p>
             <a:pPr lvl="1"/>
             <a:r>
-              <a:rPr lang="en-GB" dirty="0" smtClean="0"/>
+              <a:rPr lang="en-GB" sz="2000" dirty="0" smtClean="0"/>
               <a:t>These vary in size and number</a:t>
             </a:r>
           </a:p>
           <a:p>
             <a:r>
-              <a:rPr lang="en-GB" dirty="0" smtClean="0"/>
+              <a:rPr lang="en-GB" sz="2400" dirty="0" smtClean="0"/>
               <a:t>Writing to the VLF is always sequential for performance</a:t>
             </a:r>
           </a:p>
           <a:p>
             <a:r>
-              <a:rPr lang="en-GB" dirty="0" smtClean="0"/>
+              <a:rPr lang="en-GB" sz="2400" dirty="0" smtClean="0"/>
               <a:t>At the end of the last VLF it loops back to the first </a:t>
             </a:r>
             <a:r>
-              <a:rPr lang="en-GB" i="1" dirty="0" smtClean="0"/>
+              <a:rPr lang="en-GB" sz="2400" i="1" dirty="0" smtClean="0"/>
               <a:t>available</a:t>
             </a:r>
             <a:r>
-              <a:rPr lang="en-GB" dirty="0" smtClean="0"/>
+              <a:rPr lang="en-GB" sz="2400" dirty="0" smtClean="0"/>
               <a:t> VLF</a:t>
             </a:r>
           </a:p>
           <a:p>
             <a:r>
-              <a:rPr lang="en-GB" dirty="0" smtClean="0"/>
+              <a:rPr lang="en-GB" sz="2400" dirty="0" smtClean="0"/>
               <a:t>Any VLF post the last checkpoint is considered the active portion</a:t>
             </a:r>
             <a:endParaRPr lang="en-GB" dirty="0"/>
@@ -3808,14 +4098,14 @@
       </p:sp>
       <p:pic>
         <p:nvPicPr>
-          <p:cNvPr id="4" name="Picture 3"/>
+          <p:cNvPr id="5" name="Picture 4"/>
           <p:cNvPicPr>
             <a:picLocks noChangeAspect="1"/>
           </p:cNvPicPr>
           <p:nvPr/>
         </p:nvPicPr>
         <p:blipFill>
-          <a:blip r:embed="rId2">
+          <a:blip r:embed="rId3">
             <a:extLst>
               <a:ext uri="{28A0092B-C50C-407E-A947-70E740481C1C}">
                 <a14:useLocalDpi xmlns:a14="http://schemas.microsoft.com/office/drawing/2010/main" val="0"/>
@@ -3828,8 +4118,8 @@
         </p:blipFill>
         <p:spPr>
           <a:xfrm>
-            <a:off x="2904776" y="4412050"/>
-            <a:ext cx="5380633" cy="1565004"/>
+            <a:off x="2865862" y="3945537"/>
+            <a:ext cx="6458773" cy="2589077"/>
           </a:xfrm>
           <a:prstGeom prst="rect">
             <a:avLst/>
@@ -3883,6 +4173,78 @@
           <a:p>
             <a:r>
               <a:rPr lang="en-GB" dirty="0" smtClean="0"/>
+              <a:t>Demo</a:t>
+            </a:r>
+            <a:endParaRPr lang="en-GB" dirty="0"/>
+          </a:p>
+        </p:txBody>
+      </p:sp>
+      <p:sp>
+        <p:nvSpPr>
+          <p:cNvPr id="3" name="Content Placeholder 2"/>
+          <p:cNvSpPr>
+            <a:spLocks noGrp="1"/>
+          </p:cNvSpPr>
+          <p:nvPr>
+            <p:ph idx="1"/>
+          </p:nvPr>
+        </p:nvSpPr>
+        <p:spPr/>
+        <p:txBody>
+          <a:bodyPr/>
+          <a:lstStyle/>
+          <a:p>
+            <a:endParaRPr lang="en-GB"/>
+          </a:p>
+        </p:txBody>
+      </p:sp>
+    </p:spTree>
+    <p:extLst>
+      <p:ext uri="{BB962C8B-B14F-4D97-AF65-F5344CB8AC3E}">
+        <p14:creationId xmlns:p14="http://schemas.microsoft.com/office/powerpoint/2010/main" val="2979785551"/>
+      </p:ext>
+    </p:extLst>
+  </p:cSld>
+  <p:clrMapOvr>
+    <a:masterClrMapping/>
+  </p:clrMapOvr>
+</p:sld>
+</file>
+
+<file path=ppt/slides/slide13.xml><?xml version="1.0" encoding="utf-8"?>
+<p:sld xmlns:a="http://schemas.openxmlformats.org/drawingml/2006/main" xmlns:r="http://schemas.openxmlformats.org/officeDocument/2006/relationships" xmlns:p="http://schemas.openxmlformats.org/presentationml/2006/main">
+  <p:cSld>
+    <p:spTree>
+      <p:nvGrpSpPr>
+        <p:cNvPr id="1" name=""/>
+        <p:cNvGrpSpPr/>
+        <p:nvPr/>
+      </p:nvGrpSpPr>
+      <p:grpSpPr>
+        <a:xfrm>
+          <a:off x="0" y="0"/>
+          <a:ext cx="0" cy="0"/>
+          <a:chOff x="0" y="0"/>
+          <a:chExt cx="0" cy="0"/>
+        </a:xfrm>
+      </p:grpSpPr>
+      <p:sp>
+        <p:nvSpPr>
+          <p:cNvPr id="2" name="Title 1"/>
+          <p:cNvSpPr>
+            <a:spLocks noGrp="1"/>
+          </p:cNvSpPr>
+          <p:nvPr>
+            <p:ph type="title"/>
+          </p:nvPr>
+        </p:nvSpPr>
+        <p:spPr/>
+        <p:txBody>
+          <a:bodyPr/>
+          <a:lstStyle/>
+          <a:p>
+            <a:r>
+              <a:rPr lang="en-GB" dirty="0" smtClean="0"/>
               <a:t>Clearing the Log</a:t>
             </a:r>
             <a:endParaRPr lang="en-GB" dirty="0"/>
@@ -3904,7 +4266,68 @@
           <a:bodyPr/>
           <a:lstStyle/>
           <a:p>
-            <a:endParaRPr lang="en-GB"/>
+            <a:r>
+              <a:rPr lang="en-GB" dirty="0" smtClean="0"/>
+              <a:t>Features that block log truncation</a:t>
+            </a:r>
+          </a:p>
+          <a:p>
+            <a:pPr lvl="1"/>
+            <a:r>
+              <a:rPr lang="en-GB" dirty="0" smtClean="0"/>
+              <a:t>Replication</a:t>
+            </a:r>
+          </a:p>
+          <a:p>
+            <a:pPr lvl="1"/>
+            <a:r>
+              <a:rPr lang="en-GB" dirty="0" smtClean="0"/>
+              <a:t>Mirroring</a:t>
+            </a:r>
+          </a:p>
+          <a:p>
+            <a:pPr lvl="1"/>
+            <a:r>
+              <a:rPr lang="en-GB" dirty="0" smtClean="0"/>
+              <a:t>CDC</a:t>
+            </a:r>
+          </a:p>
+          <a:p>
+            <a:pPr lvl="1"/>
+            <a:r>
+              <a:rPr lang="en-GB" dirty="0" smtClean="0"/>
+              <a:t>Open Transactions</a:t>
+            </a:r>
+          </a:p>
+          <a:p>
+            <a:pPr lvl="1"/>
+            <a:r>
+              <a:rPr lang="en-GB" dirty="0" smtClean="0"/>
+              <a:t>Backups</a:t>
+            </a:r>
+            <a:endParaRPr lang="en-GB" dirty="0" smtClean="0"/>
+          </a:p>
+          <a:p>
+            <a:r>
+              <a:rPr lang="en-GB" dirty="0" smtClean="0"/>
+              <a:t>See </a:t>
+            </a:r>
+            <a:r>
+              <a:rPr lang="en-GB" dirty="0" err="1" smtClean="0"/>
+              <a:t>sys.databases</a:t>
+            </a:r>
+            <a:r>
+              <a:rPr lang="en-GB" dirty="0" smtClean="0"/>
+              <a:t> </a:t>
+            </a:r>
+            <a:r>
+              <a:rPr lang="en-GB" dirty="0" err="1"/>
+              <a:t>log_reuse_wait_desc</a:t>
+            </a:r>
+            <a:endParaRPr lang="en-GB" dirty="0"/>
+          </a:p>
+          <a:p>
+            <a:endParaRPr lang="en-GB" dirty="0"/>
           </a:p>
         </p:txBody>
       </p:sp>
@@ -3912,6 +4335,227 @@
     <p:extLst>
       <p:ext uri="{BB962C8B-B14F-4D97-AF65-F5344CB8AC3E}">
         <p14:creationId xmlns:p14="http://schemas.microsoft.com/office/powerpoint/2010/main" val="2328418263"/>
+      </p:ext>
+    </p:extLst>
+  </p:cSld>
+  <p:clrMapOvr>
+    <a:masterClrMapping/>
+  </p:clrMapOvr>
+</p:sld>
+</file>
+
+<file path=ppt/slides/slide14.xml><?xml version="1.0" encoding="utf-8"?>
+<p:sld xmlns:a="http://schemas.openxmlformats.org/drawingml/2006/main" xmlns:r="http://schemas.openxmlformats.org/officeDocument/2006/relationships" xmlns:p="http://schemas.openxmlformats.org/presentationml/2006/main">
+  <p:cSld>
+    <p:spTree>
+      <p:nvGrpSpPr>
+        <p:cNvPr id="1" name=""/>
+        <p:cNvGrpSpPr/>
+        <p:nvPr/>
+      </p:nvGrpSpPr>
+      <p:grpSpPr>
+        <a:xfrm>
+          <a:off x="0" y="0"/>
+          <a:ext cx="0" cy="0"/>
+          <a:chOff x="0" y="0"/>
+          <a:chExt cx="0" cy="0"/>
+        </a:xfrm>
+      </p:grpSpPr>
+      <p:sp>
+        <p:nvSpPr>
+          <p:cNvPr id="2" name="Title 1"/>
+          <p:cNvSpPr>
+            <a:spLocks noGrp="1"/>
+          </p:cNvSpPr>
+          <p:nvPr>
+            <p:ph type="title"/>
+          </p:nvPr>
+        </p:nvSpPr>
+        <p:spPr/>
+        <p:txBody>
+          <a:bodyPr/>
+          <a:lstStyle/>
+          <a:p>
+            <a:r>
+              <a:rPr lang="en-GB" dirty="0" smtClean="0"/>
+              <a:t>Data Integrity</a:t>
+            </a:r>
+            <a:endParaRPr lang="en-GB" dirty="0"/>
+          </a:p>
+        </p:txBody>
+      </p:sp>
+      <p:sp>
+        <p:nvSpPr>
+          <p:cNvPr id="3" name="Content Placeholder 2"/>
+          <p:cNvSpPr>
+            <a:spLocks noGrp="1"/>
+          </p:cNvSpPr>
+          <p:nvPr>
+            <p:ph idx="1"/>
+          </p:nvPr>
+        </p:nvSpPr>
+        <p:spPr/>
+        <p:txBody>
+          <a:bodyPr/>
+          <a:lstStyle/>
+          <a:p>
+            <a:r>
+              <a:rPr lang="en-GB" dirty="0" smtClean="0"/>
+              <a:t>Page Verification</a:t>
+            </a:r>
+          </a:p>
+          <a:p>
+            <a:pPr lvl="1"/>
+            <a:r>
+              <a:rPr lang="en-GB" dirty="0" smtClean="0"/>
+              <a:t>None</a:t>
+            </a:r>
+          </a:p>
+          <a:p>
+            <a:pPr lvl="2"/>
+            <a:r>
+              <a:rPr lang="en-GB" dirty="0" smtClean="0"/>
+              <a:t>Pages are trusted to be valid, totally corrupt pages still cannot be read </a:t>
+            </a:r>
+          </a:p>
+          <a:p>
+            <a:pPr lvl="1"/>
+            <a:r>
+              <a:rPr lang="en-GB" dirty="0" smtClean="0"/>
+              <a:t>Torn Page</a:t>
+            </a:r>
+          </a:p>
+          <a:p>
+            <a:pPr lvl="2"/>
+            <a:r>
+              <a:rPr lang="en-GB" dirty="0" smtClean="0"/>
+              <a:t>Places a bit marker every 512 bytes to show page was fully written</a:t>
+            </a:r>
+          </a:p>
+          <a:p>
+            <a:pPr lvl="1"/>
+            <a:r>
+              <a:rPr lang="en-GB" dirty="0" smtClean="0"/>
+              <a:t>Checksum (default 2005+)</a:t>
+            </a:r>
+          </a:p>
+          <a:p>
+            <a:pPr lvl="2"/>
+            <a:r>
+              <a:rPr lang="en-GB" dirty="0" smtClean="0"/>
+              <a:t>Creates a checksum of the data and writes to header</a:t>
+            </a:r>
+          </a:p>
+          <a:p>
+            <a:pPr lvl="2"/>
+            <a:r>
+              <a:rPr lang="en-GB" dirty="0" smtClean="0"/>
+              <a:t>On read the checksum is verified</a:t>
+            </a:r>
+          </a:p>
+          <a:p>
+            <a:r>
+              <a:rPr lang="en-GB" dirty="0" smtClean="0"/>
+              <a:t>When changing to checksum existing pages will not have a checksum</a:t>
+            </a:r>
+          </a:p>
+          <a:p>
+            <a:pPr lvl="1"/>
+            <a:r>
+              <a:rPr lang="en-GB" dirty="0" smtClean="0"/>
+              <a:t>It will resort to torn page checking if it existed</a:t>
+            </a:r>
+          </a:p>
+          <a:p>
+            <a:pPr lvl="1"/>
+            <a:r>
+              <a:rPr lang="en-GB" dirty="0" smtClean="0"/>
+              <a:t>Fix by </a:t>
+            </a:r>
+            <a:r>
+              <a:rPr lang="en-GB" dirty="0" err="1" smtClean="0"/>
+              <a:t>reindexing</a:t>
+            </a:r>
+            <a:endParaRPr lang="en-GB" dirty="0"/>
+          </a:p>
+        </p:txBody>
+      </p:sp>
+    </p:spTree>
+    <p:extLst>
+      <p:ext uri="{BB962C8B-B14F-4D97-AF65-F5344CB8AC3E}">
+        <p14:creationId xmlns:p14="http://schemas.microsoft.com/office/powerpoint/2010/main" val="4283491392"/>
+      </p:ext>
+    </p:extLst>
+  </p:cSld>
+  <p:clrMapOvr>
+    <a:masterClrMapping/>
+  </p:clrMapOvr>
+</p:sld>
+</file>
+
+<file path=ppt/slides/slide15.xml><?xml version="1.0" encoding="utf-8"?>
+<p:sld xmlns:a="http://schemas.openxmlformats.org/drawingml/2006/main" xmlns:r="http://schemas.openxmlformats.org/officeDocument/2006/relationships" xmlns:p="http://schemas.openxmlformats.org/presentationml/2006/main">
+  <p:cSld>
+    <p:spTree>
+      <p:nvGrpSpPr>
+        <p:cNvPr id="1" name=""/>
+        <p:cNvGrpSpPr/>
+        <p:nvPr/>
+      </p:nvGrpSpPr>
+      <p:grpSpPr>
+        <a:xfrm>
+          <a:off x="0" y="0"/>
+          <a:ext cx="0" cy="0"/>
+          <a:chOff x="0" y="0"/>
+          <a:chExt cx="0" cy="0"/>
+        </a:xfrm>
+      </p:grpSpPr>
+      <p:sp>
+        <p:nvSpPr>
+          <p:cNvPr id="2" name="Title 1"/>
+          <p:cNvSpPr>
+            <a:spLocks noGrp="1"/>
+          </p:cNvSpPr>
+          <p:nvPr>
+            <p:ph type="title"/>
+          </p:nvPr>
+        </p:nvSpPr>
+        <p:spPr/>
+        <p:txBody>
+          <a:bodyPr/>
+          <a:lstStyle/>
+          <a:p>
+            <a:r>
+              <a:rPr lang="en-GB" dirty="0" smtClean="0"/>
+              <a:t>Demo</a:t>
+            </a:r>
+            <a:endParaRPr lang="en-GB" dirty="0"/>
+          </a:p>
+        </p:txBody>
+      </p:sp>
+      <p:sp>
+        <p:nvSpPr>
+          <p:cNvPr id="3" name="Content Placeholder 2"/>
+          <p:cNvSpPr>
+            <a:spLocks noGrp="1"/>
+          </p:cNvSpPr>
+          <p:nvPr>
+            <p:ph idx="1"/>
+          </p:nvPr>
+        </p:nvSpPr>
+        <p:spPr/>
+        <p:txBody>
+          <a:bodyPr/>
+          <a:lstStyle/>
+          <a:p>
+            <a:endParaRPr lang="en-GB"/>
+          </a:p>
+        </p:txBody>
+      </p:sp>
+    </p:spTree>
+    <p:extLst>
+      <p:ext uri="{BB962C8B-B14F-4D97-AF65-F5344CB8AC3E}">
+        <p14:creationId xmlns:p14="http://schemas.microsoft.com/office/powerpoint/2010/main" val="2685275328"/>
       </p:ext>
     </p:extLst>
   </p:cSld>
@@ -4057,7 +4701,11 @@
           <a:bodyPr/>
           <a:lstStyle/>
           <a:p>
-            <a:endParaRPr lang="en-GB"/>
+            <a:r>
+              <a:rPr lang="en-GB" dirty="0" smtClean="0"/>
+              <a:t>User Experience of Data Modification</a:t>
+            </a:r>
+            <a:endParaRPr lang="en-GB" dirty="0"/>
           </a:p>
         </p:txBody>
       </p:sp>
@@ -4085,11 +4733,81 @@
         </p:blipFill>
         <p:spPr>
           <a:xfrm>
-            <a:off x="2969477" y="2690793"/>
+            <a:off x="2701848" y="1787544"/>
             <a:ext cx="6618150" cy="2048475"/>
           </a:xfrm>
         </p:spPr>
       </p:pic>
+      <p:sp>
+        <p:nvSpPr>
+          <p:cNvPr id="3" name="TextBox 2"/>
+          <p:cNvSpPr txBox="1"/>
+          <p:nvPr/>
+        </p:nvSpPr>
+        <p:spPr>
+          <a:xfrm>
+            <a:off x="1003610" y="4337823"/>
+            <a:ext cx="10225668" cy="1477328"/>
+          </a:xfrm>
+          <a:prstGeom prst="rect">
+            <a:avLst/>
+          </a:prstGeom>
+          <a:noFill/>
+        </p:spPr>
+        <p:txBody>
+          <a:bodyPr wrap="square" rtlCol="0">
+            <a:spAutoFit/>
+          </a:bodyPr>
+          <a:lstStyle/>
+          <a:p>
+            <a:pPr marL="342900" indent="-342900">
+              <a:buFont typeface="+mj-lt"/>
+              <a:buAutoNum type="arabicPeriod"/>
+            </a:pPr>
+            <a:r>
+              <a:rPr lang="en-GB" dirty="0" smtClean="0"/>
+              <a:t>User Issues Modification Statement</a:t>
+            </a:r>
+          </a:p>
+          <a:p>
+            <a:pPr marL="342900" indent="-342900">
+              <a:buFont typeface="+mj-lt"/>
+              <a:buAutoNum type="arabicPeriod"/>
+            </a:pPr>
+            <a:r>
+              <a:rPr lang="en-GB" dirty="0" smtClean="0"/>
+              <a:t>Change is written to the Buffer Pool and Log Buffer</a:t>
+            </a:r>
+          </a:p>
+          <a:p>
+            <a:pPr marL="342900" indent="-342900">
+              <a:buFont typeface="+mj-lt"/>
+              <a:buAutoNum type="arabicPeriod"/>
+            </a:pPr>
+            <a:r>
+              <a:rPr lang="en-GB" dirty="0" smtClean="0"/>
+              <a:t>Change is written to the Transaction Log – the user is now sent an acknowledgement and can continue</a:t>
+            </a:r>
+          </a:p>
+          <a:p>
+            <a:pPr marL="342900" indent="-342900">
+              <a:buFont typeface="+mj-lt"/>
+              <a:buAutoNum type="arabicPeriod"/>
+            </a:pPr>
+            <a:r>
+              <a:rPr lang="en-GB" dirty="0" smtClean="0"/>
+              <a:t>The data pages are written to disk </a:t>
+            </a:r>
+          </a:p>
+          <a:p>
+            <a:pPr marL="342900" indent="-342900">
+              <a:buFont typeface="+mj-lt"/>
+              <a:buAutoNum type="arabicPeriod"/>
+            </a:pPr>
+            <a:endParaRPr lang="en-GB" dirty="0"/>
+          </a:p>
+        </p:txBody>
+      </p:sp>
     </p:spTree>
     <p:extLst>
       <p:ext uri="{BB962C8B-B14F-4D97-AF65-F5344CB8AC3E}">
@@ -4174,8 +4892,13 @@
             <a:pPr lvl="1"/>
             <a:r>
               <a:rPr lang="en-GB" dirty="0" smtClean="0"/>
-              <a:t>Before and after “image” of the altered page (bulk logging)</a:t>
-            </a:r>
+              <a:t>Before and after “image” of the altered </a:t>
+            </a:r>
+            <a:r>
+              <a:rPr lang="en-GB" dirty="0" smtClean="0"/>
+              <a:t>page</a:t>
+            </a:r>
+            <a:endParaRPr lang="en-GB" dirty="0" smtClean="0"/>
           </a:p>
           <a:p>
             <a:r>
@@ -4311,7 +5034,15 @@
           <a:p>
             <a:r>
               <a:rPr lang="en-GB" dirty="0" smtClean="0"/>
-              <a:t>User processes showing the WRITELOG wait type are being held up buffer flushes, possible performance issue with disk</a:t>
+              <a:t>User processes showing the WRITELOG wait type are being held up buffer flushes, possible </a:t>
+            </a:r>
+            <a:r>
+              <a:rPr lang="en-GB" dirty="0" smtClean="0"/>
+              <a:t>bottleneck at </a:t>
+            </a:r>
+            <a:r>
+              <a:rPr lang="en-GB" dirty="0" smtClean="0"/>
+              <a:t>disk</a:t>
             </a:r>
             <a:endParaRPr lang="en-GB" dirty="0"/>
           </a:p>
@@ -4385,10 +5116,6 @@
           <a:bodyPr/>
           <a:lstStyle/>
           <a:p>
-            <a:r>
-              <a:rPr lang="en-GB" dirty="0" smtClean="0"/>
-              <a:t>SabinIO.Logging.Demo1</a:t>
-            </a:r>
             <a:endParaRPr lang="en-GB" dirty="0"/>
           </a:p>
         </p:txBody>
@@ -4483,7 +5210,15 @@
           <a:p>
             <a:r>
               <a:rPr lang="en-GB" dirty="0" smtClean="0"/>
-              <a:t>Checkpoints are a marker in the log to indicate there are no dirty pages pervious to the marker</a:t>
+              <a:t>Checkpoints are a marker in the log to indicate there are no dirty pages </a:t>
+            </a:r>
+            <a:r>
+              <a:rPr lang="en-GB" dirty="0" smtClean="0"/>
+              <a:t>previous </a:t>
+            </a:r>
+            <a:r>
+              <a:rPr lang="en-GB" dirty="0" smtClean="0"/>
+              <a:t>to the marker</a:t>
             </a:r>
           </a:p>
           <a:p>

--- a/Slides/1. Logging.pptx
+++ b/Slides/1. Logging.pptx
@@ -5,24 +5,25 @@
     <p:sldMasterId id="2147483648" r:id="rId1"/>
   </p:sldMasterIdLst>
   <p:notesMasterIdLst>
-    <p:notesMasterId r:id="rId17"/>
+    <p:notesMasterId r:id="rId18"/>
   </p:notesMasterIdLst>
   <p:sldIdLst>
     <p:sldId id="256" r:id="rId2"/>
-    <p:sldId id="258" r:id="rId3"/>
-    <p:sldId id="267" r:id="rId4"/>
-    <p:sldId id="259" r:id="rId5"/>
-    <p:sldId id="260" r:id="rId6"/>
-    <p:sldId id="268" r:id="rId7"/>
-    <p:sldId id="261" r:id="rId8"/>
-    <p:sldId id="265" r:id="rId9"/>
-    <p:sldId id="266" r:id="rId10"/>
-    <p:sldId id="264" r:id="rId11"/>
-    <p:sldId id="262" r:id="rId12"/>
-    <p:sldId id="269" r:id="rId13"/>
-    <p:sldId id="263" r:id="rId14"/>
-    <p:sldId id="270" r:id="rId15"/>
-    <p:sldId id="271" r:id="rId16"/>
+    <p:sldId id="272" r:id="rId3"/>
+    <p:sldId id="274" r:id="rId4"/>
+    <p:sldId id="273" r:id="rId5"/>
+    <p:sldId id="259" r:id="rId6"/>
+    <p:sldId id="260" r:id="rId7"/>
+    <p:sldId id="268" r:id="rId8"/>
+    <p:sldId id="261" r:id="rId9"/>
+    <p:sldId id="265" r:id="rId10"/>
+    <p:sldId id="266" r:id="rId11"/>
+    <p:sldId id="264" r:id="rId12"/>
+    <p:sldId id="262" r:id="rId13"/>
+    <p:sldId id="269" r:id="rId14"/>
+    <p:sldId id="263" r:id="rId15"/>
+    <p:sldId id="270" r:id="rId16"/>
+    <p:sldId id="271" r:id="rId17"/>
   </p:sldIdLst>
   <p:sldSz cx="12192000" cy="6858000"/>
   <p:notesSz cx="6858000" cy="9144000"/>
@@ -214,7 +215,7 @@
           <a:p>
             <a:fld id="{2EEC8B6C-ECA7-4502-A71C-D2F93F5DB82F}" type="datetimeFigureOut">
               <a:rPr lang="en-GB" smtClean="0"/>
-              <a:t>25/09/2015</a:t>
+              <a:t>01/10/2015</a:t>
             </a:fld>
             <a:endParaRPr lang="en-GB"/>
           </a:p>
@@ -526,45 +527,6 @@
           <a:bodyPr/>
           <a:lstStyle/>
           <a:p>
-            <a:r>
-              <a:rPr lang="en-GB" dirty="0" smtClean="0"/>
-              <a:t>Mention:</a:t>
-            </a:r>
-          </a:p>
-          <a:p>
-            <a:r>
-              <a:rPr lang="en-GB" dirty="0" smtClean="0"/>
-              <a:t>	Write caching</a:t>
-            </a:r>
-            <a:r>
-              <a:rPr lang="en-GB" baseline="0" dirty="0" smtClean="0"/>
-              <a:t> on the log drive can cause loss of data. </a:t>
-            </a:r>
-            <a:endParaRPr lang="en-GB" dirty="0" smtClean="0"/>
-          </a:p>
-          <a:p>
-            <a:endParaRPr lang="en-GB" dirty="0" smtClean="0"/>
-          </a:p>
-          <a:p>
-            <a:r>
-              <a:rPr lang="en-GB" dirty="0" smtClean="0"/>
-              <a:t>Notes to self:</a:t>
-            </a:r>
-          </a:p>
-          <a:p>
-            <a:r>
-              <a:rPr lang="en-GB" dirty="0" smtClean="0"/>
-              <a:t>	Need</a:t>
-            </a:r>
-            <a:r>
-              <a:rPr lang="en-GB" baseline="0" dirty="0" smtClean="0"/>
-              <a:t> to cover what a page is somewhere</a:t>
-            </a:r>
-          </a:p>
-          <a:p>
-            <a:endParaRPr lang="en-GB" baseline="0" dirty="0" smtClean="0"/>
-          </a:p>
-          <a:p>
             <a:endParaRPr lang="en-GB" dirty="0"/>
           </a:p>
         </p:txBody>
@@ -586,7 +548,7 @@
           <a:p>
             <a:fld id="{B8CE15B0-7A20-444B-AEAA-2A6F3DDB1305}" type="slidenum">
               <a:rPr lang="en-GB" smtClean="0"/>
-              <a:t>2</a:t>
+              <a:t>5</a:t>
             </a:fld>
             <a:endParaRPr lang="en-GB"/>
           </a:p>
@@ -595,7 +557,7 @@
     </p:spTree>
     <p:extLst>
       <p:ext uri="{BB962C8B-B14F-4D97-AF65-F5344CB8AC3E}">
-        <p14:creationId xmlns:p14="http://schemas.microsoft.com/office/powerpoint/2010/main" val="399781760"/>
+        <p14:creationId xmlns:p14="http://schemas.microsoft.com/office/powerpoint/2010/main" val="2291787364"/>
       </p:ext>
     </p:extLst>
   </p:cSld>
@@ -649,6 +611,29 @@
           <a:bodyPr/>
           <a:lstStyle/>
           <a:p>
+            <a:pPr marL="0" marR="0" indent="0" algn="l" defTabSz="914400" rtl="0" eaLnBrk="1" fontAlgn="auto" latinLnBrk="0" hangingPunct="1">
+              <a:lnSpc>
+                <a:spcPct val="100000"/>
+              </a:lnSpc>
+              <a:spcBef>
+                <a:spcPts val="0"/>
+              </a:spcBef>
+              <a:spcAft>
+                <a:spcPts val="0"/>
+              </a:spcAft>
+              <a:buClrTx/>
+              <a:buSzTx/>
+              <a:buFontTx/>
+              <a:buNone/>
+              <a:tabLst/>
+              <a:defRPr/>
+            </a:pPr>
+            <a:r>
+              <a:rPr lang="en-GB" dirty="0" smtClean="0"/>
+              <a:t>SabinIO.Logging.Demo1</a:t>
+            </a:r>
+          </a:p>
+          <a:p>
             <a:endParaRPr lang="en-GB" dirty="0"/>
           </a:p>
         </p:txBody>
@@ -670,7 +655,7 @@
           <a:p>
             <a:fld id="{B8CE15B0-7A20-444B-AEAA-2A6F3DDB1305}" type="slidenum">
               <a:rPr lang="en-GB" smtClean="0"/>
-              <a:t>4</a:t>
+              <a:t>7</a:t>
             </a:fld>
             <a:endParaRPr lang="en-GB"/>
           </a:p>
@@ -679,7 +664,7 @@
     </p:spTree>
     <p:extLst>
       <p:ext uri="{BB962C8B-B14F-4D97-AF65-F5344CB8AC3E}">
-        <p14:creationId xmlns:p14="http://schemas.microsoft.com/office/powerpoint/2010/main" val="2291787364"/>
+        <p14:creationId xmlns:p14="http://schemas.microsoft.com/office/powerpoint/2010/main" val="2674959316"/>
       </p:ext>
     </p:extLst>
   </p:cSld>
@@ -733,29 +718,6 @@
           <a:bodyPr/>
           <a:lstStyle/>
           <a:p>
-            <a:pPr marL="0" marR="0" indent="0" algn="l" defTabSz="914400" rtl="0" eaLnBrk="1" fontAlgn="auto" latinLnBrk="0" hangingPunct="1">
-              <a:lnSpc>
-                <a:spcPct val="100000"/>
-              </a:lnSpc>
-              <a:spcBef>
-                <a:spcPts val="0"/>
-              </a:spcBef>
-              <a:spcAft>
-                <a:spcPts val="0"/>
-              </a:spcAft>
-              <a:buClrTx/>
-              <a:buSzTx/>
-              <a:buFontTx/>
-              <a:buNone/>
-              <a:tabLst/>
-              <a:defRPr/>
-            </a:pPr>
-            <a:r>
-              <a:rPr lang="en-GB" dirty="0" smtClean="0"/>
-              <a:t>SabinIO.Logging.Demo1</a:t>
-            </a:r>
-          </a:p>
-          <a:p>
             <a:endParaRPr lang="en-GB" dirty="0"/>
           </a:p>
         </p:txBody>
@@ -777,7 +739,7 @@
           <a:p>
             <a:fld id="{B8CE15B0-7A20-444B-AEAA-2A6F3DDB1305}" type="slidenum">
               <a:rPr lang="en-GB" smtClean="0"/>
-              <a:t>6</a:t>
+              <a:t>12</a:t>
             </a:fld>
             <a:endParaRPr lang="en-GB"/>
           </a:p>
@@ -786,7 +748,7 @@
     </p:spTree>
     <p:extLst>
       <p:ext uri="{BB962C8B-B14F-4D97-AF65-F5344CB8AC3E}">
-        <p14:creationId xmlns:p14="http://schemas.microsoft.com/office/powerpoint/2010/main" val="2674959316"/>
+        <p14:creationId xmlns:p14="http://schemas.microsoft.com/office/powerpoint/2010/main" val="3480711512"/>
       </p:ext>
     </p:extLst>
   </p:cSld>
@@ -840,6 +802,10 @@
           <a:bodyPr/>
           <a:lstStyle/>
           <a:p>
+            <a:r>
+              <a:rPr lang="en-GB" dirty="0" smtClean="0"/>
+              <a:t>SabinIO.Logging.Demo2</a:t>
+            </a:r>
             <a:endParaRPr lang="en-GB" dirty="0"/>
           </a:p>
         </p:txBody>
@@ -861,95 +827,7 @@
           <a:p>
             <a:fld id="{B8CE15B0-7A20-444B-AEAA-2A6F3DDB1305}" type="slidenum">
               <a:rPr lang="en-GB" smtClean="0"/>
-              <a:t>11</a:t>
-            </a:fld>
-            <a:endParaRPr lang="en-GB"/>
-          </a:p>
-        </p:txBody>
-      </p:sp>
-    </p:spTree>
-    <p:extLst>
-      <p:ext uri="{BB962C8B-B14F-4D97-AF65-F5344CB8AC3E}">
-        <p14:creationId xmlns:p14="http://schemas.microsoft.com/office/powerpoint/2010/main" val="3480711512"/>
-      </p:ext>
-    </p:extLst>
-  </p:cSld>
-  <p:clrMapOvr>
-    <a:masterClrMapping/>
-  </p:clrMapOvr>
-</p:notes>
-</file>
-
-<file path=ppt/notesSlides/notesSlide5.xml><?xml version="1.0" encoding="utf-8"?>
-<p:notes xmlns:a="http://schemas.openxmlformats.org/drawingml/2006/main" xmlns:r="http://schemas.openxmlformats.org/officeDocument/2006/relationships" xmlns:p="http://schemas.openxmlformats.org/presentationml/2006/main">
-  <p:cSld>
-    <p:spTree>
-      <p:nvGrpSpPr>
-        <p:cNvPr id="1" name=""/>
-        <p:cNvGrpSpPr/>
-        <p:nvPr/>
-      </p:nvGrpSpPr>
-      <p:grpSpPr>
-        <a:xfrm>
-          <a:off x="0" y="0"/>
-          <a:ext cx="0" cy="0"/>
-          <a:chOff x="0" y="0"/>
-          <a:chExt cx="0" cy="0"/>
-        </a:xfrm>
-      </p:grpSpPr>
-      <p:sp>
-        <p:nvSpPr>
-          <p:cNvPr id="2" name="Slide Image Placeholder 1"/>
-          <p:cNvSpPr>
-            <a:spLocks noGrp="1" noRot="1" noChangeAspect="1"/>
-          </p:cNvSpPr>
-          <p:nvPr>
-            <p:ph type="sldImg"/>
-          </p:nvPr>
-        </p:nvSpPr>
-        <p:spPr/>
-      </p:sp>
-      <p:sp>
-        <p:nvSpPr>
-          <p:cNvPr id="3" name="Notes Placeholder 2"/>
-          <p:cNvSpPr>
-            <a:spLocks noGrp="1"/>
-          </p:cNvSpPr>
-          <p:nvPr>
-            <p:ph type="body" idx="1"/>
-          </p:nvPr>
-        </p:nvSpPr>
-        <p:spPr/>
-        <p:txBody>
-          <a:bodyPr/>
-          <a:lstStyle/>
-          <a:p>
-            <a:r>
-              <a:rPr lang="en-GB" dirty="0" smtClean="0"/>
-              <a:t>SabinIO.Logging.Demo2</a:t>
-            </a:r>
-            <a:endParaRPr lang="en-GB" dirty="0"/>
-          </a:p>
-        </p:txBody>
-      </p:sp>
-      <p:sp>
-        <p:nvSpPr>
-          <p:cNvPr id="4" name="Slide Number Placeholder 3"/>
-          <p:cNvSpPr>
-            <a:spLocks noGrp="1"/>
-          </p:cNvSpPr>
-          <p:nvPr>
-            <p:ph type="sldNum" sz="quarter" idx="10"/>
-          </p:nvPr>
-        </p:nvSpPr>
-        <p:spPr/>
-        <p:txBody>
-          <a:bodyPr/>
-          <a:lstStyle/>
-          <a:p>
-            <a:fld id="{B8CE15B0-7A20-444B-AEAA-2A6F3DDB1305}" type="slidenum">
-              <a:rPr lang="en-GB" smtClean="0"/>
-              <a:t>12</a:t>
+              <a:t>13</a:t>
             </a:fld>
             <a:endParaRPr lang="en-GB"/>
           </a:p>
@@ -1099,7 +977,7 @@
           <a:p>
             <a:fld id="{0450233C-AED0-40A2-94DD-085E6C2BAB99}" type="datetimeFigureOut">
               <a:rPr lang="en-GB" smtClean="0"/>
-              <a:t>25/09/2015</a:t>
+              <a:t>01/10/2015</a:t>
             </a:fld>
             <a:endParaRPr lang="en-GB"/>
           </a:p>
@@ -1269,7 +1147,7 @@
           <a:p>
             <a:fld id="{0450233C-AED0-40A2-94DD-085E6C2BAB99}" type="datetimeFigureOut">
               <a:rPr lang="en-GB" smtClean="0"/>
-              <a:t>25/09/2015</a:t>
+              <a:t>01/10/2015</a:t>
             </a:fld>
             <a:endParaRPr lang="en-GB"/>
           </a:p>
@@ -1449,7 +1327,7 @@
           <a:p>
             <a:fld id="{0450233C-AED0-40A2-94DD-085E6C2BAB99}" type="datetimeFigureOut">
               <a:rPr lang="en-GB" smtClean="0"/>
-              <a:t>25/09/2015</a:t>
+              <a:t>01/10/2015</a:t>
             </a:fld>
             <a:endParaRPr lang="en-GB"/>
           </a:p>
@@ -1619,7 +1497,7 @@
           <a:p>
             <a:fld id="{0450233C-AED0-40A2-94DD-085E6C2BAB99}" type="datetimeFigureOut">
               <a:rPr lang="en-GB" smtClean="0"/>
-              <a:t>25/09/2015</a:t>
+              <a:t>01/10/2015</a:t>
             </a:fld>
             <a:endParaRPr lang="en-GB"/>
           </a:p>
@@ -1865,7 +1743,7 @@
           <a:p>
             <a:fld id="{0450233C-AED0-40A2-94DD-085E6C2BAB99}" type="datetimeFigureOut">
               <a:rPr lang="en-GB" smtClean="0"/>
-              <a:t>25/09/2015</a:t>
+              <a:t>01/10/2015</a:t>
             </a:fld>
             <a:endParaRPr lang="en-GB"/>
           </a:p>
@@ -2097,7 +1975,7 @@
           <a:p>
             <a:fld id="{0450233C-AED0-40A2-94DD-085E6C2BAB99}" type="datetimeFigureOut">
               <a:rPr lang="en-GB" smtClean="0"/>
-              <a:t>25/09/2015</a:t>
+              <a:t>01/10/2015</a:t>
             </a:fld>
             <a:endParaRPr lang="en-GB"/>
           </a:p>
@@ -2464,7 +2342,7 @@
           <a:p>
             <a:fld id="{0450233C-AED0-40A2-94DD-085E6C2BAB99}" type="datetimeFigureOut">
               <a:rPr lang="en-GB" smtClean="0"/>
-              <a:t>25/09/2015</a:t>
+              <a:t>01/10/2015</a:t>
             </a:fld>
             <a:endParaRPr lang="en-GB"/>
           </a:p>
@@ -2582,7 +2460,7 @@
           <a:p>
             <a:fld id="{0450233C-AED0-40A2-94DD-085E6C2BAB99}" type="datetimeFigureOut">
               <a:rPr lang="en-GB" smtClean="0"/>
-              <a:t>25/09/2015</a:t>
+              <a:t>01/10/2015</a:t>
             </a:fld>
             <a:endParaRPr lang="en-GB"/>
           </a:p>
@@ -2677,7 +2555,7 @@
           <a:p>
             <a:fld id="{0450233C-AED0-40A2-94DD-085E6C2BAB99}" type="datetimeFigureOut">
               <a:rPr lang="en-GB" smtClean="0"/>
-              <a:t>25/09/2015</a:t>
+              <a:t>01/10/2015</a:t>
             </a:fld>
             <a:endParaRPr lang="en-GB"/>
           </a:p>
@@ -2954,7 +2832,7 @@
           <a:p>
             <a:fld id="{0450233C-AED0-40A2-94DD-085E6C2BAB99}" type="datetimeFigureOut">
               <a:rPr lang="en-GB" smtClean="0"/>
-              <a:t>25/09/2015</a:t>
+              <a:t>01/10/2015</a:t>
             </a:fld>
             <a:endParaRPr lang="en-GB"/>
           </a:p>
@@ -3207,7 +3085,7 @@
           <a:p>
             <a:fld id="{0450233C-AED0-40A2-94DD-085E6C2BAB99}" type="datetimeFigureOut">
               <a:rPr lang="en-GB" smtClean="0"/>
-              <a:t>25/09/2015</a:t>
+              <a:t>01/10/2015</a:t>
             </a:fld>
             <a:endParaRPr lang="en-GB"/>
           </a:p>
@@ -3420,7 +3298,7 @@
           <a:p>
             <a:fld id="{0450233C-AED0-40A2-94DD-085E6C2BAB99}" type="datetimeFigureOut">
               <a:rPr lang="en-GB" smtClean="0"/>
-              <a:t>25/09/2015</a:t>
+              <a:t>01/10/2015</a:t>
             </a:fld>
             <a:endParaRPr lang="en-GB"/>
           </a:p>
@@ -3840,10 +3718,6 @@
           <a:bodyPr/>
           <a:lstStyle/>
           <a:p>
-            <a:r>
-              <a:rPr lang="en-GB" dirty="0" smtClean="0"/>
-              <a:t>Writing Data</a:t>
-            </a:r>
             <a:endParaRPr lang="en-GB" dirty="0"/>
           </a:p>
         </p:txBody>
@@ -3914,6 +3788,123 @@
           <a:p>
             <a:r>
               <a:rPr lang="en-GB" dirty="0" smtClean="0"/>
+              <a:t>Lazy Writer</a:t>
+            </a:r>
+            <a:endParaRPr lang="en-GB" dirty="0"/>
+          </a:p>
+        </p:txBody>
+      </p:sp>
+      <p:sp>
+        <p:nvSpPr>
+          <p:cNvPr id="3" name="Content Placeholder 2"/>
+          <p:cNvSpPr>
+            <a:spLocks noGrp="1"/>
+          </p:cNvSpPr>
+          <p:nvPr>
+            <p:ph idx="1"/>
+          </p:nvPr>
+        </p:nvSpPr>
+        <p:spPr/>
+        <p:txBody>
+          <a:bodyPr/>
+          <a:lstStyle/>
+          <a:p>
+            <a:r>
+              <a:rPr lang="en-GB" dirty="0" smtClean="0"/>
+              <a:t>Background process the writes dirty pages to disk</a:t>
+            </a:r>
+          </a:p>
+          <a:p>
+            <a:pPr lvl="1"/>
+            <a:r>
+              <a:rPr lang="en-GB" dirty="0" smtClean="0"/>
+              <a:t>Tries to write continuous pages (up to 32)</a:t>
+            </a:r>
+          </a:p>
+          <a:p>
+            <a:r>
+              <a:rPr lang="en-GB" dirty="0" smtClean="0"/>
+              <a:t>Can be invoked by memory pressure</a:t>
+            </a:r>
+          </a:p>
+          <a:p>
+            <a:r>
+              <a:rPr lang="en-GB" dirty="0" smtClean="0"/>
+              <a:t>Can write pages where the change has NOT been committed</a:t>
+            </a:r>
+          </a:p>
+          <a:p>
+            <a:r>
+              <a:rPr lang="en-GB" dirty="0" smtClean="0"/>
+              <a:t>Page is latched </a:t>
+            </a:r>
+          </a:p>
+          <a:p>
+            <a:pPr lvl="1"/>
+            <a:r>
+              <a:rPr lang="en-GB" dirty="0" smtClean="0"/>
+              <a:t>No users can modify it until the write is complete</a:t>
+            </a:r>
+          </a:p>
+          <a:p>
+            <a:pPr lvl="1"/>
+            <a:r>
+              <a:rPr lang="en-GB" dirty="0" smtClean="0"/>
+              <a:t>Reads continues</a:t>
+            </a:r>
+          </a:p>
+          <a:p>
+            <a:endParaRPr lang="en-GB" dirty="0"/>
+          </a:p>
+        </p:txBody>
+      </p:sp>
+    </p:spTree>
+    <p:extLst>
+      <p:ext uri="{BB962C8B-B14F-4D97-AF65-F5344CB8AC3E}">
+        <p14:creationId xmlns:p14="http://schemas.microsoft.com/office/powerpoint/2010/main" val="2584242974"/>
+      </p:ext>
+    </p:extLst>
+  </p:cSld>
+  <p:clrMapOvr>
+    <a:masterClrMapping/>
+  </p:clrMapOvr>
+</p:sld>
+</file>
+
+<file path=ppt/slides/slide11.xml><?xml version="1.0" encoding="utf-8"?>
+<p:sld xmlns:a="http://schemas.openxmlformats.org/drawingml/2006/main" xmlns:r="http://schemas.openxmlformats.org/officeDocument/2006/relationships" xmlns:p="http://schemas.openxmlformats.org/presentationml/2006/main">
+  <p:cSld>
+    <p:spTree>
+      <p:nvGrpSpPr>
+        <p:cNvPr id="1" name=""/>
+        <p:cNvGrpSpPr/>
+        <p:nvPr/>
+      </p:nvGrpSpPr>
+      <p:grpSpPr>
+        <a:xfrm>
+          <a:off x="0" y="0"/>
+          <a:ext cx="0" cy="0"/>
+          <a:chOff x="0" y="0"/>
+          <a:chExt cx="0" cy="0"/>
+        </a:xfrm>
+      </p:grpSpPr>
+      <p:sp>
+        <p:nvSpPr>
+          <p:cNvPr id="2" name="Title 1"/>
+          <p:cNvSpPr>
+            <a:spLocks noGrp="1"/>
+          </p:cNvSpPr>
+          <p:nvPr>
+            <p:ph type="title"/>
+          </p:nvPr>
+        </p:nvSpPr>
+        <p:spPr/>
+        <p:txBody>
+          <a:bodyPr/>
+          <a:lstStyle/>
+          <a:p>
+            <a:r>
+              <a:rPr lang="en-GB" dirty="0" smtClean="0"/>
               <a:t>Recovery</a:t>
             </a:r>
             <a:endParaRPr lang="en-GB" dirty="0"/>
@@ -4000,7 +3991,7 @@
 </p:sld>
 </file>
 
-<file path=ppt/slides/slide11.xml><?xml version="1.0" encoding="utf-8"?>
+<file path=ppt/slides/slide12.xml><?xml version="1.0" encoding="utf-8"?>
 <p:sld xmlns:a="http://schemas.openxmlformats.org/drawingml/2006/main" xmlns:r="http://schemas.openxmlformats.org/officeDocument/2006/relationships" xmlns:p="http://schemas.openxmlformats.org/presentationml/2006/main">
   <p:cSld>
     <p:spTree>
@@ -4139,78 +4130,6 @@
 </p:sld>
 </file>
 
-<file path=ppt/slides/slide12.xml><?xml version="1.0" encoding="utf-8"?>
-<p:sld xmlns:a="http://schemas.openxmlformats.org/drawingml/2006/main" xmlns:r="http://schemas.openxmlformats.org/officeDocument/2006/relationships" xmlns:p="http://schemas.openxmlformats.org/presentationml/2006/main">
-  <p:cSld>
-    <p:spTree>
-      <p:nvGrpSpPr>
-        <p:cNvPr id="1" name=""/>
-        <p:cNvGrpSpPr/>
-        <p:nvPr/>
-      </p:nvGrpSpPr>
-      <p:grpSpPr>
-        <a:xfrm>
-          <a:off x="0" y="0"/>
-          <a:ext cx="0" cy="0"/>
-          <a:chOff x="0" y="0"/>
-          <a:chExt cx="0" cy="0"/>
-        </a:xfrm>
-      </p:grpSpPr>
-      <p:sp>
-        <p:nvSpPr>
-          <p:cNvPr id="2" name="Title 1"/>
-          <p:cNvSpPr>
-            <a:spLocks noGrp="1"/>
-          </p:cNvSpPr>
-          <p:nvPr>
-            <p:ph type="title"/>
-          </p:nvPr>
-        </p:nvSpPr>
-        <p:spPr/>
-        <p:txBody>
-          <a:bodyPr/>
-          <a:lstStyle/>
-          <a:p>
-            <a:r>
-              <a:rPr lang="en-GB" dirty="0" smtClean="0"/>
-              <a:t>Demo</a:t>
-            </a:r>
-            <a:endParaRPr lang="en-GB" dirty="0"/>
-          </a:p>
-        </p:txBody>
-      </p:sp>
-      <p:sp>
-        <p:nvSpPr>
-          <p:cNvPr id="3" name="Content Placeholder 2"/>
-          <p:cNvSpPr>
-            <a:spLocks noGrp="1"/>
-          </p:cNvSpPr>
-          <p:nvPr>
-            <p:ph idx="1"/>
-          </p:nvPr>
-        </p:nvSpPr>
-        <p:spPr/>
-        <p:txBody>
-          <a:bodyPr/>
-          <a:lstStyle/>
-          <a:p>
-            <a:endParaRPr lang="en-GB"/>
-          </a:p>
-        </p:txBody>
-      </p:sp>
-    </p:spTree>
-    <p:extLst>
-      <p:ext uri="{BB962C8B-B14F-4D97-AF65-F5344CB8AC3E}">
-        <p14:creationId xmlns:p14="http://schemas.microsoft.com/office/powerpoint/2010/main" val="2979785551"/>
-      </p:ext>
-    </p:extLst>
-  </p:cSld>
-  <p:clrMapOvr>
-    <a:masterClrMapping/>
-  </p:clrMapOvr>
-</p:sld>
-</file>
-
 <file path=ppt/slides/slide13.xml><?xml version="1.0" encoding="utf-8"?>
 <p:sld xmlns:a="http://schemas.openxmlformats.org/drawingml/2006/main" xmlns:r="http://schemas.openxmlformats.org/officeDocument/2006/relationships" xmlns:p="http://schemas.openxmlformats.org/presentationml/2006/main">
   <p:cSld>
@@ -4245,7 +4164,7 @@
           <a:p>
             <a:r>
               <a:rPr lang="en-GB" dirty="0" smtClean="0"/>
-              <a:t>Clearing the Log</a:t>
+              <a:t>Demo</a:t>
             </a:r>
             <a:endParaRPr lang="en-GB" dirty="0"/>
           </a:p>
@@ -4265,67 +4184,6 @@
         <p:txBody>
           <a:bodyPr/>
           <a:lstStyle/>
-          <a:p>
-            <a:r>
-              <a:rPr lang="en-GB" dirty="0" smtClean="0"/>
-              <a:t>Features that block log truncation</a:t>
-            </a:r>
-          </a:p>
-          <a:p>
-            <a:pPr lvl="1"/>
-            <a:r>
-              <a:rPr lang="en-GB" dirty="0" smtClean="0"/>
-              <a:t>Replication</a:t>
-            </a:r>
-          </a:p>
-          <a:p>
-            <a:pPr lvl="1"/>
-            <a:r>
-              <a:rPr lang="en-GB" dirty="0" smtClean="0"/>
-              <a:t>Mirroring</a:t>
-            </a:r>
-          </a:p>
-          <a:p>
-            <a:pPr lvl="1"/>
-            <a:r>
-              <a:rPr lang="en-GB" dirty="0" smtClean="0"/>
-              <a:t>CDC</a:t>
-            </a:r>
-          </a:p>
-          <a:p>
-            <a:pPr lvl="1"/>
-            <a:r>
-              <a:rPr lang="en-GB" dirty="0" smtClean="0"/>
-              <a:t>Open Transactions</a:t>
-            </a:r>
-          </a:p>
-          <a:p>
-            <a:pPr lvl="1"/>
-            <a:r>
-              <a:rPr lang="en-GB" dirty="0" smtClean="0"/>
-              <a:t>Backups</a:t>
-            </a:r>
-            <a:endParaRPr lang="en-GB" dirty="0" smtClean="0"/>
-          </a:p>
-          <a:p>
-            <a:r>
-              <a:rPr lang="en-GB" dirty="0" smtClean="0"/>
-              <a:t>See </a:t>
-            </a:r>
-            <a:r>
-              <a:rPr lang="en-GB" dirty="0" err="1" smtClean="0"/>
-              <a:t>sys.databases</a:t>
-            </a:r>
-            <a:r>
-              <a:rPr lang="en-GB" dirty="0" smtClean="0"/>
-              <a:t> </a:t>
-            </a:r>
-            <a:r>
-              <a:rPr lang="en-GB" dirty="0" err="1"/>
-              <a:t>log_reuse_wait_desc</a:t>
-            </a:r>
-            <a:endParaRPr lang="en-GB" dirty="0"/>
-          </a:p>
           <a:p>
             <a:endParaRPr lang="en-GB" dirty="0"/>
           </a:p>
@@ -4334,7 +4192,7 @@
     </p:spTree>
     <p:extLst>
       <p:ext uri="{BB962C8B-B14F-4D97-AF65-F5344CB8AC3E}">
-        <p14:creationId xmlns:p14="http://schemas.microsoft.com/office/powerpoint/2010/main" val="2328418263"/>
+        <p14:creationId xmlns:p14="http://schemas.microsoft.com/office/powerpoint/2010/main" val="2979785551"/>
       </p:ext>
     </p:extLst>
   </p:cSld>
@@ -4378,6 +4236,138 @@
           <a:p>
             <a:r>
               <a:rPr lang="en-GB" dirty="0" smtClean="0"/>
+              <a:t>Clearing the Log</a:t>
+            </a:r>
+            <a:endParaRPr lang="en-GB" dirty="0"/>
+          </a:p>
+        </p:txBody>
+      </p:sp>
+      <p:sp>
+        <p:nvSpPr>
+          <p:cNvPr id="3" name="Content Placeholder 2"/>
+          <p:cNvSpPr>
+            <a:spLocks noGrp="1"/>
+          </p:cNvSpPr>
+          <p:nvPr>
+            <p:ph idx="1"/>
+          </p:nvPr>
+        </p:nvSpPr>
+        <p:spPr/>
+        <p:txBody>
+          <a:bodyPr/>
+          <a:lstStyle/>
+          <a:p>
+            <a:r>
+              <a:rPr lang="en-GB" dirty="0" smtClean="0"/>
+              <a:t>Features that block log truncation</a:t>
+            </a:r>
+          </a:p>
+          <a:p>
+            <a:pPr lvl="1"/>
+            <a:r>
+              <a:rPr lang="en-GB" dirty="0" smtClean="0"/>
+              <a:t>Replication</a:t>
+            </a:r>
+          </a:p>
+          <a:p>
+            <a:pPr lvl="1"/>
+            <a:r>
+              <a:rPr lang="en-GB" dirty="0" smtClean="0"/>
+              <a:t>Mirroring</a:t>
+            </a:r>
+          </a:p>
+          <a:p>
+            <a:pPr lvl="1"/>
+            <a:r>
+              <a:rPr lang="en-GB" dirty="0" smtClean="0"/>
+              <a:t>CDC</a:t>
+            </a:r>
+          </a:p>
+          <a:p>
+            <a:pPr lvl="1"/>
+            <a:r>
+              <a:rPr lang="en-GB" dirty="0" smtClean="0"/>
+              <a:t>Open Transactions</a:t>
+            </a:r>
+          </a:p>
+          <a:p>
+            <a:pPr lvl="1"/>
+            <a:r>
+              <a:rPr lang="en-GB" dirty="0" smtClean="0"/>
+              <a:t>Backups</a:t>
+            </a:r>
+          </a:p>
+          <a:p>
+            <a:r>
+              <a:rPr lang="en-GB" dirty="0" smtClean="0"/>
+              <a:t>See </a:t>
+            </a:r>
+            <a:r>
+              <a:rPr lang="en-GB" dirty="0" err="1" smtClean="0"/>
+              <a:t>sys.databases</a:t>
+            </a:r>
+            <a:r>
+              <a:rPr lang="en-GB" dirty="0" smtClean="0"/>
+              <a:t> </a:t>
+            </a:r>
+            <a:r>
+              <a:rPr lang="en-GB" dirty="0" err="1"/>
+              <a:t>log_reuse_wait_desc</a:t>
+            </a:r>
+            <a:endParaRPr lang="en-GB" dirty="0"/>
+          </a:p>
+          <a:p>
+            <a:endParaRPr lang="en-GB" dirty="0"/>
+          </a:p>
+        </p:txBody>
+      </p:sp>
+    </p:spTree>
+    <p:extLst>
+      <p:ext uri="{BB962C8B-B14F-4D97-AF65-F5344CB8AC3E}">
+        <p14:creationId xmlns:p14="http://schemas.microsoft.com/office/powerpoint/2010/main" val="2328418263"/>
+      </p:ext>
+    </p:extLst>
+  </p:cSld>
+  <p:clrMapOvr>
+    <a:masterClrMapping/>
+  </p:clrMapOvr>
+</p:sld>
+</file>
+
+<file path=ppt/slides/slide15.xml><?xml version="1.0" encoding="utf-8"?>
+<p:sld xmlns:a="http://schemas.openxmlformats.org/drawingml/2006/main" xmlns:r="http://schemas.openxmlformats.org/officeDocument/2006/relationships" xmlns:p="http://schemas.openxmlformats.org/presentationml/2006/main">
+  <p:cSld>
+    <p:spTree>
+      <p:nvGrpSpPr>
+        <p:cNvPr id="1" name=""/>
+        <p:cNvGrpSpPr/>
+        <p:nvPr/>
+      </p:nvGrpSpPr>
+      <p:grpSpPr>
+        <a:xfrm>
+          <a:off x="0" y="0"/>
+          <a:ext cx="0" cy="0"/>
+          <a:chOff x="0" y="0"/>
+          <a:chExt cx="0" cy="0"/>
+        </a:xfrm>
+      </p:grpSpPr>
+      <p:sp>
+        <p:nvSpPr>
+          <p:cNvPr id="2" name="Title 1"/>
+          <p:cNvSpPr>
+            <a:spLocks noGrp="1"/>
+          </p:cNvSpPr>
+          <p:nvPr>
+            <p:ph type="title"/>
+          </p:nvPr>
+        </p:nvSpPr>
+        <p:spPr/>
+        <p:txBody>
+          <a:bodyPr/>
+          <a:lstStyle/>
+          <a:p>
+            <a:r>
+              <a:rPr lang="en-GB" dirty="0" smtClean="0"/>
               <a:t>Data Integrity</a:t>
             </a:r>
             <a:endParaRPr lang="en-GB" dirty="0"/>
@@ -4493,7 +4483,7 @@
 </p:sld>
 </file>
 
-<file path=ppt/slides/slide15.xml><?xml version="1.0" encoding="utf-8"?>
+<file path=ppt/slides/slide16.xml><?xml version="1.0" encoding="utf-8"?>
 <p:sld xmlns:a="http://schemas.openxmlformats.org/drawingml/2006/main" xmlns:r="http://schemas.openxmlformats.org/officeDocument/2006/relationships" xmlns:p="http://schemas.openxmlformats.org/presentationml/2006/main">
   <p:cSld>
     <p:spTree>
@@ -4599,7 +4589,7 @@
           <a:p>
             <a:r>
               <a:rPr lang="en-GB" dirty="0" smtClean="0"/>
-              <a:t>Order of writing</a:t>
+              <a:t>The anatomy of a data file</a:t>
             </a:r>
             <a:endParaRPr lang="en-GB" dirty="0"/>
           </a:p>
@@ -4622,36 +4612,20 @@
           <a:p>
             <a:r>
               <a:rPr lang="en-GB" dirty="0" smtClean="0"/>
-              <a:t>SQL contains data files and log files</a:t>
-            </a:r>
-          </a:p>
-          <a:p>
-            <a:r>
-              <a:rPr lang="en-GB" dirty="0" smtClean="0"/>
-              <a:t>Both use memory buffers</a:t>
-            </a:r>
-          </a:p>
-          <a:p>
-            <a:r>
-              <a:rPr lang="en-GB" dirty="0" smtClean="0"/>
-              <a:t>On commit transaction:</a:t>
-            </a:r>
-          </a:p>
-          <a:p>
-            <a:pPr lvl="1"/>
-            <a:r>
-              <a:rPr lang="en-GB" dirty="0" smtClean="0"/>
-              <a:t>The log records must be harden to disk</a:t>
-            </a:r>
-          </a:p>
-          <a:p>
-            <a:pPr lvl="1"/>
-            <a:r>
-              <a:rPr lang="en-GB" dirty="0" smtClean="0"/>
-              <a:t>The data “page” is updated in memory only (dirty page)</a:t>
-            </a:r>
-          </a:p>
-          <a:p>
+              <a:t>Extents</a:t>
+            </a:r>
+          </a:p>
+          <a:p>
+            <a:r>
+              <a:rPr lang="en-GB" dirty="0" smtClean="0"/>
+              <a:t>Pages</a:t>
+            </a:r>
+          </a:p>
+          <a:p>
+            <a:r>
+              <a:rPr lang="en-GB" dirty="0" smtClean="0"/>
+              <a:t>PFS/SGAM/GAM/IAM/DIFF/BOOT</a:t>
+            </a:r>
             <a:endParaRPr lang="en-GB" dirty="0"/>
           </a:p>
         </p:txBody>
@@ -4659,7 +4633,7 @@
     </p:spTree>
     <p:extLst>
       <p:ext uri="{BB962C8B-B14F-4D97-AF65-F5344CB8AC3E}">
-        <p14:creationId xmlns:p14="http://schemas.microsoft.com/office/powerpoint/2010/main" val="3861921922"/>
+        <p14:creationId xmlns:p14="http://schemas.microsoft.com/office/powerpoint/2010/main" val="685190122"/>
       </p:ext>
     </p:extLst>
   </p:cSld>
@@ -4703,107 +4677,51 @@
           <a:p>
             <a:r>
               <a:rPr lang="en-GB" dirty="0" smtClean="0"/>
-              <a:t>User Experience of Data Modification</a:t>
+              <a:t>Write Ahead Logging</a:t>
             </a:r>
             <a:endParaRPr lang="en-GB" dirty="0"/>
           </a:p>
         </p:txBody>
       </p:sp>
-      <p:pic>
-        <p:nvPicPr>
-          <p:cNvPr id="4" name="Content Placeholder 3"/>
-          <p:cNvPicPr>
-            <a:picLocks noGrp="1" noChangeAspect="1"/>
-          </p:cNvPicPr>
+      <p:sp>
+        <p:nvSpPr>
+          <p:cNvPr id="3" name="Content Placeholder 2"/>
+          <p:cNvSpPr>
+            <a:spLocks noGrp="1"/>
+          </p:cNvSpPr>
           <p:nvPr>
             <p:ph idx="1"/>
           </p:nvPr>
-        </p:nvPicPr>
-        <p:blipFill>
-          <a:blip r:embed="rId2">
-            <a:extLst>
-              <a:ext uri="{28A0092B-C50C-407E-A947-70E740481C1C}">
-                <a14:useLocalDpi xmlns:a14="http://schemas.microsoft.com/office/drawing/2010/main" val="0"/>
-              </a:ext>
-            </a:extLst>
-          </a:blip>
-          <a:stretch>
-            <a:fillRect/>
-          </a:stretch>
-        </p:blipFill>
-        <p:spPr>
-          <a:xfrm>
-            <a:off x="2701848" y="1787544"/>
-            <a:ext cx="6618150" cy="2048475"/>
-          </a:xfrm>
-        </p:spPr>
-      </p:pic>
-      <p:sp>
-        <p:nvSpPr>
-          <p:cNvPr id="3" name="TextBox 2"/>
-          <p:cNvSpPr txBox="1"/>
-          <p:nvPr/>
-        </p:nvSpPr>
-        <p:spPr>
-          <a:xfrm>
-            <a:off x="1003610" y="4337823"/>
-            <a:ext cx="10225668" cy="1477328"/>
-          </a:xfrm>
-          <a:prstGeom prst="rect">
-            <a:avLst/>
-          </a:prstGeom>
-          <a:noFill/>
-        </p:spPr>
-        <p:txBody>
-          <a:bodyPr wrap="square" rtlCol="0">
-            <a:spAutoFit/>
-          </a:bodyPr>
-          <a:lstStyle/>
-          <a:p>
-            <a:pPr marL="342900" indent="-342900">
-              <a:buFont typeface="+mj-lt"/>
-              <a:buAutoNum type="arabicPeriod"/>
-            </a:pPr>
-            <a:r>
-              <a:rPr lang="en-GB" dirty="0" smtClean="0"/>
-              <a:t>User Issues Modification Statement</a:t>
-            </a:r>
-          </a:p>
-          <a:p>
-            <a:pPr marL="342900" indent="-342900">
-              <a:buFont typeface="+mj-lt"/>
-              <a:buAutoNum type="arabicPeriod"/>
-            </a:pPr>
-            <a:r>
-              <a:rPr lang="en-GB" dirty="0" smtClean="0"/>
-              <a:t>Change is written to the Buffer Pool and Log Buffer</a:t>
-            </a:r>
-          </a:p>
-          <a:p>
-            <a:pPr marL="342900" indent="-342900">
-              <a:buFont typeface="+mj-lt"/>
-              <a:buAutoNum type="arabicPeriod"/>
-            </a:pPr>
-            <a:r>
-              <a:rPr lang="en-GB" dirty="0" smtClean="0"/>
-              <a:t>Change is written to the Transaction Log – the user is now sent an acknowledgement and can continue</a:t>
-            </a:r>
-          </a:p>
-          <a:p>
-            <a:pPr marL="342900" indent="-342900">
-              <a:buFont typeface="+mj-lt"/>
-              <a:buAutoNum type="arabicPeriod"/>
-            </a:pPr>
-            <a:r>
-              <a:rPr lang="en-GB" dirty="0" smtClean="0"/>
-              <a:t>The data pages are written to disk </a:t>
-            </a:r>
-          </a:p>
-          <a:p>
-            <a:pPr marL="342900" indent="-342900">
-              <a:buFont typeface="+mj-lt"/>
-              <a:buAutoNum type="arabicPeriod"/>
-            </a:pPr>
+        </p:nvSpPr>
+        <p:spPr/>
+        <p:txBody>
+          <a:bodyPr/>
+          <a:lstStyle/>
+          <a:p>
+            <a:r>
+              <a:rPr lang="en-GB" dirty="0" smtClean="0"/>
+              <a:t>The transaction log is record of truth</a:t>
+            </a:r>
+          </a:p>
+          <a:p>
+            <a:r>
+              <a:rPr lang="en-GB" dirty="0" smtClean="0"/>
+              <a:t>Changes are written to the log not the data file</a:t>
+            </a:r>
+          </a:p>
+          <a:p>
+            <a:r>
+              <a:rPr lang="en-GB" dirty="0" smtClean="0"/>
+              <a:t>The log is used to rollback transactions</a:t>
+            </a:r>
+          </a:p>
+          <a:p>
+            <a:r>
+              <a:rPr lang="en-GB" dirty="0" smtClean="0"/>
+              <a:t>The log is used for recovery of outage</a:t>
+            </a:r>
+          </a:p>
+          <a:p>
             <a:endParaRPr lang="en-GB" dirty="0"/>
           </a:p>
         </p:txBody>
@@ -4811,7 +4729,7 @@
     </p:spTree>
     <p:extLst>
       <p:ext uri="{BB962C8B-B14F-4D97-AF65-F5344CB8AC3E}">
-        <p14:creationId xmlns:p14="http://schemas.microsoft.com/office/powerpoint/2010/main" val="303390731"/>
+        <p14:creationId xmlns:p14="http://schemas.microsoft.com/office/powerpoint/2010/main" val="2078818524"/>
       </p:ext>
     </p:extLst>
   </p:cSld>
@@ -4855,7 +4773,7 @@
           <a:p>
             <a:r>
               <a:rPr lang="en-GB" dirty="0" smtClean="0"/>
-              <a:t>Transaction Logging</a:t>
+              <a:t>Diagram of QE to Storage Engine</a:t>
             </a:r>
             <a:endParaRPr lang="en-GB" dirty="0"/>
           </a:p>
@@ -4876,53 +4794,6 @@
           <a:bodyPr/>
           <a:lstStyle/>
           <a:p>
-            <a:r>
-              <a:rPr lang="en-GB" dirty="0" smtClean="0"/>
-              <a:t>Logging has two forms:</a:t>
-            </a:r>
-          </a:p>
-          <a:p>
-            <a:pPr lvl="1"/>
-            <a:r>
-              <a:rPr lang="en-GB" dirty="0" smtClean="0"/>
-              <a:t>Logical operation</a:t>
-            </a:r>
-          </a:p>
-          <a:p>
-            <a:pPr lvl="1"/>
-            <a:r>
-              <a:rPr lang="en-GB" dirty="0" smtClean="0"/>
-              <a:t>Before and after “image” of the altered </a:t>
-            </a:r>
-            <a:r>
-              <a:rPr lang="en-GB" dirty="0" smtClean="0"/>
-              <a:t>page</a:t>
-            </a:r>
-            <a:endParaRPr lang="en-GB" dirty="0" smtClean="0"/>
-          </a:p>
-          <a:p>
-            <a:r>
-              <a:rPr lang="en-GB" dirty="0" smtClean="0"/>
-              <a:t>The log stores enough to redo or undo any operation</a:t>
-            </a:r>
-          </a:p>
-          <a:p>
-            <a:r>
-              <a:rPr lang="en-GB" dirty="0" smtClean="0"/>
-              <a:t>Redo is required in recovery</a:t>
-            </a:r>
-          </a:p>
-          <a:p>
-            <a:r>
-              <a:rPr lang="en-GB" dirty="0" smtClean="0"/>
-              <a:t>Undo is a rollback</a:t>
-            </a:r>
-          </a:p>
-          <a:p>
-            <a:r>
-              <a:rPr lang="en-GB" dirty="0" smtClean="0"/>
-              <a:t>Rollbacks are also logged, space is reserved during an uncommitted operation to ensure a rollback can be completed</a:t>
-            </a:r>
             <a:endParaRPr lang="en-GB" dirty="0"/>
           </a:p>
         </p:txBody>
@@ -4930,7 +4801,7 @@
     </p:spTree>
     <p:extLst>
       <p:ext uri="{BB962C8B-B14F-4D97-AF65-F5344CB8AC3E}">
-        <p14:creationId xmlns:p14="http://schemas.microsoft.com/office/powerpoint/2010/main" val="4239046047"/>
+        <p14:creationId xmlns:p14="http://schemas.microsoft.com/office/powerpoint/2010/main" val="4095792826"/>
       </p:ext>
     </p:extLst>
   </p:cSld>
@@ -4974,7 +4845,7 @@
           <a:p>
             <a:r>
               <a:rPr lang="en-GB" dirty="0" smtClean="0"/>
-              <a:t>Log Buffer</a:t>
+              <a:t>Transaction Logging</a:t>
             </a:r>
             <a:endParaRPr lang="en-GB" dirty="0"/>
           </a:p>
@@ -4997,52 +4868,53 @@
           <a:p>
             <a:r>
               <a:rPr lang="en-GB" dirty="0" smtClean="0"/>
-              <a:t>The complete log buffer is flushed to disk on commit</a:t>
-            </a:r>
-          </a:p>
-          <a:p>
-            <a:r>
-              <a:rPr lang="en-GB" dirty="0" smtClean="0"/>
-              <a:t>The log writer performs the flush</a:t>
+              <a:t>Logging has two forms:</a:t>
             </a:r>
           </a:p>
           <a:p>
             <a:pPr lvl="1"/>
             <a:r>
               <a:rPr lang="en-GB" dirty="0" smtClean="0"/>
-              <a:t>There is only one process per server, but buffers are per database</a:t>
-            </a:r>
-          </a:p>
-          <a:p>
-            <a:r>
-              <a:rPr lang="en-GB" dirty="0" smtClean="0"/>
-              <a:t>The buffer may contain other non committed transactions</a:t>
-            </a:r>
-          </a:p>
-          <a:p>
-            <a:r>
-              <a:rPr lang="en-GB" dirty="0" smtClean="0"/>
-              <a:t>Each buffer is up to 60k</a:t>
-            </a:r>
-          </a:p>
-          <a:p>
-            <a:r>
-              <a:rPr lang="en-GB" dirty="0" smtClean="0"/>
-              <a:t>Large data modifications will cause the buffer to flush before the commit</a:t>
-            </a:r>
-          </a:p>
-          <a:p>
-            <a:r>
-              <a:rPr lang="en-GB" dirty="0" smtClean="0"/>
-              <a:t>User processes showing the WRITELOG wait type are being held up buffer flushes, possible </a:t>
-            </a:r>
-            <a:r>
-              <a:rPr lang="en-GB" dirty="0" smtClean="0"/>
-              <a:t>bottleneck at </a:t>
-            </a:r>
-            <a:r>
-              <a:rPr lang="en-GB" dirty="0" smtClean="0"/>
-              <a:t>disk</a:t>
+              <a:t>Logical operation</a:t>
+            </a:r>
+          </a:p>
+          <a:p>
+            <a:pPr lvl="1"/>
+            <a:r>
+              <a:rPr lang="en-GB" dirty="0" smtClean="0"/>
+              <a:t>Before and after “image” of the altered page</a:t>
+            </a:r>
+          </a:p>
+          <a:p>
+            <a:r>
+              <a:rPr lang="en-GB" dirty="0" smtClean="0"/>
+              <a:t>The log stores enough to redo or undo any operation</a:t>
+            </a:r>
+          </a:p>
+          <a:p>
+            <a:r>
+              <a:rPr lang="en-GB" dirty="0" smtClean="0"/>
+              <a:t>Redo is required in recovery</a:t>
+            </a:r>
+          </a:p>
+          <a:p>
+            <a:r>
+              <a:rPr lang="en-GB" dirty="0" smtClean="0"/>
+              <a:t>Undo is a rollback</a:t>
+            </a:r>
+          </a:p>
+          <a:p>
+            <a:r>
+              <a:rPr lang="en-GB" dirty="0" smtClean="0"/>
+              <a:t>Rollbacks are also logged, space is reserved during an </a:t>
+            </a:r>
+            <a:r>
+              <a:rPr lang="en-GB" dirty="0" smtClean="0"/>
+              <a:t>any operation </a:t>
+            </a:r>
+            <a:r>
+              <a:rPr lang="en-GB" dirty="0" smtClean="0"/>
+              <a:t>to ensure a rollback can be completed</a:t>
             </a:r>
             <a:endParaRPr lang="en-GB" dirty="0"/>
           </a:p>
@@ -5051,7 +4923,7 @@
     </p:spTree>
     <p:extLst>
       <p:ext uri="{BB962C8B-B14F-4D97-AF65-F5344CB8AC3E}">
-        <p14:creationId xmlns:p14="http://schemas.microsoft.com/office/powerpoint/2010/main" val="1951406462"/>
+        <p14:creationId xmlns:p14="http://schemas.microsoft.com/office/powerpoint/2010/main" val="4239046047"/>
       </p:ext>
     </p:extLst>
   </p:cSld>
@@ -5095,7 +4967,7 @@
           <a:p>
             <a:r>
               <a:rPr lang="en-GB" dirty="0" smtClean="0"/>
-              <a:t>Demo</a:t>
+              <a:t>Log Buffer</a:t>
             </a:r>
             <a:endParaRPr lang="en-GB" dirty="0"/>
           </a:p>
@@ -5116,6 +4988,47 @@
           <a:bodyPr/>
           <a:lstStyle/>
           <a:p>
+            <a:r>
+              <a:rPr lang="en-GB" dirty="0" smtClean="0"/>
+              <a:t>The complete log buffer is flushed to disk on commit</a:t>
+            </a:r>
+          </a:p>
+          <a:p>
+            <a:r>
+              <a:rPr lang="en-GB" dirty="0" smtClean="0"/>
+              <a:t>The log writer performs the flush</a:t>
+            </a:r>
+          </a:p>
+          <a:p>
+            <a:pPr lvl="1"/>
+            <a:r>
+              <a:rPr lang="en-GB" dirty="0" smtClean="0"/>
+              <a:t>There is only one process per server, but buffers are per database</a:t>
+            </a:r>
+          </a:p>
+          <a:p>
+            <a:r>
+              <a:rPr lang="en-GB" dirty="0" smtClean="0"/>
+              <a:t>The buffer may contain other non committed transactions</a:t>
+            </a:r>
+          </a:p>
+          <a:p>
+            <a:r>
+              <a:rPr lang="en-GB" dirty="0" smtClean="0"/>
+              <a:t>Each buffer is up to 60k</a:t>
+            </a:r>
+          </a:p>
+          <a:p>
+            <a:r>
+              <a:rPr lang="en-GB" dirty="0" smtClean="0"/>
+              <a:t>Large data modifications will cause the buffer to flush before the commit</a:t>
+            </a:r>
+          </a:p>
+          <a:p>
+            <a:r>
+              <a:rPr lang="en-GB" dirty="0" smtClean="0"/>
+              <a:t>User processes showing the WRITELOG wait type are being held up buffer flushes, possible bottleneck at disk</a:t>
+            </a:r>
             <a:endParaRPr lang="en-GB" dirty="0"/>
           </a:p>
         </p:txBody>
@@ -5123,7 +5036,7 @@
     </p:spTree>
     <p:extLst>
       <p:ext uri="{BB962C8B-B14F-4D97-AF65-F5344CB8AC3E}">
-        <p14:creationId xmlns:p14="http://schemas.microsoft.com/office/powerpoint/2010/main" val="1014582706"/>
+        <p14:creationId xmlns:p14="http://schemas.microsoft.com/office/powerpoint/2010/main" val="1951406462"/>
       </p:ext>
     </p:extLst>
   </p:cSld>
@@ -5167,7 +5080,7 @@
           <a:p>
             <a:r>
               <a:rPr lang="en-GB" dirty="0" smtClean="0"/>
-              <a:t>Data File Writes</a:t>
+              <a:t>Demo</a:t>
             </a:r>
             <a:endParaRPr lang="en-GB" dirty="0"/>
           </a:p>
@@ -5187,40 +5100,6 @@
         <p:txBody>
           <a:bodyPr/>
           <a:lstStyle/>
-          <a:p>
-            <a:r>
-              <a:rPr lang="en-GB" dirty="0" smtClean="0"/>
-              <a:t>Dirty data pages are written to disk by either:</a:t>
-            </a:r>
-          </a:p>
-          <a:p>
-            <a:pPr lvl="1"/>
-            <a:r>
-              <a:rPr lang="en-GB" dirty="0" smtClean="0"/>
-              <a:t>Checkpoint</a:t>
-            </a:r>
-          </a:p>
-          <a:p>
-            <a:pPr lvl="1"/>
-            <a:r>
-              <a:rPr lang="en-GB" dirty="0" smtClean="0"/>
-              <a:t>Lazy Writer</a:t>
-            </a:r>
-          </a:p>
-          <a:p>
-            <a:r>
-              <a:rPr lang="en-GB" dirty="0" smtClean="0"/>
-              <a:t>Checkpoints are a marker in the log to indicate there are no dirty pages </a:t>
-            </a:r>
-            <a:r>
-              <a:rPr lang="en-GB" dirty="0" smtClean="0"/>
-              <a:t>previous </a:t>
-            </a:r>
-            <a:r>
-              <a:rPr lang="en-GB" dirty="0" smtClean="0"/>
-              <a:t>to the marker</a:t>
-            </a:r>
-          </a:p>
           <a:p>
             <a:endParaRPr lang="en-GB" dirty="0"/>
           </a:p>
@@ -5229,7 +5108,7 @@
     </p:spTree>
     <p:extLst>
       <p:ext uri="{BB962C8B-B14F-4D97-AF65-F5344CB8AC3E}">
-        <p14:creationId xmlns:p14="http://schemas.microsoft.com/office/powerpoint/2010/main" val="1447625357"/>
+        <p14:creationId xmlns:p14="http://schemas.microsoft.com/office/powerpoint/2010/main" val="1014582706"/>
       </p:ext>
     </p:extLst>
   </p:cSld>
@@ -5273,7 +5152,7 @@
           <a:p>
             <a:r>
               <a:rPr lang="en-GB" dirty="0" smtClean="0"/>
-              <a:t>Checkpoints</a:t>
+              <a:t>Data File Writes</a:t>
             </a:r>
             <a:endParaRPr lang="en-GB" dirty="0"/>
           </a:p>
@@ -5296,63 +5175,38 @@
           <a:p>
             <a:r>
               <a:rPr lang="en-GB" dirty="0" smtClean="0"/>
-              <a:t>Fired when:</a:t>
+              <a:t>Dirty data pages are written to disk by either:</a:t>
             </a:r>
           </a:p>
           <a:p>
             <a:pPr lvl="1"/>
             <a:r>
               <a:rPr lang="en-GB" dirty="0" smtClean="0"/>
-              <a:t>Automatically in background by the server, intervals will vary</a:t>
+              <a:t>Checkpoint</a:t>
             </a:r>
           </a:p>
           <a:p>
             <a:pPr lvl="1"/>
             <a:r>
               <a:rPr lang="en-GB" dirty="0" smtClean="0"/>
-              <a:t>Timing is based upon the “recovery interval” advanced setting</a:t>
-            </a:r>
-          </a:p>
-          <a:p>
-            <a:pPr lvl="1"/>
-            <a:r>
-              <a:rPr lang="en-GB" dirty="0" smtClean="0"/>
-              <a:t>Simple databases at 70% log full</a:t>
-            </a:r>
-          </a:p>
-          <a:p>
-            <a:pPr lvl="2"/>
-            <a:r>
-              <a:rPr lang="en-GB" dirty="0" smtClean="0"/>
-              <a:t>Also truncates the log (frees up space)</a:t>
-            </a:r>
-          </a:p>
-          <a:p>
-            <a:r>
-              <a:rPr lang="en-GB" dirty="0" smtClean="0"/>
-              <a:t>Other types of Checkpoint:</a:t>
-            </a:r>
-          </a:p>
-          <a:p>
-            <a:pPr lvl="1"/>
-            <a:r>
-              <a:rPr lang="en-GB" dirty="0" smtClean="0"/>
-              <a:t>Indirect – caused by database backups, snapshots and cluster failovers</a:t>
-            </a:r>
-          </a:p>
-          <a:p>
-            <a:pPr lvl="1"/>
-            <a:r>
-              <a:rPr lang="en-GB" dirty="0" smtClean="0"/>
-              <a:t>Manual – user invoked checkpoint</a:t>
-            </a:r>
+              <a:t>Lazy Writer</a:t>
+            </a:r>
+          </a:p>
+          <a:p>
+            <a:r>
+              <a:rPr lang="en-GB" dirty="0" smtClean="0"/>
+              <a:t>Checkpoints are a marker in the log to indicate there are no dirty pages previous to the marker</a:t>
+            </a:r>
+          </a:p>
+          <a:p>
+            <a:endParaRPr lang="en-GB" dirty="0"/>
           </a:p>
         </p:txBody>
       </p:sp>
     </p:spTree>
     <p:extLst>
       <p:ext uri="{BB962C8B-B14F-4D97-AF65-F5344CB8AC3E}">
-        <p14:creationId xmlns:p14="http://schemas.microsoft.com/office/powerpoint/2010/main" val="1093614657"/>
+        <p14:creationId xmlns:p14="http://schemas.microsoft.com/office/powerpoint/2010/main" val="1447625357"/>
       </p:ext>
     </p:extLst>
   </p:cSld>
@@ -5396,7 +5250,7 @@
           <a:p>
             <a:r>
               <a:rPr lang="en-GB" dirty="0" smtClean="0"/>
-              <a:t>Lazy Writer</a:t>
+              <a:t>Checkpoints</a:t>
             </a:r>
             <a:endParaRPr lang="en-GB" dirty="0"/>
           </a:p>
@@ -5419,57 +5273,63 @@
           <a:p>
             <a:r>
               <a:rPr lang="en-GB" dirty="0" smtClean="0"/>
-              <a:t>Background process the writes dirty pages to disk</a:t>
+              <a:t>Fired when:</a:t>
             </a:r>
           </a:p>
           <a:p>
             <a:pPr lvl="1"/>
             <a:r>
               <a:rPr lang="en-GB" dirty="0" smtClean="0"/>
-              <a:t>Tries to write continuous pages (up to 32)</a:t>
-            </a:r>
-          </a:p>
-          <a:p>
-            <a:r>
-              <a:rPr lang="en-GB" dirty="0" smtClean="0"/>
-              <a:t>Can be invoked by memory pressure</a:t>
-            </a:r>
-          </a:p>
-          <a:p>
-            <a:r>
-              <a:rPr lang="en-GB" dirty="0" smtClean="0"/>
-              <a:t>Can write pages where the change has NOT been committed</a:t>
-            </a:r>
-          </a:p>
-          <a:p>
-            <a:r>
-              <a:rPr lang="en-GB" dirty="0" smtClean="0"/>
-              <a:t>Page is latched </a:t>
+              <a:t>Automatically in background by the server, intervals will vary</a:t>
             </a:r>
           </a:p>
           <a:p>
             <a:pPr lvl="1"/>
             <a:r>
               <a:rPr lang="en-GB" dirty="0" smtClean="0"/>
-              <a:t>No users can modify it until the write is complete</a:t>
+              <a:t>Timing is based upon the “recovery interval” advanced setting</a:t>
             </a:r>
           </a:p>
           <a:p>
             <a:pPr lvl="1"/>
             <a:r>
               <a:rPr lang="en-GB" dirty="0" smtClean="0"/>
-              <a:t>Reads continues</a:t>
-            </a:r>
-          </a:p>
-          <a:p>
-            <a:endParaRPr lang="en-GB" dirty="0"/>
+              <a:t>Simple databases at 70% log full</a:t>
+            </a:r>
+          </a:p>
+          <a:p>
+            <a:pPr lvl="2"/>
+            <a:r>
+              <a:rPr lang="en-GB" dirty="0" smtClean="0"/>
+              <a:t>Also truncates the log (frees up space)</a:t>
+            </a:r>
+          </a:p>
+          <a:p>
+            <a:r>
+              <a:rPr lang="en-GB" dirty="0" smtClean="0"/>
+              <a:t>Other types of Checkpoint:</a:t>
+            </a:r>
+          </a:p>
+          <a:p>
+            <a:pPr lvl="1"/>
+            <a:r>
+              <a:rPr lang="en-GB" dirty="0" smtClean="0"/>
+              <a:t>Indirect – caused by database backups, snapshots and cluster failovers</a:t>
+            </a:r>
+          </a:p>
+          <a:p>
+            <a:pPr lvl="1"/>
+            <a:r>
+              <a:rPr lang="en-GB" dirty="0" smtClean="0"/>
+              <a:t>Manual – user invoked checkpoint</a:t>
+            </a:r>
           </a:p>
         </p:txBody>
       </p:sp>
     </p:spTree>
     <p:extLst>
       <p:ext uri="{BB962C8B-B14F-4D97-AF65-F5344CB8AC3E}">
-        <p14:creationId xmlns:p14="http://schemas.microsoft.com/office/powerpoint/2010/main" val="2584242974"/>
+        <p14:creationId xmlns:p14="http://schemas.microsoft.com/office/powerpoint/2010/main" val="1093614657"/>
       </p:ext>
     </p:extLst>
   </p:cSld>

--- a/Slides/1. Logging.pptx
+++ b/Slides/1. Logging.pptx
@@ -5,25 +5,26 @@
     <p:sldMasterId id="2147483648" r:id="rId1"/>
   </p:sldMasterIdLst>
   <p:notesMasterIdLst>
-    <p:notesMasterId r:id="rId18"/>
+    <p:notesMasterId r:id="rId19"/>
   </p:notesMasterIdLst>
   <p:sldIdLst>
     <p:sldId id="256" r:id="rId2"/>
     <p:sldId id="272" r:id="rId3"/>
     <p:sldId id="274" r:id="rId4"/>
-    <p:sldId id="273" r:id="rId5"/>
-    <p:sldId id="259" r:id="rId6"/>
-    <p:sldId id="260" r:id="rId7"/>
-    <p:sldId id="268" r:id="rId8"/>
-    <p:sldId id="261" r:id="rId9"/>
-    <p:sldId id="265" r:id="rId10"/>
-    <p:sldId id="266" r:id="rId11"/>
-    <p:sldId id="264" r:id="rId12"/>
-    <p:sldId id="262" r:id="rId13"/>
-    <p:sldId id="269" r:id="rId14"/>
-    <p:sldId id="263" r:id="rId15"/>
-    <p:sldId id="270" r:id="rId16"/>
-    <p:sldId id="271" r:id="rId17"/>
+    <p:sldId id="275" r:id="rId5"/>
+    <p:sldId id="276" r:id="rId6"/>
+    <p:sldId id="259" r:id="rId7"/>
+    <p:sldId id="260" r:id="rId8"/>
+    <p:sldId id="268" r:id="rId9"/>
+    <p:sldId id="261" r:id="rId10"/>
+    <p:sldId id="265" r:id="rId11"/>
+    <p:sldId id="266" r:id="rId12"/>
+    <p:sldId id="264" r:id="rId13"/>
+    <p:sldId id="262" r:id="rId14"/>
+    <p:sldId id="269" r:id="rId15"/>
+    <p:sldId id="263" r:id="rId16"/>
+    <p:sldId id="270" r:id="rId17"/>
+    <p:sldId id="271" r:id="rId18"/>
   </p:sldIdLst>
   <p:sldSz cx="12192000" cy="6858000"/>
   <p:notesSz cx="6858000" cy="9144000"/>
@@ -215,7 +216,7 @@
           <a:p>
             <a:fld id="{2EEC8B6C-ECA7-4502-A71C-D2F93F5DB82F}" type="datetimeFigureOut">
               <a:rPr lang="en-GB" smtClean="0"/>
-              <a:t>01/10/2015</a:t>
+              <a:t>06/10/2015</a:t>
             </a:fld>
             <a:endParaRPr lang="en-GB"/>
           </a:p>
@@ -548,7 +549,7 @@
           <a:p>
             <a:fld id="{B8CE15B0-7A20-444B-AEAA-2A6F3DDB1305}" type="slidenum">
               <a:rPr lang="en-GB" smtClean="0"/>
-              <a:t>5</a:t>
+              <a:t>6</a:t>
             </a:fld>
             <a:endParaRPr lang="en-GB"/>
           </a:p>
@@ -655,7 +656,7 @@
           <a:p>
             <a:fld id="{B8CE15B0-7A20-444B-AEAA-2A6F3DDB1305}" type="slidenum">
               <a:rPr lang="en-GB" smtClean="0"/>
-              <a:t>7</a:t>
+              <a:t>8</a:t>
             </a:fld>
             <a:endParaRPr lang="en-GB"/>
           </a:p>
@@ -739,7 +740,7 @@
           <a:p>
             <a:fld id="{B8CE15B0-7A20-444B-AEAA-2A6F3DDB1305}" type="slidenum">
               <a:rPr lang="en-GB" smtClean="0"/>
-              <a:t>12</a:t>
+              <a:t>13</a:t>
             </a:fld>
             <a:endParaRPr lang="en-GB"/>
           </a:p>
@@ -827,7 +828,7 @@
           <a:p>
             <a:fld id="{B8CE15B0-7A20-444B-AEAA-2A6F3DDB1305}" type="slidenum">
               <a:rPr lang="en-GB" smtClean="0"/>
-              <a:t>13</a:t>
+              <a:t>14</a:t>
             </a:fld>
             <a:endParaRPr lang="en-GB"/>
           </a:p>
@@ -977,7 +978,7 @@
           <a:p>
             <a:fld id="{0450233C-AED0-40A2-94DD-085E6C2BAB99}" type="datetimeFigureOut">
               <a:rPr lang="en-GB" smtClean="0"/>
-              <a:t>01/10/2015</a:t>
+              <a:t>06/10/2015</a:t>
             </a:fld>
             <a:endParaRPr lang="en-GB"/>
           </a:p>
@@ -1147,7 +1148,7 @@
           <a:p>
             <a:fld id="{0450233C-AED0-40A2-94DD-085E6C2BAB99}" type="datetimeFigureOut">
               <a:rPr lang="en-GB" smtClean="0"/>
-              <a:t>01/10/2015</a:t>
+              <a:t>06/10/2015</a:t>
             </a:fld>
             <a:endParaRPr lang="en-GB"/>
           </a:p>
@@ -1327,7 +1328,7 @@
           <a:p>
             <a:fld id="{0450233C-AED0-40A2-94DD-085E6C2BAB99}" type="datetimeFigureOut">
               <a:rPr lang="en-GB" smtClean="0"/>
-              <a:t>01/10/2015</a:t>
+              <a:t>06/10/2015</a:t>
             </a:fld>
             <a:endParaRPr lang="en-GB"/>
           </a:p>
@@ -1497,7 +1498,7 @@
           <a:p>
             <a:fld id="{0450233C-AED0-40A2-94DD-085E6C2BAB99}" type="datetimeFigureOut">
               <a:rPr lang="en-GB" smtClean="0"/>
-              <a:t>01/10/2015</a:t>
+              <a:t>06/10/2015</a:t>
             </a:fld>
             <a:endParaRPr lang="en-GB"/>
           </a:p>
@@ -1743,7 +1744,7 @@
           <a:p>
             <a:fld id="{0450233C-AED0-40A2-94DD-085E6C2BAB99}" type="datetimeFigureOut">
               <a:rPr lang="en-GB" smtClean="0"/>
-              <a:t>01/10/2015</a:t>
+              <a:t>06/10/2015</a:t>
             </a:fld>
             <a:endParaRPr lang="en-GB"/>
           </a:p>
@@ -1975,7 +1976,7 @@
           <a:p>
             <a:fld id="{0450233C-AED0-40A2-94DD-085E6C2BAB99}" type="datetimeFigureOut">
               <a:rPr lang="en-GB" smtClean="0"/>
-              <a:t>01/10/2015</a:t>
+              <a:t>06/10/2015</a:t>
             </a:fld>
             <a:endParaRPr lang="en-GB"/>
           </a:p>
@@ -2342,7 +2343,7 @@
           <a:p>
             <a:fld id="{0450233C-AED0-40A2-94DD-085E6C2BAB99}" type="datetimeFigureOut">
               <a:rPr lang="en-GB" smtClean="0"/>
-              <a:t>01/10/2015</a:t>
+              <a:t>06/10/2015</a:t>
             </a:fld>
             <a:endParaRPr lang="en-GB"/>
           </a:p>
@@ -2460,7 +2461,7 @@
           <a:p>
             <a:fld id="{0450233C-AED0-40A2-94DD-085E6C2BAB99}" type="datetimeFigureOut">
               <a:rPr lang="en-GB" smtClean="0"/>
-              <a:t>01/10/2015</a:t>
+              <a:t>06/10/2015</a:t>
             </a:fld>
             <a:endParaRPr lang="en-GB"/>
           </a:p>
@@ -2555,7 +2556,7 @@
           <a:p>
             <a:fld id="{0450233C-AED0-40A2-94DD-085E6C2BAB99}" type="datetimeFigureOut">
               <a:rPr lang="en-GB" smtClean="0"/>
-              <a:t>01/10/2015</a:t>
+              <a:t>06/10/2015</a:t>
             </a:fld>
             <a:endParaRPr lang="en-GB"/>
           </a:p>
@@ -2832,7 +2833,7 @@
           <a:p>
             <a:fld id="{0450233C-AED0-40A2-94DD-085E6C2BAB99}" type="datetimeFigureOut">
               <a:rPr lang="en-GB" smtClean="0"/>
-              <a:t>01/10/2015</a:t>
+              <a:t>06/10/2015</a:t>
             </a:fld>
             <a:endParaRPr lang="en-GB"/>
           </a:p>
@@ -3085,7 +3086,7 @@
           <a:p>
             <a:fld id="{0450233C-AED0-40A2-94DD-085E6C2BAB99}" type="datetimeFigureOut">
               <a:rPr lang="en-GB" smtClean="0"/>
-              <a:t>01/10/2015</a:t>
+              <a:t>06/10/2015</a:t>
             </a:fld>
             <a:endParaRPr lang="en-GB"/>
           </a:p>
@@ -3298,7 +3299,7 @@
           <a:p>
             <a:fld id="{0450233C-AED0-40A2-94DD-085E6C2BAB99}" type="datetimeFigureOut">
               <a:rPr lang="en-GB" smtClean="0"/>
-              <a:t>01/10/2015</a:t>
+              <a:t>06/10/2015</a:t>
             </a:fld>
             <a:endParaRPr lang="en-GB"/>
           </a:p>
@@ -3751,6 +3752,13 @@
   <p:clrMapOvr>
     <a:masterClrMapping/>
   </p:clrMapOvr>
+  <p:timing>
+    <p:tnLst>
+      <p:par>
+        <p:cTn id="1" dur="indefinite" restart="never" nodeType="tmRoot"/>
+      </p:par>
+    </p:tnLst>
+  </p:timing>
 </p:sld>
 </file>
 
@@ -3788,7 +3796,7 @@
           <a:p>
             <a:r>
               <a:rPr lang="en-GB" dirty="0" smtClean="0"/>
-              <a:t>Lazy Writer</a:t>
+              <a:t>Checkpoints</a:t>
             </a:r>
             <a:endParaRPr lang="en-GB" dirty="0"/>
           </a:p>
@@ -3811,57 +3819,63 @@
           <a:p>
             <a:r>
               <a:rPr lang="en-GB" dirty="0" smtClean="0"/>
-              <a:t>Background process the writes dirty pages to disk</a:t>
+              <a:t>Fired when:</a:t>
             </a:r>
           </a:p>
           <a:p>
             <a:pPr lvl="1"/>
             <a:r>
               <a:rPr lang="en-GB" dirty="0" smtClean="0"/>
-              <a:t>Tries to write continuous pages (up to 32)</a:t>
-            </a:r>
-          </a:p>
-          <a:p>
+              <a:t>Automatically in background by the server, intervals will vary</a:t>
+            </a:r>
+          </a:p>
+          <a:p>
+            <a:pPr lvl="1"/>
             <a:r>
               <a:rPr lang="en-GB" dirty="0" smtClean="0"/>
-              <a:t>Can be invoked by memory pressure</a:t>
-            </a:r>
-          </a:p>
-          <a:p>
+              <a:t>Timing is based upon the “recovery interval” advanced setting</a:t>
+            </a:r>
+          </a:p>
+          <a:p>
+            <a:pPr lvl="1"/>
             <a:r>
               <a:rPr lang="en-GB" dirty="0" smtClean="0"/>
-              <a:t>Can write pages where the change has NOT been committed</a:t>
-            </a:r>
-          </a:p>
-          <a:p>
+              <a:t>Simple databases at 70% log full</a:t>
+            </a:r>
+          </a:p>
+          <a:p>
+            <a:pPr lvl="2"/>
             <a:r>
               <a:rPr lang="en-GB" dirty="0" smtClean="0"/>
-              <a:t>Page is latched </a:t>
+              <a:t>Also truncates the log (frees up space)</a:t>
+            </a:r>
+          </a:p>
+          <a:p>
+            <a:r>
+              <a:rPr lang="en-GB" dirty="0" smtClean="0"/>
+              <a:t>Other types of Checkpoint:</a:t>
             </a:r>
           </a:p>
           <a:p>
             <a:pPr lvl="1"/>
             <a:r>
               <a:rPr lang="en-GB" dirty="0" smtClean="0"/>
-              <a:t>No users can modify it until the write is complete</a:t>
+              <a:t>Indirect – caused by database backups, snapshots and cluster failovers</a:t>
             </a:r>
           </a:p>
           <a:p>
             <a:pPr lvl="1"/>
             <a:r>
               <a:rPr lang="en-GB" dirty="0" smtClean="0"/>
-              <a:t>Reads continues</a:t>
-            </a:r>
-          </a:p>
-          <a:p>
-            <a:endParaRPr lang="en-GB" dirty="0"/>
+              <a:t>Manual – user invoked checkpoint</a:t>
+            </a:r>
           </a:p>
         </p:txBody>
       </p:sp>
     </p:spTree>
     <p:extLst>
       <p:ext uri="{BB962C8B-B14F-4D97-AF65-F5344CB8AC3E}">
-        <p14:creationId xmlns:p14="http://schemas.microsoft.com/office/powerpoint/2010/main" val="2584242974"/>
+        <p14:creationId xmlns:p14="http://schemas.microsoft.com/office/powerpoint/2010/main" val="1093614657"/>
       </p:ext>
     </p:extLst>
   </p:cSld>
@@ -3905,6 +3919,123 @@
           <a:p>
             <a:r>
               <a:rPr lang="en-GB" dirty="0" smtClean="0"/>
+              <a:t>Lazy Writer</a:t>
+            </a:r>
+            <a:endParaRPr lang="en-GB" dirty="0"/>
+          </a:p>
+        </p:txBody>
+      </p:sp>
+      <p:sp>
+        <p:nvSpPr>
+          <p:cNvPr id="3" name="Content Placeholder 2"/>
+          <p:cNvSpPr>
+            <a:spLocks noGrp="1"/>
+          </p:cNvSpPr>
+          <p:nvPr>
+            <p:ph idx="1"/>
+          </p:nvPr>
+        </p:nvSpPr>
+        <p:spPr/>
+        <p:txBody>
+          <a:bodyPr/>
+          <a:lstStyle/>
+          <a:p>
+            <a:r>
+              <a:rPr lang="en-GB" dirty="0" smtClean="0"/>
+              <a:t>Background process the writes dirty pages to disk</a:t>
+            </a:r>
+          </a:p>
+          <a:p>
+            <a:pPr lvl="1"/>
+            <a:r>
+              <a:rPr lang="en-GB" dirty="0" smtClean="0"/>
+              <a:t>Tries to write continuous pages (up to 32)</a:t>
+            </a:r>
+          </a:p>
+          <a:p>
+            <a:r>
+              <a:rPr lang="en-GB" dirty="0" smtClean="0"/>
+              <a:t>Can be invoked by memory pressure</a:t>
+            </a:r>
+          </a:p>
+          <a:p>
+            <a:r>
+              <a:rPr lang="en-GB" dirty="0" smtClean="0"/>
+              <a:t>Can write pages where the change has NOT been committed</a:t>
+            </a:r>
+          </a:p>
+          <a:p>
+            <a:r>
+              <a:rPr lang="en-GB" dirty="0" smtClean="0"/>
+              <a:t>Page is latched </a:t>
+            </a:r>
+          </a:p>
+          <a:p>
+            <a:pPr lvl="1"/>
+            <a:r>
+              <a:rPr lang="en-GB" dirty="0" smtClean="0"/>
+              <a:t>No users can modify it until the write is complete</a:t>
+            </a:r>
+          </a:p>
+          <a:p>
+            <a:pPr lvl="1"/>
+            <a:r>
+              <a:rPr lang="en-GB" dirty="0" smtClean="0"/>
+              <a:t>Reads continues</a:t>
+            </a:r>
+          </a:p>
+          <a:p>
+            <a:endParaRPr lang="en-GB" dirty="0"/>
+          </a:p>
+        </p:txBody>
+      </p:sp>
+    </p:spTree>
+    <p:extLst>
+      <p:ext uri="{BB962C8B-B14F-4D97-AF65-F5344CB8AC3E}">
+        <p14:creationId xmlns:p14="http://schemas.microsoft.com/office/powerpoint/2010/main" val="2584242974"/>
+      </p:ext>
+    </p:extLst>
+  </p:cSld>
+  <p:clrMapOvr>
+    <a:masterClrMapping/>
+  </p:clrMapOvr>
+</p:sld>
+</file>
+
+<file path=ppt/slides/slide12.xml><?xml version="1.0" encoding="utf-8"?>
+<p:sld xmlns:a="http://schemas.openxmlformats.org/drawingml/2006/main" xmlns:r="http://schemas.openxmlformats.org/officeDocument/2006/relationships" xmlns:p="http://schemas.openxmlformats.org/presentationml/2006/main">
+  <p:cSld>
+    <p:spTree>
+      <p:nvGrpSpPr>
+        <p:cNvPr id="1" name=""/>
+        <p:cNvGrpSpPr/>
+        <p:nvPr/>
+      </p:nvGrpSpPr>
+      <p:grpSpPr>
+        <a:xfrm>
+          <a:off x="0" y="0"/>
+          <a:ext cx="0" cy="0"/>
+          <a:chOff x="0" y="0"/>
+          <a:chExt cx="0" cy="0"/>
+        </a:xfrm>
+      </p:grpSpPr>
+      <p:sp>
+        <p:nvSpPr>
+          <p:cNvPr id="2" name="Title 1"/>
+          <p:cNvSpPr>
+            <a:spLocks noGrp="1"/>
+          </p:cNvSpPr>
+          <p:nvPr>
+            <p:ph type="title"/>
+          </p:nvPr>
+        </p:nvSpPr>
+        <p:spPr/>
+        <p:txBody>
+          <a:bodyPr/>
+          <a:lstStyle/>
+          <a:p>
+            <a:r>
+              <a:rPr lang="en-GB" dirty="0" smtClean="0"/>
               <a:t>Recovery</a:t>
             </a:r>
             <a:endParaRPr lang="en-GB" dirty="0"/>
@@ -3991,7 +4122,7 @@
 </p:sld>
 </file>
 
-<file path=ppt/slides/slide12.xml><?xml version="1.0" encoding="utf-8"?>
+<file path=ppt/slides/slide13.xml><?xml version="1.0" encoding="utf-8"?>
 <p:sld xmlns:a="http://schemas.openxmlformats.org/drawingml/2006/main" xmlns:r="http://schemas.openxmlformats.org/officeDocument/2006/relationships" xmlns:p="http://schemas.openxmlformats.org/presentationml/2006/main">
   <p:cSld>
     <p:spTree>
@@ -4130,78 +4261,6 @@
 </p:sld>
 </file>
 
-<file path=ppt/slides/slide13.xml><?xml version="1.0" encoding="utf-8"?>
-<p:sld xmlns:a="http://schemas.openxmlformats.org/drawingml/2006/main" xmlns:r="http://schemas.openxmlformats.org/officeDocument/2006/relationships" xmlns:p="http://schemas.openxmlformats.org/presentationml/2006/main">
-  <p:cSld>
-    <p:spTree>
-      <p:nvGrpSpPr>
-        <p:cNvPr id="1" name=""/>
-        <p:cNvGrpSpPr/>
-        <p:nvPr/>
-      </p:nvGrpSpPr>
-      <p:grpSpPr>
-        <a:xfrm>
-          <a:off x="0" y="0"/>
-          <a:ext cx="0" cy="0"/>
-          <a:chOff x="0" y="0"/>
-          <a:chExt cx="0" cy="0"/>
-        </a:xfrm>
-      </p:grpSpPr>
-      <p:sp>
-        <p:nvSpPr>
-          <p:cNvPr id="2" name="Title 1"/>
-          <p:cNvSpPr>
-            <a:spLocks noGrp="1"/>
-          </p:cNvSpPr>
-          <p:nvPr>
-            <p:ph type="title"/>
-          </p:nvPr>
-        </p:nvSpPr>
-        <p:spPr/>
-        <p:txBody>
-          <a:bodyPr/>
-          <a:lstStyle/>
-          <a:p>
-            <a:r>
-              <a:rPr lang="en-GB" dirty="0" smtClean="0"/>
-              <a:t>Demo</a:t>
-            </a:r>
-            <a:endParaRPr lang="en-GB" dirty="0"/>
-          </a:p>
-        </p:txBody>
-      </p:sp>
-      <p:sp>
-        <p:nvSpPr>
-          <p:cNvPr id="3" name="Content Placeholder 2"/>
-          <p:cNvSpPr>
-            <a:spLocks noGrp="1"/>
-          </p:cNvSpPr>
-          <p:nvPr>
-            <p:ph idx="1"/>
-          </p:nvPr>
-        </p:nvSpPr>
-        <p:spPr/>
-        <p:txBody>
-          <a:bodyPr/>
-          <a:lstStyle/>
-          <a:p>
-            <a:endParaRPr lang="en-GB" dirty="0"/>
-          </a:p>
-        </p:txBody>
-      </p:sp>
-    </p:spTree>
-    <p:extLst>
-      <p:ext uri="{BB962C8B-B14F-4D97-AF65-F5344CB8AC3E}">
-        <p14:creationId xmlns:p14="http://schemas.microsoft.com/office/powerpoint/2010/main" val="2979785551"/>
-      </p:ext>
-    </p:extLst>
-  </p:cSld>
-  <p:clrMapOvr>
-    <a:masterClrMapping/>
-  </p:clrMapOvr>
-</p:sld>
-</file>
-
 <file path=ppt/slides/slide14.xml><?xml version="1.0" encoding="utf-8"?>
 <p:sld xmlns:a="http://schemas.openxmlformats.org/drawingml/2006/main" xmlns:r="http://schemas.openxmlformats.org/officeDocument/2006/relationships" xmlns:p="http://schemas.openxmlformats.org/presentationml/2006/main">
   <p:cSld>
@@ -4236,7 +4295,7 @@
           <a:p>
             <a:r>
               <a:rPr lang="en-GB" dirty="0" smtClean="0"/>
-              <a:t>Clearing the Log</a:t>
+              <a:t>Demo</a:t>
             </a:r>
             <a:endParaRPr lang="en-GB" dirty="0"/>
           </a:p>
@@ -4256,66 +4315,6 @@
         <p:txBody>
           <a:bodyPr/>
           <a:lstStyle/>
-          <a:p>
-            <a:r>
-              <a:rPr lang="en-GB" dirty="0" smtClean="0"/>
-              <a:t>Features that block log truncation</a:t>
-            </a:r>
-          </a:p>
-          <a:p>
-            <a:pPr lvl="1"/>
-            <a:r>
-              <a:rPr lang="en-GB" dirty="0" smtClean="0"/>
-              <a:t>Replication</a:t>
-            </a:r>
-          </a:p>
-          <a:p>
-            <a:pPr lvl="1"/>
-            <a:r>
-              <a:rPr lang="en-GB" dirty="0" smtClean="0"/>
-              <a:t>Mirroring</a:t>
-            </a:r>
-          </a:p>
-          <a:p>
-            <a:pPr lvl="1"/>
-            <a:r>
-              <a:rPr lang="en-GB" dirty="0" smtClean="0"/>
-              <a:t>CDC</a:t>
-            </a:r>
-          </a:p>
-          <a:p>
-            <a:pPr lvl="1"/>
-            <a:r>
-              <a:rPr lang="en-GB" dirty="0" smtClean="0"/>
-              <a:t>Open Transactions</a:t>
-            </a:r>
-          </a:p>
-          <a:p>
-            <a:pPr lvl="1"/>
-            <a:r>
-              <a:rPr lang="en-GB" dirty="0" smtClean="0"/>
-              <a:t>Backups</a:t>
-            </a:r>
-          </a:p>
-          <a:p>
-            <a:r>
-              <a:rPr lang="en-GB" dirty="0" smtClean="0"/>
-              <a:t>See </a:t>
-            </a:r>
-            <a:r>
-              <a:rPr lang="en-GB" dirty="0" err="1" smtClean="0"/>
-              <a:t>sys.databases</a:t>
-            </a:r>
-            <a:r>
-              <a:rPr lang="en-GB" dirty="0" smtClean="0"/>
-              <a:t> </a:t>
-            </a:r>
-            <a:r>
-              <a:rPr lang="en-GB" dirty="0" err="1"/>
-              <a:t>log_reuse_wait_desc</a:t>
-            </a:r>
-            <a:endParaRPr lang="en-GB" dirty="0"/>
-          </a:p>
           <a:p>
             <a:endParaRPr lang="en-GB" dirty="0"/>
           </a:p>
@@ -4324,7 +4323,7 @@
     </p:spTree>
     <p:extLst>
       <p:ext uri="{BB962C8B-B14F-4D97-AF65-F5344CB8AC3E}">
-        <p14:creationId xmlns:p14="http://schemas.microsoft.com/office/powerpoint/2010/main" val="2328418263"/>
+        <p14:creationId xmlns:p14="http://schemas.microsoft.com/office/powerpoint/2010/main" val="2979785551"/>
       </p:ext>
     </p:extLst>
   </p:cSld>
@@ -4368,6 +4367,138 @@
           <a:p>
             <a:r>
               <a:rPr lang="en-GB" dirty="0" smtClean="0"/>
+              <a:t>Clearing the Log</a:t>
+            </a:r>
+            <a:endParaRPr lang="en-GB" dirty="0"/>
+          </a:p>
+        </p:txBody>
+      </p:sp>
+      <p:sp>
+        <p:nvSpPr>
+          <p:cNvPr id="3" name="Content Placeholder 2"/>
+          <p:cNvSpPr>
+            <a:spLocks noGrp="1"/>
+          </p:cNvSpPr>
+          <p:nvPr>
+            <p:ph idx="1"/>
+          </p:nvPr>
+        </p:nvSpPr>
+        <p:spPr/>
+        <p:txBody>
+          <a:bodyPr/>
+          <a:lstStyle/>
+          <a:p>
+            <a:r>
+              <a:rPr lang="en-GB" dirty="0" smtClean="0"/>
+              <a:t>Features that block log truncation</a:t>
+            </a:r>
+          </a:p>
+          <a:p>
+            <a:pPr lvl="1"/>
+            <a:r>
+              <a:rPr lang="en-GB" dirty="0" smtClean="0"/>
+              <a:t>Replication</a:t>
+            </a:r>
+          </a:p>
+          <a:p>
+            <a:pPr lvl="1"/>
+            <a:r>
+              <a:rPr lang="en-GB" dirty="0" smtClean="0"/>
+              <a:t>Mirroring</a:t>
+            </a:r>
+          </a:p>
+          <a:p>
+            <a:pPr lvl="1"/>
+            <a:r>
+              <a:rPr lang="en-GB" dirty="0" smtClean="0"/>
+              <a:t>CDC</a:t>
+            </a:r>
+          </a:p>
+          <a:p>
+            <a:pPr lvl="1"/>
+            <a:r>
+              <a:rPr lang="en-GB" dirty="0" smtClean="0"/>
+              <a:t>Open Transactions</a:t>
+            </a:r>
+          </a:p>
+          <a:p>
+            <a:pPr lvl="1"/>
+            <a:r>
+              <a:rPr lang="en-GB" dirty="0" smtClean="0"/>
+              <a:t>Backups</a:t>
+            </a:r>
+          </a:p>
+          <a:p>
+            <a:r>
+              <a:rPr lang="en-GB" dirty="0" smtClean="0"/>
+              <a:t>See </a:t>
+            </a:r>
+            <a:r>
+              <a:rPr lang="en-GB" dirty="0" err="1" smtClean="0"/>
+              <a:t>sys.databases</a:t>
+            </a:r>
+            <a:r>
+              <a:rPr lang="en-GB" dirty="0" smtClean="0"/>
+              <a:t> </a:t>
+            </a:r>
+            <a:r>
+              <a:rPr lang="en-GB" dirty="0" err="1"/>
+              <a:t>log_reuse_wait_desc</a:t>
+            </a:r>
+            <a:endParaRPr lang="en-GB" dirty="0"/>
+          </a:p>
+          <a:p>
+            <a:endParaRPr lang="en-GB" dirty="0"/>
+          </a:p>
+        </p:txBody>
+      </p:sp>
+    </p:spTree>
+    <p:extLst>
+      <p:ext uri="{BB962C8B-B14F-4D97-AF65-F5344CB8AC3E}">
+        <p14:creationId xmlns:p14="http://schemas.microsoft.com/office/powerpoint/2010/main" val="2328418263"/>
+      </p:ext>
+    </p:extLst>
+  </p:cSld>
+  <p:clrMapOvr>
+    <a:masterClrMapping/>
+  </p:clrMapOvr>
+</p:sld>
+</file>
+
+<file path=ppt/slides/slide16.xml><?xml version="1.0" encoding="utf-8"?>
+<p:sld xmlns:a="http://schemas.openxmlformats.org/drawingml/2006/main" xmlns:r="http://schemas.openxmlformats.org/officeDocument/2006/relationships" xmlns:p="http://schemas.openxmlformats.org/presentationml/2006/main">
+  <p:cSld>
+    <p:spTree>
+      <p:nvGrpSpPr>
+        <p:cNvPr id="1" name=""/>
+        <p:cNvGrpSpPr/>
+        <p:nvPr/>
+      </p:nvGrpSpPr>
+      <p:grpSpPr>
+        <a:xfrm>
+          <a:off x="0" y="0"/>
+          <a:ext cx="0" cy="0"/>
+          <a:chOff x="0" y="0"/>
+          <a:chExt cx="0" cy="0"/>
+        </a:xfrm>
+      </p:grpSpPr>
+      <p:sp>
+        <p:nvSpPr>
+          <p:cNvPr id="2" name="Title 1"/>
+          <p:cNvSpPr>
+            <a:spLocks noGrp="1"/>
+          </p:cNvSpPr>
+          <p:nvPr>
+            <p:ph type="title"/>
+          </p:nvPr>
+        </p:nvSpPr>
+        <p:spPr/>
+        <p:txBody>
+          <a:bodyPr/>
+          <a:lstStyle/>
+          <a:p>
+            <a:r>
+              <a:rPr lang="en-GB" dirty="0" smtClean="0"/>
               <a:t>Data Integrity</a:t>
             </a:r>
             <a:endParaRPr lang="en-GB" dirty="0"/>
@@ -4483,7 +4614,7 @@
 </p:sld>
 </file>
 
-<file path=ppt/slides/slide16.xml><?xml version="1.0" encoding="utf-8"?>
+<file path=ppt/slides/slide17.xml><?xml version="1.0" encoding="utf-8"?>
 <p:sld xmlns:a="http://schemas.openxmlformats.org/drawingml/2006/main" xmlns:r="http://schemas.openxmlformats.org/officeDocument/2006/relationships" xmlns:p="http://schemas.openxmlformats.org/presentationml/2006/main">
   <p:cSld>
     <p:spTree>
@@ -4736,6 +4867,13 @@
   <p:clrMapOvr>
     <a:masterClrMapping/>
   </p:clrMapOvr>
+  <p:timing>
+    <p:tnLst>
+      <p:par>
+        <p:cTn id="1" dur="indefinite" restart="never" nodeType="tmRoot"/>
+      </p:par>
+    </p:tnLst>
+  </p:timing>
 </p:sld>
 </file>
 
@@ -4756,6 +4894,570 @@
           <a:chExt cx="0" cy="0"/>
         </a:xfrm>
       </p:grpSpPr>
+      <p:grpSp>
+        <p:nvGrpSpPr>
+          <p:cNvPr id="42" name="Group 41"/>
+          <p:cNvGrpSpPr/>
+          <p:nvPr/>
+        </p:nvGrpSpPr>
+        <p:grpSpPr>
+          <a:xfrm>
+            <a:off x="6219825" y="3803153"/>
+            <a:ext cx="5721244" cy="1006972"/>
+            <a:chOff x="6219826" y="3052765"/>
+            <a:chExt cx="5721244" cy="1790700"/>
+          </a:xfrm>
+          <a:solidFill>
+            <a:srgbClr val="92D050"/>
+          </a:solidFill>
+        </p:grpSpPr>
+        <p:sp>
+          <p:nvSpPr>
+            <p:cNvPr id="25" name="Rectangle 24"/>
+            <p:cNvSpPr/>
+            <p:nvPr/>
+          </p:nvSpPr>
+          <p:spPr>
+            <a:xfrm>
+              <a:off x="6219826" y="3052765"/>
+              <a:ext cx="5721244" cy="1790700"/>
+            </a:xfrm>
+            <a:prstGeom prst="rect">
+              <a:avLst/>
+            </a:prstGeom>
+            <a:grpFill/>
+          </p:spPr>
+          <p:style>
+            <a:lnRef idx="2">
+              <a:schemeClr val="accent1">
+                <a:shade val="50000"/>
+              </a:schemeClr>
+            </a:lnRef>
+            <a:fillRef idx="1">
+              <a:schemeClr val="accent1"/>
+            </a:fillRef>
+            <a:effectRef idx="0">
+              <a:schemeClr val="accent1"/>
+            </a:effectRef>
+            <a:fontRef idx="minor">
+              <a:schemeClr val="lt1"/>
+            </a:fontRef>
+          </p:style>
+          <p:txBody>
+            <a:bodyPr rtlCol="0" anchor="ctr"/>
+            <a:lstStyle/>
+            <a:p>
+              <a:pPr algn="ctr"/>
+              <a:endParaRPr lang="en-GB" dirty="0"/>
+            </a:p>
+          </p:txBody>
+        </p:sp>
+        <p:sp>
+          <p:nvSpPr>
+            <p:cNvPr id="26" name="TextBox 25"/>
+            <p:cNvSpPr txBox="1"/>
+            <p:nvPr/>
+          </p:nvSpPr>
+          <p:spPr>
+            <a:xfrm>
+              <a:off x="6296025" y="3088943"/>
+              <a:ext cx="1677371" cy="369332"/>
+            </a:xfrm>
+            <a:prstGeom prst="rect">
+              <a:avLst/>
+            </a:prstGeom>
+            <a:grpFill/>
+          </p:spPr>
+          <p:txBody>
+            <a:bodyPr wrap="square" rtlCol="0">
+              <a:spAutoFit/>
+            </a:bodyPr>
+            <a:lstStyle/>
+            <a:p>
+              <a:r>
+                <a:rPr lang="en-GB" dirty="0" smtClean="0"/>
+                <a:t>Buffer Pool</a:t>
+              </a:r>
+              <a:endParaRPr lang="en-GB" dirty="0"/>
+            </a:p>
+          </p:txBody>
+        </p:sp>
+      </p:grpSp>
+      <p:grpSp>
+        <p:nvGrpSpPr>
+          <p:cNvPr id="41" name="Group 40"/>
+          <p:cNvGrpSpPr/>
+          <p:nvPr/>
+        </p:nvGrpSpPr>
+        <p:grpSpPr>
+          <a:xfrm>
+            <a:off x="6219825" y="5334000"/>
+            <a:ext cx="5781675" cy="1057275"/>
+            <a:chOff x="6219825" y="5334000"/>
+            <a:chExt cx="5781675" cy="1057275"/>
+          </a:xfrm>
+        </p:grpSpPr>
+        <p:sp>
+          <p:nvSpPr>
+            <p:cNvPr id="33" name="Rectangle 32"/>
+            <p:cNvSpPr/>
+            <p:nvPr/>
+          </p:nvSpPr>
+          <p:spPr>
+            <a:xfrm>
+              <a:off x="6219825" y="5334000"/>
+              <a:ext cx="5721244" cy="1057275"/>
+            </a:xfrm>
+            <a:prstGeom prst="rect">
+              <a:avLst/>
+            </a:prstGeom>
+          </p:spPr>
+          <p:style>
+            <a:lnRef idx="2">
+              <a:schemeClr val="accent1">
+                <a:shade val="50000"/>
+              </a:schemeClr>
+            </a:lnRef>
+            <a:fillRef idx="1">
+              <a:schemeClr val="accent1"/>
+            </a:fillRef>
+            <a:effectRef idx="0">
+              <a:schemeClr val="accent1"/>
+            </a:effectRef>
+            <a:fontRef idx="minor">
+              <a:schemeClr val="lt1"/>
+            </a:fontRef>
+          </p:style>
+          <p:txBody>
+            <a:bodyPr rtlCol="0" anchor="ctr"/>
+            <a:lstStyle/>
+            <a:p>
+              <a:pPr algn="ctr"/>
+              <a:endParaRPr lang="en-GB"/>
+            </a:p>
+          </p:txBody>
+        </p:sp>
+        <p:pic>
+          <p:nvPicPr>
+            <p:cNvPr id="5" name="Content Placeholder 3"/>
+            <p:cNvPicPr>
+              <a:picLocks noChangeAspect="1"/>
+            </p:cNvPicPr>
+            <p:nvPr/>
+          </p:nvPicPr>
+          <p:blipFill>
+            <a:blip r:embed="rId2" cstate="print">
+              <a:extLst>
+                <a:ext uri="{28A0092B-C50C-407E-A947-70E740481C1C}">
+                  <a14:useLocalDpi xmlns:a14="http://schemas.microsoft.com/office/drawing/2010/main" val="0"/>
+                </a:ext>
+              </a:extLst>
+            </a:blip>
+            <a:stretch>
+              <a:fillRect/>
+            </a:stretch>
+          </p:blipFill>
+          <p:spPr>
+            <a:xfrm>
+              <a:off x="6433548" y="5743576"/>
+              <a:ext cx="410021" cy="552450"/>
+            </a:xfrm>
+            <a:prstGeom prst="rect">
+              <a:avLst/>
+            </a:prstGeom>
+          </p:spPr>
+        </p:pic>
+        <p:pic>
+          <p:nvPicPr>
+            <p:cNvPr id="6" name="Content Placeholder 3"/>
+            <p:cNvPicPr>
+              <a:picLocks noChangeAspect="1"/>
+            </p:cNvPicPr>
+            <p:nvPr/>
+          </p:nvPicPr>
+          <p:blipFill>
+            <a:blip r:embed="rId2" cstate="print">
+              <a:extLst>
+                <a:ext uri="{28A0092B-C50C-407E-A947-70E740481C1C}">
+                  <a14:useLocalDpi xmlns:a14="http://schemas.microsoft.com/office/drawing/2010/main" val="0"/>
+                </a:ext>
+              </a:extLst>
+            </a:blip>
+            <a:stretch>
+              <a:fillRect/>
+            </a:stretch>
+          </p:blipFill>
+          <p:spPr>
+            <a:xfrm>
+              <a:off x="6843569" y="5743576"/>
+              <a:ext cx="410021" cy="552450"/>
+            </a:xfrm>
+            <a:prstGeom prst="rect">
+              <a:avLst/>
+            </a:prstGeom>
+          </p:spPr>
+        </p:pic>
+        <p:pic>
+          <p:nvPicPr>
+            <p:cNvPr id="7" name="Content Placeholder 3"/>
+            <p:cNvPicPr>
+              <a:picLocks noChangeAspect="1"/>
+            </p:cNvPicPr>
+            <p:nvPr/>
+          </p:nvPicPr>
+          <p:blipFill>
+            <a:blip r:embed="rId2" cstate="print">
+              <a:extLst>
+                <a:ext uri="{28A0092B-C50C-407E-A947-70E740481C1C}">
+                  <a14:useLocalDpi xmlns:a14="http://schemas.microsoft.com/office/drawing/2010/main" val="0"/>
+                </a:ext>
+              </a:extLst>
+            </a:blip>
+            <a:stretch>
+              <a:fillRect/>
+            </a:stretch>
+          </p:blipFill>
+          <p:spPr>
+            <a:xfrm>
+              <a:off x="7253590" y="5743576"/>
+              <a:ext cx="410021" cy="552450"/>
+            </a:xfrm>
+            <a:prstGeom prst="rect">
+              <a:avLst/>
+            </a:prstGeom>
+          </p:spPr>
+        </p:pic>
+        <p:pic>
+          <p:nvPicPr>
+            <p:cNvPr id="8" name="Content Placeholder 3"/>
+            <p:cNvPicPr>
+              <a:picLocks noChangeAspect="1"/>
+            </p:cNvPicPr>
+            <p:nvPr/>
+          </p:nvPicPr>
+          <p:blipFill>
+            <a:blip r:embed="rId2" cstate="print">
+              <a:extLst>
+                <a:ext uri="{28A0092B-C50C-407E-A947-70E740481C1C}">
+                  <a14:useLocalDpi xmlns:a14="http://schemas.microsoft.com/office/drawing/2010/main" val="0"/>
+                </a:ext>
+              </a:extLst>
+            </a:blip>
+            <a:stretch>
+              <a:fillRect/>
+            </a:stretch>
+          </p:blipFill>
+          <p:spPr>
+            <a:xfrm>
+              <a:off x="7663611" y="5743576"/>
+              <a:ext cx="410021" cy="552450"/>
+            </a:xfrm>
+            <a:prstGeom prst="rect">
+              <a:avLst/>
+            </a:prstGeom>
+          </p:spPr>
+        </p:pic>
+        <p:pic>
+          <p:nvPicPr>
+            <p:cNvPr id="9" name="Content Placeholder 3"/>
+            <p:cNvPicPr>
+              <a:picLocks noChangeAspect="1"/>
+            </p:cNvPicPr>
+            <p:nvPr/>
+          </p:nvPicPr>
+          <p:blipFill>
+            <a:blip r:embed="rId2" cstate="print">
+              <a:extLst>
+                <a:ext uri="{28A0092B-C50C-407E-A947-70E740481C1C}">
+                  <a14:useLocalDpi xmlns:a14="http://schemas.microsoft.com/office/drawing/2010/main" val="0"/>
+                </a:ext>
+              </a:extLst>
+            </a:blip>
+            <a:stretch>
+              <a:fillRect/>
+            </a:stretch>
+          </p:blipFill>
+          <p:spPr>
+            <a:xfrm>
+              <a:off x="8073632" y="5743576"/>
+              <a:ext cx="410021" cy="552450"/>
+            </a:xfrm>
+            <a:prstGeom prst="rect">
+              <a:avLst/>
+            </a:prstGeom>
+          </p:spPr>
+        </p:pic>
+        <p:pic>
+          <p:nvPicPr>
+            <p:cNvPr id="10" name="Content Placeholder 3"/>
+            <p:cNvPicPr>
+              <a:picLocks noChangeAspect="1"/>
+            </p:cNvPicPr>
+            <p:nvPr/>
+          </p:nvPicPr>
+          <p:blipFill>
+            <a:blip r:embed="rId2" cstate="print">
+              <a:extLst>
+                <a:ext uri="{28A0092B-C50C-407E-A947-70E740481C1C}">
+                  <a14:useLocalDpi xmlns:a14="http://schemas.microsoft.com/office/drawing/2010/main" val="0"/>
+                </a:ext>
+              </a:extLst>
+            </a:blip>
+            <a:stretch>
+              <a:fillRect/>
+            </a:stretch>
+          </p:blipFill>
+          <p:spPr>
+            <a:xfrm>
+              <a:off x="8483653" y="5743576"/>
+              <a:ext cx="410021" cy="552450"/>
+            </a:xfrm>
+            <a:prstGeom prst="rect">
+              <a:avLst/>
+            </a:prstGeom>
+          </p:spPr>
+        </p:pic>
+        <p:pic>
+          <p:nvPicPr>
+            <p:cNvPr id="11" name="Content Placeholder 3"/>
+            <p:cNvPicPr>
+              <a:picLocks noChangeAspect="1"/>
+            </p:cNvPicPr>
+            <p:nvPr/>
+          </p:nvPicPr>
+          <p:blipFill>
+            <a:blip r:embed="rId2" cstate="print">
+              <a:extLst>
+                <a:ext uri="{28A0092B-C50C-407E-A947-70E740481C1C}">
+                  <a14:useLocalDpi xmlns:a14="http://schemas.microsoft.com/office/drawing/2010/main" val="0"/>
+                </a:ext>
+              </a:extLst>
+            </a:blip>
+            <a:stretch>
+              <a:fillRect/>
+            </a:stretch>
+          </p:blipFill>
+          <p:spPr>
+            <a:xfrm>
+              <a:off x="8893674" y="5743576"/>
+              <a:ext cx="410021" cy="552450"/>
+            </a:xfrm>
+            <a:prstGeom prst="rect">
+              <a:avLst/>
+            </a:prstGeom>
+          </p:spPr>
+        </p:pic>
+        <p:pic>
+          <p:nvPicPr>
+            <p:cNvPr id="12" name="Content Placeholder 3"/>
+            <p:cNvPicPr>
+              <a:picLocks noChangeAspect="1"/>
+            </p:cNvPicPr>
+            <p:nvPr/>
+          </p:nvPicPr>
+          <p:blipFill>
+            <a:blip r:embed="rId2" cstate="print">
+              <a:extLst>
+                <a:ext uri="{28A0092B-C50C-407E-A947-70E740481C1C}">
+                  <a14:useLocalDpi xmlns:a14="http://schemas.microsoft.com/office/drawing/2010/main" val="0"/>
+                </a:ext>
+              </a:extLst>
+            </a:blip>
+            <a:stretch>
+              <a:fillRect/>
+            </a:stretch>
+          </p:blipFill>
+          <p:spPr>
+            <a:xfrm>
+              <a:off x="9303695" y="5743576"/>
+              <a:ext cx="410021" cy="552450"/>
+            </a:xfrm>
+            <a:prstGeom prst="rect">
+              <a:avLst/>
+            </a:prstGeom>
+          </p:spPr>
+        </p:pic>
+        <p:pic>
+          <p:nvPicPr>
+            <p:cNvPr id="13" name="Content Placeholder 3"/>
+            <p:cNvPicPr>
+              <a:picLocks noChangeAspect="1"/>
+            </p:cNvPicPr>
+            <p:nvPr/>
+          </p:nvPicPr>
+          <p:blipFill>
+            <a:blip r:embed="rId2" cstate="print">
+              <a:extLst>
+                <a:ext uri="{28A0092B-C50C-407E-A947-70E740481C1C}">
+                  <a14:useLocalDpi xmlns:a14="http://schemas.microsoft.com/office/drawing/2010/main" val="0"/>
+                </a:ext>
+              </a:extLst>
+            </a:blip>
+            <a:stretch>
+              <a:fillRect/>
+            </a:stretch>
+          </p:blipFill>
+          <p:spPr>
+            <a:xfrm>
+              <a:off x="9713716" y="5743577"/>
+              <a:ext cx="410021" cy="552450"/>
+            </a:xfrm>
+            <a:prstGeom prst="rect">
+              <a:avLst/>
+            </a:prstGeom>
+          </p:spPr>
+        </p:pic>
+        <p:pic>
+          <p:nvPicPr>
+            <p:cNvPr id="14" name="Content Placeholder 3"/>
+            <p:cNvPicPr>
+              <a:picLocks noChangeAspect="1"/>
+            </p:cNvPicPr>
+            <p:nvPr/>
+          </p:nvPicPr>
+          <p:blipFill>
+            <a:blip r:embed="rId2" cstate="print">
+              <a:extLst>
+                <a:ext uri="{28A0092B-C50C-407E-A947-70E740481C1C}">
+                  <a14:useLocalDpi xmlns:a14="http://schemas.microsoft.com/office/drawing/2010/main" val="0"/>
+                </a:ext>
+              </a:extLst>
+            </a:blip>
+            <a:stretch>
+              <a:fillRect/>
+            </a:stretch>
+          </p:blipFill>
+          <p:spPr>
+            <a:xfrm>
+              <a:off x="10123737" y="5743576"/>
+              <a:ext cx="410021" cy="552450"/>
+            </a:xfrm>
+            <a:prstGeom prst="rect">
+              <a:avLst/>
+            </a:prstGeom>
+          </p:spPr>
+        </p:pic>
+        <p:pic>
+          <p:nvPicPr>
+            <p:cNvPr id="15" name="Content Placeholder 3"/>
+            <p:cNvPicPr>
+              <a:picLocks noChangeAspect="1"/>
+            </p:cNvPicPr>
+            <p:nvPr/>
+          </p:nvPicPr>
+          <p:blipFill>
+            <a:blip r:embed="rId2" cstate="print">
+              <a:extLst>
+                <a:ext uri="{28A0092B-C50C-407E-A947-70E740481C1C}">
+                  <a14:useLocalDpi xmlns:a14="http://schemas.microsoft.com/office/drawing/2010/main" val="0"/>
+                </a:ext>
+              </a:extLst>
+            </a:blip>
+            <a:stretch>
+              <a:fillRect/>
+            </a:stretch>
+          </p:blipFill>
+          <p:spPr>
+            <a:xfrm>
+              <a:off x="10533758" y="5743576"/>
+              <a:ext cx="410021" cy="552450"/>
+            </a:xfrm>
+            <a:prstGeom prst="rect">
+              <a:avLst/>
+            </a:prstGeom>
+          </p:spPr>
+        </p:pic>
+        <p:pic>
+          <p:nvPicPr>
+            <p:cNvPr id="16" name="Content Placeholder 3"/>
+            <p:cNvPicPr>
+              <a:picLocks noChangeAspect="1"/>
+            </p:cNvPicPr>
+            <p:nvPr/>
+          </p:nvPicPr>
+          <p:blipFill>
+            <a:blip r:embed="rId2" cstate="print">
+              <a:extLst>
+                <a:ext uri="{28A0092B-C50C-407E-A947-70E740481C1C}">
+                  <a14:useLocalDpi xmlns:a14="http://schemas.microsoft.com/office/drawing/2010/main" val="0"/>
+                </a:ext>
+              </a:extLst>
+            </a:blip>
+            <a:stretch>
+              <a:fillRect/>
+            </a:stretch>
+          </p:blipFill>
+          <p:spPr>
+            <a:xfrm>
+              <a:off x="10943779" y="5743576"/>
+              <a:ext cx="410021" cy="552450"/>
+            </a:xfrm>
+            <a:prstGeom prst="rect">
+              <a:avLst/>
+            </a:prstGeom>
+          </p:spPr>
+        </p:pic>
+        <p:sp>
+          <p:nvSpPr>
+            <p:cNvPr id="34" name="TextBox 33"/>
+            <p:cNvSpPr txBox="1"/>
+            <p:nvPr/>
+          </p:nvSpPr>
+          <p:spPr>
+            <a:xfrm>
+              <a:off x="11353800" y="6000750"/>
+              <a:ext cx="647700" cy="369332"/>
+            </a:xfrm>
+            <a:prstGeom prst="rect">
+              <a:avLst/>
+            </a:prstGeom>
+            <a:noFill/>
+          </p:spPr>
+          <p:txBody>
+            <a:bodyPr wrap="square" rtlCol="0">
+              <a:spAutoFit/>
+            </a:bodyPr>
+            <a:lstStyle/>
+            <a:p>
+              <a:r>
+                <a:rPr lang="en-GB" dirty="0" smtClean="0"/>
+                <a:t>…….</a:t>
+              </a:r>
+              <a:endParaRPr lang="en-GB" dirty="0"/>
+            </a:p>
+          </p:txBody>
+        </p:sp>
+        <p:sp>
+          <p:nvSpPr>
+            <p:cNvPr id="36" name="TextBox 35"/>
+            <p:cNvSpPr txBox="1"/>
+            <p:nvPr/>
+          </p:nvSpPr>
+          <p:spPr>
+            <a:xfrm>
+              <a:off x="6219825" y="5369482"/>
+              <a:ext cx="1677371" cy="369332"/>
+            </a:xfrm>
+            <a:prstGeom prst="rect">
+              <a:avLst/>
+            </a:prstGeom>
+            <a:noFill/>
+          </p:spPr>
+          <p:txBody>
+            <a:bodyPr wrap="square" rtlCol="0">
+              <a:spAutoFit/>
+            </a:bodyPr>
+            <a:lstStyle/>
+            <a:p>
+              <a:r>
+                <a:rPr lang="en-GB" dirty="0" smtClean="0"/>
+                <a:t>Data File</a:t>
+              </a:r>
+              <a:endParaRPr lang="en-GB" dirty="0"/>
+            </a:p>
+          </p:txBody>
+        </p:sp>
+      </p:grpSp>
       <p:sp>
         <p:nvSpPr>
           <p:cNvPr id="2" name="Title 1"/>
@@ -4766,48 +5468,1735 @@
             <p:ph type="title"/>
           </p:nvPr>
         </p:nvSpPr>
-        <p:spPr/>
+        <p:spPr>
+          <a:xfrm>
+            <a:off x="838200" y="161925"/>
+            <a:ext cx="10515600" cy="771525"/>
+          </a:xfrm>
+        </p:spPr>
         <p:txBody>
           <a:bodyPr/>
           <a:lstStyle/>
           <a:p>
             <a:r>
               <a:rPr lang="en-GB" dirty="0" smtClean="0"/>
-              <a:t>Diagram of QE to Storage Engine</a:t>
+              <a:t>Diagram of QE to Storage Engine (Read)</a:t>
             </a:r>
             <a:endParaRPr lang="en-GB" dirty="0"/>
           </a:p>
         </p:txBody>
       </p:sp>
-      <p:sp>
-        <p:nvSpPr>
-          <p:cNvPr id="3" name="Content Placeholder 2"/>
-          <p:cNvSpPr>
-            <a:spLocks noGrp="1"/>
-          </p:cNvSpPr>
-          <p:nvPr>
-            <p:ph idx="1"/>
-          </p:nvPr>
-        </p:nvSpPr>
-        <p:spPr/>
-        <p:txBody>
-          <a:bodyPr/>
-          <a:lstStyle/>
-          <a:p>
+      <p:grpSp>
+        <p:nvGrpSpPr>
+          <p:cNvPr id="40" name="Group 39"/>
+          <p:cNvGrpSpPr/>
+          <p:nvPr/>
+        </p:nvGrpSpPr>
+        <p:grpSpPr>
+          <a:xfrm>
+            <a:off x="354225" y="5333998"/>
+            <a:ext cx="3744266" cy="1057276"/>
+            <a:chOff x="354225" y="5333998"/>
+            <a:chExt cx="3744266" cy="1057276"/>
+          </a:xfrm>
+        </p:grpSpPr>
+        <p:sp>
+          <p:nvSpPr>
+            <p:cNvPr id="37" name="Rectangle 36"/>
+            <p:cNvSpPr/>
+            <p:nvPr/>
+          </p:nvSpPr>
+          <p:spPr>
+            <a:xfrm>
+              <a:off x="354225" y="5333999"/>
+              <a:ext cx="3744266" cy="1057275"/>
+            </a:xfrm>
+            <a:prstGeom prst="rect">
+              <a:avLst/>
+            </a:prstGeom>
+          </p:spPr>
+          <p:style>
+            <a:lnRef idx="2">
+              <a:schemeClr val="accent1">
+                <a:shade val="50000"/>
+              </a:schemeClr>
+            </a:lnRef>
+            <a:fillRef idx="1">
+              <a:schemeClr val="accent1"/>
+            </a:fillRef>
+            <a:effectRef idx="0">
+              <a:schemeClr val="accent1"/>
+            </a:effectRef>
+            <a:fontRef idx="minor">
+              <a:schemeClr val="lt1"/>
+            </a:fontRef>
+          </p:style>
+          <p:txBody>
+            <a:bodyPr rtlCol="0" anchor="ctr"/>
+            <a:lstStyle/>
+            <a:p>
+              <a:pPr algn="ctr"/>
+              <a:endParaRPr lang="en-GB"/>
+            </a:p>
+          </p:txBody>
+        </p:sp>
+        <p:sp>
+          <p:nvSpPr>
+            <p:cNvPr id="38" name="TextBox 37"/>
+            <p:cNvSpPr txBox="1"/>
+            <p:nvPr/>
+          </p:nvSpPr>
+          <p:spPr>
+            <a:xfrm>
+              <a:off x="356923" y="5333998"/>
+              <a:ext cx="1677371" cy="369332"/>
+            </a:xfrm>
+            <a:prstGeom prst="rect">
+              <a:avLst/>
+            </a:prstGeom>
+            <a:noFill/>
+          </p:spPr>
+          <p:txBody>
+            <a:bodyPr wrap="square" rtlCol="0">
+              <a:spAutoFit/>
+            </a:bodyPr>
+            <a:lstStyle/>
+            <a:p>
+              <a:r>
+                <a:rPr lang="en-GB" dirty="0" smtClean="0"/>
+                <a:t>Log File</a:t>
+              </a:r>
+              <a:endParaRPr lang="en-GB" dirty="0"/>
+            </a:p>
+          </p:txBody>
+        </p:sp>
+      </p:grpSp>
+      <p:grpSp>
+        <p:nvGrpSpPr>
+          <p:cNvPr id="43" name="Group 42"/>
+          <p:cNvGrpSpPr/>
+          <p:nvPr/>
+        </p:nvGrpSpPr>
+        <p:grpSpPr>
+          <a:xfrm>
+            <a:off x="354225" y="3803153"/>
+            <a:ext cx="3744264" cy="1006972"/>
+            <a:chOff x="6219826" y="3052765"/>
+            <a:chExt cx="5721244" cy="1790700"/>
+          </a:xfrm>
+          <a:solidFill>
+            <a:srgbClr val="92D050"/>
+          </a:solidFill>
+        </p:grpSpPr>
+        <p:sp>
+          <p:nvSpPr>
+            <p:cNvPr id="44" name="Rectangle 43"/>
+            <p:cNvSpPr/>
+            <p:nvPr/>
+          </p:nvSpPr>
+          <p:spPr>
+            <a:xfrm>
+              <a:off x="6219826" y="3052765"/>
+              <a:ext cx="5721244" cy="1790700"/>
+            </a:xfrm>
+            <a:prstGeom prst="rect">
+              <a:avLst/>
+            </a:prstGeom>
+            <a:grpFill/>
+          </p:spPr>
+          <p:style>
+            <a:lnRef idx="2">
+              <a:schemeClr val="accent1">
+                <a:shade val="50000"/>
+              </a:schemeClr>
+            </a:lnRef>
+            <a:fillRef idx="1">
+              <a:schemeClr val="accent1"/>
+            </a:fillRef>
+            <a:effectRef idx="0">
+              <a:schemeClr val="accent1"/>
+            </a:effectRef>
+            <a:fontRef idx="minor">
+              <a:schemeClr val="lt1"/>
+            </a:fontRef>
+          </p:style>
+          <p:txBody>
+            <a:bodyPr rtlCol="0" anchor="ctr"/>
+            <a:lstStyle/>
+            <a:p>
+              <a:pPr algn="ctr"/>
+              <a:endParaRPr lang="en-GB" dirty="0"/>
+            </a:p>
+          </p:txBody>
+        </p:sp>
+        <p:sp>
+          <p:nvSpPr>
+            <p:cNvPr id="45" name="TextBox 44"/>
+            <p:cNvSpPr txBox="1"/>
+            <p:nvPr/>
+          </p:nvSpPr>
+          <p:spPr>
+            <a:xfrm>
+              <a:off x="6242675" y="3088943"/>
+              <a:ext cx="1831763" cy="656784"/>
+            </a:xfrm>
+            <a:prstGeom prst="rect">
+              <a:avLst/>
+            </a:prstGeom>
+            <a:grpFill/>
+          </p:spPr>
+          <p:txBody>
+            <a:bodyPr wrap="square" rtlCol="0">
+              <a:spAutoFit/>
+            </a:bodyPr>
+            <a:lstStyle/>
+            <a:p>
+              <a:r>
+                <a:rPr lang="en-GB" dirty="0" smtClean="0"/>
+                <a:t>Log Buffer</a:t>
+              </a:r>
+              <a:endParaRPr lang="en-GB" dirty="0"/>
+            </a:p>
+          </p:txBody>
+        </p:sp>
+      </p:grpSp>
+      <p:sp>
+        <p:nvSpPr>
+          <p:cNvPr id="46" name="Rectangle 45"/>
+          <p:cNvSpPr/>
+          <p:nvPr/>
+        </p:nvSpPr>
+        <p:spPr>
+          <a:xfrm>
+            <a:off x="4098489" y="2286001"/>
+            <a:ext cx="1997511" cy="1295399"/>
+          </a:xfrm>
+          <a:prstGeom prst="rect">
+            <a:avLst/>
+          </a:prstGeom>
+        </p:spPr>
+        <p:style>
+          <a:lnRef idx="2">
+            <a:schemeClr val="accent4">
+              <a:shade val="50000"/>
+            </a:schemeClr>
+          </a:lnRef>
+          <a:fillRef idx="1">
+            <a:schemeClr val="accent4"/>
+          </a:fillRef>
+          <a:effectRef idx="0">
+            <a:schemeClr val="accent4"/>
+          </a:effectRef>
+          <a:fontRef idx="minor">
+            <a:schemeClr val="lt1"/>
+          </a:fontRef>
+        </p:style>
+        <p:txBody>
+          <a:bodyPr rtlCol="0" anchor="ctr"/>
+          <a:lstStyle/>
+          <a:p>
+            <a:pPr algn="ctr"/>
             <a:endParaRPr lang="en-GB" dirty="0"/>
+          </a:p>
+        </p:txBody>
+      </p:sp>
+      <p:sp>
+        <p:nvSpPr>
+          <p:cNvPr id="47" name="Rectangle 46"/>
+          <p:cNvSpPr/>
+          <p:nvPr/>
+        </p:nvSpPr>
+        <p:spPr>
+          <a:xfrm>
+            <a:off x="4098488" y="983755"/>
+            <a:ext cx="1997511" cy="1295399"/>
+          </a:xfrm>
+          <a:prstGeom prst="rect">
+            <a:avLst/>
+          </a:prstGeom>
+        </p:spPr>
+        <p:style>
+          <a:lnRef idx="2">
+            <a:schemeClr val="accent4">
+              <a:shade val="50000"/>
+            </a:schemeClr>
+          </a:lnRef>
+          <a:fillRef idx="1">
+            <a:schemeClr val="accent4"/>
+          </a:fillRef>
+          <a:effectRef idx="0">
+            <a:schemeClr val="accent4"/>
+          </a:effectRef>
+          <a:fontRef idx="minor">
+            <a:schemeClr val="lt1"/>
+          </a:fontRef>
+        </p:style>
+        <p:txBody>
+          <a:bodyPr rtlCol="0" anchor="ctr"/>
+          <a:lstStyle/>
+          <a:p>
+            <a:pPr algn="ctr"/>
+            <a:endParaRPr lang="en-GB"/>
+          </a:p>
+        </p:txBody>
+      </p:sp>
+      <p:sp>
+        <p:nvSpPr>
+          <p:cNvPr id="48" name="TextBox 47"/>
+          <p:cNvSpPr txBox="1"/>
+          <p:nvPr/>
+        </p:nvSpPr>
+        <p:spPr>
+          <a:xfrm>
+            <a:off x="4098488" y="991671"/>
+            <a:ext cx="1819274" cy="369332"/>
+          </a:xfrm>
+          <a:prstGeom prst="rect">
+            <a:avLst/>
+          </a:prstGeom>
+          <a:noFill/>
+        </p:spPr>
+        <p:txBody>
+          <a:bodyPr wrap="square" rtlCol="0">
+            <a:spAutoFit/>
+          </a:bodyPr>
+          <a:lstStyle/>
+          <a:p>
+            <a:r>
+              <a:rPr lang="en-GB" dirty="0" smtClean="0"/>
+              <a:t>Query Optimizer</a:t>
+            </a:r>
+            <a:endParaRPr lang="en-GB" dirty="0"/>
+          </a:p>
+        </p:txBody>
+      </p:sp>
+      <p:sp>
+        <p:nvSpPr>
+          <p:cNvPr id="49" name="TextBox 48"/>
+          <p:cNvSpPr txBox="1"/>
+          <p:nvPr/>
+        </p:nvSpPr>
+        <p:spPr>
+          <a:xfrm>
+            <a:off x="4106644" y="2304037"/>
+            <a:ext cx="1819274" cy="369332"/>
+          </a:xfrm>
+          <a:prstGeom prst="rect">
+            <a:avLst/>
+          </a:prstGeom>
+          <a:noFill/>
+        </p:spPr>
+        <p:txBody>
+          <a:bodyPr wrap="square" rtlCol="0">
+            <a:spAutoFit/>
+          </a:bodyPr>
+          <a:lstStyle/>
+          <a:p>
+            <a:r>
+              <a:rPr lang="en-GB" dirty="0" smtClean="0"/>
+              <a:t>Storage Engine</a:t>
+            </a:r>
+            <a:endParaRPr lang="en-GB" dirty="0"/>
+          </a:p>
+        </p:txBody>
+      </p:sp>
+      <p:sp>
+        <p:nvSpPr>
+          <p:cNvPr id="50" name="Rectangle 49"/>
+          <p:cNvSpPr/>
+          <p:nvPr/>
+        </p:nvSpPr>
+        <p:spPr>
+          <a:xfrm>
+            <a:off x="466725" y="1176337"/>
+            <a:ext cx="933895" cy="566738"/>
+          </a:xfrm>
+          <a:prstGeom prst="rect">
+            <a:avLst/>
+          </a:prstGeom>
+          <a:solidFill>
+            <a:schemeClr val="accent2">
+              <a:lumMod val="60000"/>
+              <a:lumOff val="40000"/>
+            </a:schemeClr>
+          </a:solidFill>
+        </p:spPr>
+        <p:style>
+          <a:lnRef idx="2">
+            <a:schemeClr val="accent1">
+              <a:shade val="50000"/>
+            </a:schemeClr>
+          </a:lnRef>
+          <a:fillRef idx="1">
+            <a:schemeClr val="accent1"/>
+          </a:fillRef>
+          <a:effectRef idx="0">
+            <a:schemeClr val="accent1"/>
+          </a:effectRef>
+          <a:fontRef idx="minor">
+            <a:schemeClr val="lt1"/>
+          </a:fontRef>
+        </p:style>
+        <p:txBody>
+          <a:bodyPr rtlCol="0" anchor="ctr"/>
+          <a:lstStyle/>
+          <a:p>
+            <a:pPr algn="ctr"/>
+            <a:r>
+              <a:rPr lang="en-GB" dirty="0" smtClean="0">
+                <a:solidFill>
+                  <a:schemeClr val="tx1"/>
+                </a:solidFill>
+              </a:rPr>
+              <a:t>Read Query</a:t>
+            </a:r>
+            <a:endParaRPr lang="en-GB" dirty="0">
+              <a:solidFill>
+                <a:schemeClr val="tx1"/>
+              </a:solidFill>
+            </a:endParaRPr>
+          </a:p>
+        </p:txBody>
+      </p:sp>
+      <p:cxnSp>
+        <p:nvCxnSpPr>
+          <p:cNvPr id="52" name="Straight Arrow Connector 51"/>
+          <p:cNvCxnSpPr>
+            <a:stCxn id="50" idx="3"/>
+          </p:cNvCxnSpPr>
+          <p:nvPr/>
+        </p:nvCxnSpPr>
+        <p:spPr>
+          <a:xfrm>
+            <a:off x="1400620" y="1459706"/>
+            <a:ext cx="2697868" cy="0"/>
+          </a:xfrm>
+          <a:prstGeom prst="straightConnector1">
+            <a:avLst/>
+          </a:prstGeom>
+          <a:ln>
+            <a:tailEnd type="triangle"/>
+          </a:ln>
+        </p:spPr>
+        <p:style>
+          <a:lnRef idx="1">
+            <a:schemeClr val="accent1"/>
+          </a:lnRef>
+          <a:fillRef idx="0">
+            <a:schemeClr val="accent1"/>
+          </a:fillRef>
+          <a:effectRef idx="0">
+            <a:schemeClr val="accent1"/>
+          </a:effectRef>
+          <a:fontRef idx="minor">
+            <a:schemeClr val="tx1"/>
+          </a:fontRef>
+        </p:style>
+      </p:cxnSp>
+      <p:sp>
+        <p:nvSpPr>
+          <p:cNvPr id="53" name="TextBox 52"/>
+          <p:cNvSpPr txBox="1"/>
+          <p:nvPr/>
+        </p:nvSpPr>
+        <p:spPr>
+          <a:xfrm>
+            <a:off x="4233009" y="1377970"/>
+            <a:ext cx="706204" cy="369332"/>
+          </a:xfrm>
+          <a:prstGeom prst="rect">
+            <a:avLst/>
+          </a:prstGeom>
+          <a:noFill/>
+        </p:spPr>
+        <p:txBody>
+          <a:bodyPr wrap="square" rtlCol="0">
+            <a:spAutoFit/>
+          </a:bodyPr>
+          <a:lstStyle/>
+          <a:p>
+            <a:r>
+              <a:rPr lang="en-GB" dirty="0" smtClean="0">
+                <a:solidFill>
+                  <a:schemeClr val="accent1">
+                    <a:lumMod val="50000"/>
+                  </a:schemeClr>
+                </a:solidFill>
+              </a:rPr>
+              <a:t>Parse</a:t>
+            </a:r>
+          </a:p>
+        </p:txBody>
+      </p:sp>
+      <p:sp>
+        <p:nvSpPr>
+          <p:cNvPr id="54" name="TextBox 53"/>
+          <p:cNvSpPr txBox="1"/>
+          <p:nvPr/>
+        </p:nvSpPr>
+        <p:spPr>
+          <a:xfrm>
+            <a:off x="5073734" y="1377970"/>
+            <a:ext cx="706204" cy="369332"/>
+          </a:xfrm>
+          <a:prstGeom prst="rect">
+            <a:avLst/>
+          </a:prstGeom>
+          <a:noFill/>
+        </p:spPr>
+        <p:txBody>
+          <a:bodyPr wrap="square" rtlCol="0">
+            <a:spAutoFit/>
+          </a:bodyPr>
+          <a:lstStyle/>
+          <a:p>
+            <a:r>
+              <a:rPr lang="en-GB" dirty="0" smtClean="0">
+                <a:solidFill>
+                  <a:schemeClr val="accent1">
+                    <a:lumMod val="50000"/>
+                  </a:schemeClr>
+                </a:solidFill>
+              </a:rPr>
+              <a:t>Bind</a:t>
+            </a:r>
+          </a:p>
+        </p:txBody>
+      </p:sp>
+      <p:sp>
+        <p:nvSpPr>
+          <p:cNvPr id="55" name="TextBox 54"/>
+          <p:cNvSpPr txBox="1"/>
+          <p:nvPr/>
+        </p:nvSpPr>
+        <p:spPr>
+          <a:xfrm>
+            <a:off x="4106644" y="1740487"/>
+            <a:ext cx="1053366" cy="369332"/>
+          </a:xfrm>
+          <a:prstGeom prst="rect">
+            <a:avLst/>
+          </a:prstGeom>
+          <a:noFill/>
+        </p:spPr>
+        <p:txBody>
+          <a:bodyPr wrap="square" rtlCol="0">
+            <a:spAutoFit/>
+          </a:bodyPr>
+          <a:lstStyle/>
+          <a:p>
+            <a:r>
+              <a:rPr lang="en-GB" dirty="0" smtClean="0">
+                <a:solidFill>
+                  <a:schemeClr val="accent1">
+                    <a:lumMod val="50000"/>
+                  </a:schemeClr>
+                </a:solidFill>
+              </a:rPr>
+              <a:t>Optimize</a:t>
+            </a:r>
+          </a:p>
+        </p:txBody>
+      </p:sp>
+      <p:sp>
+        <p:nvSpPr>
+          <p:cNvPr id="56" name="TextBox 55"/>
+          <p:cNvSpPr txBox="1"/>
+          <p:nvPr/>
+        </p:nvSpPr>
+        <p:spPr>
+          <a:xfrm>
+            <a:off x="5079194" y="1740845"/>
+            <a:ext cx="1053366" cy="369332"/>
+          </a:xfrm>
+          <a:prstGeom prst="rect">
+            <a:avLst/>
+          </a:prstGeom>
+          <a:noFill/>
+        </p:spPr>
+        <p:txBody>
+          <a:bodyPr wrap="square" rtlCol="0">
+            <a:spAutoFit/>
+          </a:bodyPr>
+          <a:lstStyle/>
+          <a:p>
+            <a:r>
+              <a:rPr lang="en-GB" dirty="0" smtClean="0">
+                <a:solidFill>
+                  <a:schemeClr val="accent1">
+                    <a:lumMod val="50000"/>
+                  </a:schemeClr>
+                </a:solidFill>
+              </a:rPr>
+              <a:t>Execute</a:t>
+            </a:r>
+          </a:p>
+        </p:txBody>
+      </p:sp>
+      <p:cxnSp>
+        <p:nvCxnSpPr>
+          <p:cNvPr id="58" name="Straight Connector 57"/>
+          <p:cNvCxnSpPr/>
+          <p:nvPr/>
+        </p:nvCxnSpPr>
+        <p:spPr>
+          <a:xfrm flipV="1">
+            <a:off x="4098488" y="2752725"/>
+            <a:ext cx="1997511" cy="9525"/>
+          </a:xfrm>
+          <a:prstGeom prst="line">
+            <a:avLst/>
+          </a:prstGeom>
+        </p:spPr>
+        <p:style>
+          <a:lnRef idx="1">
+            <a:schemeClr val="accent1"/>
+          </a:lnRef>
+          <a:fillRef idx="0">
+            <a:schemeClr val="accent1"/>
+          </a:fillRef>
+          <a:effectRef idx="0">
+            <a:schemeClr val="accent1"/>
+          </a:effectRef>
+          <a:fontRef idx="minor">
+            <a:schemeClr val="tx1"/>
+          </a:fontRef>
+        </p:style>
+      </p:cxnSp>
+      <p:cxnSp>
+        <p:nvCxnSpPr>
+          <p:cNvPr id="60" name="Straight Connector 59"/>
+          <p:cNvCxnSpPr>
+            <a:stCxn id="46" idx="2"/>
+          </p:cNvCxnSpPr>
+          <p:nvPr/>
+        </p:nvCxnSpPr>
+        <p:spPr>
+          <a:xfrm flipH="1" flipV="1">
+            <a:off x="5097243" y="2768352"/>
+            <a:ext cx="2" cy="813048"/>
+          </a:xfrm>
+          <a:prstGeom prst="line">
+            <a:avLst/>
+          </a:prstGeom>
+        </p:spPr>
+        <p:style>
+          <a:lnRef idx="1">
+            <a:schemeClr val="accent1"/>
+          </a:lnRef>
+          <a:fillRef idx="0">
+            <a:schemeClr val="accent1"/>
+          </a:fillRef>
+          <a:effectRef idx="0">
+            <a:schemeClr val="accent1"/>
+          </a:effectRef>
+          <a:fontRef idx="minor">
+            <a:schemeClr val="tx1"/>
+          </a:fontRef>
+        </p:style>
+      </p:cxnSp>
+      <p:sp>
+        <p:nvSpPr>
+          <p:cNvPr id="62" name="TextBox 61"/>
+          <p:cNvSpPr txBox="1"/>
+          <p:nvPr/>
+        </p:nvSpPr>
+        <p:spPr>
+          <a:xfrm>
+            <a:off x="5160009" y="2917214"/>
+            <a:ext cx="935990" cy="523220"/>
+          </a:xfrm>
+          <a:prstGeom prst="rect">
+            <a:avLst/>
+          </a:prstGeom>
+          <a:noFill/>
+        </p:spPr>
+        <p:txBody>
+          <a:bodyPr wrap="square" rtlCol="0">
+            <a:spAutoFit/>
+          </a:bodyPr>
+          <a:lstStyle/>
+          <a:p>
+            <a:r>
+              <a:rPr lang="en-GB" sz="1400" dirty="0" smtClean="0"/>
+              <a:t>Buffer Manager</a:t>
+            </a:r>
+            <a:endParaRPr lang="en-GB" sz="1400" dirty="0"/>
+          </a:p>
+        </p:txBody>
+      </p:sp>
+      <p:cxnSp>
+        <p:nvCxnSpPr>
+          <p:cNvPr id="27" name="Straight Arrow Connector 26"/>
+          <p:cNvCxnSpPr>
+            <a:endCxn id="25" idx="1"/>
+          </p:cNvCxnSpPr>
+          <p:nvPr/>
+        </p:nvCxnSpPr>
+        <p:spPr>
+          <a:xfrm>
+            <a:off x="5646656" y="3581400"/>
+            <a:ext cx="573169" cy="725239"/>
+          </a:xfrm>
+          <a:prstGeom prst="straightConnector1">
+            <a:avLst/>
+          </a:prstGeom>
+          <a:ln>
+            <a:tailEnd type="triangle"/>
+          </a:ln>
+        </p:spPr>
+        <p:style>
+          <a:lnRef idx="1">
+            <a:schemeClr val="accent1"/>
+          </a:lnRef>
+          <a:fillRef idx="0">
+            <a:schemeClr val="accent1"/>
+          </a:fillRef>
+          <a:effectRef idx="0">
+            <a:schemeClr val="accent1"/>
+          </a:effectRef>
+          <a:fontRef idx="minor">
+            <a:schemeClr val="tx1"/>
+          </a:fontRef>
+        </p:style>
+      </p:cxnSp>
+      <p:cxnSp>
+        <p:nvCxnSpPr>
+          <p:cNvPr id="29" name="Straight Arrow Connector 28"/>
+          <p:cNvCxnSpPr>
+            <a:endCxn id="33" idx="1"/>
+          </p:cNvCxnSpPr>
+          <p:nvPr/>
+        </p:nvCxnSpPr>
+        <p:spPr>
+          <a:xfrm>
+            <a:off x="5646656" y="3581400"/>
+            <a:ext cx="573169" cy="2281238"/>
+          </a:xfrm>
+          <a:prstGeom prst="straightConnector1">
+            <a:avLst/>
+          </a:prstGeom>
+          <a:ln>
+            <a:tailEnd type="triangle"/>
+          </a:ln>
+        </p:spPr>
+        <p:style>
+          <a:lnRef idx="1">
+            <a:schemeClr val="accent1"/>
+          </a:lnRef>
+          <a:fillRef idx="0">
+            <a:schemeClr val="accent1"/>
+          </a:fillRef>
+          <a:effectRef idx="0">
+            <a:schemeClr val="accent1"/>
+          </a:effectRef>
+          <a:fontRef idx="minor">
+            <a:schemeClr val="tx1"/>
+          </a:fontRef>
+        </p:style>
+      </p:cxnSp>
+      <p:pic>
+        <p:nvPicPr>
+          <p:cNvPr id="17" name="Content Placeholder 3"/>
+          <p:cNvPicPr>
+            <a:picLocks noChangeAspect="1"/>
+          </p:cNvPicPr>
+          <p:nvPr/>
+        </p:nvPicPr>
+        <p:blipFill>
+          <a:blip r:embed="rId2" cstate="print">
+            <a:extLst>
+              <a:ext uri="{28A0092B-C50C-407E-A947-70E740481C1C}">
+                <a14:useLocalDpi xmlns:a14="http://schemas.microsoft.com/office/drawing/2010/main" val="0"/>
+              </a:ext>
+            </a:extLst>
+          </a:blip>
+          <a:stretch>
+            <a:fillRect/>
+          </a:stretch>
+        </p:blipFill>
+        <p:spPr>
+          <a:xfrm>
+            <a:off x="6433547" y="5748338"/>
+            <a:ext cx="410021" cy="552450"/>
+          </a:xfrm>
+          <a:prstGeom prst="rect">
+            <a:avLst/>
+          </a:prstGeom>
+        </p:spPr>
+      </p:pic>
+      <p:pic>
+        <p:nvPicPr>
+          <p:cNvPr id="57" name="Content Placeholder 3"/>
+          <p:cNvPicPr>
+            <a:picLocks noChangeAspect="1"/>
+          </p:cNvPicPr>
+          <p:nvPr/>
+        </p:nvPicPr>
+        <p:blipFill>
+          <a:blip r:embed="rId2" cstate="print">
+            <a:extLst>
+              <a:ext uri="{28A0092B-C50C-407E-A947-70E740481C1C}">
+                <a14:useLocalDpi xmlns:a14="http://schemas.microsoft.com/office/drawing/2010/main" val="0"/>
+              </a:ext>
+            </a:extLst>
+          </a:blip>
+          <a:stretch>
+            <a:fillRect/>
+          </a:stretch>
+        </p:blipFill>
+        <p:spPr>
+          <a:xfrm>
+            <a:off x="6852279" y="5745957"/>
+            <a:ext cx="410021" cy="552450"/>
+          </a:xfrm>
+          <a:prstGeom prst="rect">
+            <a:avLst/>
+          </a:prstGeom>
+        </p:spPr>
+      </p:pic>
+      <p:pic>
+        <p:nvPicPr>
+          <p:cNvPr id="59" name="Content Placeholder 3"/>
+          <p:cNvPicPr>
+            <a:picLocks noChangeAspect="1"/>
+          </p:cNvPicPr>
+          <p:nvPr/>
+        </p:nvPicPr>
+        <p:blipFill>
+          <a:blip r:embed="rId2" cstate="print">
+            <a:extLst>
+              <a:ext uri="{28A0092B-C50C-407E-A947-70E740481C1C}">
+                <a14:useLocalDpi xmlns:a14="http://schemas.microsoft.com/office/drawing/2010/main" val="0"/>
+              </a:ext>
+            </a:extLst>
+          </a:blip>
+          <a:stretch>
+            <a:fillRect/>
+          </a:stretch>
+        </p:blipFill>
+        <p:spPr>
+          <a:xfrm>
+            <a:off x="7257945" y="5738814"/>
+            <a:ext cx="410021" cy="552450"/>
+          </a:xfrm>
+          <a:prstGeom prst="rect">
+            <a:avLst/>
+          </a:prstGeom>
+        </p:spPr>
+      </p:pic>
+      <p:pic>
+        <p:nvPicPr>
+          <p:cNvPr id="61" name="Content Placeholder 3"/>
+          <p:cNvPicPr>
+            <a:picLocks noChangeAspect="1"/>
+          </p:cNvPicPr>
+          <p:nvPr/>
+        </p:nvPicPr>
+        <p:blipFill>
+          <a:blip r:embed="rId2" cstate="print">
+            <a:extLst>
+              <a:ext uri="{28A0092B-C50C-407E-A947-70E740481C1C}">
+                <a14:useLocalDpi xmlns:a14="http://schemas.microsoft.com/office/drawing/2010/main" val="0"/>
+              </a:ext>
+            </a:extLst>
+          </a:blip>
+          <a:stretch>
+            <a:fillRect/>
+          </a:stretch>
+        </p:blipFill>
+        <p:spPr>
+          <a:xfrm>
+            <a:off x="7659255" y="5748338"/>
+            <a:ext cx="410021" cy="552450"/>
+          </a:xfrm>
+          <a:prstGeom prst="rect">
+            <a:avLst/>
+          </a:prstGeom>
+        </p:spPr>
+      </p:pic>
+      <p:cxnSp>
+        <p:nvCxnSpPr>
+          <p:cNvPr id="31" name="Straight Arrow Connector 30"/>
+          <p:cNvCxnSpPr/>
+          <p:nvPr/>
+        </p:nvCxnSpPr>
+        <p:spPr>
+          <a:xfrm flipH="1" flipV="1">
+            <a:off x="5779938" y="3581400"/>
+            <a:ext cx="439887" cy="533400"/>
+          </a:xfrm>
+          <a:prstGeom prst="straightConnector1">
+            <a:avLst/>
+          </a:prstGeom>
+          <a:ln>
+            <a:tailEnd type="triangle"/>
+          </a:ln>
+        </p:spPr>
+        <p:style>
+          <a:lnRef idx="1">
+            <a:schemeClr val="accent1"/>
+          </a:lnRef>
+          <a:fillRef idx="0">
+            <a:schemeClr val="accent1"/>
+          </a:fillRef>
+          <a:effectRef idx="0">
+            <a:schemeClr val="accent1"/>
+          </a:effectRef>
+          <a:fontRef idx="minor">
+            <a:schemeClr val="tx1"/>
+          </a:fontRef>
+        </p:style>
+      </p:cxnSp>
+      <p:cxnSp>
+        <p:nvCxnSpPr>
+          <p:cNvPr id="51" name="Straight Arrow Connector 50"/>
+          <p:cNvCxnSpPr/>
+          <p:nvPr/>
+        </p:nvCxnSpPr>
+        <p:spPr>
+          <a:xfrm flipH="1">
+            <a:off x="1424640" y="2051090"/>
+            <a:ext cx="2673848" cy="0"/>
+          </a:xfrm>
+          <a:prstGeom prst="straightConnector1">
+            <a:avLst/>
+          </a:prstGeom>
+          <a:ln>
+            <a:tailEnd type="triangle"/>
+          </a:ln>
+        </p:spPr>
+        <p:style>
+          <a:lnRef idx="1">
+            <a:schemeClr val="accent1"/>
+          </a:lnRef>
+          <a:fillRef idx="0">
+            <a:schemeClr val="accent1"/>
+          </a:fillRef>
+          <a:effectRef idx="0">
+            <a:schemeClr val="accent1"/>
+          </a:effectRef>
+          <a:fontRef idx="minor">
+            <a:schemeClr val="tx1"/>
+          </a:fontRef>
+        </p:style>
+      </p:cxnSp>
+      <p:sp>
+        <p:nvSpPr>
+          <p:cNvPr id="65" name="Rectangle 64"/>
+          <p:cNvSpPr/>
+          <p:nvPr/>
+        </p:nvSpPr>
+        <p:spPr>
+          <a:xfrm>
+            <a:off x="466725" y="1747302"/>
+            <a:ext cx="933895" cy="566738"/>
+          </a:xfrm>
+          <a:prstGeom prst="rect">
+            <a:avLst/>
+          </a:prstGeom>
+          <a:solidFill>
+            <a:schemeClr val="accent2">
+              <a:lumMod val="60000"/>
+              <a:lumOff val="40000"/>
+            </a:schemeClr>
+          </a:solidFill>
+        </p:spPr>
+        <p:style>
+          <a:lnRef idx="2">
+            <a:schemeClr val="accent1">
+              <a:shade val="50000"/>
+            </a:schemeClr>
+          </a:lnRef>
+          <a:fillRef idx="1">
+            <a:schemeClr val="accent1"/>
+          </a:fillRef>
+          <a:effectRef idx="0">
+            <a:schemeClr val="accent1"/>
+          </a:effectRef>
+          <a:fontRef idx="minor">
+            <a:schemeClr val="lt1"/>
+          </a:fontRef>
+        </p:style>
+        <p:txBody>
+          <a:bodyPr rtlCol="0" anchor="ctr"/>
+          <a:lstStyle/>
+          <a:p>
+            <a:pPr algn="ctr"/>
+            <a:r>
+              <a:rPr lang="en-GB" dirty="0" smtClean="0">
+                <a:solidFill>
+                  <a:schemeClr val="tx1"/>
+                </a:solidFill>
+              </a:rPr>
+              <a:t>Results</a:t>
+            </a:r>
+            <a:endParaRPr lang="en-GB" dirty="0">
+              <a:solidFill>
+                <a:schemeClr val="tx1"/>
+              </a:solidFill>
+            </a:endParaRPr>
           </a:p>
         </p:txBody>
       </p:sp>
     </p:spTree>
     <p:extLst>
       <p:ext uri="{BB962C8B-B14F-4D97-AF65-F5344CB8AC3E}">
-        <p14:creationId xmlns:p14="http://schemas.microsoft.com/office/powerpoint/2010/main" val="4095792826"/>
+        <p14:creationId xmlns:p14="http://schemas.microsoft.com/office/powerpoint/2010/main" val="3726787548"/>
       </p:ext>
     </p:extLst>
   </p:cSld>
   <p:clrMapOvr>
     <a:masterClrMapping/>
   </p:clrMapOvr>
+  <p:timing>
+    <p:tnLst>
+      <p:par>
+        <p:cTn id="1" dur="indefinite" restart="never" nodeType="tmRoot">
+          <p:childTnLst>
+            <p:seq concurrent="1" nextAc="seek">
+              <p:cTn id="2" dur="indefinite" nodeType="mainSeq">
+                <p:childTnLst>
+                  <p:par>
+                    <p:cTn id="3" fill="hold">
+                      <p:stCondLst>
+                        <p:cond delay="indefinite"/>
+                      </p:stCondLst>
+                      <p:childTnLst>
+                        <p:par>
+                          <p:cTn id="4" fill="hold">
+                            <p:stCondLst>
+                              <p:cond delay="0"/>
+                            </p:stCondLst>
+                            <p:childTnLst>
+                              <p:par>
+                                <p:cTn id="5" presetID="1" presetClass="entr" presetSubtype="0" fill="hold" grpId="0" nodeType="clickEffect">
+                                  <p:stCondLst>
+                                    <p:cond delay="0"/>
+                                  </p:stCondLst>
+                                  <p:childTnLst>
+                                    <p:set>
+                                      <p:cBhvr>
+                                        <p:cTn id="6" dur="1" fill="hold">
+                                          <p:stCondLst>
+                                            <p:cond delay="0"/>
+                                          </p:stCondLst>
+                                        </p:cTn>
+                                        <p:tgtEl>
+                                          <p:spTgt spid="50"/>
+                                        </p:tgtEl>
+                                        <p:attrNameLst>
+                                          <p:attrName>style.visibility</p:attrName>
+                                        </p:attrNameLst>
+                                      </p:cBhvr>
+                                      <p:to>
+                                        <p:strVal val="visible"/>
+                                      </p:to>
+                                    </p:set>
+                                  </p:childTnLst>
+                                </p:cTn>
+                              </p:par>
+                            </p:childTnLst>
+                          </p:cTn>
+                        </p:par>
+                      </p:childTnLst>
+                    </p:cTn>
+                  </p:par>
+                  <p:par>
+                    <p:cTn id="7" fill="hold">
+                      <p:stCondLst>
+                        <p:cond delay="indefinite"/>
+                      </p:stCondLst>
+                      <p:childTnLst>
+                        <p:par>
+                          <p:cTn id="8" fill="hold">
+                            <p:stCondLst>
+                              <p:cond delay="0"/>
+                            </p:stCondLst>
+                            <p:childTnLst>
+                              <p:par>
+                                <p:cTn id="9" presetID="1" presetClass="entr" presetSubtype="0" fill="hold" nodeType="clickEffect">
+                                  <p:stCondLst>
+                                    <p:cond delay="0"/>
+                                  </p:stCondLst>
+                                  <p:childTnLst>
+                                    <p:set>
+                                      <p:cBhvr>
+                                        <p:cTn id="10" dur="1" fill="hold">
+                                          <p:stCondLst>
+                                            <p:cond delay="0"/>
+                                          </p:stCondLst>
+                                        </p:cTn>
+                                        <p:tgtEl>
+                                          <p:spTgt spid="52"/>
+                                        </p:tgtEl>
+                                        <p:attrNameLst>
+                                          <p:attrName>style.visibility</p:attrName>
+                                        </p:attrNameLst>
+                                      </p:cBhvr>
+                                      <p:to>
+                                        <p:strVal val="visible"/>
+                                      </p:to>
+                                    </p:set>
+                                  </p:childTnLst>
+                                </p:cTn>
+                              </p:par>
+                            </p:childTnLst>
+                          </p:cTn>
+                        </p:par>
+                      </p:childTnLst>
+                    </p:cTn>
+                  </p:par>
+                  <p:par>
+                    <p:cTn id="11" fill="hold">
+                      <p:stCondLst>
+                        <p:cond delay="indefinite"/>
+                      </p:stCondLst>
+                      <p:childTnLst>
+                        <p:par>
+                          <p:cTn id="12" fill="hold">
+                            <p:stCondLst>
+                              <p:cond delay="0"/>
+                            </p:stCondLst>
+                            <p:childTnLst>
+                              <p:par>
+                                <p:cTn id="13" presetID="1" presetClass="entr" presetSubtype="0" fill="hold" grpId="0" nodeType="clickEffect">
+                                  <p:stCondLst>
+                                    <p:cond delay="0"/>
+                                  </p:stCondLst>
+                                  <p:childTnLst>
+                                    <p:set>
+                                      <p:cBhvr>
+                                        <p:cTn id="14" dur="1" fill="hold">
+                                          <p:stCondLst>
+                                            <p:cond delay="0"/>
+                                          </p:stCondLst>
+                                        </p:cTn>
+                                        <p:tgtEl>
+                                          <p:spTgt spid="53"/>
+                                        </p:tgtEl>
+                                        <p:attrNameLst>
+                                          <p:attrName>style.visibility</p:attrName>
+                                        </p:attrNameLst>
+                                      </p:cBhvr>
+                                      <p:to>
+                                        <p:strVal val="visible"/>
+                                      </p:to>
+                                    </p:set>
+                                  </p:childTnLst>
+                                </p:cTn>
+                              </p:par>
+                            </p:childTnLst>
+                          </p:cTn>
+                        </p:par>
+                      </p:childTnLst>
+                    </p:cTn>
+                  </p:par>
+                  <p:par>
+                    <p:cTn id="15" fill="hold">
+                      <p:stCondLst>
+                        <p:cond delay="indefinite"/>
+                      </p:stCondLst>
+                      <p:childTnLst>
+                        <p:par>
+                          <p:cTn id="16" fill="hold">
+                            <p:stCondLst>
+                              <p:cond delay="0"/>
+                            </p:stCondLst>
+                            <p:childTnLst>
+                              <p:par>
+                                <p:cTn id="17" presetID="1" presetClass="entr" presetSubtype="0" fill="hold" grpId="0" nodeType="clickEffect">
+                                  <p:stCondLst>
+                                    <p:cond delay="0"/>
+                                  </p:stCondLst>
+                                  <p:childTnLst>
+                                    <p:set>
+                                      <p:cBhvr>
+                                        <p:cTn id="18" dur="1" fill="hold">
+                                          <p:stCondLst>
+                                            <p:cond delay="0"/>
+                                          </p:stCondLst>
+                                        </p:cTn>
+                                        <p:tgtEl>
+                                          <p:spTgt spid="54"/>
+                                        </p:tgtEl>
+                                        <p:attrNameLst>
+                                          <p:attrName>style.visibility</p:attrName>
+                                        </p:attrNameLst>
+                                      </p:cBhvr>
+                                      <p:to>
+                                        <p:strVal val="visible"/>
+                                      </p:to>
+                                    </p:set>
+                                  </p:childTnLst>
+                                </p:cTn>
+                              </p:par>
+                            </p:childTnLst>
+                          </p:cTn>
+                        </p:par>
+                      </p:childTnLst>
+                    </p:cTn>
+                  </p:par>
+                  <p:par>
+                    <p:cTn id="19" fill="hold">
+                      <p:stCondLst>
+                        <p:cond delay="indefinite"/>
+                      </p:stCondLst>
+                      <p:childTnLst>
+                        <p:par>
+                          <p:cTn id="20" fill="hold">
+                            <p:stCondLst>
+                              <p:cond delay="0"/>
+                            </p:stCondLst>
+                            <p:childTnLst>
+                              <p:par>
+                                <p:cTn id="21" presetID="1" presetClass="entr" presetSubtype="0" fill="hold" grpId="0" nodeType="clickEffect">
+                                  <p:stCondLst>
+                                    <p:cond delay="0"/>
+                                  </p:stCondLst>
+                                  <p:childTnLst>
+                                    <p:set>
+                                      <p:cBhvr>
+                                        <p:cTn id="22" dur="1" fill="hold">
+                                          <p:stCondLst>
+                                            <p:cond delay="0"/>
+                                          </p:stCondLst>
+                                        </p:cTn>
+                                        <p:tgtEl>
+                                          <p:spTgt spid="55"/>
+                                        </p:tgtEl>
+                                        <p:attrNameLst>
+                                          <p:attrName>style.visibility</p:attrName>
+                                        </p:attrNameLst>
+                                      </p:cBhvr>
+                                      <p:to>
+                                        <p:strVal val="visible"/>
+                                      </p:to>
+                                    </p:set>
+                                  </p:childTnLst>
+                                </p:cTn>
+                              </p:par>
+                            </p:childTnLst>
+                          </p:cTn>
+                        </p:par>
+                      </p:childTnLst>
+                    </p:cTn>
+                  </p:par>
+                  <p:par>
+                    <p:cTn id="23" fill="hold">
+                      <p:stCondLst>
+                        <p:cond delay="indefinite"/>
+                      </p:stCondLst>
+                      <p:childTnLst>
+                        <p:par>
+                          <p:cTn id="24" fill="hold">
+                            <p:stCondLst>
+                              <p:cond delay="0"/>
+                            </p:stCondLst>
+                            <p:childTnLst>
+                              <p:par>
+                                <p:cTn id="25" presetID="1" presetClass="entr" presetSubtype="0" fill="hold" grpId="0" nodeType="clickEffect">
+                                  <p:stCondLst>
+                                    <p:cond delay="0"/>
+                                  </p:stCondLst>
+                                  <p:childTnLst>
+                                    <p:set>
+                                      <p:cBhvr>
+                                        <p:cTn id="26" dur="1" fill="hold">
+                                          <p:stCondLst>
+                                            <p:cond delay="0"/>
+                                          </p:stCondLst>
+                                        </p:cTn>
+                                        <p:tgtEl>
+                                          <p:spTgt spid="56"/>
+                                        </p:tgtEl>
+                                        <p:attrNameLst>
+                                          <p:attrName>style.visibility</p:attrName>
+                                        </p:attrNameLst>
+                                      </p:cBhvr>
+                                      <p:to>
+                                        <p:strVal val="visible"/>
+                                      </p:to>
+                                    </p:set>
+                                  </p:childTnLst>
+                                </p:cTn>
+                              </p:par>
+                            </p:childTnLst>
+                          </p:cTn>
+                        </p:par>
+                      </p:childTnLst>
+                    </p:cTn>
+                  </p:par>
+                  <p:par>
+                    <p:cTn id="27" fill="hold">
+                      <p:stCondLst>
+                        <p:cond delay="indefinite"/>
+                      </p:stCondLst>
+                      <p:childTnLst>
+                        <p:par>
+                          <p:cTn id="28" fill="hold">
+                            <p:stCondLst>
+                              <p:cond delay="0"/>
+                            </p:stCondLst>
+                            <p:childTnLst>
+                              <p:par>
+                                <p:cTn id="29" presetID="1" presetClass="entr" presetSubtype="0" fill="hold" grpId="0" nodeType="clickEffect">
+                                  <p:stCondLst>
+                                    <p:cond delay="0"/>
+                                  </p:stCondLst>
+                                  <p:childTnLst>
+                                    <p:set>
+                                      <p:cBhvr>
+                                        <p:cTn id="30" dur="1" fill="hold">
+                                          <p:stCondLst>
+                                            <p:cond delay="0"/>
+                                          </p:stCondLst>
+                                        </p:cTn>
+                                        <p:tgtEl>
+                                          <p:spTgt spid="62"/>
+                                        </p:tgtEl>
+                                        <p:attrNameLst>
+                                          <p:attrName>style.visibility</p:attrName>
+                                        </p:attrNameLst>
+                                      </p:cBhvr>
+                                      <p:to>
+                                        <p:strVal val="visible"/>
+                                      </p:to>
+                                    </p:set>
+                                  </p:childTnLst>
+                                </p:cTn>
+                              </p:par>
+                            </p:childTnLst>
+                          </p:cTn>
+                        </p:par>
+                      </p:childTnLst>
+                    </p:cTn>
+                  </p:par>
+                  <p:par>
+                    <p:cTn id="31" fill="hold">
+                      <p:stCondLst>
+                        <p:cond delay="indefinite"/>
+                      </p:stCondLst>
+                      <p:childTnLst>
+                        <p:par>
+                          <p:cTn id="32" fill="hold">
+                            <p:stCondLst>
+                              <p:cond delay="0"/>
+                            </p:stCondLst>
+                            <p:childTnLst>
+                              <p:par>
+                                <p:cTn id="33" presetID="1" presetClass="entr" presetSubtype="0" fill="hold" nodeType="clickEffect">
+                                  <p:stCondLst>
+                                    <p:cond delay="0"/>
+                                  </p:stCondLst>
+                                  <p:childTnLst>
+                                    <p:set>
+                                      <p:cBhvr>
+                                        <p:cTn id="34" dur="1" fill="hold">
+                                          <p:stCondLst>
+                                            <p:cond delay="0"/>
+                                          </p:stCondLst>
+                                        </p:cTn>
+                                        <p:tgtEl>
+                                          <p:spTgt spid="27"/>
+                                        </p:tgtEl>
+                                        <p:attrNameLst>
+                                          <p:attrName>style.visibility</p:attrName>
+                                        </p:attrNameLst>
+                                      </p:cBhvr>
+                                      <p:to>
+                                        <p:strVal val="visible"/>
+                                      </p:to>
+                                    </p:set>
+                                  </p:childTnLst>
+                                </p:cTn>
+                              </p:par>
+                            </p:childTnLst>
+                          </p:cTn>
+                        </p:par>
+                      </p:childTnLst>
+                    </p:cTn>
+                  </p:par>
+                  <p:par>
+                    <p:cTn id="35" fill="hold">
+                      <p:stCondLst>
+                        <p:cond delay="indefinite"/>
+                      </p:stCondLst>
+                      <p:childTnLst>
+                        <p:par>
+                          <p:cTn id="36" fill="hold">
+                            <p:stCondLst>
+                              <p:cond delay="0"/>
+                            </p:stCondLst>
+                            <p:childTnLst>
+                              <p:par>
+                                <p:cTn id="37" presetID="1" presetClass="entr" presetSubtype="0" fill="hold" nodeType="clickEffect">
+                                  <p:stCondLst>
+                                    <p:cond delay="0"/>
+                                  </p:stCondLst>
+                                  <p:childTnLst>
+                                    <p:set>
+                                      <p:cBhvr>
+                                        <p:cTn id="38" dur="1" fill="hold">
+                                          <p:stCondLst>
+                                            <p:cond delay="0"/>
+                                          </p:stCondLst>
+                                        </p:cTn>
+                                        <p:tgtEl>
+                                          <p:spTgt spid="29"/>
+                                        </p:tgtEl>
+                                        <p:attrNameLst>
+                                          <p:attrName>style.visibility</p:attrName>
+                                        </p:attrNameLst>
+                                      </p:cBhvr>
+                                      <p:to>
+                                        <p:strVal val="visible"/>
+                                      </p:to>
+                                    </p:set>
+                                  </p:childTnLst>
+                                </p:cTn>
+                              </p:par>
+                              <p:par>
+                                <p:cTn id="39" presetID="1" presetClass="exit" presetSubtype="0" fill="hold" nodeType="withEffect">
+                                  <p:stCondLst>
+                                    <p:cond delay="0"/>
+                                  </p:stCondLst>
+                                  <p:childTnLst>
+                                    <p:set>
+                                      <p:cBhvr>
+                                        <p:cTn id="40" dur="1" fill="hold">
+                                          <p:stCondLst>
+                                            <p:cond delay="0"/>
+                                          </p:stCondLst>
+                                        </p:cTn>
+                                        <p:tgtEl>
+                                          <p:spTgt spid="27"/>
+                                        </p:tgtEl>
+                                        <p:attrNameLst>
+                                          <p:attrName>style.visibility</p:attrName>
+                                        </p:attrNameLst>
+                                      </p:cBhvr>
+                                      <p:to>
+                                        <p:strVal val="hidden"/>
+                                      </p:to>
+                                    </p:set>
+                                  </p:childTnLst>
+                                </p:cTn>
+                              </p:par>
+                            </p:childTnLst>
+                          </p:cTn>
+                        </p:par>
+                      </p:childTnLst>
+                    </p:cTn>
+                  </p:par>
+                  <p:par>
+                    <p:cTn id="41" fill="hold">
+                      <p:stCondLst>
+                        <p:cond delay="indefinite"/>
+                      </p:stCondLst>
+                      <p:childTnLst>
+                        <p:par>
+                          <p:cTn id="42" fill="hold">
+                            <p:stCondLst>
+                              <p:cond delay="0"/>
+                            </p:stCondLst>
+                            <p:childTnLst>
+                              <p:par>
+                                <p:cTn id="43" presetID="64" presetClass="path" presetSubtype="0" accel="25000" decel="25000" fill="hold" nodeType="clickEffect">
+                                  <p:stCondLst>
+                                    <p:cond delay="0"/>
+                                  </p:stCondLst>
+                                  <p:childTnLst>
+                                    <p:animMotion origin="layout" path="M -1.25E-6 -2.22222E-6 L 0.00117 -0.2294 " pathEditMode="relative" rAng="0" ptsTypes="AA">
+                                      <p:cBhvr>
+                                        <p:cTn id="44" dur="1000" fill="hold"/>
+                                        <p:tgtEl>
+                                          <p:spTgt spid="17"/>
+                                        </p:tgtEl>
+                                        <p:attrNameLst>
+                                          <p:attrName>ppt_x</p:attrName>
+                                          <p:attrName>ppt_y</p:attrName>
+                                        </p:attrNameLst>
+                                      </p:cBhvr>
+                                      <p:rCtr x="52" y="-11481"/>
+                                    </p:animMotion>
+                                  </p:childTnLst>
+                                </p:cTn>
+                              </p:par>
+                            </p:childTnLst>
+                          </p:cTn>
+                        </p:par>
+                        <p:par>
+                          <p:cTn id="45" fill="hold">
+                            <p:stCondLst>
+                              <p:cond delay="1000"/>
+                            </p:stCondLst>
+                            <p:childTnLst>
+                              <p:par>
+                                <p:cTn id="46" presetID="64" presetClass="path" presetSubtype="0" accel="25000" decel="25000" fill="hold" nodeType="afterEffect">
+                                  <p:stCondLst>
+                                    <p:cond delay="0"/>
+                                  </p:stCondLst>
+                                  <p:childTnLst>
+                                    <p:animMotion origin="layout" path="M 3.95833E-6 -7.40741E-7 L 0.00013 -0.22917 " pathEditMode="relative" rAng="0" ptsTypes="AA">
+                                      <p:cBhvr>
+                                        <p:cTn id="47" dur="1000" fill="hold"/>
+                                        <p:tgtEl>
+                                          <p:spTgt spid="57"/>
+                                        </p:tgtEl>
+                                        <p:attrNameLst>
+                                          <p:attrName>ppt_x</p:attrName>
+                                          <p:attrName>ppt_y</p:attrName>
+                                        </p:attrNameLst>
+                                      </p:cBhvr>
+                                      <p:rCtr x="0" y="-11458"/>
+                                    </p:animMotion>
+                                  </p:childTnLst>
+                                </p:cTn>
+                              </p:par>
+                            </p:childTnLst>
+                          </p:cTn>
+                        </p:par>
+                        <p:par>
+                          <p:cTn id="48" fill="hold">
+                            <p:stCondLst>
+                              <p:cond delay="2000"/>
+                            </p:stCondLst>
+                            <p:childTnLst>
+                              <p:par>
+                                <p:cTn id="49" presetID="64" presetClass="path" presetSubtype="0" accel="50000" decel="50000" fill="hold" nodeType="afterEffect">
+                                  <p:stCondLst>
+                                    <p:cond delay="0"/>
+                                  </p:stCondLst>
+                                  <p:childTnLst>
+                                    <p:animMotion origin="layout" path="M 6.25E-7 -3.33333E-6 L 0.00169 -0.2287 " pathEditMode="relative" rAng="0" ptsTypes="AA">
+                                      <p:cBhvr>
+                                        <p:cTn id="50" dur="1000" fill="hold"/>
+                                        <p:tgtEl>
+                                          <p:spTgt spid="59"/>
+                                        </p:tgtEl>
+                                        <p:attrNameLst>
+                                          <p:attrName>ppt_x</p:attrName>
+                                          <p:attrName>ppt_y</p:attrName>
+                                        </p:attrNameLst>
+                                      </p:cBhvr>
+                                      <p:rCtr x="78" y="-11435"/>
+                                    </p:animMotion>
+                                  </p:childTnLst>
+                                </p:cTn>
+                              </p:par>
+                            </p:childTnLst>
+                          </p:cTn>
+                        </p:par>
+                        <p:par>
+                          <p:cTn id="51" fill="hold">
+                            <p:stCondLst>
+                              <p:cond delay="3000"/>
+                            </p:stCondLst>
+                            <p:childTnLst>
+                              <p:par>
+                                <p:cTn id="52" presetID="64" presetClass="path" presetSubtype="0" accel="50000" decel="50000" fill="hold" nodeType="afterEffect">
+                                  <p:stCondLst>
+                                    <p:cond delay="0"/>
+                                  </p:stCondLst>
+                                  <p:childTnLst>
+                                    <p:animMotion origin="layout" path="M -2.08333E-6 -2.22222E-6 L 0.00143 -0.23102 " pathEditMode="relative" rAng="0" ptsTypes="AA">
+                                      <p:cBhvr>
+                                        <p:cTn id="53" dur="1000" fill="hold"/>
+                                        <p:tgtEl>
+                                          <p:spTgt spid="61"/>
+                                        </p:tgtEl>
+                                        <p:attrNameLst>
+                                          <p:attrName>ppt_x</p:attrName>
+                                          <p:attrName>ppt_y</p:attrName>
+                                        </p:attrNameLst>
+                                      </p:cBhvr>
+                                      <p:rCtr x="65" y="-11551"/>
+                                    </p:animMotion>
+                                  </p:childTnLst>
+                                </p:cTn>
+                              </p:par>
+                            </p:childTnLst>
+                          </p:cTn>
+                        </p:par>
+                      </p:childTnLst>
+                    </p:cTn>
+                  </p:par>
+                  <p:par>
+                    <p:cTn id="54" fill="hold">
+                      <p:stCondLst>
+                        <p:cond delay="indefinite"/>
+                      </p:stCondLst>
+                      <p:childTnLst>
+                        <p:par>
+                          <p:cTn id="55" fill="hold">
+                            <p:stCondLst>
+                              <p:cond delay="0"/>
+                            </p:stCondLst>
+                            <p:childTnLst>
+                              <p:par>
+                                <p:cTn id="56" presetID="1" presetClass="entr" presetSubtype="0" fill="hold" nodeType="clickEffect">
+                                  <p:stCondLst>
+                                    <p:cond delay="0"/>
+                                  </p:stCondLst>
+                                  <p:childTnLst>
+                                    <p:set>
+                                      <p:cBhvr>
+                                        <p:cTn id="57" dur="1" fill="hold">
+                                          <p:stCondLst>
+                                            <p:cond delay="0"/>
+                                          </p:stCondLst>
+                                        </p:cTn>
+                                        <p:tgtEl>
+                                          <p:spTgt spid="31"/>
+                                        </p:tgtEl>
+                                        <p:attrNameLst>
+                                          <p:attrName>style.visibility</p:attrName>
+                                        </p:attrNameLst>
+                                      </p:cBhvr>
+                                      <p:to>
+                                        <p:strVal val="visible"/>
+                                      </p:to>
+                                    </p:set>
+                                  </p:childTnLst>
+                                </p:cTn>
+                              </p:par>
+                              <p:par>
+                                <p:cTn id="58" presetID="1" presetClass="exit" presetSubtype="0" fill="hold" nodeType="withEffect">
+                                  <p:stCondLst>
+                                    <p:cond delay="0"/>
+                                  </p:stCondLst>
+                                  <p:childTnLst>
+                                    <p:set>
+                                      <p:cBhvr>
+                                        <p:cTn id="59" dur="1" fill="hold">
+                                          <p:stCondLst>
+                                            <p:cond delay="0"/>
+                                          </p:stCondLst>
+                                        </p:cTn>
+                                        <p:tgtEl>
+                                          <p:spTgt spid="29"/>
+                                        </p:tgtEl>
+                                        <p:attrNameLst>
+                                          <p:attrName>style.visibility</p:attrName>
+                                        </p:attrNameLst>
+                                      </p:cBhvr>
+                                      <p:to>
+                                        <p:strVal val="hidden"/>
+                                      </p:to>
+                                    </p:set>
+                                  </p:childTnLst>
+                                </p:cTn>
+                              </p:par>
+                            </p:childTnLst>
+                          </p:cTn>
+                        </p:par>
+                      </p:childTnLst>
+                    </p:cTn>
+                  </p:par>
+                  <p:par>
+                    <p:cTn id="60" fill="hold">
+                      <p:stCondLst>
+                        <p:cond delay="indefinite"/>
+                      </p:stCondLst>
+                      <p:childTnLst>
+                        <p:par>
+                          <p:cTn id="61" fill="hold">
+                            <p:stCondLst>
+                              <p:cond delay="0"/>
+                            </p:stCondLst>
+                            <p:childTnLst>
+                              <p:par>
+                                <p:cTn id="62" presetID="1" presetClass="entr" presetSubtype="0" fill="hold" nodeType="clickEffect">
+                                  <p:stCondLst>
+                                    <p:cond delay="0"/>
+                                  </p:stCondLst>
+                                  <p:childTnLst>
+                                    <p:set>
+                                      <p:cBhvr>
+                                        <p:cTn id="63" dur="1" fill="hold">
+                                          <p:stCondLst>
+                                            <p:cond delay="0"/>
+                                          </p:stCondLst>
+                                        </p:cTn>
+                                        <p:tgtEl>
+                                          <p:spTgt spid="51"/>
+                                        </p:tgtEl>
+                                        <p:attrNameLst>
+                                          <p:attrName>style.visibility</p:attrName>
+                                        </p:attrNameLst>
+                                      </p:cBhvr>
+                                      <p:to>
+                                        <p:strVal val="visible"/>
+                                      </p:to>
+                                    </p:set>
+                                  </p:childTnLst>
+                                </p:cTn>
+                              </p:par>
+                              <p:par>
+                                <p:cTn id="64" presetID="1" presetClass="entr" presetSubtype="0" fill="hold" grpId="0" nodeType="withEffect">
+                                  <p:stCondLst>
+                                    <p:cond delay="0"/>
+                                  </p:stCondLst>
+                                  <p:childTnLst>
+                                    <p:set>
+                                      <p:cBhvr>
+                                        <p:cTn id="65" dur="1" fill="hold">
+                                          <p:stCondLst>
+                                            <p:cond delay="0"/>
+                                          </p:stCondLst>
+                                        </p:cTn>
+                                        <p:tgtEl>
+                                          <p:spTgt spid="65"/>
+                                        </p:tgtEl>
+                                        <p:attrNameLst>
+                                          <p:attrName>style.visibility</p:attrName>
+                                        </p:attrNameLst>
+                                      </p:cBhvr>
+                                      <p:to>
+                                        <p:strVal val="visible"/>
+                                      </p:to>
+                                    </p:set>
+                                  </p:childTnLst>
+                                </p:cTn>
+                              </p:par>
+                            </p:childTnLst>
+                          </p:cTn>
+                        </p:par>
+                      </p:childTnLst>
+                    </p:cTn>
+                  </p:par>
+                </p:childTnLst>
+              </p:cTn>
+              <p:prevCondLst>
+                <p:cond evt="onPrev" delay="0">
+                  <p:tgtEl>
+                    <p:sldTgt/>
+                  </p:tgtEl>
+                </p:cond>
+              </p:prevCondLst>
+              <p:nextCondLst>
+                <p:cond evt="onNext" delay="0">
+                  <p:tgtEl>
+                    <p:sldTgt/>
+                  </p:tgtEl>
+                </p:cond>
+              </p:nextCondLst>
+            </p:seq>
+          </p:childTnLst>
+        </p:cTn>
+      </p:par>
+    </p:tnLst>
+    <p:bldLst>
+      <p:bldP spid="50" grpId="0" animBg="1"/>
+      <p:bldP spid="53" grpId="0"/>
+      <p:bldP spid="54" grpId="0"/>
+      <p:bldP spid="55" grpId="0"/>
+      <p:bldP spid="56" grpId="0"/>
+      <p:bldP spid="62" grpId="0"/>
+      <p:bldP spid="65" grpId="0" animBg="1"/>
+    </p:bldLst>
+  </p:timing>
 </p:sld>
 </file>
 
@@ -4828,6 +7217,602 @@
           <a:chExt cx="0" cy="0"/>
         </a:xfrm>
       </p:grpSpPr>
+      <p:grpSp>
+        <p:nvGrpSpPr>
+          <p:cNvPr id="42" name="Group 41"/>
+          <p:cNvGrpSpPr/>
+          <p:nvPr/>
+        </p:nvGrpSpPr>
+        <p:grpSpPr>
+          <a:xfrm>
+            <a:off x="6219825" y="3803153"/>
+            <a:ext cx="5721244" cy="1006972"/>
+            <a:chOff x="6219826" y="3052765"/>
+            <a:chExt cx="5721244" cy="1790700"/>
+          </a:xfrm>
+          <a:solidFill>
+            <a:srgbClr val="92D050"/>
+          </a:solidFill>
+        </p:grpSpPr>
+        <p:sp>
+          <p:nvSpPr>
+            <p:cNvPr id="25" name="Rectangle 24"/>
+            <p:cNvSpPr/>
+            <p:nvPr/>
+          </p:nvSpPr>
+          <p:spPr>
+            <a:xfrm>
+              <a:off x="6219826" y="3052765"/>
+              <a:ext cx="5721244" cy="1790700"/>
+            </a:xfrm>
+            <a:prstGeom prst="rect">
+              <a:avLst/>
+            </a:prstGeom>
+            <a:grpFill/>
+          </p:spPr>
+          <p:style>
+            <a:lnRef idx="2">
+              <a:schemeClr val="accent1">
+                <a:shade val="50000"/>
+              </a:schemeClr>
+            </a:lnRef>
+            <a:fillRef idx="1">
+              <a:schemeClr val="accent1"/>
+            </a:fillRef>
+            <a:effectRef idx="0">
+              <a:schemeClr val="accent1"/>
+            </a:effectRef>
+            <a:fontRef idx="minor">
+              <a:schemeClr val="lt1"/>
+            </a:fontRef>
+          </p:style>
+          <p:txBody>
+            <a:bodyPr rtlCol="0" anchor="ctr"/>
+            <a:lstStyle/>
+            <a:p>
+              <a:pPr algn="ctr"/>
+              <a:endParaRPr lang="en-GB" dirty="0">
+                <a:solidFill>
+                  <a:prstClr val="white"/>
+                </a:solidFill>
+              </a:endParaRPr>
+            </a:p>
+          </p:txBody>
+        </p:sp>
+        <p:sp>
+          <p:nvSpPr>
+            <p:cNvPr id="26" name="TextBox 25"/>
+            <p:cNvSpPr txBox="1"/>
+            <p:nvPr/>
+          </p:nvSpPr>
+          <p:spPr>
+            <a:xfrm>
+              <a:off x="6296025" y="3088943"/>
+              <a:ext cx="1677371" cy="369332"/>
+            </a:xfrm>
+            <a:prstGeom prst="rect">
+              <a:avLst/>
+            </a:prstGeom>
+            <a:grpFill/>
+          </p:spPr>
+          <p:txBody>
+            <a:bodyPr wrap="square" rtlCol="0">
+              <a:spAutoFit/>
+            </a:bodyPr>
+            <a:lstStyle/>
+            <a:p>
+              <a:r>
+                <a:rPr lang="en-GB" dirty="0" smtClean="0">
+                  <a:solidFill>
+                    <a:prstClr val="black"/>
+                  </a:solidFill>
+                </a:rPr>
+                <a:t>Buffer Pool</a:t>
+              </a:r>
+              <a:endParaRPr lang="en-GB" dirty="0">
+                <a:solidFill>
+                  <a:prstClr val="black"/>
+                </a:solidFill>
+              </a:endParaRPr>
+            </a:p>
+          </p:txBody>
+        </p:sp>
+      </p:grpSp>
+      <p:grpSp>
+        <p:nvGrpSpPr>
+          <p:cNvPr id="41" name="Group 40"/>
+          <p:cNvGrpSpPr/>
+          <p:nvPr/>
+        </p:nvGrpSpPr>
+        <p:grpSpPr>
+          <a:xfrm>
+            <a:off x="6219825" y="5334000"/>
+            <a:ext cx="5781675" cy="1057275"/>
+            <a:chOff x="6219825" y="5334000"/>
+            <a:chExt cx="5781675" cy="1057275"/>
+          </a:xfrm>
+        </p:grpSpPr>
+        <p:sp>
+          <p:nvSpPr>
+            <p:cNvPr id="33" name="Rectangle 32"/>
+            <p:cNvSpPr/>
+            <p:nvPr/>
+          </p:nvSpPr>
+          <p:spPr>
+            <a:xfrm>
+              <a:off x="6219825" y="5334000"/>
+              <a:ext cx="5721244" cy="1057275"/>
+            </a:xfrm>
+            <a:prstGeom prst="rect">
+              <a:avLst/>
+            </a:prstGeom>
+          </p:spPr>
+          <p:style>
+            <a:lnRef idx="2">
+              <a:schemeClr val="accent1">
+                <a:shade val="50000"/>
+              </a:schemeClr>
+            </a:lnRef>
+            <a:fillRef idx="1">
+              <a:schemeClr val="accent1"/>
+            </a:fillRef>
+            <a:effectRef idx="0">
+              <a:schemeClr val="accent1"/>
+            </a:effectRef>
+            <a:fontRef idx="minor">
+              <a:schemeClr val="lt1"/>
+            </a:fontRef>
+          </p:style>
+          <p:txBody>
+            <a:bodyPr rtlCol="0" anchor="ctr"/>
+            <a:lstStyle/>
+            <a:p>
+              <a:pPr algn="ctr"/>
+              <a:endParaRPr lang="en-GB">
+                <a:solidFill>
+                  <a:prstClr val="white"/>
+                </a:solidFill>
+              </a:endParaRPr>
+            </a:p>
+          </p:txBody>
+        </p:sp>
+        <p:pic>
+          <p:nvPicPr>
+            <p:cNvPr id="5" name="Content Placeholder 3"/>
+            <p:cNvPicPr>
+              <a:picLocks noChangeAspect="1"/>
+            </p:cNvPicPr>
+            <p:nvPr/>
+          </p:nvPicPr>
+          <p:blipFill>
+            <a:blip r:embed="rId2" cstate="print">
+              <a:extLst>
+                <a:ext uri="{28A0092B-C50C-407E-A947-70E740481C1C}">
+                  <a14:useLocalDpi xmlns:a14="http://schemas.microsoft.com/office/drawing/2010/main" val="0"/>
+                </a:ext>
+              </a:extLst>
+            </a:blip>
+            <a:stretch>
+              <a:fillRect/>
+            </a:stretch>
+          </p:blipFill>
+          <p:spPr>
+            <a:xfrm>
+              <a:off x="6433548" y="5743576"/>
+              <a:ext cx="410021" cy="552450"/>
+            </a:xfrm>
+            <a:prstGeom prst="rect">
+              <a:avLst/>
+            </a:prstGeom>
+          </p:spPr>
+        </p:pic>
+        <p:pic>
+          <p:nvPicPr>
+            <p:cNvPr id="6" name="Content Placeholder 3"/>
+            <p:cNvPicPr>
+              <a:picLocks noChangeAspect="1"/>
+            </p:cNvPicPr>
+            <p:nvPr/>
+          </p:nvPicPr>
+          <p:blipFill>
+            <a:blip r:embed="rId2" cstate="print">
+              <a:extLst>
+                <a:ext uri="{28A0092B-C50C-407E-A947-70E740481C1C}">
+                  <a14:useLocalDpi xmlns:a14="http://schemas.microsoft.com/office/drawing/2010/main" val="0"/>
+                </a:ext>
+              </a:extLst>
+            </a:blip>
+            <a:stretch>
+              <a:fillRect/>
+            </a:stretch>
+          </p:blipFill>
+          <p:spPr>
+            <a:xfrm>
+              <a:off x="6843569" y="5743576"/>
+              <a:ext cx="410021" cy="552450"/>
+            </a:xfrm>
+            <a:prstGeom prst="rect">
+              <a:avLst/>
+            </a:prstGeom>
+          </p:spPr>
+        </p:pic>
+        <p:pic>
+          <p:nvPicPr>
+            <p:cNvPr id="7" name="Content Placeholder 3"/>
+            <p:cNvPicPr>
+              <a:picLocks noChangeAspect="1"/>
+            </p:cNvPicPr>
+            <p:nvPr/>
+          </p:nvPicPr>
+          <p:blipFill>
+            <a:blip r:embed="rId2" cstate="print">
+              <a:extLst>
+                <a:ext uri="{28A0092B-C50C-407E-A947-70E740481C1C}">
+                  <a14:useLocalDpi xmlns:a14="http://schemas.microsoft.com/office/drawing/2010/main" val="0"/>
+                </a:ext>
+              </a:extLst>
+            </a:blip>
+            <a:stretch>
+              <a:fillRect/>
+            </a:stretch>
+          </p:blipFill>
+          <p:spPr>
+            <a:xfrm>
+              <a:off x="7253590" y="5743576"/>
+              <a:ext cx="410021" cy="552450"/>
+            </a:xfrm>
+            <a:prstGeom prst="rect">
+              <a:avLst/>
+            </a:prstGeom>
+          </p:spPr>
+        </p:pic>
+        <p:pic>
+          <p:nvPicPr>
+            <p:cNvPr id="8" name="Content Placeholder 3"/>
+            <p:cNvPicPr>
+              <a:picLocks noChangeAspect="1"/>
+            </p:cNvPicPr>
+            <p:nvPr/>
+          </p:nvPicPr>
+          <p:blipFill>
+            <a:blip r:embed="rId2" cstate="print">
+              <a:extLst>
+                <a:ext uri="{28A0092B-C50C-407E-A947-70E740481C1C}">
+                  <a14:useLocalDpi xmlns:a14="http://schemas.microsoft.com/office/drawing/2010/main" val="0"/>
+                </a:ext>
+              </a:extLst>
+            </a:blip>
+            <a:stretch>
+              <a:fillRect/>
+            </a:stretch>
+          </p:blipFill>
+          <p:spPr>
+            <a:xfrm>
+              <a:off x="7663611" y="5743576"/>
+              <a:ext cx="410021" cy="552450"/>
+            </a:xfrm>
+            <a:prstGeom prst="rect">
+              <a:avLst/>
+            </a:prstGeom>
+          </p:spPr>
+        </p:pic>
+        <p:pic>
+          <p:nvPicPr>
+            <p:cNvPr id="9" name="Content Placeholder 3"/>
+            <p:cNvPicPr>
+              <a:picLocks noChangeAspect="1"/>
+            </p:cNvPicPr>
+            <p:nvPr/>
+          </p:nvPicPr>
+          <p:blipFill>
+            <a:blip r:embed="rId2" cstate="print">
+              <a:extLst>
+                <a:ext uri="{28A0092B-C50C-407E-A947-70E740481C1C}">
+                  <a14:useLocalDpi xmlns:a14="http://schemas.microsoft.com/office/drawing/2010/main" val="0"/>
+                </a:ext>
+              </a:extLst>
+            </a:blip>
+            <a:stretch>
+              <a:fillRect/>
+            </a:stretch>
+          </p:blipFill>
+          <p:spPr>
+            <a:xfrm>
+              <a:off x="8073632" y="5743576"/>
+              <a:ext cx="410021" cy="552450"/>
+            </a:xfrm>
+            <a:prstGeom prst="rect">
+              <a:avLst/>
+            </a:prstGeom>
+          </p:spPr>
+        </p:pic>
+        <p:pic>
+          <p:nvPicPr>
+            <p:cNvPr id="10" name="Content Placeholder 3"/>
+            <p:cNvPicPr>
+              <a:picLocks noChangeAspect="1"/>
+            </p:cNvPicPr>
+            <p:nvPr/>
+          </p:nvPicPr>
+          <p:blipFill>
+            <a:blip r:embed="rId2" cstate="print">
+              <a:extLst>
+                <a:ext uri="{28A0092B-C50C-407E-A947-70E740481C1C}">
+                  <a14:useLocalDpi xmlns:a14="http://schemas.microsoft.com/office/drawing/2010/main" val="0"/>
+                </a:ext>
+              </a:extLst>
+            </a:blip>
+            <a:stretch>
+              <a:fillRect/>
+            </a:stretch>
+          </p:blipFill>
+          <p:spPr>
+            <a:xfrm>
+              <a:off x="8483653" y="5743576"/>
+              <a:ext cx="410021" cy="552450"/>
+            </a:xfrm>
+            <a:prstGeom prst="rect">
+              <a:avLst/>
+            </a:prstGeom>
+          </p:spPr>
+        </p:pic>
+        <p:pic>
+          <p:nvPicPr>
+            <p:cNvPr id="11" name="Content Placeholder 3"/>
+            <p:cNvPicPr>
+              <a:picLocks noChangeAspect="1"/>
+            </p:cNvPicPr>
+            <p:nvPr/>
+          </p:nvPicPr>
+          <p:blipFill>
+            <a:blip r:embed="rId2" cstate="print">
+              <a:extLst>
+                <a:ext uri="{28A0092B-C50C-407E-A947-70E740481C1C}">
+                  <a14:useLocalDpi xmlns:a14="http://schemas.microsoft.com/office/drawing/2010/main" val="0"/>
+                </a:ext>
+              </a:extLst>
+            </a:blip>
+            <a:stretch>
+              <a:fillRect/>
+            </a:stretch>
+          </p:blipFill>
+          <p:spPr>
+            <a:xfrm>
+              <a:off x="8893674" y="5743576"/>
+              <a:ext cx="410021" cy="552450"/>
+            </a:xfrm>
+            <a:prstGeom prst="rect">
+              <a:avLst/>
+            </a:prstGeom>
+          </p:spPr>
+        </p:pic>
+        <p:pic>
+          <p:nvPicPr>
+            <p:cNvPr id="12" name="Content Placeholder 3"/>
+            <p:cNvPicPr>
+              <a:picLocks noChangeAspect="1"/>
+            </p:cNvPicPr>
+            <p:nvPr/>
+          </p:nvPicPr>
+          <p:blipFill>
+            <a:blip r:embed="rId2" cstate="print">
+              <a:extLst>
+                <a:ext uri="{28A0092B-C50C-407E-A947-70E740481C1C}">
+                  <a14:useLocalDpi xmlns:a14="http://schemas.microsoft.com/office/drawing/2010/main" val="0"/>
+                </a:ext>
+              </a:extLst>
+            </a:blip>
+            <a:stretch>
+              <a:fillRect/>
+            </a:stretch>
+          </p:blipFill>
+          <p:spPr>
+            <a:xfrm>
+              <a:off x="9303695" y="5743576"/>
+              <a:ext cx="410021" cy="552450"/>
+            </a:xfrm>
+            <a:prstGeom prst="rect">
+              <a:avLst/>
+            </a:prstGeom>
+          </p:spPr>
+        </p:pic>
+        <p:pic>
+          <p:nvPicPr>
+            <p:cNvPr id="13" name="Content Placeholder 3"/>
+            <p:cNvPicPr>
+              <a:picLocks noChangeAspect="1"/>
+            </p:cNvPicPr>
+            <p:nvPr/>
+          </p:nvPicPr>
+          <p:blipFill>
+            <a:blip r:embed="rId2" cstate="print">
+              <a:extLst>
+                <a:ext uri="{28A0092B-C50C-407E-A947-70E740481C1C}">
+                  <a14:useLocalDpi xmlns:a14="http://schemas.microsoft.com/office/drawing/2010/main" val="0"/>
+                </a:ext>
+              </a:extLst>
+            </a:blip>
+            <a:stretch>
+              <a:fillRect/>
+            </a:stretch>
+          </p:blipFill>
+          <p:spPr>
+            <a:xfrm>
+              <a:off x="9713716" y="5743577"/>
+              <a:ext cx="410021" cy="552450"/>
+            </a:xfrm>
+            <a:prstGeom prst="rect">
+              <a:avLst/>
+            </a:prstGeom>
+          </p:spPr>
+        </p:pic>
+        <p:pic>
+          <p:nvPicPr>
+            <p:cNvPr id="14" name="Content Placeholder 3"/>
+            <p:cNvPicPr>
+              <a:picLocks noChangeAspect="1"/>
+            </p:cNvPicPr>
+            <p:nvPr/>
+          </p:nvPicPr>
+          <p:blipFill>
+            <a:blip r:embed="rId2" cstate="print">
+              <a:extLst>
+                <a:ext uri="{28A0092B-C50C-407E-A947-70E740481C1C}">
+                  <a14:useLocalDpi xmlns:a14="http://schemas.microsoft.com/office/drawing/2010/main" val="0"/>
+                </a:ext>
+              </a:extLst>
+            </a:blip>
+            <a:stretch>
+              <a:fillRect/>
+            </a:stretch>
+          </p:blipFill>
+          <p:spPr>
+            <a:xfrm>
+              <a:off x="10123737" y="5743576"/>
+              <a:ext cx="410021" cy="552450"/>
+            </a:xfrm>
+            <a:prstGeom prst="rect">
+              <a:avLst/>
+            </a:prstGeom>
+          </p:spPr>
+        </p:pic>
+        <p:pic>
+          <p:nvPicPr>
+            <p:cNvPr id="15" name="Content Placeholder 3"/>
+            <p:cNvPicPr>
+              <a:picLocks noChangeAspect="1"/>
+            </p:cNvPicPr>
+            <p:nvPr/>
+          </p:nvPicPr>
+          <p:blipFill>
+            <a:blip r:embed="rId2" cstate="print">
+              <a:extLst>
+                <a:ext uri="{28A0092B-C50C-407E-A947-70E740481C1C}">
+                  <a14:useLocalDpi xmlns:a14="http://schemas.microsoft.com/office/drawing/2010/main" val="0"/>
+                </a:ext>
+              </a:extLst>
+            </a:blip>
+            <a:stretch>
+              <a:fillRect/>
+            </a:stretch>
+          </p:blipFill>
+          <p:spPr>
+            <a:xfrm>
+              <a:off x="10533758" y="5743576"/>
+              <a:ext cx="410021" cy="552450"/>
+            </a:xfrm>
+            <a:prstGeom prst="rect">
+              <a:avLst/>
+            </a:prstGeom>
+          </p:spPr>
+        </p:pic>
+        <p:pic>
+          <p:nvPicPr>
+            <p:cNvPr id="16" name="Content Placeholder 3"/>
+            <p:cNvPicPr>
+              <a:picLocks noChangeAspect="1"/>
+            </p:cNvPicPr>
+            <p:nvPr/>
+          </p:nvPicPr>
+          <p:blipFill>
+            <a:blip r:embed="rId2" cstate="print">
+              <a:extLst>
+                <a:ext uri="{28A0092B-C50C-407E-A947-70E740481C1C}">
+                  <a14:useLocalDpi xmlns:a14="http://schemas.microsoft.com/office/drawing/2010/main" val="0"/>
+                </a:ext>
+              </a:extLst>
+            </a:blip>
+            <a:stretch>
+              <a:fillRect/>
+            </a:stretch>
+          </p:blipFill>
+          <p:spPr>
+            <a:xfrm>
+              <a:off x="10943779" y="5743576"/>
+              <a:ext cx="410021" cy="552450"/>
+            </a:xfrm>
+            <a:prstGeom prst="rect">
+              <a:avLst/>
+            </a:prstGeom>
+          </p:spPr>
+        </p:pic>
+        <p:sp>
+          <p:nvSpPr>
+            <p:cNvPr id="34" name="TextBox 33"/>
+            <p:cNvSpPr txBox="1"/>
+            <p:nvPr/>
+          </p:nvSpPr>
+          <p:spPr>
+            <a:xfrm>
+              <a:off x="11353800" y="6000750"/>
+              <a:ext cx="647700" cy="369332"/>
+            </a:xfrm>
+            <a:prstGeom prst="rect">
+              <a:avLst/>
+            </a:prstGeom>
+            <a:noFill/>
+          </p:spPr>
+          <p:txBody>
+            <a:bodyPr wrap="square" rtlCol="0">
+              <a:spAutoFit/>
+            </a:bodyPr>
+            <a:lstStyle/>
+            <a:p>
+              <a:r>
+                <a:rPr lang="en-GB" dirty="0" smtClean="0">
+                  <a:solidFill>
+                    <a:prstClr val="black"/>
+                  </a:solidFill>
+                </a:rPr>
+                <a:t>…….</a:t>
+              </a:r>
+              <a:endParaRPr lang="en-GB" dirty="0">
+                <a:solidFill>
+                  <a:prstClr val="black"/>
+                </a:solidFill>
+              </a:endParaRPr>
+            </a:p>
+          </p:txBody>
+        </p:sp>
+        <p:sp>
+          <p:nvSpPr>
+            <p:cNvPr id="36" name="TextBox 35"/>
+            <p:cNvSpPr txBox="1"/>
+            <p:nvPr/>
+          </p:nvSpPr>
+          <p:spPr>
+            <a:xfrm>
+              <a:off x="6219825" y="5369482"/>
+              <a:ext cx="1677371" cy="369332"/>
+            </a:xfrm>
+            <a:prstGeom prst="rect">
+              <a:avLst/>
+            </a:prstGeom>
+            <a:noFill/>
+          </p:spPr>
+          <p:txBody>
+            <a:bodyPr wrap="square" rtlCol="0">
+              <a:spAutoFit/>
+            </a:bodyPr>
+            <a:lstStyle/>
+            <a:p>
+              <a:r>
+                <a:rPr lang="en-GB" dirty="0" smtClean="0">
+                  <a:solidFill>
+                    <a:prstClr val="black"/>
+                  </a:solidFill>
+                </a:rPr>
+                <a:t>Data File</a:t>
+              </a:r>
+              <a:endParaRPr lang="en-GB" dirty="0">
+                <a:solidFill>
+                  <a:prstClr val="black"/>
+                </a:solidFill>
+              </a:endParaRPr>
+            </a:p>
+          </p:txBody>
+        </p:sp>
+      </p:grpSp>
       <p:sp>
         <p:nvSpPr>
           <p:cNvPr id="2" name="Title 1"/>
@@ -4838,98 +7823,2391 @@
             <p:ph type="title"/>
           </p:nvPr>
         </p:nvSpPr>
-        <p:spPr/>
+        <p:spPr>
+          <a:xfrm>
+            <a:off x="838200" y="161925"/>
+            <a:ext cx="10515600" cy="771525"/>
+          </a:xfrm>
+        </p:spPr>
         <p:txBody>
           <a:bodyPr/>
           <a:lstStyle/>
           <a:p>
             <a:r>
               <a:rPr lang="en-GB" dirty="0" smtClean="0"/>
-              <a:t>Transaction Logging</a:t>
+              <a:t>Diagram of QE to Storage Engine (Update)</a:t>
             </a:r>
             <a:endParaRPr lang="en-GB" dirty="0"/>
           </a:p>
         </p:txBody>
       </p:sp>
-      <p:sp>
-        <p:nvSpPr>
-          <p:cNvPr id="3" name="Content Placeholder 2"/>
-          <p:cNvSpPr>
-            <a:spLocks noGrp="1"/>
-          </p:cNvSpPr>
-          <p:nvPr>
-            <p:ph idx="1"/>
-          </p:nvPr>
-        </p:nvSpPr>
-        <p:spPr/>
-        <p:txBody>
-          <a:bodyPr/>
-          <a:lstStyle/>
-          <a:p>
-            <a:r>
-              <a:rPr lang="en-GB" dirty="0" smtClean="0"/>
-              <a:t>Logging has two forms:</a:t>
-            </a:r>
-          </a:p>
-          <a:p>
-            <a:pPr lvl="1"/>
-            <a:r>
-              <a:rPr lang="en-GB" dirty="0" smtClean="0"/>
-              <a:t>Logical operation</a:t>
-            </a:r>
-          </a:p>
-          <a:p>
-            <a:pPr lvl="1"/>
-            <a:r>
-              <a:rPr lang="en-GB" dirty="0" smtClean="0"/>
-              <a:t>Before and after “image” of the altered page</a:t>
-            </a:r>
-          </a:p>
-          <a:p>
-            <a:r>
-              <a:rPr lang="en-GB" dirty="0" smtClean="0"/>
-              <a:t>The log stores enough to redo or undo any operation</a:t>
-            </a:r>
-          </a:p>
-          <a:p>
-            <a:r>
-              <a:rPr lang="en-GB" dirty="0" smtClean="0"/>
-              <a:t>Redo is required in recovery</a:t>
-            </a:r>
-          </a:p>
-          <a:p>
-            <a:r>
-              <a:rPr lang="en-GB" dirty="0" smtClean="0"/>
-              <a:t>Undo is a rollback</a:t>
-            </a:r>
-          </a:p>
-          <a:p>
-            <a:r>
-              <a:rPr lang="en-GB" dirty="0" smtClean="0"/>
-              <a:t>Rollbacks are also logged, space is reserved during an </a:t>
-            </a:r>
-            <a:r>
-              <a:rPr lang="en-GB" dirty="0" smtClean="0"/>
-              <a:t>any operation </a:t>
-            </a:r>
-            <a:r>
-              <a:rPr lang="en-GB" dirty="0" smtClean="0"/>
-              <a:t>to ensure a rollback can be completed</a:t>
-            </a:r>
-            <a:endParaRPr lang="en-GB" dirty="0"/>
-          </a:p>
-        </p:txBody>
-      </p:sp>
+      <p:grpSp>
+        <p:nvGrpSpPr>
+          <p:cNvPr id="40" name="Group 39"/>
+          <p:cNvGrpSpPr/>
+          <p:nvPr/>
+        </p:nvGrpSpPr>
+        <p:grpSpPr>
+          <a:xfrm>
+            <a:off x="354225" y="5333998"/>
+            <a:ext cx="3744266" cy="1057276"/>
+            <a:chOff x="354225" y="5333998"/>
+            <a:chExt cx="3744266" cy="1057276"/>
+          </a:xfrm>
+        </p:grpSpPr>
+        <p:sp>
+          <p:nvSpPr>
+            <p:cNvPr id="37" name="Rectangle 36"/>
+            <p:cNvSpPr/>
+            <p:nvPr/>
+          </p:nvSpPr>
+          <p:spPr>
+            <a:xfrm>
+              <a:off x="354225" y="5333999"/>
+              <a:ext cx="3744266" cy="1057275"/>
+            </a:xfrm>
+            <a:prstGeom prst="rect">
+              <a:avLst/>
+            </a:prstGeom>
+          </p:spPr>
+          <p:style>
+            <a:lnRef idx="2">
+              <a:schemeClr val="accent1">
+                <a:shade val="50000"/>
+              </a:schemeClr>
+            </a:lnRef>
+            <a:fillRef idx="1">
+              <a:schemeClr val="accent1"/>
+            </a:fillRef>
+            <a:effectRef idx="0">
+              <a:schemeClr val="accent1"/>
+            </a:effectRef>
+            <a:fontRef idx="minor">
+              <a:schemeClr val="lt1"/>
+            </a:fontRef>
+          </p:style>
+          <p:txBody>
+            <a:bodyPr rtlCol="0" anchor="ctr"/>
+            <a:lstStyle/>
+            <a:p>
+              <a:pPr algn="ctr"/>
+              <a:endParaRPr lang="en-GB">
+                <a:solidFill>
+                  <a:prstClr val="white"/>
+                </a:solidFill>
+              </a:endParaRPr>
+            </a:p>
+          </p:txBody>
+        </p:sp>
+        <p:pic>
+          <p:nvPicPr>
+            <p:cNvPr id="18" name="Content Placeholder 3"/>
+            <p:cNvPicPr>
+              <a:picLocks noChangeAspect="1"/>
+            </p:cNvPicPr>
+            <p:nvPr/>
+          </p:nvPicPr>
+          <p:blipFill>
+            <a:blip r:embed="rId2" cstate="print">
+              <a:extLst>
+                <a:ext uri="{28A0092B-C50C-407E-A947-70E740481C1C}">
+                  <a14:useLocalDpi xmlns:a14="http://schemas.microsoft.com/office/drawing/2010/main" val="0"/>
+                </a:ext>
+              </a:extLst>
+            </a:blip>
+            <a:stretch>
+              <a:fillRect/>
+            </a:stretch>
+          </p:blipFill>
+          <p:spPr>
+            <a:xfrm>
+              <a:off x="3040697" y="5748340"/>
+              <a:ext cx="410021" cy="552450"/>
+            </a:xfrm>
+            <a:prstGeom prst="rect">
+              <a:avLst/>
+            </a:prstGeom>
+          </p:spPr>
+        </p:pic>
+        <p:pic>
+          <p:nvPicPr>
+            <p:cNvPr id="19" name="Content Placeholder 3"/>
+            <p:cNvPicPr>
+              <a:picLocks noChangeAspect="1"/>
+            </p:cNvPicPr>
+            <p:nvPr/>
+          </p:nvPicPr>
+          <p:blipFill>
+            <a:blip r:embed="rId2" cstate="print">
+              <a:extLst>
+                <a:ext uri="{28A0092B-C50C-407E-A947-70E740481C1C}">
+                  <a14:useLocalDpi xmlns:a14="http://schemas.microsoft.com/office/drawing/2010/main" val="0"/>
+                </a:ext>
+              </a:extLst>
+            </a:blip>
+            <a:stretch>
+              <a:fillRect/>
+            </a:stretch>
+          </p:blipFill>
+          <p:spPr>
+            <a:xfrm>
+              <a:off x="2630679" y="5748340"/>
+              <a:ext cx="410021" cy="552450"/>
+            </a:xfrm>
+            <a:prstGeom prst="rect">
+              <a:avLst/>
+            </a:prstGeom>
+          </p:spPr>
+        </p:pic>
+        <p:pic>
+          <p:nvPicPr>
+            <p:cNvPr id="20" name="Content Placeholder 3"/>
+            <p:cNvPicPr>
+              <a:picLocks noChangeAspect="1"/>
+            </p:cNvPicPr>
+            <p:nvPr/>
+          </p:nvPicPr>
+          <p:blipFill>
+            <a:blip r:embed="rId2" cstate="print">
+              <a:extLst>
+                <a:ext uri="{28A0092B-C50C-407E-A947-70E740481C1C}">
+                  <a14:useLocalDpi xmlns:a14="http://schemas.microsoft.com/office/drawing/2010/main" val="0"/>
+                </a:ext>
+              </a:extLst>
+            </a:blip>
+            <a:stretch>
+              <a:fillRect/>
+            </a:stretch>
+          </p:blipFill>
+          <p:spPr>
+            <a:xfrm>
+              <a:off x="2220660" y="5748340"/>
+              <a:ext cx="410021" cy="552450"/>
+            </a:xfrm>
+            <a:prstGeom prst="rect">
+              <a:avLst/>
+            </a:prstGeom>
+          </p:spPr>
+        </p:pic>
+        <p:pic>
+          <p:nvPicPr>
+            <p:cNvPr id="21" name="Content Placeholder 3"/>
+            <p:cNvPicPr>
+              <a:picLocks noChangeAspect="1"/>
+            </p:cNvPicPr>
+            <p:nvPr/>
+          </p:nvPicPr>
+          <p:blipFill>
+            <a:blip r:embed="rId2" cstate="print">
+              <a:extLst>
+                <a:ext uri="{28A0092B-C50C-407E-A947-70E740481C1C}">
+                  <a14:useLocalDpi xmlns:a14="http://schemas.microsoft.com/office/drawing/2010/main" val="0"/>
+                </a:ext>
+              </a:extLst>
+            </a:blip>
+            <a:stretch>
+              <a:fillRect/>
+            </a:stretch>
+          </p:blipFill>
+          <p:spPr>
+            <a:xfrm>
+              <a:off x="1810640" y="5738815"/>
+              <a:ext cx="410021" cy="552450"/>
+            </a:xfrm>
+            <a:prstGeom prst="rect">
+              <a:avLst/>
+            </a:prstGeom>
+          </p:spPr>
+        </p:pic>
+        <p:pic>
+          <p:nvPicPr>
+            <p:cNvPr id="22" name="Content Placeholder 3"/>
+            <p:cNvPicPr>
+              <a:picLocks noChangeAspect="1"/>
+            </p:cNvPicPr>
+            <p:nvPr/>
+          </p:nvPicPr>
+          <p:blipFill>
+            <a:blip r:embed="rId2" cstate="print">
+              <a:extLst>
+                <a:ext uri="{28A0092B-C50C-407E-A947-70E740481C1C}">
+                  <a14:useLocalDpi xmlns:a14="http://schemas.microsoft.com/office/drawing/2010/main" val="0"/>
+                </a:ext>
+              </a:extLst>
+            </a:blip>
+            <a:stretch>
+              <a:fillRect/>
+            </a:stretch>
+          </p:blipFill>
+          <p:spPr>
+            <a:xfrm>
+              <a:off x="1400620" y="5738814"/>
+              <a:ext cx="410021" cy="552450"/>
+            </a:xfrm>
+            <a:prstGeom prst="rect">
+              <a:avLst/>
+            </a:prstGeom>
+          </p:spPr>
+        </p:pic>
+        <p:pic>
+          <p:nvPicPr>
+            <p:cNvPr id="23" name="Content Placeholder 3"/>
+            <p:cNvPicPr>
+              <a:picLocks noChangeAspect="1"/>
+            </p:cNvPicPr>
+            <p:nvPr/>
+          </p:nvPicPr>
+          <p:blipFill>
+            <a:blip r:embed="rId2" cstate="print">
+              <a:extLst>
+                <a:ext uri="{28A0092B-C50C-407E-A947-70E740481C1C}">
+                  <a14:useLocalDpi xmlns:a14="http://schemas.microsoft.com/office/drawing/2010/main" val="0"/>
+                </a:ext>
+              </a:extLst>
+            </a:blip>
+            <a:stretch>
+              <a:fillRect/>
+            </a:stretch>
+          </p:blipFill>
+          <p:spPr>
+            <a:xfrm>
+              <a:off x="990599" y="5738814"/>
+              <a:ext cx="410021" cy="552450"/>
+            </a:xfrm>
+            <a:prstGeom prst="rect">
+              <a:avLst/>
+            </a:prstGeom>
+          </p:spPr>
+        </p:pic>
+        <p:pic>
+          <p:nvPicPr>
+            <p:cNvPr id="24" name="Content Placeholder 3"/>
+            <p:cNvPicPr>
+              <a:picLocks noChangeAspect="1"/>
+            </p:cNvPicPr>
+            <p:nvPr/>
+          </p:nvPicPr>
+          <p:blipFill>
+            <a:blip r:embed="rId2" cstate="print">
+              <a:extLst>
+                <a:ext uri="{28A0092B-C50C-407E-A947-70E740481C1C}">
+                  <a14:useLocalDpi xmlns:a14="http://schemas.microsoft.com/office/drawing/2010/main" val="0"/>
+                </a:ext>
+              </a:extLst>
+            </a:blip>
+            <a:stretch>
+              <a:fillRect/>
+            </a:stretch>
+          </p:blipFill>
+          <p:spPr>
+            <a:xfrm>
+              <a:off x="580579" y="5738814"/>
+              <a:ext cx="410021" cy="552450"/>
+            </a:xfrm>
+            <a:prstGeom prst="rect">
+              <a:avLst/>
+            </a:prstGeom>
+          </p:spPr>
+        </p:pic>
+        <p:sp>
+          <p:nvSpPr>
+            <p:cNvPr id="38" name="TextBox 37"/>
+            <p:cNvSpPr txBox="1"/>
+            <p:nvPr/>
+          </p:nvSpPr>
+          <p:spPr>
+            <a:xfrm>
+              <a:off x="356923" y="5333998"/>
+              <a:ext cx="1677371" cy="369332"/>
+            </a:xfrm>
+            <a:prstGeom prst="rect">
+              <a:avLst/>
+            </a:prstGeom>
+            <a:noFill/>
+          </p:spPr>
+          <p:txBody>
+            <a:bodyPr wrap="square" rtlCol="0">
+              <a:spAutoFit/>
+            </a:bodyPr>
+            <a:lstStyle/>
+            <a:p>
+              <a:r>
+                <a:rPr lang="en-GB" dirty="0" smtClean="0">
+                  <a:solidFill>
+                    <a:prstClr val="black"/>
+                  </a:solidFill>
+                </a:rPr>
+                <a:t>Log File</a:t>
+              </a:r>
+              <a:endParaRPr lang="en-GB" dirty="0">
+                <a:solidFill>
+                  <a:prstClr val="black"/>
+                </a:solidFill>
+              </a:endParaRPr>
+            </a:p>
+          </p:txBody>
+        </p:sp>
+        <p:sp>
+          <p:nvSpPr>
+            <p:cNvPr id="39" name="TextBox 38"/>
+            <p:cNvSpPr txBox="1"/>
+            <p:nvPr/>
+          </p:nvSpPr>
+          <p:spPr>
+            <a:xfrm>
+              <a:off x="3450790" y="6000750"/>
+              <a:ext cx="647700" cy="369332"/>
+            </a:xfrm>
+            <a:prstGeom prst="rect">
+              <a:avLst/>
+            </a:prstGeom>
+            <a:noFill/>
+          </p:spPr>
+          <p:txBody>
+            <a:bodyPr wrap="square" rtlCol="0">
+              <a:spAutoFit/>
+            </a:bodyPr>
+            <a:lstStyle/>
+            <a:p>
+              <a:r>
+                <a:rPr lang="en-GB" dirty="0" smtClean="0">
+                  <a:solidFill>
+                    <a:prstClr val="black"/>
+                  </a:solidFill>
+                </a:rPr>
+                <a:t>…….</a:t>
+              </a:r>
+              <a:endParaRPr lang="en-GB" dirty="0">
+                <a:solidFill>
+                  <a:prstClr val="black"/>
+                </a:solidFill>
+              </a:endParaRPr>
+            </a:p>
+          </p:txBody>
+        </p:sp>
+      </p:grpSp>
+      <p:grpSp>
+        <p:nvGrpSpPr>
+          <p:cNvPr id="43" name="Group 42"/>
+          <p:cNvGrpSpPr/>
+          <p:nvPr/>
+        </p:nvGrpSpPr>
+        <p:grpSpPr>
+          <a:xfrm>
+            <a:off x="354225" y="3803153"/>
+            <a:ext cx="3744264" cy="1006972"/>
+            <a:chOff x="6219826" y="3052765"/>
+            <a:chExt cx="5721244" cy="1790700"/>
+          </a:xfrm>
+          <a:solidFill>
+            <a:srgbClr val="92D050"/>
+          </a:solidFill>
+        </p:grpSpPr>
+        <p:sp>
+          <p:nvSpPr>
+            <p:cNvPr id="44" name="Rectangle 43"/>
+            <p:cNvSpPr/>
+            <p:nvPr/>
+          </p:nvSpPr>
+          <p:spPr>
+            <a:xfrm>
+              <a:off x="6219826" y="3052765"/>
+              <a:ext cx="5721244" cy="1790700"/>
+            </a:xfrm>
+            <a:prstGeom prst="rect">
+              <a:avLst/>
+            </a:prstGeom>
+            <a:grpFill/>
+          </p:spPr>
+          <p:style>
+            <a:lnRef idx="2">
+              <a:schemeClr val="accent1">
+                <a:shade val="50000"/>
+              </a:schemeClr>
+            </a:lnRef>
+            <a:fillRef idx="1">
+              <a:schemeClr val="accent1"/>
+            </a:fillRef>
+            <a:effectRef idx="0">
+              <a:schemeClr val="accent1"/>
+            </a:effectRef>
+            <a:fontRef idx="minor">
+              <a:schemeClr val="lt1"/>
+            </a:fontRef>
+          </p:style>
+          <p:txBody>
+            <a:bodyPr rtlCol="0" anchor="ctr"/>
+            <a:lstStyle/>
+            <a:p>
+              <a:pPr algn="ctr"/>
+              <a:endParaRPr lang="en-GB" dirty="0">
+                <a:solidFill>
+                  <a:prstClr val="white"/>
+                </a:solidFill>
+              </a:endParaRPr>
+            </a:p>
+          </p:txBody>
+        </p:sp>
+        <p:sp>
+          <p:nvSpPr>
+            <p:cNvPr id="45" name="TextBox 44"/>
+            <p:cNvSpPr txBox="1"/>
+            <p:nvPr/>
+          </p:nvSpPr>
+          <p:spPr>
+            <a:xfrm>
+              <a:off x="6242675" y="3088943"/>
+              <a:ext cx="1831763" cy="656784"/>
+            </a:xfrm>
+            <a:prstGeom prst="rect">
+              <a:avLst/>
+            </a:prstGeom>
+            <a:grpFill/>
+          </p:spPr>
+          <p:txBody>
+            <a:bodyPr wrap="square" rtlCol="0">
+              <a:spAutoFit/>
+            </a:bodyPr>
+            <a:lstStyle/>
+            <a:p>
+              <a:r>
+                <a:rPr lang="en-GB" dirty="0" smtClean="0">
+                  <a:solidFill>
+                    <a:prstClr val="black"/>
+                  </a:solidFill>
+                </a:rPr>
+                <a:t>Log Buffer</a:t>
+              </a:r>
+              <a:endParaRPr lang="en-GB" dirty="0">
+                <a:solidFill>
+                  <a:prstClr val="black"/>
+                </a:solidFill>
+              </a:endParaRPr>
+            </a:p>
+          </p:txBody>
+        </p:sp>
+      </p:grpSp>
+      <p:sp>
+        <p:nvSpPr>
+          <p:cNvPr id="46" name="Rectangle 45"/>
+          <p:cNvSpPr/>
+          <p:nvPr/>
+        </p:nvSpPr>
+        <p:spPr>
+          <a:xfrm>
+            <a:off x="4098489" y="2286001"/>
+            <a:ext cx="1997511" cy="1295399"/>
+          </a:xfrm>
+          <a:prstGeom prst="rect">
+            <a:avLst/>
+          </a:prstGeom>
+        </p:spPr>
+        <p:style>
+          <a:lnRef idx="2">
+            <a:schemeClr val="accent4">
+              <a:shade val="50000"/>
+            </a:schemeClr>
+          </a:lnRef>
+          <a:fillRef idx="1">
+            <a:schemeClr val="accent4"/>
+          </a:fillRef>
+          <a:effectRef idx="0">
+            <a:schemeClr val="accent4"/>
+          </a:effectRef>
+          <a:fontRef idx="minor">
+            <a:schemeClr val="lt1"/>
+          </a:fontRef>
+        </p:style>
+        <p:txBody>
+          <a:bodyPr rtlCol="0" anchor="ctr"/>
+          <a:lstStyle/>
+          <a:p>
+            <a:pPr algn="ctr"/>
+            <a:endParaRPr lang="en-GB" dirty="0">
+              <a:solidFill>
+                <a:prstClr val="white"/>
+              </a:solidFill>
+            </a:endParaRPr>
+          </a:p>
+        </p:txBody>
+      </p:sp>
+      <p:sp>
+        <p:nvSpPr>
+          <p:cNvPr id="47" name="Rectangle 46"/>
+          <p:cNvSpPr/>
+          <p:nvPr/>
+        </p:nvSpPr>
+        <p:spPr>
+          <a:xfrm>
+            <a:off x="4098488" y="983755"/>
+            <a:ext cx="1997511" cy="1295399"/>
+          </a:xfrm>
+          <a:prstGeom prst="rect">
+            <a:avLst/>
+          </a:prstGeom>
+        </p:spPr>
+        <p:style>
+          <a:lnRef idx="2">
+            <a:schemeClr val="accent4">
+              <a:shade val="50000"/>
+            </a:schemeClr>
+          </a:lnRef>
+          <a:fillRef idx="1">
+            <a:schemeClr val="accent4"/>
+          </a:fillRef>
+          <a:effectRef idx="0">
+            <a:schemeClr val="accent4"/>
+          </a:effectRef>
+          <a:fontRef idx="minor">
+            <a:schemeClr val="lt1"/>
+          </a:fontRef>
+        </p:style>
+        <p:txBody>
+          <a:bodyPr rtlCol="0" anchor="ctr"/>
+          <a:lstStyle/>
+          <a:p>
+            <a:pPr algn="ctr"/>
+            <a:endParaRPr lang="en-GB">
+              <a:solidFill>
+                <a:prstClr val="white"/>
+              </a:solidFill>
+            </a:endParaRPr>
+          </a:p>
+        </p:txBody>
+      </p:sp>
+      <p:sp>
+        <p:nvSpPr>
+          <p:cNvPr id="48" name="TextBox 47"/>
+          <p:cNvSpPr txBox="1"/>
+          <p:nvPr/>
+        </p:nvSpPr>
+        <p:spPr>
+          <a:xfrm>
+            <a:off x="4098488" y="991671"/>
+            <a:ext cx="1819274" cy="369332"/>
+          </a:xfrm>
+          <a:prstGeom prst="rect">
+            <a:avLst/>
+          </a:prstGeom>
+          <a:noFill/>
+        </p:spPr>
+        <p:txBody>
+          <a:bodyPr wrap="square" rtlCol="0">
+            <a:spAutoFit/>
+          </a:bodyPr>
+          <a:lstStyle/>
+          <a:p>
+            <a:r>
+              <a:rPr lang="en-GB" dirty="0" smtClean="0">
+                <a:solidFill>
+                  <a:prstClr val="black"/>
+                </a:solidFill>
+              </a:rPr>
+              <a:t>Query Optimizer</a:t>
+            </a:r>
+            <a:endParaRPr lang="en-GB" dirty="0">
+              <a:solidFill>
+                <a:prstClr val="black"/>
+              </a:solidFill>
+            </a:endParaRPr>
+          </a:p>
+        </p:txBody>
+      </p:sp>
+      <p:sp>
+        <p:nvSpPr>
+          <p:cNvPr id="49" name="TextBox 48"/>
+          <p:cNvSpPr txBox="1"/>
+          <p:nvPr/>
+        </p:nvSpPr>
+        <p:spPr>
+          <a:xfrm>
+            <a:off x="4106644" y="2304037"/>
+            <a:ext cx="1819274" cy="369332"/>
+          </a:xfrm>
+          <a:prstGeom prst="rect">
+            <a:avLst/>
+          </a:prstGeom>
+          <a:noFill/>
+        </p:spPr>
+        <p:txBody>
+          <a:bodyPr wrap="square" rtlCol="0">
+            <a:spAutoFit/>
+          </a:bodyPr>
+          <a:lstStyle/>
+          <a:p>
+            <a:r>
+              <a:rPr lang="en-GB" dirty="0" smtClean="0">
+                <a:solidFill>
+                  <a:prstClr val="black"/>
+                </a:solidFill>
+              </a:rPr>
+              <a:t>Storage Engine</a:t>
+            </a:r>
+            <a:endParaRPr lang="en-GB" dirty="0">
+              <a:solidFill>
+                <a:prstClr val="black"/>
+              </a:solidFill>
+            </a:endParaRPr>
+          </a:p>
+        </p:txBody>
+      </p:sp>
+      <p:sp>
+        <p:nvSpPr>
+          <p:cNvPr id="50" name="Rectangle 49"/>
+          <p:cNvSpPr/>
+          <p:nvPr/>
+        </p:nvSpPr>
+        <p:spPr>
+          <a:xfrm>
+            <a:off x="466725" y="1176337"/>
+            <a:ext cx="933895" cy="566738"/>
+          </a:xfrm>
+          <a:prstGeom prst="rect">
+            <a:avLst/>
+          </a:prstGeom>
+          <a:solidFill>
+            <a:schemeClr val="accent2">
+              <a:lumMod val="60000"/>
+              <a:lumOff val="40000"/>
+            </a:schemeClr>
+          </a:solidFill>
+        </p:spPr>
+        <p:style>
+          <a:lnRef idx="2">
+            <a:schemeClr val="accent1">
+              <a:shade val="50000"/>
+            </a:schemeClr>
+          </a:lnRef>
+          <a:fillRef idx="1">
+            <a:schemeClr val="accent1"/>
+          </a:fillRef>
+          <a:effectRef idx="0">
+            <a:schemeClr val="accent1"/>
+          </a:effectRef>
+          <a:fontRef idx="minor">
+            <a:schemeClr val="lt1"/>
+          </a:fontRef>
+        </p:style>
+        <p:txBody>
+          <a:bodyPr rtlCol="0" anchor="ctr"/>
+          <a:lstStyle/>
+          <a:p>
+            <a:pPr algn="ctr"/>
+            <a:r>
+              <a:rPr lang="en-GB" dirty="0" smtClean="0">
+                <a:solidFill>
+                  <a:prstClr val="black"/>
+                </a:solidFill>
+              </a:rPr>
+              <a:t>Update Query</a:t>
+            </a:r>
+            <a:endParaRPr lang="en-GB" dirty="0">
+              <a:solidFill>
+                <a:prstClr val="black"/>
+              </a:solidFill>
+            </a:endParaRPr>
+          </a:p>
+        </p:txBody>
+      </p:sp>
+      <p:cxnSp>
+        <p:nvCxnSpPr>
+          <p:cNvPr id="52" name="Straight Arrow Connector 51"/>
+          <p:cNvCxnSpPr>
+            <a:stCxn id="50" idx="3"/>
+          </p:cNvCxnSpPr>
+          <p:nvPr/>
+        </p:nvCxnSpPr>
+        <p:spPr>
+          <a:xfrm>
+            <a:off x="1400620" y="1459706"/>
+            <a:ext cx="2697868" cy="0"/>
+          </a:xfrm>
+          <a:prstGeom prst="straightConnector1">
+            <a:avLst/>
+          </a:prstGeom>
+          <a:ln>
+            <a:tailEnd type="triangle"/>
+          </a:ln>
+        </p:spPr>
+        <p:style>
+          <a:lnRef idx="1">
+            <a:schemeClr val="accent1"/>
+          </a:lnRef>
+          <a:fillRef idx="0">
+            <a:schemeClr val="accent1"/>
+          </a:fillRef>
+          <a:effectRef idx="0">
+            <a:schemeClr val="accent1"/>
+          </a:effectRef>
+          <a:fontRef idx="minor">
+            <a:schemeClr val="tx1"/>
+          </a:fontRef>
+        </p:style>
+      </p:cxnSp>
+      <p:sp>
+        <p:nvSpPr>
+          <p:cNvPr id="53" name="TextBox 52"/>
+          <p:cNvSpPr txBox="1"/>
+          <p:nvPr/>
+        </p:nvSpPr>
+        <p:spPr>
+          <a:xfrm>
+            <a:off x="4233009" y="1377970"/>
+            <a:ext cx="706204" cy="369332"/>
+          </a:xfrm>
+          <a:prstGeom prst="rect">
+            <a:avLst/>
+          </a:prstGeom>
+          <a:noFill/>
+        </p:spPr>
+        <p:txBody>
+          <a:bodyPr wrap="square" rtlCol="0">
+            <a:spAutoFit/>
+          </a:bodyPr>
+          <a:lstStyle/>
+          <a:p>
+            <a:r>
+              <a:rPr lang="en-GB" dirty="0" smtClean="0">
+                <a:solidFill>
+                  <a:srgbClr val="5B9BD5">
+                    <a:lumMod val="50000"/>
+                  </a:srgbClr>
+                </a:solidFill>
+              </a:rPr>
+              <a:t>Parse</a:t>
+            </a:r>
+          </a:p>
+        </p:txBody>
+      </p:sp>
+      <p:sp>
+        <p:nvSpPr>
+          <p:cNvPr id="54" name="TextBox 53"/>
+          <p:cNvSpPr txBox="1"/>
+          <p:nvPr/>
+        </p:nvSpPr>
+        <p:spPr>
+          <a:xfrm>
+            <a:off x="5073734" y="1377970"/>
+            <a:ext cx="706204" cy="369332"/>
+          </a:xfrm>
+          <a:prstGeom prst="rect">
+            <a:avLst/>
+          </a:prstGeom>
+          <a:noFill/>
+        </p:spPr>
+        <p:txBody>
+          <a:bodyPr wrap="square" rtlCol="0">
+            <a:spAutoFit/>
+          </a:bodyPr>
+          <a:lstStyle/>
+          <a:p>
+            <a:r>
+              <a:rPr lang="en-GB" dirty="0" smtClean="0">
+                <a:solidFill>
+                  <a:srgbClr val="5B9BD5">
+                    <a:lumMod val="50000"/>
+                  </a:srgbClr>
+                </a:solidFill>
+              </a:rPr>
+              <a:t>Bind</a:t>
+            </a:r>
+          </a:p>
+        </p:txBody>
+      </p:sp>
+      <p:sp>
+        <p:nvSpPr>
+          <p:cNvPr id="55" name="TextBox 54"/>
+          <p:cNvSpPr txBox="1"/>
+          <p:nvPr/>
+        </p:nvSpPr>
+        <p:spPr>
+          <a:xfrm>
+            <a:off x="4106644" y="1740487"/>
+            <a:ext cx="1053366" cy="369332"/>
+          </a:xfrm>
+          <a:prstGeom prst="rect">
+            <a:avLst/>
+          </a:prstGeom>
+          <a:noFill/>
+        </p:spPr>
+        <p:txBody>
+          <a:bodyPr wrap="square" rtlCol="0">
+            <a:spAutoFit/>
+          </a:bodyPr>
+          <a:lstStyle/>
+          <a:p>
+            <a:r>
+              <a:rPr lang="en-GB" dirty="0" smtClean="0">
+                <a:solidFill>
+                  <a:srgbClr val="5B9BD5">
+                    <a:lumMod val="50000"/>
+                  </a:srgbClr>
+                </a:solidFill>
+              </a:rPr>
+              <a:t>Optimize</a:t>
+            </a:r>
+          </a:p>
+        </p:txBody>
+      </p:sp>
+      <p:sp>
+        <p:nvSpPr>
+          <p:cNvPr id="56" name="TextBox 55"/>
+          <p:cNvSpPr txBox="1"/>
+          <p:nvPr/>
+        </p:nvSpPr>
+        <p:spPr>
+          <a:xfrm>
+            <a:off x="5079194" y="1740845"/>
+            <a:ext cx="1053366" cy="369332"/>
+          </a:xfrm>
+          <a:prstGeom prst="rect">
+            <a:avLst/>
+          </a:prstGeom>
+          <a:noFill/>
+        </p:spPr>
+        <p:txBody>
+          <a:bodyPr wrap="square" rtlCol="0">
+            <a:spAutoFit/>
+          </a:bodyPr>
+          <a:lstStyle/>
+          <a:p>
+            <a:r>
+              <a:rPr lang="en-GB" dirty="0" smtClean="0">
+                <a:solidFill>
+                  <a:srgbClr val="5B9BD5">
+                    <a:lumMod val="50000"/>
+                  </a:srgbClr>
+                </a:solidFill>
+              </a:rPr>
+              <a:t>Execute</a:t>
+            </a:r>
+          </a:p>
+        </p:txBody>
+      </p:sp>
+      <p:cxnSp>
+        <p:nvCxnSpPr>
+          <p:cNvPr id="58" name="Straight Connector 57"/>
+          <p:cNvCxnSpPr/>
+          <p:nvPr/>
+        </p:nvCxnSpPr>
+        <p:spPr>
+          <a:xfrm flipV="1">
+            <a:off x="4098488" y="2752725"/>
+            <a:ext cx="1997511" cy="9525"/>
+          </a:xfrm>
+          <a:prstGeom prst="line">
+            <a:avLst/>
+          </a:prstGeom>
+        </p:spPr>
+        <p:style>
+          <a:lnRef idx="1">
+            <a:schemeClr val="accent1"/>
+          </a:lnRef>
+          <a:fillRef idx="0">
+            <a:schemeClr val="accent1"/>
+          </a:fillRef>
+          <a:effectRef idx="0">
+            <a:schemeClr val="accent1"/>
+          </a:effectRef>
+          <a:fontRef idx="minor">
+            <a:schemeClr val="tx1"/>
+          </a:fontRef>
+        </p:style>
+      </p:cxnSp>
+      <p:cxnSp>
+        <p:nvCxnSpPr>
+          <p:cNvPr id="60" name="Straight Connector 59"/>
+          <p:cNvCxnSpPr>
+            <a:stCxn id="46" idx="2"/>
+          </p:cNvCxnSpPr>
+          <p:nvPr/>
+        </p:nvCxnSpPr>
+        <p:spPr>
+          <a:xfrm flipH="1" flipV="1">
+            <a:off x="5097243" y="2768352"/>
+            <a:ext cx="2" cy="813048"/>
+          </a:xfrm>
+          <a:prstGeom prst="line">
+            <a:avLst/>
+          </a:prstGeom>
+        </p:spPr>
+        <p:style>
+          <a:lnRef idx="1">
+            <a:schemeClr val="accent1"/>
+          </a:lnRef>
+          <a:fillRef idx="0">
+            <a:schemeClr val="accent1"/>
+          </a:fillRef>
+          <a:effectRef idx="0">
+            <a:schemeClr val="accent1"/>
+          </a:effectRef>
+          <a:fontRef idx="minor">
+            <a:schemeClr val="tx1"/>
+          </a:fontRef>
+        </p:style>
+      </p:cxnSp>
+      <p:sp>
+        <p:nvSpPr>
+          <p:cNvPr id="62" name="TextBox 61"/>
+          <p:cNvSpPr txBox="1"/>
+          <p:nvPr/>
+        </p:nvSpPr>
+        <p:spPr>
+          <a:xfrm>
+            <a:off x="5160009" y="2917214"/>
+            <a:ext cx="935990" cy="523220"/>
+          </a:xfrm>
+          <a:prstGeom prst="rect">
+            <a:avLst/>
+          </a:prstGeom>
+          <a:noFill/>
+        </p:spPr>
+        <p:txBody>
+          <a:bodyPr wrap="square" rtlCol="0">
+            <a:spAutoFit/>
+          </a:bodyPr>
+          <a:lstStyle/>
+          <a:p>
+            <a:r>
+              <a:rPr lang="en-GB" sz="1400" dirty="0" smtClean="0">
+                <a:solidFill>
+                  <a:prstClr val="black"/>
+                </a:solidFill>
+              </a:rPr>
+              <a:t>Buffer </a:t>
+            </a:r>
+            <a:r>
+              <a:rPr lang="en-GB" sz="1400" dirty="0">
+                <a:solidFill>
+                  <a:prstClr val="black"/>
+                </a:solidFill>
+              </a:rPr>
+              <a:t>Manager</a:t>
+            </a:r>
+          </a:p>
+        </p:txBody>
+      </p:sp>
+      <p:cxnSp>
+        <p:nvCxnSpPr>
+          <p:cNvPr id="27" name="Straight Arrow Connector 26"/>
+          <p:cNvCxnSpPr>
+            <a:endCxn id="25" idx="1"/>
+          </p:cNvCxnSpPr>
+          <p:nvPr/>
+        </p:nvCxnSpPr>
+        <p:spPr>
+          <a:xfrm>
+            <a:off x="5646656" y="3581400"/>
+            <a:ext cx="573169" cy="725239"/>
+          </a:xfrm>
+          <a:prstGeom prst="straightConnector1">
+            <a:avLst/>
+          </a:prstGeom>
+          <a:ln>
+            <a:tailEnd type="triangle"/>
+          </a:ln>
+        </p:spPr>
+        <p:style>
+          <a:lnRef idx="1">
+            <a:schemeClr val="accent1"/>
+          </a:lnRef>
+          <a:fillRef idx="0">
+            <a:schemeClr val="accent1"/>
+          </a:fillRef>
+          <a:effectRef idx="0">
+            <a:schemeClr val="accent1"/>
+          </a:effectRef>
+          <a:fontRef idx="minor">
+            <a:schemeClr val="tx1"/>
+          </a:fontRef>
+        </p:style>
+      </p:cxnSp>
+      <p:cxnSp>
+        <p:nvCxnSpPr>
+          <p:cNvPr id="31" name="Straight Arrow Connector 30"/>
+          <p:cNvCxnSpPr/>
+          <p:nvPr/>
+        </p:nvCxnSpPr>
+        <p:spPr>
+          <a:xfrm flipV="1">
+            <a:off x="4106644" y="3574553"/>
+            <a:ext cx="360581" cy="530723"/>
+          </a:xfrm>
+          <a:prstGeom prst="straightConnector1">
+            <a:avLst/>
+          </a:prstGeom>
+          <a:ln>
+            <a:tailEnd type="triangle"/>
+          </a:ln>
+        </p:spPr>
+        <p:style>
+          <a:lnRef idx="1">
+            <a:schemeClr val="accent1"/>
+          </a:lnRef>
+          <a:fillRef idx="0">
+            <a:schemeClr val="accent1"/>
+          </a:fillRef>
+          <a:effectRef idx="0">
+            <a:schemeClr val="accent1"/>
+          </a:effectRef>
+          <a:fontRef idx="minor">
+            <a:schemeClr val="tx1"/>
+          </a:fontRef>
+        </p:style>
+      </p:cxnSp>
+      <p:cxnSp>
+        <p:nvCxnSpPr>
+          <p:cNvPr id="51" name="Straight Arrow Connector 50"/>
+          <p:cNvCxnSpPr/>
+          <p:nvPr/>
+        </p:nvCxnSpPr>
+        <p:spPr>
+          <a:xfrm flipH="1">
+            <a:off x="1424640" y="2051090"/>
+            <a:ext cx="2673848" cy="0"/>
+          </a:xfrm>
+          <a:prstGeom prst="straightConnector1">
+            <a:avLst/>
+          </a:prstGeom>
+          <a:ln>
+            <a:tailEnd type="triangle"/>
+          </a:ln>
+        </p:spPr>
+        <p:style>
+          <a:lnRef idx="1">
+            <a:schemeClr val="accent1"/>
+          </a:lnRef>
+          <a:fillRef idx="0">
+            <a:schemeClr val="accent1"/>
+          </a:fillRef>
+          <a:effectRef idx="0">
+            <a:schemeClr val="accent1"/>
+          </a:effectRef>
+          <a:fontRef idx="minor">
+            <a:schemeClr val="tx1"/>
+          </a:fontRef>
+        </p:style>
+      </p:cxnSp>
+      <p:sp>
+        <p:nvSpPr>
+          <p:cNvPr id="65" name="Rectangle 64"/>
+          <p:cNvSpPr/>
+          <p:nvPr/>
+        </p:nvSpPr>
+        <p:spPr>
+          <a:xfrm>
+            <a:off x="466725" y="1747302"/>
+            <a:ext cx="933895" cy="566738"/>
+          </a:xfrm>
+          <a:prstGeom prst="rect">
+            <a:avLst/>
+          </a:prstGeom>
+          <a:solidFill>
+            <a:schemeClr val="accent2">
+              <a:lumMod val="60000"/>
+              <a:lumOff val="40000"/>
+            </a:schemeClr>
+          </a:solidFill>
+        </p:spPr>
+        <p:style>
+          <a:lnRef idx="2">
+            <a:schemeClr val="accent1">
+              <a:shade val="50000"/>
+            </a:schemeClr>
+          </a:lnRef>
+          <a:fillRef idx="1">
+            <a:schemeClr val="accent1"/>
+          </a:fillRef>
+          <a:effectRef idx="0">
+            <a:schemeClr val="accent1"/>
+          </a:effectRef>
+          <a:fontRef idx="minor">
+            <a:schemeClr val="lt1"/>
+          </a:fontRef>
+        </p:style>
+        <p:txBody>
+          <a:bodyPr rtlCol="0" anchor="ctr"/>
+          <a:lstStyle/>
+          <a:p>
+            <a:pPr algn="ctr"/>
+            <a:r>
+              <a:rPr lang="en-GB" dirty="0" smtClean="0">
+                <a:solidFill>
+                  <a:prstClr val="black"/>
+                </a:solidFill>
+              </a:rPr>
+              <a:t>Results</a:t>
+            </a:r>
+            <a:endParaRPr lang="en-GB" dirty="0">
+              <a:solidFill>
+                <a:prstClr val="black"/>
+              </a:solidFill>
+            </a:endParaRPr>
+          </a:p>
+        </p:txBody>
+      </p:sp>
+      <p:sp>
+        <p:nvSpPr>
+          <p:cNvPr id="63" name="TextBox 62"/>
+          <p:cNvSpPr txBox="1"/>
+          <p:nvPr/>
+        </p:nvSpPr>
+        <p:spPr>
+          <a:xfrm>
+            <a:off x="4106644" y="2917214"/>
+            <a:ext cx="1053364" cy="523220"/>
+          </a:xfrm>
+          <a:prstGeom prst="rect">
+            <a:avLst/>
+          </a:prstGeom>
+          <a:noFill/>
+        </p:spPr>
+        <p:txBody>
+          <a:bodyPr wrap="square" rtlCol="0">
+            <a:spAutoFit/>
+          </a:bodyPr>
+          <a:lstStyle/>
+          <a:p>
+            <a:r>
+              <a:rPr lang="en-GB" sz="1400" dirty="0" smtClean="0">
+                <a:solidFill>
+                  <a:prstClr val="black"/>
+                </a:solidFill>
+              </a:rPr>
+              <a:t>Transaction Services</a:t>
+            </a:r>
+            <a:endParaRPr lang="en-GB" sz="1400" dirty="0">
+              <a:solidFill>
+                <a:prstClr val="black"/>
+              </a:solidFill>
+            </a:endParaRPr>
+          </a:p>
+        </p:txBody>
+      </p:sp>
+      <p:pic>
+        <p:nvPicPr>
+          <p:cNvPr id="66" name="Content Placeholder 3"/>
+          <p:cNvPicPr>
+            <a:picLocks noChangeAspect="1"/>
+          </p:cNvPicPr>
+          <p:nvPr/>
+        </p:nvPicPr>
+        <p:blipFill>
+          <a:blip r:embed="rId2" cstate="print">
+            <a:extLst>
+              <a:ext uri="{28A0092B-C50C-407E-A947-70E740481C1C}">
+                <a14:useLocalDpi xmlns:a14="http://schemas.microsoft.com/office/drawing/2010/main" val="0"/>
+              </a:ext>
+            </a:extLst>
+          </a:blip>
+          <a:stretch>
+            <a:fillRect/>
+          </a:stretch>
+        </p:blipFill>
+        <p:spPr>
+          <a:xfrm>
+            <a:off x="6413868" y="4164571"/>
+            <a:ext cx="410021" cy="552450"/>
+          </a:xfrm>
+          <a:prstGeom prst="rect">
+            <a:avLst/>
+          </a:prstGeom>
+        </p:spPr>
+      </p:pic>
+      <p:pic>
+        <p:nvPicPr>
+          <p:cNvPr id="69" name="Content Placeholder 3"/>
+          <p:cNvPicPr>
+            <a:picLocks noChangeAspect="1"/>
+          </p:cNvPicPr>
+          <p:nvPr/>
+        </p:nvPicPr>
+        <p:blipFill>
+          <a:blip r:embed="rId2" cstate="print">
+            <a:extLst>
+              <a:ext uri="{28A0092B-C50C-407E-A947-70E740481C1C}">
+                <a14:useLocalDpi xmlns:a14="http://schemas.microsoft.com/office/drawing/2010/main" val="0"/>
+              </a:ext>
+            </a:extLst>
+          </a:blip>
+          <a:stretch>
+            <a:fillRect/>
+          </a:stretch>
+        </p:blipFill>
+        <p:spPr>
+          <a:xfrm>
+            <a:off x="7639576" y="4164571"/>
+            <a:ext cx="410021" cy="552450"/>
+          </a:xfrm>
+          <a:prstGeom prst="rect">
+            <a:avLst/>
+          </a:prstGeom>
+        </p:spPr>
+      </p:pic>
+      <p:pic>
+        <p:nvPicPr>
+          <p:cNvPr id="70" name="Picture 69"/>
+          <p:cNvPicPr>
+            <a:picLocks noChangeAspect="1"/>
+          </p:cNvPicPr>
+          <p:nvPr/>
+        </p:nvPicPr>
+        <p:blipFill>
+          <a:blip r:embed="rId3">
+            <a:extLst>
+              <a:ext uri="{28A0092B-C50C-407E-A947-70E740481C1C}">
+                <a14:useLocalDpi xmlns:a14="http://schemas.microsoft.com/office/drawing/2010/main" val="0"/>
+              </a:ext>
+            </a:extLst>
+          </a:blip>
+          <a:stretch>
+            <a:fillRect/>
+          </a:stretch>
+        </p:blipFill>
+        <p:spPr>
+          <a:xfrm>
+            <a:off x="955645" y="4163104"/>
+            <a:ext cx="408220" cy="550622"/>
+          </a:xfrm>
+          <a:prstGeom prst="rect">
+            <a:avLst/>
+          </a:prstGeom>
+        </p:spPr>
+      </p:pic>
+      <p:pic>
+        <p:nvPicPr>
+          <p:cNvPr id="71" name="Picture 70"/>
+          <p:cNvPicPr>
+            <a:picLocks noChangeAspect="1"/>
+          </p:cNvPicPr>
+          <p:nvPr/>
+        </p:nvPicPr>
+        <p:blipFill>
+          <a:blip r:embed="rId3">
+            <a:extLst>
+              <a:ext uri="{28A0092B-C50C-407E-A947-70E740481C1C}">
+                <a14:useLocalDpi xmlns:a14="http://schemas.microsoft.com/office/drawing/2010/main" val="0"/>
+              </a:ext>
+            </a:extLst>
+          </a:blip>
+          <a:stretch>
+            <a:fillRect/>
+          </a:stretch>
+        </p:blipFill>
+        <p:spPr>
+          <a:xfrm>
+            <a:off x="547419" y="4172075"/>
+            <a:ext cx="408220" cy="550622"/>
+          </a:xfrm>
+          <a:prstGeom prst="rect">
+            <a:avLst/>
+          </a:prstGeom>
+        </p:spPr>
+      </p:pic>
+      <p:cxnSp>
+        <p:nvCxnSpPr>
+          <p:cNvPr id="32" name="Straight Arrow Connector 31"/>
+          <p:cNvCxnSpPr>
+            <a:endCxn id="44" idx="3"/>
+          </p:cNvCxnSpPr>
+          <p:nvPr/>
+        </p:nvCxnSpPr>
+        <p:spPr>
+          <a:xfrm flipH="1">
+            <a:off x="4098489" y="3581400"/>
+            <a:ext cx="483036" cy="725239"/>
+          </a:xfrm>
+          <a:prstGeom prst="straightConnector1">
+            <a:avLst/>
+          </a:prstGeom>
+          <a:ln>
+            <a:tailEnd type="triangle"/>
+          </a:ln>
+        </p:spPr>
+        <p:style>
+          <a:lnRef idx="1">
+            <a:schemeClr val="accent1"/>
+          </a:lnRef>
+          <a:fillRef idx="0">
+            <a:schemeClr val="accent1"/>
+          </a:fillRef>
+          <a:effectRef idx="0">
+            <a:schemeClr val="accent1"/>
+          </a:effectRef>
+          <a:fontRef idx="minor">
+            <a:schemeClr val="tx1"/>
+          </a:fontRef>
+        </p:style>
+      </p:cxnSp>
+      <p:sp>
+        <p:nvSpPr>
+          <p:cNvPr id="75" name="TextBox 74"/>
+          <p:cNvSpPr txBox="1"/>
+          <p:nvPr/>
+        </p:nvSpPr>
+        <p:spPr>
+          <a:xfrm>
+            <a:off x="5471027" y="4828521"/>
+            <a:ext cx="1323066" cy="523220"/>
+          </a:xfrm>
+          <a:prstGeom prst="rect">
+            <a:avLst/>
+          </a:prstGeom>
+          <a:noFill/>
+        </p:spPr>
+        <p:txBody>
+          <a:bodyPr wrap="square" rtlCol="0">
+            <a:spAutoFit/>
+          </a:bodyPr>
+          <a:lstStyle/>
+          <a:p>
+            <a:r>
+              <a:rPr lang="en-GB" sz="1400" dirty="0" smtClean="0"/>
+              <a:t>Checkpoint/</a:t>
+            </a:r>
+          </a:p>
+          <a:p>
+            <a:r>
+              <a:rPr lang="en-GB" sz="1400" dirty="0" smtClean="0"/>
+              <a:t>Lazy Writer</a:t>
+            </a:r>
+            <a:endParaRPr lang="en-GB" sz="1400" dirty="0"/>
+          </a:p>
+        </p:txBody>
+      </p:sp>
+      <p:pic>
+        <p:nvPicPr>
+          <p:cNvPr id="67" name="Content Placeholder 3"/>
+          <p:cNvPicPr>
+            <a:picLocks noChangeAspect="1"/>
+          </p:cNvPicPr>
+          <p:nvPr/>
+        </p:nvPicPr>
+        <p:blipFill>
+          <a:blip r:embed="rId2" cstate="print">
+            <a:extLst>
+              <a:ext uri="{28A0092B-C50C-407E-A947-70E740481C1C}">
+                <a14:useLocalDpi xmlns:a14="http://schemas.microsoft.com/office/drawing/2010/main" val="0"/>
+              </a:ext>
+            </a:extLst>
+          </a:blip>
+          <a:stretch>
+            <a:fillRect/>
+          </a:stretch>
+        </p:blipFill>
+        <p:spPr>
+          <a:xfrm>
+            <a:off x="6832600" y="4162190"/>
+            <a:ext cx="410021" cy="552450"/>
+          </a:xfrm>
+          <a:prstGeom prst="rect">
+            <a:avLst/>
+          </a:prstGeom>
+        </p:spPr>
+      </p:pic>
+      <p:pic>
+        <p:nvPicPr>
+          <p:cNvPr id="68" name="Content Placeholder 3"/>
+          <p:cNvPicPr>
+            <a:picLocks noChangeAspect="1"/>
+          </p:cNvPicPr>
+          <p:nvPr/>
+        </p:nvPicPr>
+        <p:blipFill>
+          <a:blip r:embed="rId2" cstate="print">
+            <a:extLst>
+              <a:ext uri="{28A0092B-C50C-407E-A947-70E740481C1C}">
+                <a14:useLocalDpi xmlns:a14="http://schemas.microsoft.com/office/drawing/2010/main" val="0"/>
+              </a:ext>
+            </a:extLst>
+          </a:blip>
+          <a:stretch>
+            <a:fillRect/>
+          </a:stretch>
+        </p:blipFill>
+        <p:spPr>
+          <a:xfrm>
+            <a:off x="7239076" y="4161954"/>
+            <a:ext cx="410021" cy="552450"/>
+          </a:xfrm>
+          <a:prstGeom prst="rect">
+            <a:avLst/>
+          </a:prstGeom>
+        </p:spPr>
+      </p:pic>
+      <p:pic>
+        <p:nvPicPr>
+          <p:cNvPr id="64" name="Picture 63"/>
+          <p:cNvPicPr>
+            <a:picLocks noChangeAspect="1"/>
+          </p:cNvPicPr>
+          <p:nvPr/>
+        </p:nvPicPr>
+        <p:blipFill>
+          <a:blip r:embed="rId3">
+            <a:extLst>
+              <a:ext uri="{28A0092B-C50C-407E-A947-70E740481C1C}">
+                <a14:useLocalDpi xmlns:a14="http://schemas.microsoft.com/office/drawing/2010/main" val="0"/>
+              </a:ext>
+            </a:extLst>
+          </a:blip>
+          <a:stretch>
+            <a:fillRect/>
+          </a:stretch>
+        </p:blipFill>
+        <p:spPr>
+          <a:xfrm>
+            <a:off x="6831728" y="4169206"/>
+            <a:ext cx="408220" cy="550622"/>
+          </a:xfrm>
+          <a:prstGeom prst="rect">
+            <a:avLst/>
+          </a:prstGeom>
+        </p:spPr>
+      </p:pic>
+      <p:pic>
+        <p:nvPicPr>
+          <p:cNvPr id="28" name="Picture 27"/>
+          <p:cNvPicPr>
+            <a:picLocks noChangeAspect="1"/>
+          </p:cNvPicPr>
+          <p:nvPr/>
+        </p:nvPicPr>
+        <p:blipFill>
+          <a:blip r:embed="rId3">
+            <a:extLst>
+              <a:ext uri="{28A0092B-C50C-407E-A947-70E740481C1C}">
+                <a14:useLocalDpi xmlns:a14="http://schemas.microsoft.com/office/drawing/2010/main" val="0"/>
+              </a:ext>
+            </a:extLst>
+          </a:blip>
+          <a:stretch>
+            <a:fillRect/>
+          </a:stretch>
+        </p:blipFill>
+        <p:spPr>
+          <a:xfrm>
+            <a:off x="7246915" y="4171161"/>
+            <a:ext cx="408220" cy="550622"/>
+          </a:xfrm>
+          <a:prstGeom prst="rect">
+            <a:avLst/>
+          </a:prstGeom>
+        </p:spPr>
+      </p:pic>
     </p:spTree>
     <p:extLst>
       <p:ext uri="{BB962C8B-B14F-4D97-AF65-F5344CB8AC3E}">
-        <p14:creationId xmlns:p14="http://schemas.microsoft.com/office/powerpoint/2010/main" val="4239046047"/>
+        <p14:creationId xmlns:p14="http://schemas.microsoft.com/office/powerpoint/2010/main" val="2847697569"/>
       </p:ext>
     </p:extLst>
   </p:cSld>
   <p:clrMapOvr>
     <a:masterClrMapping/>
   </p:clrMapOvr>
+  <p:timing>
+    <p:tnLst>
+      <p:par>
+        <p:cTn id="1" dur="indefinite" restart="never" nodeType="tmRoot">
+          <p:childTnLst>
+            <p:seq concurrent="1" nextAc="seek">
+              <p:cTn id="2" dur="indefinite" nodeType="mainSeq">
+                <p:childTnLst>
+                  <p:par>
+                    <p:cTn id="3" fill="hold">
+                      <p:stCondLst>
+                        <p:cond delay="indefinite"/>
+                      </p:stCondLst>
+                      <p:childTnLst>
+                        <p:par>
+                          <p:cTn id="4" fill="hold">
+                            <p:stCondLst>
+                              <p:cond delay="0"/>
+                            </p:stCondLst>
+                            <p:childTnLst>
+                              <p:par>
+                                <p:cTn id="5" presetID="1" presetClass="entr" presetSubtype="0" fill="hold" grpId="0" nodeType="clickEffect">
+                                  <p:stCondLst>
+                                    <p:cond delay="0"/>
+                                  </p:stCondLst>
+                                  <p:childTnLst>
+                                    <p:set>
+                                      <p:cBhvr>
+                                        <p:cTn id="6" dur="1" fill="hold">
+                                          <p:stCondLst>
+                                            <p:cond delay="0"/>
+                                          </p:stCondLst>
+                                        </p:cTn>
+                                        <p:tgtEl>
+                                          <p:spTgt spid="50"/>
+                                        </p:tgtEl>
+                                        <p:attrNameLst>
+                                          <p:attrName>style.visibility</p:attrName>
+                                        </p:attrNameLst>
+                                      </p:cBhvr>
+                                      <p:to>
+                                        <p:strVal val="visible"/>
+                                      </p:to>
+                                    </p:set>
+                                  </p:childTnLst>
+                                </p:cTn>
+                              </p:par>
+                            </p:childTnLst>
+                          </p:cTn>
+                        </p:par>
+                      </p:childTnLst>
+                    </p:cTn>
+                  </p:par>
+                  <p:par>
+                    <p:cTn id="7" fill="hold">
+                      <p:stCondLst>
+                        <p:cond delay="indefinite"/>
+                      </p:stCondLst>
+                      <p:childTnLst>
+                        <p:par>
+                          <p:cTn id="8" fill="hold">
+                            <p:stCondLst>
+                              <p:cond delay="0"/>
+                            </p:stCondLst>
+                            <p:childTnLst>
+                              <p:par>
+                                <p:cTn id="9" presetID="1" presetClass="entr" presetSubtype="0" fill="hold" nodeType="clickEffect">
+                                  <p:stCondLst>
+                                    <p:cond delay="0"/>
+                                  </p:stCondLst>
+                                  <p:childTnLst>
+                                    <p:set>
+                                      <p:cBhvr>
+                                        <p:cTn id="10" dur="1" fill="hold">
+                                          <p:stCondLst>
+                                            <p:cond delay="0"/>
+                                          </p:stCondLst>
+                                        </p:cTn>
+                                        <p:tgtEl>
+                                          <p:spTgt spid="52"/>
+                                        </p:tgtEl>
+                                        <p:attrNameLst>
+                                          <p:attrName>style.visibility</p:attrName>
+                                        </p:attrNameLst>
+                                      </p:cBhvr>
+                                      <p:to>
+                                        <p:strVal val="visible"/>
+                                      </p:to>
+                                    </p:set>
+                                  </p:childTnLst>
+                                </p:cTn>
+                              </p:par>
+                            </p:childTnLst>
+                          </p:cTn>
+                        </p:par>
+                      </p:childTnLst>
+                    </p:cTn>
+                  </p:par>
+                  <p:par>
+                    <p:cTn id="11" fill="hold">
+                      <p:stCondLst>
+                        <p:cond delay="indefinite"/>
+                      </p:stCondLst>
+                      <p:childTnLst>
+                        <p:par>
+                          <p:cTn id="12" fill="hold">
+                            <p:stCondLst>
+                              <p:cond delay="0"/>
+                            </p:stCondLst>
+                            <p:childTnLst>
+                              <p:par>
+                                <p:cTn id="13" presetID="1" presetClass="entr" presetSubtype="0" fill="hold" grpId="0" nodeType="clickEffect">
+                                  <p:stCondLst>
+                                    <p:cond delay="0"/>
+                                  </p:stCondLst>
+                                  <p:childTnLst>
+                                    <p:set>
+                                      <p:cBhvr>
+                                        <p:cTn id="14" dur="1" fill="hold">
+                                          <p:stCondLst>
+                                            <p:cond delay="0"/>
+                                          </p:stCondLst>
+                                        </p:cTn>
+                                        <p:tgtEl>
+                                          <p:spTgt spid="53"/>
+                                        </p:tgtEl>
+                                        <p:attrNameLst>
+                                          <p:attrName>style.visibility</p:attrName>
+                                        </p:attrNameLst>
+                                      </p:cBhvr>
+                                      <p:to>
+                                        <p:strVal val="visible"/>
+                                      </p:to>
+                                    </p:set>
+                                  </p:childTnLst>
+                                </p:cTn>
+                              </p:par>
+                            </p:childTnLst>
+                          </p:cTn>
+                        </p:par>
+                      </p:childTnLst>
+                    </p:cTn>
+                  </p:par>
+                  <p:par>
+                    <p:cTn id="15" fill="hold">
+                      <p:stCondLst>
+                        <p:cond delay="indefinite"/>
+                      </p:stCondLst>
+                      <p:childTnLst>
+                        <p:par>
+                          <p:cTn id="16" fill="hold">
+                            <p:stCondLst>
+                              <p:cond delay="0"/>
+                            </p:stCondLst>
+                            <p:childTnLst>
+                              <p:par>
+                                <p:cTn id="17" presetID="1" presetClass="entr" presetSubtype="0" fill="hold" grpId="0" nodeType="clickEffect">
+                                  <p:stCondLst>
+                                    <p:cond delay="0"/>
+                                  </p:stCondLst>
+                                  <p:childTnLst>
+                                    <p:set>
+                                      <p:cBhvr>
+                                        <p:cTn id="18" dur="1" fill="hold">
+                                          <p:stCondLst>
+                                            <p:cond delay="0"/>
+                                          </p:stCondLst>
+                                        </p:cTn>
+                                        <p:tgtEl>
+                                          <p:spTgt spid="54"/>
+                                        </p:tgtEl>
+                                        <p:attrNameLst>
+                                          <p:attrName>style.visibility</p:attrName>
+                                        </p:attrNameLst>
+                                      </p:cBhvr>
+                                      <p:to>
+                                        <p:strVal val="visible"/>
+                                      </p:to>
+                                    </p:set>
+                                  </p:childTnLst>
+                                </p:cTn>
+                              </p:par>
+                            </p:childTnLst>
+                          </p:cTn>
+                        </p:par>
+                      </p:childTnLst>
+                    </p:cTn>
+                  </p:par>
+                  <p:par>
+                    <p:cTn id="19" fill="hold">
+                      <p:stCondLst>
+                        <p:cond delay="indefinite"/>
+                      </p:stCondLst>
+                      <p:childTnLst>
+                        <p:par>
+                          <p:cTn id="20" fill="hold">
+                            <p:stCondLst>
+                              <p:cond delay="0"/>
+                            </p:stCondLst>
+                            <p:childTnLst>
+                              <p:par>
+                                <p:cTn id="21" presetID="1" presetClass="entr" presetSubtype="0" fill="hold" grpId="0" nodeType="clickEffect">
+                                  <p:stCondLst>
+                                    <p:cond delay="0"/>
+                                  </p:stCondLst>
+                                  <p:childTnLst>
+                                    <p:set>
+                                      <p:cBhvr>
+                                        <p:cTn id="22" dur="1" fill="hold">
+                                          <p:stCondLst>
+                                            <p:cond delay="0"/>
+                                          </p:stCondLst>
+                                        </p:cTn>
+                                        <p:tgtEl>
+                                          <p:spTgt spid="55"/>
+                                        </p:tgtEl>
+                                        <p:attrNameLst>
+                                          <p:attrName>style.visibility</p:attrName>
+                                        </p:attrNameLst>
+                                      </p:cBhvr>
+                                      <p:to>
+                                        <p:strVal val="visible"/>
+                                      </p:to>
+                                    </p:set>
+                                  </p:childTnLst>
+                                </p:cTn>
+                              </p:par>
+                            </p:childTnLst>
+                          </p:cTn>
+                        </p:par>
+                      </p:childTnLst>
+                    </p:cTn>
+                  </p:par>
+                  <p:par>
+                    <p:cTn id="23" fill="hold">
+                      <p:stCondLst>
+                        <p:cond delay="indefinite"/>
+                      </p:stCondLst>
+                      <p:childTnLst>
+                        <p:par>
+                          <p:cTn id="24" fill="hold">
+                            <p:stCondLst>
+                              <p:cond delay="0"/>
+                            </p:stCondLst>
+                            <p:childTnLst>
+                              <p:par>
+                                <p:cTn id="25" presetID="1" presetClass="entr" presetSubtype="0" fill="hold" grpId="0" nodeType="clickEffect">
+                                  <p:stCondLst>
+                                    <p:cond delay="0"/>
+                                  </p:stCondLst>
+                                  <p:childTnLst>
+                                    <p:set>
+                                      <p:cBhvr>
+                                        <p:cTn id="26" dur="1" fill="hold">
+                                          <p:stCondLst>
+                                            <p:cond delay="0"/>
+                                          </p:stCondLst>
+                                        </p:cTn>
+                                        <p:tgtEl>
+                                          <p:spTgt spid="56"/>
+                                        </p:tgtEl>
+                                        <p:attrNameLst>
+                                          <p:attrName>style.visibility</p:attrName>
+                                        </p:attrNameLst>
+                                      </p:cBhvr>
+                                      <p:to>
+                                        <p:strVal val="visible"/>
+                                      </p:to>
+                                    </p:set>
+                                  </p:childTnLst>
+                                </p:cTn>
+                              </p:par>
+                            </p:childTnLst>
+                          </p:cTn>
+                        </p:par>
+                      </p:childTnLst>
+                    </p:cTn>
+                  </p:par>
+                  <p:par>
+                    <p:cTn id="27" fill="hold">
+                      <p:stCondLst>
+                        <p:cond delay="indefinite"/>
+                      </p:stCondLst>
+                      <p:childTnLst>
+                        <p:par>
+                          <p:cTn id="28" fill="hold">
+                            <p:stCondLst>
+                              <p:cond delay="0"/>
+                            </p:stCondLst>
+                            <p:childTnLst>
+                              <p:par>
+                                <p:cTn id="29" presetID="1" presetClass="entr" presetSubtype="0" fill="hold" grpId="0" nodeType="clickEffect">
+                                  <p:stCondLst>
+                                    <p:cond delay="0"/>
+                                  </p:stCondLst>
+                                  <p:childTnLst>
+                                    <p:set>
+                                      <p:cBhvr>
+                                        <p:cTn id="30" dur="1" fill="hold">
+                                          <p:stCondLst>
+                                            <p:cond delay="0"/>
+                                          </p:stCondLst>
+                                        </p:cTn>
+                                        <p:tgtEl>
+                                          <p:spTgt spid="62"/>
+                                        </p:tgtEl>
+                                        <p:attrNameLst>
+                                          <p:attrName>style.visibility</p:attrName>
+                                        </p:attrNameLst>
+                                      </p:cBhvr>
+                                      <p:to>
+                                        <p:strVal val="visible"/>
+                                      </p:to>
+                                    </p:set>
+                                  </p:childTnLst>
+                                </p:cTn>
+                              </p:par>
+                            </p:childTnLst>
+                          </p:cTn>
+                        </p:par>
+                      </p:childTnLst>
+                    </p:cTn>
+                  </p:par>
+                  <p:par>
+                    <p:cTn id="31" fill="hold">
+                      <p:stCondLst>
+                        <p:cond delay="indefinite"/>
+                      </p:stCondLst>
+                      <p:childTnLst>
+                        <p:par>
+                          <p:cTn id="32" fill="hold">
+                            <p:stCondLst>
+                              <p:cond delay="0"/>
+                            </p:stCondLst>
+                            <p:childTnLst>
+                              <p:par>
+                                <p:cTn id="33" presetID="1" presetClass="entr" presetSubtype="0" fill="hold" nodeType="clickEffect">
+                                  <p:stCondLst>
+                                    <p:cond delay="0"/>
+                                  </p:stCondLst>
+                                  <p:childTnLst>
+                                    <p:set>
+                                      <p:cBhvr>
+                                        <p:cTn id="34" dur="1" fill="hold">
+                                          <p:stCondLst>
+                                            <p:cond delay="0"/>
+                                          </p:stCondLst>
+                                        </p:cTn>
+                                        <p:tgtEl>
+                                          <p:spTgt spid="27"/>
+                                        </p:tgtEl>
+                                        <p:attrNameLst>
+                                          <p:attrName>style.visibility</p:attrName>
+                                        </p:attrNameLst>
+                                      </p:cBhvr>
+                                      <p:to>
+                                        <p:strVal val="visible"/>
+                                      </p:to>
+                                    </p:set>
+                                  </p:childTnLst>
+                                </p:cTn>
+                              </p:par>
+                            </p:childTnLst>
+                          </p:cTn>
+                        </p:par>
+                      </p:childTnLst>
+                    </p:cTn>
+                  </p:par>
+                  <p:par>
+                    <p:cTn id="35" fill="hold">
+                      <p:stCondLst>
+                        <p:cond delay="indefinite"/>
+                      </p:stCondLst>
+                      <p:childTnLst>
+                        <p:par>
+                          <p:cTn id="36" fill="hold">
+                            <p:stCondLst>
+                              <p:cond delay="0"/>
+                            </p:stCondLst>
+                            <p:childTnLst>
+                              <p:par>
+                                <p:cTn id="37" presetID="1" presetClass="entr" presetSubtype="0" fill="hold" nodeType="clickEffect">
+                                  <p:stCondLst>
+                                    <p:cond delay="0"/>
+                                  </p:stCondLst>
+                                  <p:childTnLst>
+                                    <p:set>
+                                      <p:cBhvr>
+                                        <p:cTn id="38" dur="1" fill="hold">
+                                          <p:stCondLst>
+                                            <p:cond delay="0"/>
+                                          </p:stCondLst>
+                                        </p:cTn>
+                                        <p:tgtEl>
+                                          <p:spTgt spid="32"/>
+                                        </p:tgtEl>
+                                        <p:attrNameLst>
+                                          <p:attrName>style.visibility</p:attrName>
+                                        </p:attrNameLst>
+                                      </p:cBhvr>
+                                      <p:to>
+                                        <p:strVal val="visible"/>
+                                      </p:to>
+                                    </p:set>
+                                  </p:childTnLst>
+                                </p:cTn>
+                              </p:par>
+                              <p:par>
+                                <p:cTn id="39" presetID="1" presetClass="entr" presetSubtype="0" fill="hold" grpId="0" nodeType="withEffect">
+                                  <p:stCondLst>
+                                    <p:cond delay="0"/>
+                                  </p:stCondLst>
+                                  <p:childTnLst>
+                                    <p:set>
+                                      <p:cBhvr>
+                                        <p:cTn id="40" dur="1" fill="hold">
+                                          <p:stCondLst>
+                                            <p:cond delay="0"/>
+                                          </p:stCondLst>
+                                        </p:cTn>
+                                        <p:tgtEl>
+                                          <p:spTgt spid="63"/>
+                                        </p:tgtEl>
+                                        <p:attrNameLst>
+                                          <p:attrName>style.visibility</p:attrName>
+                                        </p:attrNameLst>
+                                      </p:cBhvr>
+                                      <p:to>
+                                        <p:strVal val="visible"/>
+                                      </p:to>
+                                    </p:set>
+                                  </p:childTnLst>
+                                </p:cTn>
+                              </p:par>
+                              <p:par>
+                                <p:cTn id="41" presetID="1" presetClass="entr" presetSubtype="0" fill="hold" nodeType="withEffect">
+                                  <p:stCondLst>
+                                    <p:cond delay="0"/>
+                                  </p:stCondLst>
+                                  <p:childTnLst>
+                                    <p:set>
+                                      <p:cBhvr>
+                                        <p:cTn id="42" dur="1" fill="hold">
+                                          <p:stCondLst>
+                                            <p:cond delay="0"/>
+                                          </p:stCondLst>
+                                        </p:cTn>
+                                        <p:tgtEl>
+                                          <p:spTgt spid="71"/>
+                                        </p:tgtEl>
+                                        <p:attrNameLst>
+                                          <p:attrName>style.visibility</p:attrName>
+                                        </p:attrNameLst>
+                                      </p:cBhvr>
+                                      <p:to>
+                                        <p:strVal val="visible"/>
+                                      </p:to>
+                                    </p:set>
+                                  </p:childTnLst>
+                                </p:cTn>
+                              </p:par>
+                              <p:par>
+                                <p:cTn id="43" presetID="1" presetClass="entr" presetSubtype="0" fill="hold" nodeType="withEffect">
+                                  <p:stCondLst>
+                                    <p:cond delay="0"/>
+                                  </p:stCondLst>
+                                  <p:childTnLst>
+                                    <p:set>
+                                      <p:cBhvr>
+                                        <p:cTn id="44" dur="1" fill="hold">
+                                          <p:stCondLst>
+                                            <p:cond delay="0"/>
+                                          </p:stCondLst>
+                                        </p:cTn>
+                                        <p:tgtEl>
+                                          <p:spTgt spid="64"/>
+                                        </p:tgtEl>
+                                        <p:attrNameLst>
+                                          <p:attrName>style.visibility</p:attrName>
+                                        </p:attrNameLst>
+                                      </p:cBhvr>
+                                      <p:to>
+                                        <p:strVal val="visible"/>
+                                      </p:to>
+                                    </p:set>
+                                  </p:childTnLst>
+                                </p:cTn>
+                              </p:par>
+                            </p:childTnLst>
+                          </p:cTn>
+                        </p:par>
+                      </p:childTnLst>
+                    </p:cTn>
+                  </p:par>
+                  <p:par>
+                    <p:cTn id="45" fill="hold">
+                      <p:stCondLst>
+                        <p:cond delay="indefinite"/>
+                      </p:stCondLst>
+                      <p:childTnLst>
+                        <p:par>
+                          <p:cTn id="46" fill="hold">
+                            <p:stCondLst>
+                              <p:cond delay="0"/>
+                            </p:stCondLst>
+                            <p:childTnLst>
+                              <p:par>
+                                <p:cTn id="47" presetID="1" presetClass="entr" presetSubtype="0" fill="hold" nodeType="clickEffect">
+                                  <p:stCondLst>
+                                    <p:cond delay="0"/>
+                                  </p:stCondLst>
+                                  <p:childTnLst>
+                                    <p:set>
+                                      <p:cBhvr>
+                                        <p:cTn id="48" dur="1" fill="hold">
+                                          <p:stCondLst>
+                                            <p:cond delay="0"/>
+                                          </p:stCondLst>
+                                        </p:cTn>
+                                        <p:tgtEl>
+                                          <p:spTgt spid="28"/>
+                                        </p:tgtEl>
+                                        <p:attrNameLst>
+                                          <p:attrName>style.visibility</p:attrName>
+                                        </p:attrNameLst>
+                                      </p:cBhvr>
+                                      <p:to>
+                                        <p:strVal val="visible"/>
+                                      </p:to>
+                                    </p:set>
+                                  </p:childTnLst>
+                                </p:cTn>
+                              </p:par>
+                              <p:par>
+                                <p:cTn id="49" presetID="1" presetClass="entr" presetSubtype="0" fill="hold" nodeType="withEffect">
+                                  <p:stCondLst>
+                                    <p:cond delay="0"/>
+                                  </p:stCondLst>
+                                  <p:childTnLst>
+                                    <p:set>
+                                      <p:cBhvr>
+                                        <p:cTn id="50" dur="1" fill="hold">
+                                          <p:stCondLst>
+                                            <p:cond delay="0"/>
+                                          </p:stCondLst>
+                                        </p:cTn>
+                                        <p:tgtEl>
+                                          <p:spTgt spid="70"/>
+                                        </p:tgtEl>
+                                        <p:attrNameLst>
+                                          <p:attrName>style.visibility</p:attrName>
+                                        </p:attrNameLst>
+                                      </p:cBhvr>
+                                      <p:to>
+                                        <p:strVal val="visible"/>
+                                      </p:to>
+                                    </p:set>
+                                  </p:childTnLst>
+                                </p:cTn>
+                              </p:par>
+                            </p:childTnLst>
+                          </p:cTn>
+                        </p:par>
+                      </p:childTnLst>
+                    </p:cTn>
+                  </p:par>
+                  <p:par>
+                    <p:cTn id="51" fill="hold">
+                      <p:stCondLst>
+                        <p:cond delay="indefinite"/>
+                      </p:stCondLst>
+                      <p:childTnLst>
+                        <p:par>
+                          <p:cTn id="52" fill="hold">
+                            <p:stCondLst>
+                              <p:cond delay="0"/>
+                            </p:stCondLst>
+                            <p:childTnLst>
+                              <p:par>
+                                <p:cTn id="53" presetID="42" presetClass="path" presetSubtype="0" accel="50000" decel="50000" fill="hold" nodeType="clickEffect">
+                                  <p:stCondLst>
+                                    <p:cond delay="0"/>
+                                  </p:stCondLst>
+                                  <p:childTnLst>
+                                    <p:animMotion origin="layout" path="M 1.45833E-6 3.7037E-7 L 0.00234 0.22986 " pathEditMode="relative" rAng="0" ptsTypes="AA">
+                                      <p:cBhvr>
+                                        <p:cTn id="54" dur="1000" fill="hold"/>
+                                        <p:tgtEl>
+                                          <p:spTgt spid="71"/>
+                                        </p:tgtEl>
+                                        <p:attrNameLst>
+                                          <p:attrName>ppt_x</p:attrName>
+                                          <p:attrName>ppt_y</p:attrName>
+                                        </p:attrNameLst>
+                                      </p:cBhvr>
+                                      <p:rCtr x="117" y="11481"/>
+                                    </p:animMotion>
+                                  </p:childTnLst>
+                                </p:cTn>
+                              </p:par>
+                            </p:childTnLst>
+                          </p:cTn>
+                        </p:par>
+                        <p:par>
+                          <p:cTn id="55" fill="hold">
+                            <p:stCondLst>
+                              <p:cond delay="1000"/>
+                            </p:stCondLst>
+                            <p:childTnLst>
+                              <p:par>
+                                <p:cTn id="56" presetID="42" presetClass="path" presetSubtype="0" accel="50000" decel="50000" fill="hold" nodeType="afterEffect">
+                                  <p:stCondLst>
+                                    <p:cond delay="0"/>
+                                  </p:stCondLst>
+                                  <p:childTnLst>
+                                    <p:animMotion origin="layout" path="M -2.08333E-6 -7.40741E-7 L 0.00287 0.23125 " pathEditMode="relative" rAng="0" ptsTypes="AA">
+                                      <p:cBhvr>
+                                        <p:cTn id="57" dur="1000" fill="hold"/>
+                                        <p:tgtEl>
+                                          <p:spTgt spid="70"/>
+                                        </p:tgtEl>
+                                        <p:attrNameLst>
+                                          <p:attrName>ppt_x</p:attrName>
+                                          <p:attrName>ppt_y</p:attrName>
+                                        </p:attrNameLst>
+                                      </p:cBhvr>
+                                      <p:rCtr x="143" y="11551"/>
+                                    </p:animMotion>
+                                  </p:childTnLst>
+                                </p:cTn>
+                              </p:par>
+                            </p:childTnLst>
+                          </p:cTn>
+                        </p:par>
+                      </p:childTnLst>
+                    </p:cTn>
+                  </p:par>
+                  <p:par>
+                    <p:cTn id="58" fill="hold">
+                      <p:stCondLst>
+                        <p:cond delay="indefinite"/>
+                      </p:stCondLst>
+                      <p:childTnLst>
+                        <p:par>
+                          <p:cTn id="59" fill="hold">
+                            <p:stCondLst>
+                              <p:cond delay="0"/>
+                            </p:stCondLst>
+                            <p:childTnLst>
+                              <p:par>
+                                <p:cTn id="60" presetID="1" presetClass="entr" presetSubtype="0" fill="hold" nodeType="clickEffect">
+                                  <p:stCondLst>
+                                    <p:cond delay="0"/>
+                                  </p:stCondLst>
+                                  <p:childTnLst>
+                                    <p:set>
+                                      <p:cBhvr>
+                                        <p:cTn id="61" dur="1" fill="hold">
+                                          <p:stCondLst>
+                                            <p:cond delay="0"/>
+                                          </p:stCondLst>
+                                        </p:cTn>
+                                        <p:tgtEl>
+                                          <p:spTgt spid="31"/>
+                                        </p:tgtEl>
+                                        <p:attrNameLst>
+                                          <p:attrName>style.visibility</p:attrName>
+                                        </p:attrNameLst>
+                                      </p:cBhvr>
+                                      <p:to>
+                                        <p:strVal val="visible"/>
+                                      </p:to>
+                                    </p:set>
+                                  </p:childTnLst>
+                                </p:cTn>
+                              </p:par>
+                            </p:childTnLst>
+                          </p:cTn>
+                        </p:par>
+                      </p:childTnLst>
+                    </p:cTn>
+                  </p:par>
+                  <p:par>
+                    <p:cTn id="62" fill="hold">
+                      <p:stCondLst>
+                        <p:cond delay="indefinite"/>
+                      </p:stCondLst>
+                      <p:childTnLst>
+                        <p:par>
+                          <p:cTn id="63" fill="hold">
+                            <p:stCondLst>
+                              <p:cond delay="0"/>
+                            </p:stCondLst>
+                            <p:childTnLst>
+                              <p:par>
+                                <p:cTn id="64" presetID="1" presetClass="entr" presetSubtype="0" fill="hold" nodeType="clickEffect">
+                                  <p:stCondLst>
+                                    <p:cond delay="0"/>
+                                  </p:stCondLst>
+                                  <p:childTnLst>
+                                    <p:set>
+                                      <p:cBhvr>
+                                        <p:cTn id="65" dur="1" fill="hold">
+                                          <p:stCondLst>
+                                            <p:cond delay="0"/>
+                                          </p:stCondLst>
+                                        </p:cTn>
+                                        <p:tgtEl>
+                                          <p:spTgt spid="51"/>
+                                        </p:tgtEl>
+                                        <p:attrNameLst>
+                                          <p:attrName>style.visibility</p:attrName>
+                                        </p:attrNameLst>
+                                      </p:cBhvr>
+                                      <p:to>
+                                        <p:strVal val="visible"/>
+                                      </p:to>
+                                    </p:set>
+                                  </p:childTnLst>
+                                </p:cTn>
+                              </p:par>
+                              <p:par>
+                                <p:cTn id="66" presetID="1" presetClass="entr" presetSubtype="0" fill="hold" grpId="0" nodeType="withEffect">
+                                  <p:stCondLst>
+                                    <p:cond delay="0"/>
+                                  </p:stCondLst>
+                                  <p:childTnLst>
+                                    <p:set>
+                                      <p:cBhvr>
+                                        <p:cTn id="67" dur="1" fill="hold">
+                                          <p:stCondLst>
+                                            <p:cond delay="0"/>
+                                          </p:stCondLst>
+                                        </p:cTn>
+                                        <p:tgtEl>
+                                          <p:spTgt spid="65"/>
+                                        </p:tgtEl>
+                                        <p:attrNameLst>
+                                          <p:attrName>style.visibility</p:attrName>
+                                        </p:attrNameLst>
+                                      </p:cBhvr>
+                                      <p:to>
+                                        <p:strVal val="visible"/>
+                                      </p:to>
+                                    </p:set>
+                                  </p:childTnLst>
+                                </p:cTn>
+                              </p:par>
+                            </p:childTnLst>
+                          </p:cTn>
+                        </p:par>
+                      </p:childTnLst>
+                    </p:cTn>
+                  </p:par>
+                  <p:par>
+                    <p:cTn id="68" fill="hold">
+                      <p:stCondLst>
+                        <p:cond delay="indefinite"/>
+                      </p:stCondLst>
+                      <p:childTnLst>
+                        <p:par>
+                          <p:cTn id="69" fill="hold">
+                            <p:stCondLst>
+                              <p:cond delay="0"/>
+                            </p:stCondLst>
+                            <p:childTnLst>
+                              <p:par>
+                                <p:cTn id="70" presetID="1" presetClass="entr" presetSubtype="0" fill="hold" grpId="0" nodeType="clickEffect">
+                                  <p:stCondLst>
+                                    <p:cond delay="0"/>
+                                  </p:stCondLst>
+                                  <p:childTnLst>
+                                    <p:set>
+                                      <p:cBhvr>
+                                        <p:cTn id="71" dur="1" fill="hold">
+                                          <p:stCondLst>
+                                            <p:cond delay="0"/>
+                                          </p:stCondLst>
+                                        </p:cTn>
+                                        <p:tgtEl>
+                                          <p:spTgt spid="75"/>
+                                        </p:tgtEl>
+                                        <p:attrNameLst>
+                                          <p:attrName>style.visibility</p:attrName>
+                                        </p:attrNameLst>
+                                      </p:cBhvr>
+                                      <p:to>
+                                        <p:strVal val="visible"/>
+                                      </p:to>
+                                    </p:set>
+                                  </p:childTnLst>
+                                </p:cTn>
+                              </p:par>
+                            </p:childTnLst>
+                          </p:cTn>
+                        </p:par>
+                      </p:childTnLst>
+                    </p:cTn>
+                  </p:par>
+                  <p:par>
+                    <p:cTn id="72" fill="hold">
+                      <p:stCondLst>
+                        <p:cond delay="indefinite"/>
+                      </p:stCondLst>
+                      <p:childTnLst>
+                        <p:par>
+                          <p:cTn id="73" fill="hold">
+                            <p:stCondLst>
+                              <p:cond delay="0"/>
+                            </p:stCondLst>
+                            <p:childTnLst>
+                              <p:par>
+                                <p:cTn id="74" presetID="42" presetClass="path" presetSubtype="0" accel="50000" decel="50000" fill="hold" nodeType="clickEffect">
+                                  <p:stCondLst>
+                                    <p:cond delay="0"/>
+                                  </p:stCondLst>
+                                  <p:childTnLst>
+                                    <p:animMotion origin="layout" path="M -3.33333E-6 3.33333E-6 L 0.00131 0.23102 " pathEditMode="relative" rAng="0" ptsTypes="AA">
+                                      <p:cBhvr>
+                                        <p:cTn id="75" dur="1000" fill="hold"/>
+                                        <p:tgtEl>
+                                          <p:spTgt spid="64"/>
+                                        </p:tgtEl>
+                                        <p:attrNameLst>
+                                          <p:attrName>ppt_x</p:attrName>
+                                          <p:attrName>ppt_y</p:attrName>
+                                        </p:attrNameLst>
+                                      </p:cBhvr>
+                                      <p:rCtr x="65" y="11551"/>
+                                    </p:animMotion>
+                                  </p:childTnLst>
+                                </p:cTn>
+                              </p:par>
+                            </p:childTnLst>
+                          </p:cTn>
+                        </p:par>
+                        <p:par>
+                          <p:cTn id="76" fill="hold">
+                            <p:stCondLst>
+                              <p:cond delay="1000"/>
+                            </p:stCondLst>
+                            <p:childTnLst>
+                              <p:par>
+                                <p:cTn id="77" presetID="42" presetClass="path" presetSubtype="0" accel="50000" decel="50000" fill="hold" nodeType="afterEffect">
+                                  <p:stCondLst>
+                                    <p:cond delay="0"/>
+                                  </p:stCondLst>
+                                  <p:childTnLst>
+                                    <p:animMotion origin="layout" path="M 2.29167E-6 3.7037E-7 L 0.0013 0.23194 " pathEditMode="relative" rAng="0" ptsTypes="AA">
+                                      <p:cBhvr>
+                                        <p:cTn id="78" dur="1000" fill="hold"/>
+                                        <p:tgtEl>
+                                          <p:spTgt spid="28"/>
+                                        </p:tgtEl>
+                                        <p:attrNameLst>
+                                          <p:attrName>ppt_x</p:attrName>
+                                          <p:attrName>ppt_y</p:attrName>
+                                        </p:attrNameLst>
+                                      </p:cBhvr>
+                                      <p:rCtr x="65" y="11597"/>
+                                    </p:animMotion>
+                                  </p:childTnLst>
+                                </p:cTn>
+                              </p:par>
+                            </p:childTnLst>
+                          </p:cTn>
+                        </p:par>
+                      </p:childTnLst>
+                    </p:cTn>
+                  </p:par>
+                </p:childTnLst>
+              </p:cTn>
+              <p:prevCondLst>
+                <p:cond evt="onPrev" delay="0">
+                  <p:tgtEl>
+                    <p:sldTgt/>
+                  </p:tgtEl>
+                </p:cond>
+              </p:prevCondLst>
+              <p:nextCondLst>
+                <p:cond evt="onNext" delay="0">
+                  <p:tgtEl>
+                    <p:sldTgt/>
+                  </p:tgtEl>
+                </p:cond>
+              </p:nextCondLst>
+            </p:seq>
+          </p:childTnLst>
+        </p:cTn>
+      </p:par>
+    </p:tnLst>
+    <p:bldLst>
+      <p:bldP spid="50" grpId="0" animBg="1"/>
+      <p:bldP spid="53" grpId="0"/>
+      <p:bldP spid="54" grpId="0"/>
+      <p:bldP spid="55" grpId="0"/>
+      <p:bldP spid="56" grpId="0"/>
+      <p:bldP spid="62" grpId="0"/>
+      <p:bldP spid="65" grpId="0" animBg="1"/>
+      <p:bldP spid="63" grpId="0"/>
+      <p:bldP spid="75" grpId="0"/>
+    </p:bldLst>
+  </p:timing>
 </p:sld>
 </file>
 
@@ -4967,7 +10245,7 @@
           <a:p>
             <a:r>
               <a:rPr lang="en-GB" dirty="0" smtClean="0"/>
-              <a:t>Log Buffer</a:t>
+              <a:t>Transaction Logging</a:t>
             </a:r>
             <a:endParaRPr lang="en-GB" dirty="0"/>
           </a:p>
@@ -4990,44 +10268,45 @@
           <a:p>
             <a:r>
               <a:rPr lang="en-GB" dirty="0" smtClean="0"/>
-              <a:t>The complete log buffer is flushed to disk on commit</a:t>
-            </a:r>
-          </a:p>
-          <a:p>
+              <a:t>Logging has two forms:</a:t>
+            </a:r>
+          </a:p>
+          <a:p>
+            <a:pPr lvl="1"/>
             <a:r>
               <a:rPr lang="en-GB" dirty="0" smtClean="0"/>
-              <a:t>The log writer performs the flush</a:t>
+              <a:t>Logical operation</a:t>
             </a:r>
           </a:p>
           <a:p>
             <a:pPr lvl="1"/>
             <a:r>
               <a:rPr lang="en-GB" dirty="0" smtClean="0"/>
-              <a:t>There is only one process per server, but buffers are per database</a:t>
+              <a:t>Before and after “image” of the altered page</a:t>
             </a:r>
           </a:p>
           <a:p>
             <a:r>
               <a:rPr lang="en-GB" dirty="0" smtClean="0"/>
-              <a:t>The buffer may contain other non committed transactions</a:t>
+              <a:t>The log stores enough to redo or undo any operation</a:t>
             </a:r>
           </a:p>
           <a:p>
             <a:r>
               <a:rPr lang="en-GB" dirty="0" smtClean="0"/>
-              <a:t>Each buffer is up to 60k</a:t>
+              <a:t>Redo is required in recovery</a:t>
             </a:r>
           </a:p>
           <a:p>
             <a:r>
               <a:rPr lang="en-GB" dirty="0" smtClean="0"/>
-              <a:t>Large data modifications will cause the buffer to flush before the commit</a:t>
+              <a:t>Undo is a rollback</a:t>
             </a:r>
           </a:p>
           <a:p>
             <a:r>
               <a:rPr lang="en-GB" dirty="0" smtClean="0"/>
-              <a:t>User processes showing the WRITELOG wait type are being held up buffer flushes, possible bottleneck at disk</a:t>
+              <a:t>Rollbacks are also logged, space is reserved during an any operation to ensure a rollback can be completed</a:t>
             </a:r>
             <a:endParaRPr lang="en-GB" dirty="0"/>
           </a:p>
@@ -5036,13 +10315,20 @@
     </p:spTree>
     <p:extLst>
       <p:ext uri="{BB962C8B-B14F-4D97-AF65-F5344CB8AC3E}">
-        <p14:creationId xmlns:p14="http://schemas.microsoft.com/office/powerpoint/2010/main" val="1951406462"/>
+        <p14:creationId xmlns:p14="http://schemas.microsoft.com/office/powerpoint/2010/main" val="4239046047"/>
       </p:ext>
     </p:extLst>
   </p:cSld>
   <p:clrMapOvr>
     <a:masterClrMapping/>
   </p:clrMapOvr>
+  <p:timing>
+    <p:tnLst>
+      <p:par>
+        <p:cTn id="1" dur="indefinite" restart="never" nodeType="tmRoot"/>
+      </p:par>
+    </p:tnLst>
+  </p:timing>
 </p:sld>
 </file>
 
@@ -5080,7 +10366,7 @@
           <a:p>
             <a:r>
               <a:rPr lang="en-GB" dirty="0" smtClean="0"/>
-              <a:t>Demo</a:t>
+              <a:t>Log Buffer</a:t>
             </a:r>
             <a:endParaRPr lang="en-GB" dirty="0"/>
           </a:p>
@@ -5101,6 +10387,47 @@
           <a:bodyPr/>
           <a:lstStyle/>
           <a:p>
+            <a:r>
+              <a:rPr lang="en-GB" dirty="0" smtClean="0"/>
+              <a:t>The complete log buffer is flushed to disk on commit</a:t>
+            </a:r>
+          </a:p>
+          <a:p>
+            <a:r>
+              <a:rPr lang="en-GB" dirty="0" smtClean="0"/>
+              <a:t>The log writer performs the flush</a:t>
+            </a:r>
+          </a:p>
+          <a:p>
+            <a:pPr lvl="1"/>
+            <a:r>
+              <a:rPr lang="en-GB" dirty="0" smtClean="0"/>
+              <a:t>There is only one process per server, but buffers are per database</a:t>
+            </a:r>
+          </a:p>
+          <a:p>
+            <a:r>
+              <a:rPr lang="en-GB" dirty="0" smtClean="0"/>
+              <a:t>The buffer may contain other non committed transactions</a:t>
+            </a:r>
+          </a:p>
+          <a:p>
+            <a:r>
+              <a:rPr lang="en-GB" dirty="0" smtClean="0"/>
+              <a:t>Each buffer is up to 60k</a:t>
+            </a:r>
+          </a:p>
+          <a:p>
+            <a:r>
+              <a:rPr lang="en-GB" dirty="0" smtClean="0"/>
+              <a:t>Large data modifications will cause the buffer to flush before the commit</a:t>
+            </a:r>
+          </a:p>
+          <a:p>
+            <a:r>
+              <a:rPr lang="en-GB" dirty="0" smtClean="0"/>
+              <a:t>User processes showing the WRITELOG wait type are being held up buffer flushes, possible bottleneck at disk</a:t>
+            </a:r>
             <a:endParaRPr lang="en-GB" dirty="0"/>
           </a:p>
         </p:txBody>
@@ -5108,13 +10435,20 @@
     </p:spTree>
     <p:extLst>
       <p:ext uri="{BB962C8B-B14F-4D97-AF65-F5344CB8AC3E}">
-        <p14:creationId xmlns:p14="http://schemas.microsoft.com/office/powerpoint/2010/main" val="1014582706"/>
+        <p14:creationId xmlns:p14="http://schemas.microsoft.com/office/powerpoint/2010/main" val="1951406462"/>
       </p:ext>
     </p:extLst>
   </p:cSld>
   <p:clrMapOvr>
     <a:masterClrMapping/>
   </p:clrMapOvr>
+  <p:timing>
+    <p:tnLst>
+      <p:par>
+        <p:cTn id="1" dur="indefinite" restart="never" nodeType="tmRoot"/>
+      </p:par>
+    </p:tnLst>
+  </p:timing>
 </p:sld>
 </file>
 
@@ -5152,7 +10486,7 @@
           <a:p>
             <a:r>
               <a:rPr lang="en-GB" dirty="0" smtClean="0"/>
-              <a:t>Data File Writes</a:t>
+              <a:t>Demo</a:t>
             </a:r>
             <a:endParaRPr lang="en-GB" dirty="0"/>
           </a:p>
@@ -5172,32 +10506,6 @@
         <p:txBody>
           <a:bodyPr/>
           <a:lstStyle/>
-          <a:p>
-            <a:r>
-              <a:rPr lang="en-GB" dirty="0" smtClean="0"/>
-              <a:t>Dirty data pages are written to disk by either:</a:t>
-            </a:r>
-          </a:p>
-          <a:p>
-            <a:pPr lvl="1"/>
-            <a:r>
-              <a:rPr lang="en-GB" dirty="0" smtClean="0"/>
-              <a:t>Checkpoint</a:t>
-            </a:r>
-          </a:p>
-          <a:p>
-            <a:pPr lvl="1"/>
-            <a:r>
-              <a:rPr lang="en-GB" dirty="0" smtClean="0"/>
-              <a:t>Lazy Writer</a:t>
-            </a:r>
-          </a:p>
-          <a:p>
-            <a:r>
-              <a:rPr lang="en-GB" dirty="0" smtClean="0"/>
-              <a:t>Checkpoints are a marker in the log to indicate there are no dirty pages previous to the marker</a:t>
-            </a:r>
-          </a:p>
           <a:p>
             <a:endParaRPr lang="en-GB" dirty="0"/>
           </a:p>
@@ -5206,7 +10514,7 @@
     </p:spTree>
     <p:extLst>
       <p:ext uri="{BB962C8B-B14F-4D97-AF65-F5344CB8AC3E}">
-        <p14:creationId xmlns:p14="http://schemas.microsoft.com/office/powerpoint/2010/main" val="1447625357"/>
+        <p14:creationId xmlns:p14="http://schemas.microsoft.com/office/powerpoint/2010/main" val="1014582706"/>
       </p:ext>
     </p:extLst>
   </p:cSld>
@@ -5250,7 +10558,7 @@
           <a:p>
             <a:r>
               <a:rPr lang="en-GB" dirty="0" smtClean="0"/>
-              <a:t>Checkpoints</a:t>
+              <a:t>Data File Writes</a:t>
             </a:r>
             <a:endParaRPr lang="en-GB" dirty="0"/>
           </a:p>
@@ -5273,63 +10581,38 @@
           <a:p>
             <a:r>
               <a:rPr lang="en-GB" dirty="0" smtClean="0"/>
-              <a:t>Fired when:</a:t>
+              <a:t>Dirty data pages are written to disk by either:</a:t>
             </a:r>
           </a:p>
           <a:p>
             <a:pPr lvl="1"/>
             <a:r>
               <a:rPr lang="en-GB" dirty="0" smtClean="0"/>
-              <a:t>Automatically in background by the server, intervals will vary</a:t>
+              <a:t>Checkpoint</a:t>
             </a:r>
           </a:p>
           <a:p>
             <a:pPr lvl="1"/>
             <a:r>
               <a:rPr lang="en-GB" dirty="0" smtClean="0"/>
-              <a:t>Timing is based upon the “recovery interval” advanced setting</a:t>
-            </a:r>
-          </a:p>
-          <a:p>
-            <a:pPr lvl="1"/>
+              <a:t>Lazy Writer</a:t>
+            </a:r>
+          </a:p>
+          <a:p>
             <a:r>
               <a:rPr lang="en-GB" dirty="0" smtClean="0"/>
-              <a:t>Simple databases at 70% log full</a:t>
-            </a:r>
-          </a:p>
-          <a:p>
-            <a:pPr lvl="2"/>
-            <a:r>
-              <a:rPr lang="en-GB" dirty="0" smtClean="0"/>
-              <a:t>Also truncates the log (frees up space)</a:t>
-            </a:r>
-          </a:p>
-          <a:p>
-            <a:r>
-              <a:rPr lang="en-GB" dirty="0" smtClean="0"/>
-              <a:t>Other types of Checkpoint:</a:t>
-            </a:r>
-          </a:p>
-          <a:p>
-            <a:pPr lvl="1"/>
-            <a:r>
-              <a:rPr lang="en-GB" dirty="0" smtClean="0"/>
-              <a:t>Indirect – caused by database backups, snapshots and cluster failovers</a:t>
-            </a:r>
-          </a:p>
-          <a:p>
-            <a:pPr lvl="1"/>
-            <a:r>
-              <a:rPr lang="en-GB" dirty="0" smtClean="0"/>
-              <a:t>Manual – user invoked checkpoint</a:t>
-            </a:r>
+              <a:t>Checkpoints are a marker in the log to indicate there are no dirty pages previous to the marker</a:t>
+            </a:r>
+          </a:p>
+          <a:p>
+            <a:endParaRPr lang="en-GB" dirty="0"/>
           </a:p>
         </p:txBody>
       </p:sp>
     </p:spTree>
     <p:extLst>
       <p:ext uri="{BB962C8B-B14F-4D97-AF65-F5344CB8AC3E}">
-        <p14:creationId xmlns:p14="http://schemas.microsoft.com/office/powerpoint/2010/main" val="1093614657"/>
+        <p14:creationId xmlns:p14="http://schemas.microsoft.com/office/powerpoint/2010/main" val="1447625357"/>
       </p:ext>
     </p:extLst>
   </p:cSld>

--- a/Slides/1. Logging.pptx
+++ b/Slides/1. Logging.pptx
@@ -307,7 +307,7 @@
           <a:p>
             <a:fld id="{2EEC8B6C-ECA7-4502-A71C-D2F93F5DB82F}" type="datetimeFigureOut">
               <a:rPr lang="en-GB" smtClean="0"/>
-              <a:t>07/10/2015</a:t>
+              <a:t>08/10/2015</a:t>
             </a:fld>
             <a:endParaRPr lang="en-GB"/>
           </a:p>
@@ -1551,7 +1551,7 @@
           <a:p>
             <a:fld id="{0450233C-AED0-40A2-94DD-085E6C2BAB99}" type="datetimeFigureOut">
               <a:rPr lang="en-GB" smtClean="0"/>
-              <a:t>07/10/2015</a:t>
+              <a:t>08/10/2015</a:t>
             </a:fld>
             <a:endParaRPr lang="en-GB"/>
           </a:p>
@@ -1892,7 +1892,7 @@
           <a:p>
             <a:fld id="{0450233C-AED0-40A2-94DD-085E6C2BAB99}" type="datetimeFigureOut">
               <a:rPr lang="en-GB" smtClean="0"/>
-              <a:t>07/10/2015</a:t>
+              <a:t>08/10/2015</a:t>
             </a:fld>
             <a:endParaRPr lang="en-GB"/>
           </a:p>
@@ -2170,7 +2170,7 @@
           <a:p>
             <a:fld id="{0450233C-AED0-40A2-94DD-085E6C2BAB99}" type="datetimeFigureOut">
               <a:rPr lang="en-GB" smtClean="0"/>
-              <a:t>07/10/2015</a:t>
+              <a:t>08/10/2015</a:t>
             </a:fld>
             <a:endParaRPr lang="en-GB"/>
           </a:p>
@@ -2738,7 +2738,7 @@
           <a:p>
             <a:fld id="{0450233C-AED0-40A2-94DD-085E6C2BAB99}" type="datetimeFigureOut">
               <a:rPr lang="en-GB" smtClean="0"/>
-              <a:t>07/10/2015</a:t>
+              <a:t>08/10/2015</a:t>
             </a:fld>
             <a:endParaRPr lang="en-GB"/>
           </a:p>
@@ -3016,7 +3016,7 @@
           <a:p>
             <a:fld id="{0450233C-AED0-40A2-94DD-085E6C2BAB99}" type="datetimeFigureOut">
               <a:rPr lang="en-GB" smtClean="0"/>
-              <a:t>07/10/2015</a:t>
+              <a:t>08/10/2015</a:t>
             </a:fld>
             <a:endParaRPr lang="en-GB"/>
           </a:p>
@@ -3578,7 +3578,7 @@
           <a:p>
             <a:fld id="{0450233C-AED0-40A2-94DD-085E6C2BAB99}" type="datetimeFigureOut">
               <a:rPr lang="en-GB" smtClean="0"/>
-              <a:t>07/10/2015</a:t>
+              <a:t>08/10/2015</a:t>
             </a:fld>
             <a:endParaRPr lang="en-GB"/>
           </a:p>
@@ -3905,7 +3905,7 @@
           <a:p>
             <a:fld id="{0450233C-AED0-40A2-94DD-085E6C2BAB99}" type="datetimeFigureOut">
               <a:rPr lang="en-GB" smtClean="0"/>
-              <a:t>07/10/2015</a:t>
+              <a:t>08/10/2015</a:t>
             </a:fld>
             <a:endParaRPr lang="en-GB"/>
           </a:p>
@@ -4082,7 +4082,7 @@
           <a:p>
             <a:fld id="{0450233C-AED0-40A2-94DD-085E6C2BAB99}" type="datetimeFigureOut">
               <a:rPr lang="en-GB" smtClean="0"/>
-              <a:t>07/10/2015</a:t>
+              <a:t>08/10/2015</a:t>
             </a:fld>
             <a:endParaRPr lang="en-GB"/>
           </a:p>
@@ -4320,7 +4320,7 @@
           <a:p>
             <a:fld id="{0450233C-AED0-40A2-94DD-085E6C2BAB99}" type="datetimeFigureOut">
               <a:rPr lang="en-GB" smtClean="0"/>
-              <a:t>07/10/2015</a:t>
+              <a:t>08/10/2015</a:t>
             </a:fld>
             <a:endParaRPr lang="en-GB"/>
           </a:p>
@@ -4520,7 +4520,7 @@
           <a:p>
             <a:fld id="{0450233C-AED0-40A2-94DD-085E6C2BAB99}" type="datetimeFigureOut">
               <a:rPr lang="en-GB" smtClean="0"/>
-              <a:t>07/10/2015</a:t>
+              <a:t>08/10/2015</a:t>
             </a:fld>
             <a:endParaRPr lang="en-GB"/>
           </a:p>
@@ -4803,7 +4803,7 @@
           <a:p>
             <a:fld id="{0450233C-AED0-40A2-94DD-085E6C2BAB99}" type="datetimeFigureOut">
               <a:rPr lang="en-GB" smtClean="0"/>
-              <a:t>07/10/2015</a:t>
+              <a:t>08/10/2015</a:t>
             </a:fld>
             <a:endParaRPr lang="en-GB"/>
           </a:p>
@@ -5076,7 +5076,7 @@
           <a:p>
             <a:fld id="{0450233C-AED0-40A2-94DD-085E6C2BAB99}" type="datetimeFigureOut">
               <a:rPr lang="en-GB" smtClean="0"/>
-              <a:t>07/10/2015</a:t>
+              <a:t>08/10/2015</a:t>
             </a:fld>
             <a:endParaRPr lang="en-GB"/>
           </a:p>
@@ -5450,7 +5450,7 @@
           <a:p>
             <a:fld id="{0450233C-AED0-40A2-94DD-085E6C2BAB99}" type="datetimeFigureOut">
               <a:rPr lang="en-GB" smtClean="0"/>
-              <a:t>07/10/2015</a:t>
+              <a:t>08/10/2015</a:t>
             </a:fld>
             <a:endParaRPr lang="en-GB"/>
           </a:p>
@@ -5605,7 +5605,7 @@
           <a:p>
             <a:fld id="{0450233C-AED0-40A2-94DD-085E6C2BAB99}" type="datetimeFigureOut">
               <a:rPr lang="en-GB" smtClean="0"/>
-              <a:t>07/10/2015</a:t>
+              <a:t>08/10/2015</a:t>
             </a:fld>
             <a:endParaRPr lang="en-GB"/>
           </a:p>
@@ -5730,7 +5730,7 @@
           <a:p>
             <a:fld id="{0450233C-AED0-40A2-94DD-085E6C2BAB99}" type="datetimeFigureOut">
               <a:rPr lang="en-GB" smtClean="0"/>
-              <a:t>07/10/2015</a:t>
+              <a:t>08/10/2015</a:t>
             </a:fld>
             <a:endParaRPr lang="en-GB"/>
           </a:p>
@@ -6015,7 +6015,7 @@
           <a:p>
             <a:fld id="{0450233C-AED0-40A2-94DD-085E6C2BAB99}" type="datetimeFigureOut">
               <a:rPr lang="en-GB" smtClean="0"/>
-              <a:t>07/10/2015</a:t>
+              <a:t>08/10/2015</a:t>
             </a:fld>
             <a:endParaRPr lang="en-GB"/>
           </a:p>
@@ -6339,7 +6339,7 @@
           <a:p>
             <a:fld id="{0450233C-AED0-40A2-94DD-085E6C2BAB99}" type="datetimeFigureOut">
               <a:rPr lang="en-GB" smtClean="0"/>
-              <a:t>07/10/2015</a:t>
+              <a:t>08/10/2015</a:t>
             </a:fld>
             <a:endParaRPr lang="en-GB"/>
           </a:p>
@@ -6553,7 +6553,7 @@
           <a:p>
             <a:fld id="{0450233C-AED0-40A2-94DD-085E6C2BAB99}" type="datetimeFigureOut">
               <a:rPr lang="en-GB" smtClean="0"/>
-              <a:t>07/10/2015</a:t>
+              <a:t>08/10/2015</a:t>
             </a:fld>
             <a:endParaRPr lang="en-GB"/>
           </a:p>
@@ -7143,11 +7143,7 @@
           <a:p>
             <a:r>
               <a:rPr lang="en-GB" dirty="0" smtClean="0"/>
-              <a:t>Saving Data – The importance of the </a:t>
-            </a:r>
-            <a:r>
-              <a:rPr lang="en-GB" dirty="0" smtClean="0"/>
-              <a:t>transaction log</a:t>
+              <a:t>Saving Data – The importance of the transaction log</a:t>
             </a:r>
             <a:endParaRPr lang="en-GB" dirty="0"/>
           </a:p>
@@ -10043,17 +10039,8 @@
           <a:p>
             <a:r>
               <a:rPr lang="en-GB" dirty="0" smtClean="0"/>
-              <a:t>Redo is required </a:t>
-            </a:r>
-            <a:r>
-              <a:rPr lang="en-GB" dirty="0" smtClean="0"/>
-              <a:t>for </a:t>
-            </a:r>
-            <a:r>
-              <a:rPr lang="en-GB" dirty="0" smtClean="0"/>
-              <a:t>recovery (after a failure)</a:t>
-            </a:r>
-            <a:endParaRPr lang="en-GB" dirty="0" smtClean="0"/>
+              <a:t>Redo is required for recovery (after a failure)</a:t>
+            </a:r>
           </a:p>
           <a:p>
             <a:r>
@@ -10064,34 +10051,14 @@
           <a:p>
             <a:r>
               <a:rPr lang="en-GB" dirty="0" smtClean="0"/>
-              <a:t>Rollbacks are also </a:t>
-            </a:r>
+              <a:t>Rollbacks are also logged</a:t>
+            </a:r>
+          </a:p>
+          <a:p>
+            <a:pPr lvl="1"/>
             <a:r>
               <a:rPr lang="en-GB" dirty="0" smtClean="0"/>
-              <a:t>logged</a:t>
-            </a:r>
-          </a:p>
-          <a:p>
-            <a:pPr lvl="1"/>
-            <a:r>
-              <a:rPr lang="en-GB" dirty="0" smtClean="0"/>
-              <a:t>S</a:t>
-            </a:r>
-            <a:r>
-              <a:rPr lang="en-GB" dirty="0" smtClean="0"/>
-              <a:t>pace </a:t>
-            </a:r>
-            <a:r>
-              <a:rPr lang="en-GB" dirty="0" smtClean="0"/>
-              <a:t>is reserved </a:t>
-            </a:r>
-            <a:r>
-              <a:rPr lang="en-GB" dirty="0" smtClean="0"/>
-              <a:t>to </a:t>
-            </a:r>
-            <a:r>
-              <a:rPr lang="en-GB" dirty="0" smtClean="0"/>
-              <a:t>ensure a rollback can be completed</a:t>
+              <a:t>Space is reserved to ensure a rollback can be completed</a:t>
             </a:r>
             <a:endParaRPr lang="en-GB" dirty="0"/>
           </a:p>
@@ -10696,13 +10663,8 @@
             <a:pPr lvl="1"/>
             <a:r>
               <a:rPr lang="en-GB" dirty="0" smtClean="0"/>
-              <a:t>Timing is based upon the “recovery interval” </a:t>
-            </a:r>
-            <a:r>
-              <a:rPr lang="en-GB" dirty="0" smtClean="0"/>
-              <a:t>or Target Recovery Time</a:t>
-            </a:r>
-            <a:endParaRPr lang="en-GB" dirty="0" smtClean="0"/>
+              <a:t>Timing is based upon the “recovery interval” or Target Recovery Time</a:t>
+            </a:r>
           </a:p>
           <a:p>
             <a:pPr lvl="1"/>
@@ -10728,13 +10690,8 @@
             <a:pPr lvl="1"/>
             <a:r>
               <a:rPr lang="en-GB" dirty="0" smtClean="0"/>
-              <a:t>Indirect – caused by database backups, snapshots and cluster </a:t>
-            </a:r>
-            <a:r>
-              <a:rPr lang="en-GB" dirty="0" smtClean="0"/>
-              <a:t>failovers, shutdowns, detach DB</a:t>
-            </a:r>
-            <a:endParaRPr lang="en-GB" dirty="0" smtClean="0"/>
+              <a:t>Indirect – caused by database backups, snapshots and cluster failovers, shutdowns, detach DB</a:t>
+            </a:r>
           </a:p>
           <a:p>
             <a:pPr lvl="1"/>
@@ -10959,19 +10916,7 @@
           <a:p>
             <a:r>
               <a:rPr lang="en-GB" dirty="0" smtClean="0"/>
-              <a:t>Background </a:t>
-            </a:r>
-            <a:r>
-              <a:rPr lang="en-GB" dirty="0" smtClean="0"/>
-              <a:t>process </a:t>
-            </a:r>
-            <a:r>
-              <a:rPr lang="en-GB" dirty="0" smtClean="0"/>
-              <a:t>that </a:t>
-            </a:r>
-            <a:r>
-              <a:rPr lang="en-GB" dirty="0" smtClean="0"/>
-              <a:t>writes dirty pages to disk</a:t>
+              <a:t>Background process that writes dirty pages to disk</a:t>
             </a:r>
           </a:p>
           <a:p>
@@ -10984,11 +10929,7 @@
           <a:p>
             <a:r>
               <a:rPr lang="en-GB" dirty="0" smtClean="0"/>
-              <a:t>Can </a:t>
-            </a:r>
-            <a:r>
-              <a:rPr lang="en-GB" dirty="0" smtClean="0"/>
-              <a:t>write pages where the change has NOT been committed</a:t>
+              <a:t>Can write pages where the change has NOT been committed</a:t>
             </a:r>
           </a:p>
           <a:p>
@@ -11714,11 +11655,7 @@
             </a:r>
             <a:r>
               <a:rPr lang="en-GB" dirty="0" smtClean="0"/>
-              <a:t> of the </a:t>
-            </a:r>
-            <a:r>
-              <a:rPr lang="en-GB" dirty="0" smtClean="0"/>
-              <a:t>server/database</a:t>
+              <a:t> of the server/database</a:t>
             </a:r>
           </a:p>
           <a:p>
@@ -11726,7 +11663,6 @@
               <a:rPr lang="en-GB" dirty="0" smtClean="0"/>
               <a:t>Or after restore of database and transaction log</a:t>
             </a:r>
-            <a:endParaRPr lang="en-GB" dirty="0" smtClean="0"/>
           </a:p>
           <a:p>
             <a:r>
@@ -12684,11 +12620,7 @@
           <a:p>
             <a:r>
               <a:rPr lang="en-GB" dirty="0" smtClean="0"/>
-              <a:t>Features </a:t>
-            </a:r>
-            <a:r>
-              <a:rPr lang="en-GB" dirty="0" smtClean="0"/>
-              <a:t>that block log truncation</a:t>
+              <a:t>Features that block log truncation</a:t>
             </a:r>
           </a:p>
           <a:p>
@@ -12902,7 +12834,7 @@
         <p:spPr/>
         <p:txBody>
           <a:bodyPr>
-            <a:normAutofit fontScale="77500" lnSpcReduction="20000"/>
+            <a:normAutofit fontScale="85000" lnSpcReduction="20000"/>
           </a:bodyPr>
           <a:lstStyle/>
           <a:p>
@@ -13138,10 +13070,87 @@
         </p:nvSpPr>
         <p:spPr/>
         <p:txBody>
-          <a:bodyPr/>
-          <a:lstStyle/>
-          <a:p>
-            <a:endParaRPr lang="en-GB"/>
+          <a:bodyPr>
+            <a:normAutofit/>
+          </a:bodyPr>
+          <a:lstStyle/>
+          <a:p>
+            <a:r>
+              <a:rPr lang="en-GB" sz="2200" dirty="0" smtClean="0"/>
+              <a:t>Database Design</a:t>
+            </a:r>
+          </a:p>
+          <a:p>
+            <a:pPr lvl="1"/>
+            <a:r>
+              <a:rPr lang="en-GB" sz="1800" dirty="0" smtClean="0"/>
+              <a:t>IO throughput important for transaction log file</a:t>
+            </a:r>
+          </a:p>
+          <a:p>
+            <a:r>
+              <a:rPr lang="en-GB" sz="2200" dirty="0" smtClean="0"/>
+              <a:t>Table Design</a:t>
+            </a:r>
+          </a:p>
+          <a:p>
+            <a:pPr lvl="1"/>
+            <a:r>
+              <a:rPr lang="en-GB" sz="1800" dirty="0" smtClean="0"/>
+              <a:t>Data Type Sizes – Are large data types needed? Affects both </a:t>
+            </a:r>
+            <a:r>
+              <a:rPr lang="en-GB" sz="1800" dirty="0" err="1" smtClean="0"/>
+              <a:t>Tlog</a:t>
+            </a:r>
+            <a:r>
+              <a:rPr lang="en-GB" sz="1800" dirty="0" smtClean="0"/>
+              <a:t> + Data file writes</a:t>
+            </a:r>
+          </a:p>
+          <a:p>
+            <a:pPr lvl="1"/>
+            <a:r>
+              <a:rPr lang="en-GB" sz="1800" dirty="0" smtClean="0"/>
+              <a:t>Number of Indexes – More Indexes increase </a:t>
+            </a:r>
+            <a:r>
+              <a:rPr lang="en-GB" sz="1800" dirty="0" err="1" smtClean="0"/>
+              <a:t>Tlog</a:t>
+            </a:r>
+            <a:r>
+              <a:rPr lang="en-GB" sz="1800" dirty="0" smtClean="0"/>
+              <a:t> + Data file writes (improves reads)</a:t>
+            </a:r>
+          </a:p>
+          <a:p>
+            <a:r>
+              <a:rPr lang="en-GB" sz="2200" dirty="0" smtClean="0"/>
+              <a:t>Transaction Size</a:t>
+            </a:r>
+          </a:p>
+          <a:p>
+            <a:pPr lvl="1"/>
+            <a:r>
+              <a:rPr lang="en-GB" sz="1800" dirty="0" smtClean="0"/>
+              <a:t>Small Transactions – High number of log flushes</a:t>
+            </a:r>
+          </a:p>
+          <a:p>
+            <a:pPr lvl="1"/>
+            <a:r>
+              <a:rPr lang="en-GB" sz="1800" dirty="0" smtClean="0"/>
+              <a:t>Large Transaction – Hold locks longer, can affect concurrency </a:t>
+            </a:r>
+          </a:p>
+          <a:p>
+            <a:pPr marL="0" indent="0">
+              <a:buNone/>
+            </a:pPr>
+            <a:endParaRPr lang="en-GB" sz="2200" dirty="0" smtClean="0"/>
+          </a:p>
+          <a:p>
+            <a:endParaRPr lang="en-GB" sz="2200" dirty="0"/>
           </a:p>
         </p:txBody>
       </p:sp>
@@ -13331,14 +13340,12 @@
               <a:rPr lang="en-GB" dirty="0" smtClean="0"/>
               <a:t>Data is stored in 8k pages</a:t>
             </a:r>
-            <a:endParaRPr lang="en-GB" dirty="0" smtClean="0"/>
           </a:p>
           <a:p>
             <a:r>
               <a:rPr lang="en-GB" dirty="0" smtClean="0"/>
               <a:t>8 Pages group into an Extent</a:t>
             </a:r>
-            <a:endParaRPr lang="en-GB" dirty="0" smtClean="0"/>
           </a:p>
           <a:p>
             <a:r>
@@ -13351,17 +13358,12 @@
               <a:rPr lang="en-GB" dirty="0" smtClean="0"/>
               <a:t>Pages used to stored additional information</a:t>
             </a:r>
-            <a:endParaRPr lang="en-GB" dirty="0" smtClean="0"/>
           </a:p>
           <a:p>
             <a:pPr lvl="1"/>
             <a:r>
               <a:rPr lang="en-GB" dirty="0" smtClean="0"/>
-              <a:t>Page Free Space (PFS), Global allocation map (GAM), </a:t>
-            </a:r>
-            <a:r>
-              <a:rPr lang="en-GB" dirty="0" smtClean="0"/>
-              <a:t>Shared global allocation map (SGAM), Index </a:t>
+              <a:t>Page Free Space (PFS), Global allocation map (GAM), Shared global allocation map (SGAM), Index </a:t>
             </a:r>
             <a:r>
               <a:rPr lang="en-GB" dirty="0"/>
@@ -13457,35 +13459,14 @@
           <a:p>
             <a:r>
               <a:rPr lang="en-GB" dirty="0" smtClean="0"/>
-              <a:t>Changes are written to the log </a:t>
-            </a:r>
+              <a:t>Changes are written to the log and the in data page in memory</a:t>
+            </a:r>
+          </a:p>
+          <a:p>
             <a:r>
               <a:rPr lang="en-GB" dirty="0" smtClean="0"/>
-              <a:t>and the in </a:t>
-            </a:r>
-            <a:r>
-              <a:rPr lang="en-GB" dirty="0" smtClean="0"/>
-              <a:t>data page in memory</a:t>
-            </a:r>
-          </a:p>
-          <a:p>
-            <a:r>
-              <a:rPr lang="en-GB" dirty="0" smtClean="0"/>
-              <a:t>The data is NOT written to </a:t>
-            </a:r>
-            <a:r>
-              <a:rPr lang="en-GB" dirty="0" smtClean="0"/>
-              <a:t>the </a:t>
-            </a:r>
-            <a:r>
-              <a:rPr lang="en-GB" dirty="0" smtClean="0"/>
-              <a:t>data </a:t>
-            </a:r>
-            <a:r>
-              <a:rPr lang="en-GB" dirty="0" smtClean="0"/>
-              <a:t>file as part of the transaction</a:t>
-            </a:r>
-            <a:endParaRPr lang="en-GB" dirty="0" smtClean="0"/>
+              <a:t>The data is NOT written to the data file as part of the transaction</a:t>
+            </a:r>
           </a:p>
           <a:p>
             <a:r>

--- a/Slides/1. Logging.pptx
+++ b/Slides/1. Logging.pptx
@@ -5,10 +5,10 @@
     <p:sldMasterId id="2147483660" r:id="rId1"/>
   </p:sldMasterIdLst>
   <p:notesMasterIdLst>
-    <p:notesMasterId r:id="rId47"/>
+    <p:notesMasterId r:id="rId45"/>
   </p:notesMasterIdLst>
   <p:handoutMasterIdLst>
-    <p:handoutMasterId r:id="rId48"/>
+    <p:handoutMasterId r:id="rId46"/>
   </p:handoutMasterIdLst>
   <p:sldIdLst>
     <p:sldId id="256" r:id="rId2"/>
@@ -42,20 +42,18 @@
     <p:sldId id="264" r:id="rId30"/>
     <p:sldId id="294" r:id="rId31"/>
     <p:sldId id="295" r:id="rId32"/>
-    <p:sldId id="296" r:id="rId33"/>
-    <p:sldId id="262" r:id="rId34"/>
-    <p:sldId id="269" r:id="rId35"/>
-    <p:sldId id="290" r:id="rId36"/>
-    <p:sldId id="263" r:id="rId37"/>
-    <p:sldId id="289" r:id="rId38"/>
-    <p:sldId id="270" r:id="rId39"/>
-    <p:sldId id="271" r:id="rId40"/>
-    <p:sldId id="280" r:id="rId41"/>
-    <p:sldId id="301" r:id="rId42"/>
-    <p:sldId id="300" r:id="rId43"/>
-    <p:sldId id="299" r:id="rId44"/>
-    <p:sldId id="302" r:id="rId45"/>
-    <p:sldId id="279" r:id="rId46"/>
+    <p:sldId id="262" r:id="rId33"/>
+    <p:sldId id="269" r:id="rId34"/>
+    <p:sldId id="290" r:id="rId35"/>
+    <p:sldId id="263" r:id="rId36"/>
+    <p:sldId id="270" r:id="rId37"/>
+    <p:sldId id="271" r:id="rId38"/>
+    <p:sldId id="280" r:id="rId39"/>
+    <p:sldId id="301" r:id="rId40"/>
+    <p:sldId id="300" r:id="rId41"/>
+    <p:sldId id="299" r:id="rId42"/>
+    <p:sldId id="302" r:id="rId43"/>
+    <p:sldId id="279" r:id="rId44"/>
   </p:sldIdLst>
   <p:sldSz cx="12192000" cy="6858000"/>
   <p:notesSz cx="6858000" cy="9945688"/>
@@ -206,7 +204,6 @@
             <p14:sldId id="264"/>
             <p14:sldId id="294"/>
             <p14:sldId id="295"/>
-            <p14:sldId id="296"/>
           </p14:sldIdLst>
         </p14:section>
         <p14:section name="Transaction Log in Detail" id="{F97C7D3E-2937-4717-BEE7-E227F17655E1}">
@@ -215,7 +212,6 @@
             <p14:sldId id="269"/>
             <p14:sldId id="290"/>
             <p14:sldId id="263"/>
-            <p14:sldId id="289"/>
           </p14:sldIdLst>
         </p14:section>
         <p14:section name="Data Integrity" id="{EF350EEA-A763-4E62-907F-327D1B48D83E}">
@@ -328,7 +324,7 @@
           <a:p>
             <a:fld id="{5FFD9D80-DF2B-41F4-8D30-A09AD670954F}" type="datetimeFigureOut">
               <a:rPr lang="en-GB" smtClean="0"/>
-              <a:t>09/10/2015</a:t>
+              <a:t>26/11/2015</a:t>
             </a:fld>
             <a:endParaRPr lang="en-GB"/>
           </a:p>
@@ -493,7 +489,7 @@
           <a:p>
             <a:fld id="{2EEC8B6C-ECA7-4502-A71C-D2F93F5DB82F}" type="datetimeFigureOut">
               <a:rPr lang="en-GB" smtClean="0"/>
-              <a:t>09/10/2015</a:t>
+              <a:t>26/11/2015</a:t>
             </a:fld>
             <a:endParaRPr lang="en-GB"/>
           </a:p>
@@ -1401,7 +1397,7 @@
           <a:p>
             <a:fld id="{B8CE15B0-7A20-444B-AEAA-2A6F3DDB1305}" type="slidenum">
               <a:rPr lang="en-GB" smtClean="0"/>
-              <a:t>33</a:t>
+              <a:t>32</a:t>
             </a:fld>
             <a:endParaRPr lang="en-GB"/>
           </a:p>
@@ -1489,7 +1485,7 @@
           <a:p>
             <a:fld id="{B8CE15B0-7A20-444B-AEAA-2A6F3DDB1305}" type="slidenum">
               <a:rPr lang="en-GB" smtClean="0"/>
-              <a:t>34</a:t>
+              <a:t>33</a:t>
             </a:fld>
             <a:endParaRPr lang="en-GB"/>
           </a:p>
@@ -1737,7 +1733,7 @@
           <a:p>
             <a:fld id="{0450233C-AED0-40A2-94DD-085E6C2BAB99}" type="datetimeFigureOut">
               <a:rPr lang="en-GB" smtClean="0"/>
-              <a:t>09/10/2015</a:t>
+              <a:t>26/11/2015</a:t>
             </a:fld>
             <a:endParaRPr lang="en-GB"/>
           </a:p>
@@ -2078,7 +2074,7 @@
           <a:p>
             <a:fld id="{0450233C-AED0-40A2-94DD-085E6C2BAB99}" type="datetimeFigureOut">
               <a:rPr lang="en-GB" smtClean="0"/>
-              <a:t>09/10/2015</a:t>
+              <a:t>26/11/2015</a:t>
             </a:fld>
             <a:endParaRPr lang="en-GB"/>
           </a:p>
@@ -2356,7 +2352,7 @@
           <a:p>
             <a:fld id="{0450233C-AED0-40A2-94DD-085E6C2BAB99}" type="datetimeFigureOut">
               <a:rPr lang="en-GB" smtClean="0"/>
-              <a:t>09/10/2015</a:t>
+              <a:t>26/11/2015</a:t>
             </a:fld>
             <a:endParaRPr lang="en-GB"/>
           </a:p>
@@ -2924,7 +2920,7 @@
           <a:p>
             <a:fld id="{0450233C-AED0-40A2-94DD-085E6C2BAB99}" type="datetimeFigureOut">
               <a:rPr lang="en-GB" smtClean="0"/>
-              <a:t>09/10/2015</a:t>
+              <a:t>26/11/2015</a:t>
             </a:fld>
             <a:endParaRPr lang="en-GB"/>
           </a:p>
@@ -3202,7 +3198,7 @@
           <a:p>
             <a:fld id="{0450233C-AED0-40A2-94DD-085E6C2BAB99}" type="datetimeFigureOut">
               <a:rPr lang="en-GB" smtClean="0"/>
-              <a:t>09/10/2015</a:t>
+              <a:t>26/11/2015</a:t>
             </a:fld>
             <a:endParaRPr lang="en-GB"/>
           </a:p>
@@ -3764,7 +3760,7 @@
           <a:p>
             <a:fld id="{0450233C-AED0-40A2-94DD-085E6C2BAB99}" type="datetimeFigureOut">
               <a:rPr lang="en-GB" smtClean="0"/>
-              <a:t>09/10/2015</a:t>
+              <a:t>26/11/2015</a:t>
             </a:fld>
             <a:endParaRPr lang="en-GB"/>
           </a:p>
@@ -4091,7 +4087,7 @@
           <a:p>
             <a:fld id="{0450233C-AED0-40A2-94DD-085E6C2BAB99}" type="datetimeFigureOut">
               <a:rPr lang="en-GB" smtClean="0"/>
-              <a:t>09/10/2015</a:t>
+              <a:t>26/11/2015</a:t>
             </a:fld>
             <a:endParaRPr lang="en-GB"/>
           </a:p>
@@ -4268,7 +4264,7 @@
           <a:p>
             <a:fld id="{0450233C-AED0-40A2-94DD-085E6C2BAB99}" type="datetimeFigureOut">
               <a:rPr lang="en-GB" smtClean="0"/>
-              <a:t>09/10/2015</a:t>
+              <a:t>26/11/2015</a:t>
             </a:fld>
             <a:endParaRPr lang="en-GB"/>
           </a:p>
@@ -4506,7 +4502,7 @@
           <a:p>
             <a:fld id="{0450233C-AED0-40A2-94DD-085E6C2BAB99}" type="datetimeFigureOut">
               <a:rPr lang="en-GB" smtClean="0"/>
-              <a:t>09/10/2015</a:t>
+              <a:t>26/11/2015</a:t>
             </a:fld>
             <a:endParaRPr lang="en-GB"/>
           </a:p>
@@ -4706,7 +4702,7 @@
           <a:p>
             <a:fld id="{0450233C-AED0-40A2-94DD-085E6C2BAB99}" type="datetimeFigureOut">
               <a:rPr lang="en-GB" smtClean="0"/>
-              <a:t>09/10/2015</a:t>
+              <a:t>26/11/2015</a:t>
             </a:fld>
             <a:endParaRPr lang="en-GB"/>
           </a:p>
@@ -4969,7 +4965,6 @@
               <a:rPr lang="en-US" dirty="0" smtClean="0"/>
               <a:t>Edit master text styles</a:t>
             </a:r>
-            <a:endParaRPr lang="en-US" dirty="0" smtClean="0"/>
           </a:p>
         </p:txBody>
       </p:sp>
@@ -4990,7 +4985,7 @@
           <a:p>
             <a:fld id="{0450233C-AED0-40A2-94DD-085E6C2BAB99}" type="datetimeFigureOut">
               <a:rPr lang="en-GB" smtClean="0"/>
-              <a:t>09/10/2015</a:t>
+              <a:t>26/11/2015</a:t>
             </a:fld>
             <a:endParaRPr lang="en-GB"/>
           </a:p>
@@ -5263,7 +5258,7 @@
           <a:p>
             <a:fld id="{0450233C-AED0-40A2-94DD-085E6C2BAB99}" type="datetimeFigureOut">
               <a:rPr lang="en-GB" smtClean="0"/>
-              <a:t>09/10/2015</a:t>
+              <a:t>26/11/2015</a:t>
             </a:fld>
             <a:endParaRPr lang="en-GB"/>
           </a:p>
@@ -5637,7 +5632,7 @@
           <a:p>
             <a:fld id="{0450233C-AED0-40A2-94DD-085E6C2BAB99}" type="datetimeFigureOut">
               <a:rPr lang="en-GB" smtClean="0"/>
-              <a:t>09/10/2015</a:t>
+              <a:t>26/11/2015</a:t>
             </a:fld>
             <a:endParaRPr lang="en-GB"/>
           </a:p>
@@ -5792,7 +5787,7 @@
           <a:p>
             <a:fld id="{0450233C-AED0-40A2-94DD-085E6C2BAB99}" type="datetimeFigureOut">
               <a:rPr lang="en-GB" smtClean="0"/>
-              <a:t>09/10/2015</a:t>
+              <a:t>26/11/2015</a:t>
             </a:fld>
             <a:endParaRPr lang="en-GB"/>
           </a:p>
@@ -5917,7 +5912,7 @@
           <a:p>
             <a:fld id="{0450233C-AED0-40A2-94DD-085E6C2BAB99}" type="datetimeFigureOut">
               <a:rPr lang="en-GB" smtClean="0"/>
-              <a:t>09/10/2015</a:t>
+              <a:t>26/11/2015</a:t>
             </a:fld>
             <a:endParaRPr lang="en-GB"/>
           </a:p>
@@ -6202,7 +6197,7 @@
           <a:p>
             <a:fld id="{0450233C-AED0-40A2-94DD-085E6C2BAB99}" type="datetimeFigureOut">
               <a:rPr lang="en-GB" smtClean="0"/>
-              <a:t>09/10/2015</a:t>
+              <a:t>26/11/2015</a:t>
             </a:fld>
             <a:endParaRPr lang="en-GB"/>
           </a:p>
@@ -6526,7 +6521,7 @@
           <a:p>
             <a:fld id="{0450233C-AED0-40A2-94DD-085E6C2BAB99}" type="datetimeFigureOut">
               <a:rPr lang="en-GB" smtClean="0"/>
-              <a:t>09/10/2015</a:t>
+              <a:t>26/11/2015</a:t>
             </a:fld>
             <a:endParaRPr lang="en-GB"/>
           </a:p>
@@ -6740,7 +6735,7 @@
           <a:p>
             <a:fld id="{0450233C-AED0-40A2-94DD-085E6C2BAB99}" type="datetimeFigureOut">
               <a:rPr lang="en-GB" smtClean="0"/>
-              <a:t>09/10/2015</a:t>
+              <a:t>26/11/2015</a:t>
             </a:fld>
             <a:endParaRPr lang="en-GB"/>
           </a:p>
@@ -18797,7 +18792,7 @@
             </a:r>
             <a:r>
               <a:rPr lang="en-GB" dirty="0" err="1" smtClean="0"/>
-              <a:t>fn_db_log</a:t>
+              <a:t>fn_dblog</a:t>
             </a:r>
             <a:endParaRPr lang="en-GB" dirty="0"/>
           </a:p>
@@ -18924,6 +18919,13 @@
   <p:clrMapOvr>
     <a:masterClrMapping/>
   </p:clrMapOvr>
+  <p:timing>
+    <p:tnLst>
+      <p:par>
+        <p:cTn id="1" dur="indefinite" restart="never" nodeType="tmRoot"/>
+      </p:par>
+    </p:tnLst>
+  </p:timing>
 </p:sld>
 </file>
 
@@ -19107,6 +19109,10 @@
           <a:bodyPr/>
           <a:lstStyle/>
           <a:p>
+            <a:r>
+              <a:rPr lang="en-US" dirty="0" smtClean="0"/>
+              <a:t>Demo1 – Transactions and logging</a:t>
+            </a:r>
             <a:endParaRPr lang="en-GB" dirty="0"/>
           </a:p>
         </p:txBody>
@@ -20276,7 +20282,7 @@
         <p:spPr/>
         <p:txBody>
           <a:bodyPr>
-            <a:normAutofit fontScale="92500" lnSpcReduction="20000"/>
+            <a:normAutofit fontScale="92500" lnSpcReduction="10000"/>
           </a:bodyPr>
           <a:lstStyle/>
           <a:p>
@@ -20569,6 +20575,13 @@
   <p:clrMapOvr>
     <a:masterClrMapping/>
   </p:clrMapOvr>
+  <p:timing>
+    <p:tnLst>
+      <p:par>
+        <p:cTn id="1" dur="indefinite" restart="never" nodeType="tmRoot"/>
+      </p:par>
+    </p:tnLst>
+  </p:timing>
 </p:sld>
 </file>
 
@@ -20626,12 +20639,6 @@
         <p:txBody>
           <a:bodyPr/>
           <a:lstStyle/>
-          <a:p>
-            <a:r>
-              <a:rPr lang="en-GB" dirty="0" smtClean="0"/>
-              <a:t>Recovery from Dirty Pages</a:t>
-            </a:r>
-          </a:p>
           <a:p>
             <a:r>
               <a:rPr lang="en-GB" dirty="0" smtClean="0"/>
@@ -20833,7 +20840,7 @@
           <a:p>
             <a:r>
               <a:rPr lang="en-GB" dirty="0" smtClean="0"/>
-              <a:t>Demo</a:t>
+              <a:t>Log Structure</a:t>
             </a:r>
             <a:endParaRPr lang="en-GB" dirty="0"/>
           </a:p>
@@ -20855,17 +20862,80 @@
           <a:lstStyle/>
           <a:p>
             <a:r>
-              <a:rPr lang="en-GB" dirty="0" smtClean="0"/>
-              <a:t>Restore from snapshot</a:t>
+              <a:rPr lang="en-GB" sz="2400" dirty="0" smtClean="0"/>
+              <a:t>Contains multiple Virtual Log Files (VLF’s)</a:t>
+            </a:r>
+          </a:p>
+          <a:p>
+            <a:pPr lvl="1"/>
+            <a:r>
+              <a:rPr lang="en-GB" sz="2000" dirty="0" smtClean="0"/>
+              <a:t>These vary in size and number</a:t>
+            </a:r>
+          </a:p>
+          <a:p>
+            <a:r>
+              <a:rPr lang="en-GB" sz="2400" dirty="0" smtClean="0"/>
+              <a:t>Writing to the VLF is always sequential for performance</a:t>
+            </a:r>
+          </a:p>
+          <a:p>
+            <a:r>
+              <a:rPr lang="en-GB" sz="2400" dirty="0" smtClean="0"/>
+              <a:t>At the end of the last VLF it loops back to the first </a:t>
+            </a:r>
+            <a:r>
+              <a:rPr lang="en-GB" sz="2400" i="1" dirty="0" smtClean="0"/>
+              <a:t>available</a:t>
+            </a:r>
+            <a:r>
+              <a:rPr lang="en-GB" sz="2400" dirty="0" smtClean="0"/>
+              <a:t> VLF</a:t>
+            </a:r>
+          </a:p>
+          <a:p>
+            <a:r>
+              <a:rPr lang="en-GB" sz="2400" dirty="0" smtClean="0"/>
+              <a:t>Any VLF post the last checkpoint is considered the active portion</a:t>
             </a:r>
             <a:endParaRPr lang="en-GB" dirty="0"/>
           </a:p>
         </p:txBody>
       </p:sp>
+      <p:pic>
+        <p:nvPicPr>
+          <p:cNvPr id="5" name="Picture 4"/>
+          <p:cNvPicPr>
+            <a:picLocks noChangeAspect="1"/>
+          </p:cNvPicPr>
+          <p:nvPr/>
+        </p:nvPicPr>
+        <p:blipFill>
+          <a:blip r:embed="rId3">
+            <a:extLst>
+              <a:ext uri="{28A0092B-C50C-407E-A947-70E740481C1C}">
+                <a14:useLocalDpi xmlns:a14="http://schemas.microsoft.com/office/drawing/2010/main" val="0"/>
+              </a:ext>
+            </a:extLst>
+          </a:blip>
+          <a:stretch>
+            <a:fillRect/>
+          </a:stretch>
+        </p:blipFill>
+        <p:spPr>
+          <a:xfrm>
+            <a:off x="2865862" y="3945537"/>
+            <a:ext cx="6458773" cy="2589077"/>
+          </a:xfrm>
+          <a:prstGeom prst="rect">
+            <a:avLst/>
+          </a:prstGeom>
+        </p:spPr>
+      </p:pic>
     </p:spTree>
     <p:extLst>
       <p:ext uri="{BB962C8B-B14F-4D97-AF65-F5344CB8AC3E}">
-        <p14:creationId xmlns:p14="http://schemas.microsoft.com/office/powerpoint/2010/main" val="2109333129"/>
+        <p14:creationId xmlns:p14="http://schemas.microsoft.com/office/powerpoint/2010/main" val="1351709629"/>
       </p:ext>
     </p:extLst>
   </p:cSld>
@@ -20916,152 +20986,6 @@
           <a:p>
             <a:r>
               <a:rPr lang="en-GB" dirty="0" smtClean="0"/>
-              <a:t>Log Structure</a:t>
-            </a:r>
-            <a:endParaRPr lang="en-GB" dirty="0"/>
-          </a:p>
-        </p:txBody>
-      </p:sp>
-      <p:sp>
-        <p:nvSpPr>
-          <p:cNvPr id="3" name="Content Placeholder 2"/>
-          <p:cNvSpPr>
-            <a:spLocks noGrp="1"/>
-          </p:cNvSpPr>
-          <p:nvPr>
-            <p:ph idx="1"/>
-          </p:nvPr>
-        </p:nvSpPr>
-        <p:spPr/>
-        <p:txBody>
-          <a:bodyPr/>
-          <a:lstStyle/>
-          <a:p>
-            <a:r>
-              <a:rPr lang="en-GB" sz="2400" dirty="0" smtClean="0"/>
-              <a:t>Contains multiple Virtual Log Files (VLF’s)</a:t>
-            </a:r>
-          </a:p>
-          <a:p>
-            <a:pPr lvl="1"/>
-            <a:r>
-              <a:rPr lang="en-GB" sz="2000" dirty="0" smtClean="0"/>
-              <a:t>These vary in size and number</a:t>
-            </a:r>
-          </a:p>
-          <a:p>
-            <a:r>
-              <a:rPr lang="en-GB" sz="2400" dirty="0" smtClean="0"/>
-              <a:t>Writing to the VLF is always sequential for performance</a:t>
-            </a:r>
-          </a:p>
-          <a:p>
-            <a:r>
-              <a:rPr lang="en-GB" sz="2400" dirty="0" smtClean="0"/>
-              <a:t>At the end of the last VLF it loops back to the first </a:t>
-            </a:r>
-            <a:r>
-              <a:rPr lang="en-GB" sz="2400" i="1" dirty="0" smtClean="0"/>
-              <a:t>available</a:t>
-            </a:r>
-            <a:r>
-              <a:rPr lang="en-GB" sz="2400" dirty="0" smtClean="0"/>
-              <a:t> VLF</a:t>
-            </a:r>
-          </a:p>
-          <a:p>
-            <a:r>
-              <a:rPr lang="en-GB" sz="2400" dirty="0" smtClean="0"/>
-              <a:t>Any VLF post the last checkpoint is considered the active portion</a:t>
-            </a:r>
-            <a:endParaRPr lang="en-GB" dirty="0"/>
-          </a:p>
-        </p:txBody>
-      </p:sp>
-      <p:pic>
-        <p:nvPicPr>
-          <p:cNvPr id="5" name="Picture 4"/>
-          <p:cNvPicPr>
-            <a:picLocks noChangeAspect="1"/>
-          </p:cNvPicPr>
-          <p:nvPr/>
-        </p:nvPicPr>
-        <p:blipFill>
-          <a:blip r:embed="rId3">
-            <a:extLst>
-              <a:ext uri="{28A0092B-C50C-407E-A947-70E740481C1C}">
-                <a14:useLocalDpi xmlns:a14="http://schemas.microsoft.com/office/drawing/2010/main" val="0"/>
-              </a:ext>
-            </a:extLst>
-          </a:blip>
-          <a:stretch>
-            <a:fillRect/>
-          </a:stretch>
-        </p:blipFill>
-        <p:spPr>
-          <a:xfrm>
-            <a:off x="2865862" y="3945537"/>
-            <a:ext cx="6458773" cy="2589077"/>
-          </a:xfrm>
-          <a:prstGeom prst="rect">
-            <a:avLst/>
-          </a:prstGeom>
-        </p:spPr>
-      </p:pic>
-    </p:spTree>
-    <p:extLst>
-      <p:ext uri="{BB962C8B-B14F-4D97-AF65-F5344CB8AC3E}">
-        <p14:creationId xmlns:p14="http://schemas.microsoft.com/office/powerpoint/2010/main" val="1351709629"/>
-      </p:ext>
-    </p:extLst>
-  </p:cSld>
-  <p:clrMapOvr>
-    <a:masterClrMapping/>
-  </p:clrMapOvr>
-  <p:timing>
-    <p:tnLst>
-      <p:par>
-        <p:cTn id="1" dur="indefinite" restart="never" nodeType="tmRoot"/>
-      </p:par>
-    </p:tnLst>
-  </p:timing>
-</p:sld>
-</file>
-
-<file path=ppt/slides/slide34.xml><?xml version="1.0" encoding="utf-8"?>
-<p:sld xmlns:a="http://schemas.openxmlformats.org/drawingml/2006/main" xmlns:r="http://schemas.openxmlformats.org/officeDocument/2006/relationships" xmlns:p="http://schemas.openxmlformats.org/presentationml/2006/main">
-  <p:cSld>
-    <p:spTree>
-      <p:nvGrpSpPr>
-        <p:cNvPr id="1" name=""/>
-        <p:cNvGrpSpPr/>
-        <p:nvPr/>
-      </p:nvGrpSpPr>
-      <p:grpSpPr>
-        <a:xfrm>
-          <a:off x="0" y="0"/>
-          <a:ext cx="0" cy="0"/>
-          <a:chOff x="0" y="0"/>
-          <a:chExt cx="0" cy="0"/>
-        </a:xfrm>
-      </p:grpSpPr>
-      <p:sp>
-        <p:nvSpPr>
-          <p:cNvPr id="2" name="Title 1"/>
-          <p:cNvSpPr>
-            <a:spLocks noGrp="1"/>
-          </p:cNvSpPr>
-          <p:nvPr>
-            <p:ph type="title"/>
-          </p:nvPr>
-        </p:nvSpPr>
-        <p:spPr/>
-        <p:txBody>
-          <a:bodyPr/>
-          <a:lstStyle/>
-          <a:p>
-            <a:r>
-              <a:rPr lang="en-GB" dirty="0" smtClean="0"/>
               <a:t>Demo</a:t>
             </a:r>
             <a:endParaRPr lang="en-GB" dirty="0"/>
@@ -21107,7 +21031,7 @@
 </p:sld>
 </file>
 
-<file path=ppt/slides/slide35.xml><?xml version="1.0" encoding="utf-8"?>
+<file path=ppt/slides/slide34.xml><?xml version="1.0" encoding="utf-8"?>
 <p:sld xmlns:a="http://schemas.openxmlformats.org/drawingml/2006/main" xmlns:r="http://schemas.openxmlformats.org/officeDocument/2006/relationships" xmlns:p="http://schemas.openxmlformats.org/presentationml/2006/main">
   <p:cSld>
     <p:spTree>
@@ -21297,6 +21221,151 @@
 </p:sld>
 </file>
 
+<file path=ppt/slides/slide35.xml><?xml version="1.0" encoding="utf-8"?>
+<p:sld xmlns:a="http://schemas.openxmlformats.org/drawingml/2006/main" xmlns:r="http://schemas.openxmlformats.org/officeDocument/2006/relationships" xmlns:p="http://schemas.openxmlformats.org/presentationml/2006/main">
+  <p:cSld>
+    <p:spTree>
+      <p:nvGrpSpPr>
+        <p:cNvPr id="1" name=""/>
+        <p:cNvGrpSpPr/>
+        <p:nvPr/>
+      </p:nvGrpSpPr>
+      <p:grpSpPr>
+        <a:xfrm>
+          <a:off x="0" y="0"/>
+          <a:ext cx="0" cy="0"/>
+          <a:chOff x="0" y="0"/>
+          <a:chExt cx="0" cy="0"/>
+        </a:xfrm>
+      </p:grpSpPr>
+      <p:sp>
+        <p:nvSpPr>
+          <p:cNvPr id="2" name="Title 1"/>
+          <p:cNvSpPr>
+            <a:spLocks noGrp="1"/>
+          </p:cNvSpPr>
+          <p:nvPr>
+            <p:ph type="title"/>
+          </p:nvPr>
+        </p:nvSpPr>
+        <p:spPr/>
+        <p:txBody>
+          <a:bodyPr/>
+          <a:lstStyle/>
+          <a:p>
+            <a:r>
+              <a:rPr lang="en-GB" dirty="0" smtClean="0"/>
+              <a:t>Clearing the Log</a:t>
+            </a:r>
+            <a:endParaRPr lang="en-GB" dirty="0"/>
+          </a:p>
+        </p:txBody>
+      </p:sp>
+      <p:sp>
+        <p:nvSpPr>
+          <p:cNvPr id="3" name="Content Placeholder 2"/>
+          <p:cNvSpPr>
+            <a:spLocks noGrp="1"/>
+          </p:cNvSpPr>
+          <p:nvPr>
+            <p:ph idx="1"/>
+          </p:nvPr>
+        </p:nvSpPr>
+        <p:spPr/>
+        <p:txBody>
+          <a:bodyPr/>
+          <a:lstStyle/>
+          <a:p>
+            <a:r>
+              <a:rPr lang="en-GB" dirty="0" smtClean="0"/>
+              <a:t>Cleared by a backup</a:t>
+            </a:r>
+          </a:p>
+          <a:p>
+            <a:r>
+              <a:rPr lang="en-GB" dirty="0" smtClean="0"/>
+              <a:t>Features that block log truncation</a:t>
+            </a:r>
+          </a:p>
+          <a:p>
+            <a:pPr lvl="1"/>
+            <a:r>
+              <a:rPr lang="en-GB" dirty="0" smtClean="0"/>
+              <a:t>Replication</a:t>
+            </a:r>
+          </a:p>
+          <a:p>
+            <a:pPr lvl="1"/>
+            <a:r>
+              <a:rPr lang="en-GB" dirty="0" smtClean="0"/>
+              <a:t>Mirroring</a:t>
+            </a:r>
+          </a:p>
+          <a:p>
+            <a:pPr lvl="1"/>
+            <a:r>
+              <a:rPr lang="en-GB" dirty="0" smtClean="0"/>
+              <a:t>CDC</a:t>
+            </a:r>
+          </a:p>
+          <a:p>
+            <a:pPr lvl="1"/>
+            <a:r>
+              <a:rPr lang="en-GB" dirty="0" smtClean="0"/>
+              <a:t>Open Transactions</a:t>
+            </a:r>
+          </a:p>
+          <a:p>
+            <a:pPr lvl="1"/>
+            <a:r>
+              <a:rPr lang="en-GB" dirty="0" smtClean="0"/>
+              <a:t>Backups</a:t>
+            </a:r>
+          </a:p>
+          <a:p>
+            <a:r>
+              <a:rPr lang="en-GB" dirty="0" smtClean="0"/>
+              <a:t>See </a:t>
+            </a:r>
+            <a:r>
+              <a:rPr lang="en-GB" dirty="0" err="1" smtClean="0"/>
+              <a:t>sys.databases</a:t>
+            </a:r>
+            <a:r>
+              <a:rPr lang="en-GB" dirty="0" smtClean="0"/>
+              <a:t> </a:t>
+            </a:r>
+            <a:r>
+              <a:rPr lang="en-GB" dirty="0" err="1"/>
+              <a:t>log_reuse_wait_desc</a:t>
+            </a:r>
+            <a:endParaRPr lang="en-GB" dirty="0"/>
+          </a:p>
+          <a:p>
+            <a:endParaRPr lang="en-GB" dirty="0"/>
+          </a:p>
+        </p:txBody>
+      </p:sp>
+    </p:spTree>
+    <p:extLst>
+      <p:ext uri="{BB962C8B-B14F-4D97-AF65-F5344CB8AC3E}">
+        <p14:creationId xmlns:p14="http://schemas.microsoft.com/office/powerpoint/2010/main" val="2328418263"/>
+      </p:ext>
+    </p:extLst>
+  </p:cSld>
+  <p:clrMapOvr>
+    <a:masterClrMapping/>
+  </p:clrMapOvr>
+  <p:timing>
+    <p:tnLst>
+      <p:par>
+        <p:cTn id="1" dur="indefinite" restart="never" nodeType="tmRoot"/>
+      </p:par>
+    </p:tnLst>
+  </p:timing>
+</p:sld>
+</file>
+
 <file path=ppt/slides/slide36.xml><?xml version="1.0" encoding="utf-8"?>
 <p:sld xmlns:a="http://schemas.openxmlformats.org/drawingml/2006/main" xmlns:r="http://schemas.openxmlformats.org/officeDocument/2006/relationships" xmlns:p="http://schemas.openxmlformats.org/presentationml/2006/main">
   <p:cSld>
@@ -21331,7 +21400,7 @@
           <a:p>
             <a:r>
               <a:rPr lang="en-GB" dirty="0" smtClean="0"/>
-              <a:t>Clearing the Log</a:t>
+              <a:t>Data Integrity</a:t>
             </a:r>
             <a:endParaRPr lang="en-GB" dirty="0"/>
           </a:p>
@@ -21349,75 +21418,88 @@
         </p:nvSpPr>
         <p:spPr/>
         <p:txBody>
-          <a:bodyPr/>
-          <a:lstStyle/>
-          <a:p>
-            <a:r>
-              <a:rPr lang="en-GB" dirty="0" smtClean="0"/>
-              <a:t>Cleared by a backup</a:t>
-            </a:r>
-          </a:p>
-          <a:p>
-            <a:r>
-              <a:rPr lang="en-GB" dirty="0" smtClean="0"/>
-              <a:t>Features that block log truncation</a:t>
+          <a:bodyPr>
+            <a:normAutofit fontScale="85000" lnSpcReduction="20000"/>
+          </a:bodyPr>
+          <a:lstStyle/>
+          <a:p>
+            <a:r>
+              <a:rPr lang="en-GB" dirty="0" smtClean="0"/>
+              <a:t>Page Verification</a:t>
             </a:r>
           </a:p>
           <a:p>
             <a:pPr lvl="1"/>
             <a:r>
               <a:rPr lang="en-GB" dirty="0" smtClean="0"/>
-              <a:t>Replication</a:t>
+              <a:t>None</a:t>
+            </a:r>
+          </a:p>
+          <a:p>
+            <a:pPr lvl="2"/>
+            <a:r>
+              <a:rPr lang="en-GB" dirty="0" smtClean="0"/>
+              <a:t>Pages are trusted to be valid, totally corrupt pages still cannot be read </a:t>
             </a:r>
           </a:p>
           <a:p>
             <a:pPr lvl="1"/>
             <a:r>
               <a:rPr lang="en-GB" dirty="0" smtClean="0"/>
-              <a:t>Mirroring</a:t>
+              <a:t>Torn Page</a:t>
+            </a:r>
+          </a:p>
+          <a:p>
+            <a:pPr lvl="2"/>
+            <a:r>
+              <a:rPr lang="en-GB" dirty="0" smtClean="0"/>
+              <a:t>Places a bit marker every 512 bytes to show page was fully written</a:t>
             </a:r>
           </a:p>
           <a:p>
             <a:pPr lvl="1"/>
             <a:r>
               <a:rPr lang="en-GB" dirty="0" smtClean="0"/>
-              <a:t>CDC</a:t>
+              <a:t>Checksum (default 2005+)</a:t>
+            </a:r>
+          </a:p>
+          <a:p>
+            <a:pPr lvl="2"/>
+            <a:r>
+              <a:rPr lang="en-GB" dirty="0" smtClean="0"/>
+              <a:t>Creates a checksum of the data and writes to header</a:t>
+            </a:r>
+          </a:p>
+          <a:p>
+            <a:pPr lvl="2"/>
+            <a:r>
+              <a:rPr lang="en-GB" dirty="0" smtClean="0"/>
+              <a:t>On read the checksum is verified</a:t>
+            </a:r>
+          </a:p>
+          <a:p>
+            <a:r>
+              <a:rPr lang="en-GB" dirty="0" smtClean="0"/>
+              <a:t>When changing to checksum existing pages will not have a checksum</a:t>
             </a:r>
           </a:p>
           <a:p>
             <a:pPr lvl="1"/>
             <a:r>
               <a:rPr lang="en-GB" dirty="0" smtClean="0"/>
-              <a:t>Open Transactions</a:t>
+              <a:t>It will resort to torn page checking if it existed</a:t>
             </a:r>
           </a:p>
           <a:p>
             <a:pPr lvl="1"/>
             <a:r>
               <a:rPr lang="en-GB" dirty="0" smtClean="0"/>
-              <a:t>Backups</a:t>
-            </a:r>
-          </a:p>
-          <a:p>
-            <a:r>
-              <a:rPr lang="en-GB" dirty="0" smtClean="0"/>
-              <a:t>See </a:t>
+              <a:t>Fix by </a:t>
             </a:r>
             <a:r>
               <a:rPr lang="en-GB" dirty="0" err="1" smtClean="0"/>
-              <a:t>sys.databases</a:t>
-            </a:r>
-            <a:r>
-              <a:rPr lang="en-GB" dirty="0" smtClean="0"/>
-              <a:t> </a:t>
-            </a:r>
-            <a:r>
-              <a:rPr lang="en-GB" dirty="0" err="1"/>
-              <a:t>log_reuse_wait_desc</a:t>
-            </a:r>
-            <a:endParaRPr lang="en-GB" dirty="0"/>
-          </a:p>
-          <a:p>
+              <a:t>reindexing</a:t>
+            </a:r>
             <a:endParaRPr lang="en-GB" dirty="0"/>
           </a:p>
         </p:txBody>
@@ -21425,7 +21507,7 @@
     </p:spTree>
     <p:extLst>
       <p:ext uri="{BB962C8B-B14F-4D97-AF65-F5344CB8AC3E}">
-        <p14:creationId xmlns:p14="http://schemas.microsoft.com/office/powerpoint/2010/main" val="2328418263"/>
+        <p14:creationId xmlns:p14="http://schemas.microsoft.com/office/powerpoint/2010/main" val="4283491392"/>
       </p:ext>
     </p:extLst>
   </p:cSld>
@@ -21497,14 +21579,18 @@
           <a:bodyPr/>
           <a:lstStyle/>
           <a:p>
-            <a:endParaRPr lang="en-GB"/>
+            <a:r>
+              <a:rPr lang="en-US" dirty="0" smtClean="0"/>
+              <a:t>Page Verification</a:t>
+            </a:r>
+            <a:endParaRPr lang="en-GB" dirty="0"/>
           </a:p>
         </p:txBody>
       </p:sp>
     </p:spTree>
     <p:extLst>
       <p:ext uri="{BB962C8B-B14F-4D97-AF65-F5344CB8AC3E}">
-        <p14:creationId xmlns:p14="http://schemas.microsoft.com/office/powerpoint/2010/main" val="2600842675"/>
+        <p14:creationId xmlns:p14="http://schemas.microsoft.com/office/powerpoint/2010/main" val="2685275328"/>
       </p:ext>
     </p:extLst>
   </p:cSld>
@@ -21555,7 +21641,7 @@
           <a:p>
             <a:r>
               <a:rPr lang="en-GB" dirty="0" smtClean="0"/>
-              <a:t>Data Integrity</a:t>
+              <a:t>Impact on writes</a:t>
             </a:r>
             <a:endParaRPr lang="en-GB" dirty="0"/>
           </a:p>
@@ -21574,95 +21660,57 @@
         <p:spPr/>
         <p:txBody>
           <a:bodyPr>
-            <a:normAutofit fontScale="77500" lnSpcReduction="20000"/>
+            <a:normAutofit/>
           </a:bodyPr>
           <a:lstStyle/>
           <a:p>
             <a:r>
-              <a:rPr lang="en-GB" dirty="0" smtClean="0"/>
-              <a:t>Page Verification</a:t>
-            </a:r>
-          </a:p>
-          <a:p>
-            <a:pPr lvl="1"/>
-            <a:r>
-              <a:rPr lang="en-GB" dirty="0" smtClean="0"/>
-              <a:t>None</a:t>
-            </a:r>
-          </a:p>
-          <a:p>
-            <a:pPr lvl="2"/>
-            <a:r>
-              <a:rPr lang="en-GB" dirty="0" smtClean="0"/>
-              <a:t>Pages are trusted to be valid, totally corrupt pages still cannot be read </a:t>
-            </a:r>
-          </a:p>
-          <a:p>
-            <a:pPr lvl="1"/>
-            <a:r>
-              <a:rPr lang="en-GB" dirty="0" smtClean="0"/>
-              <a:t>Torn Page</a:t>
-            </a:r>
-          </a:p>
-          <a:p>
-            <a:pPr lvl="2"/>
-            <a:r>
-              <a:rPr lang="en-GB" dirty="0" smtClean="0"/>
-              <a:t>Places a bit marker every 512 bytes to show page was fully written</a:t>
-            </a:r>
-          </a:p>
-          <a:p>
-            <a:pPr lvl="1"/>
-            <a:r>
-              <a:rPr lang="en-GB" dirty="0" smtClean="0"/>
-              <a:t>Checksum (default 2005+)</a:t>
-            </a:r>
-          </a:p>
-          <a:p>
-            <a:pPr lvl="2"/>
-            <a:r>
-              <a:rPr lang="en-GB" dirty="0" smtClean="0"/>
-              <a:t>Creates a checksum of the data and writes to header</a:t>
-            </a:r>
-          </a:p>
-          <a:p>
-            <a:pPr lvl="2"/>
-            <a:r>
-              <a:rPr lang="en-GB" dirty="0" smtClean="0"/>
-              <a:t>On read the checksum is verified</a:t>
-            </a:r>
-          </a:p>
-          <a:p>
-            <a:r>
-              <a:rPr lang="en-GB" dirty="0" smtClean="0"/>
-              <a:t>When changing to checksum existing pages will not have a checksum</a:t>
-            </a:r>
-          </a:p>
-          <a:p>
-            <a:pPr lvl="1"/>
-            <a:r>
-              <a:rPr lang="en-GB" dirty="0" smtClean="0"/>
-              <a:t>It will resort to torn page checking if it existed</a:t>
-            </a:r>
-          </a:p>
-          <a:p>
-            <a:pPr lvl="1"/>
-            <a:r>
-              <a:rPr lang="en-GB" dirty="0" smtClean="0"/>
-              <a:t>Fix by </a:t>
-            </a:r>
-            <a:r>
-              <a:rPr lang="en-GB" dirty="0" err="1" smtClean="0"/>
-              <a:t>reindexing</a:t>
-            </a:r>
-            <a:endParaRPr lang="en-GB" dirty="0"/>
+              <a:rPr lang="en-GB" sz="2200" dirty="0" smtClean="0"/>
+              <a:t>Log performance is critical</a:t>
+            </a:r>
+          </a:p>
+          <a:p>
+            <a:r>
+              <a:rPr lang="en-GB" sz="2200" dirty="0" smtClean="0"/>
+              <a:t>One transaction log per database</a:t>
+            </a:r>
+          </a:p>
+          <a:p>
+            <a:r>
+              <a:rPr lang="en-GB" sz="2200" dirty="0" smtClean="0"/>
+              <a:t>More databases = more throughput (if storage can cope)</a:t>
+            </a:r>
+          </a:p>
+          <a:p>
+            <a:r>
+              <a:rPr lang="en-GB" sz="2200" dirty="0" smtClean="0"/>
+              <a:t>Memory doesn’t help</a:t>
+            </a:r>
+          </a:p>
+          <a:p>
+            <a:r>
+              <a:rPr lang="en-GB" sz="2200" dirty="0" smtClean="0"/>
+              <a:t>Its all about IO</a:t>
+            </a:r>
+          </a:p>
+          <a:p>
+            <a:endParaRPr lang="en-GB" sz="1800" dirty="0" smtClean="0"/>
+          </a:p>
+          <a:p>
+            <a:pPr marL="0" indent="0">
+              <a:buNone/>
+            </a:pPr>
+            <a:endParaRPr lang="en-GB" sz="2200" dirty="0" smtClean="0"/>
+          </a:p>
+          <a:p>
+            <a:endParaRPr lang="en-GB" sz="2200" dirty="0"/>
           </a:p>
         </p:txBody>
       </p:sp>
     </p:spTree>
     <p:extLst>
       <p:ext uri="{BB962C8B-B14F-4D97-AF65-F5344CB8AC3E}">
-        <p14:creationId xmlns:p14="http://schemas.microsoft.com/office/powerpoint/2010/main" val="4283491392"/>
+        <p14:creationId xmlns:p14="http://schemas.microsoft.com/office/powerpoint/2010/main" val="2315686994"/>
       </p:ext>
     </p:extLst>
   </p:cSld>
@@ -21713,7 +21761,7 @@
           <a:p>
             <a:r>
               <a:rPr lang="en-GB" dirty="0" smtClean="0"/>
-              <a:t>Demo</a:t>
+              <a:t>Table size impact</a:t>
             </a:r>
             <a:endParaRPr lang="en-GB" dirty="0"/>
           </a:p>
@@ -21734,14 +21782,56 @@
           <a:bodyPr/>
           <a:lstStyle/>
           <a:p>
-            <a:endParaRPr lang="en-GB"/>
+            <a:r>
+              <a:rPr lang="en-GB" dirty="0" smtClean="0"/>
+              <a:t>Large data types = more IO</a:t>
+            </a:r>
+          </a:p>
+          <a:p>
+            <a:r>
+              <a:rPr lang="en-GB" dirty="0" smtClean="0"/>
+              <a:t>More columns = more IO</a:t>
+            </a:r>
+          </a:p>
+          <a:p>
+            <a:r>
+              <a:rPr lang="en-GB" dirty="0" smtClean="0"/>
+              <a:t>Variable length columns = page splits = more IO</a:t>
+            </a:r>
+          </a:p>
+          <a:p>
+            <a:r>
+              <a:rPr lang="en-GB" dirty="0" smtClean="0"/>
+              <a:t>More columns =&gt; more indexes =&gt; more IO</a:t>
+            </a:r>
+          </a:p>
+          <a:p>
+            <a:r>
+              <a:rPr lang="en-GB" dirty="0" smtClean="0"/>
+              <a:t>Updates are expensive</a:t>
+            </a:r>
+          </a:p>
+          <a:p>
+            <a:pPr lvl="1"/>
+            <a:r>
+              <a:rPr lang="en-GB" dirty="0" smtClean="0"/>
+              <a:t>Find the data</a:t>
+            </a:r>
+          </a:p>
+          <a:p>
+            <a:pPr lvl="1"/>
+            <a:r>
+              <a:rPr lang="en-GB" dirty="0" smtClean="0"/>
+              <a:t>Store before and after</a:t>
+            </a:r>
+            <a:endParaRPr lang="en-GB" dirty="0"/>
           </a:p>
         </p:txBody>
       </p:sp>
     </p:spTree>
     <p:extLst>
       <p:ext uri="{BB962C8B-B14F-4D97-AF65-F5344CB8AC3E}">
-        <p14:creationId xmlns:p14="http://schemas.microsoft.com/office/powerpoint/2010/main" val="2685275328"/>
+        <p14:creationId xmlns:p14="http://schemas.microsoft.com/office/powerpoint/2010/main" val="4170939829"/>
       </p:ext>
     </p:extLst>
   </p:cSld>
@@ -21827,6 +21917,13 @@
   <p:clrMapOvr>
     <a:masterClrMapping/>
   </p:clrMapOvr>
+  <p:timing>
+    <p:tnLst>
+      <p:par>
+        <p:cTn id="1" dur="indefinite" restart="never" nodeType="tmRoot"/>
+      </p:par>
+    </p:tnLst>
+  </p:timing>
 </p:sld>
 </file>
 
@@ -21864,7 +21961,7 @@
           <a:p>
             <a:r>
               <a:rPr lang="en-GB" dirty="0" smtClean="0"/>
-              <a:t>Impact on writes</a:t>
+              <a:t>Concurrency</a:t>
             </a:r>
             <a:endParaRPr lang="en-GB" dirty="0"/>
           </a:p>
@@ -21882,58 +21979,47 @@
         </p:nvSpPr>
         <p:spPr/>
         <p:txBody>
-          <a:bodyPr>
-            <a:normAutofit/>
-          </a:bodyPr>
-          <a:lstStyle/>
-          <a:p>
-            <a:r>
-              <a:rPr lang="en-GB" sz="2200" dirty="0" smtClean="0"/>
-              <a:t>Log performance is critical</a:t>
-            </a:r>
-          </a:p>
-          <a:p>
-            <a:r>
-              <a:rPr lang="en-GB" sz="2200" dirty="0" smtClean="0"/>
-              <a:t>One transaction log per database</a:t>
-            </a:r>
-          </a:p>
-          <a:p>
-            <a:r>
-              <a:rPr lang="en-GB" sz="2200" dirty="0" smtClean="0"/>
-              <a:t>More databases = more throughput (if storage can cope)</a:t>
-            </a:r>
-          </a:p>
-          <a:p>
-            <a:r>
-              <a:rPr lang="en-GB" sz="2200" dirty="0" smtClean="0"/>
-              <a:t>Memory doesn’t help</a:t>
-            </a:r>
-          </a:p>
-          <a:p>
-            <a:r>
-              <a:rPr lang="en-GB" sz="2200" dirty="0" smtClean="0"/>
-              <a:t>Its all about IO</a:t>
-            </a:r>
-          </a:p>
-          <a:p>
-            <a:endParaRPr lang="en-GB" sz="1800" dirty="0" smtClean="0"/>
+          <a:bodyPr/>
+          <a:lstStyle/>
+          <a:p>
+            <a:r>
+              <a:rPr lang="en-GB" dirty="0" smtClean="0"/>
+              <a:t>Everyone is writing to the same buffer</a:t>
+            </a:r>
+          </a:p>
+          <a:p>
+            <a:r>
+              <a:rPr lang="en-GB" dirty="0" smtClean="0"/>
+              <a:t>Transaction Log is a bottleneck</a:t>
+            </a:r>
+          </a:p>
+          <a:p>
+            <a:r>
+              <a:rPr lang="en-GB" dirty="0" smtClean="0"/>
+              <a:t>Can’t expect to have exclusive access to buffer</a:t>
+            </a:r>
+          </a:p>
+          <a:p>
+            <a:r>
+              <a:rPr lang="en-GB" dirty="0" smtClean="0"/>
+              <a:t>Transactions still good for performance</a:t>
+            </a:r>
           </a:p>
           <a:p>
             <a:pPr marL="0" indent="0">
               <a:buNone/>
             </a:pPr>
-            <a:endParaRPr lang="en-GB" sz="2200" dirty="0" smtClean="0"/>
-          </a:p>
-          <a:p>
-            <a:endParaRPr lang="en-GB" sz="2200" dirty="0"/>
+            <a:endParaRPr lang="en-GB" dirty="0" smtClean="0"/>
+          </a:p>
+          <a:p>
+            <a:endParaRPr lang="en-GB" dirty="0"/>
           </a:p>
         </p:txBody>
       </p:sp>
     </p:spTree>
     <p:extLst>
       <p:ext uri="{BB962C8B-B14F-4D97-AF65-F5344CB8AC3E}">
-        <p14:creationId xmlns:p14="http://schemas.microsoft.com/office/powerpoint/2010/main" val="2315686994"/>
+        <p14:creationId xmlns:p14="http://schemas.microsoft.com/office/powerpoint/2010/main" val="3097479017"/>
       </p:ext>
     </p:extLst>
   </p:cSld>
@@ -21984,7 +22070,7 @@
           <a:p>
             <a:r>
               <a:rPr lang="en-GB" dirty="0" smtClean="0"/>
-              <a:t>Table size impact</a:t>
+              <a:t>Impact of indexing</a:t>
             </a:r>
             <a:endParaRPr lang="en-GB" dirty="0"/>
           </a:p>
@@ -22006,47 +22092,18 @@
           <a:lstStyle/>
           <a:p>
             <a:r>
-              <a:rPr lang="en-GB" dirty="0" smtClean="0"/>
-              <a:t>Large data types = more IO</a:t>
-            </a:r>
-          </a:p>
-          <a:p>
-            <a:r>
-              <a:rPr lang="en-GB" dirty="0" smtClean="0"/>
-              <a:t>More columns = more IO</a:t>
-            </a:r>
-          </a:p>
-          <a:p>
-            <a:r>
-              <a:rPr lang="en-GB" dirty="0" smtClean="0"/>
-              <a:t>Variable length columns = page splits = more IO</a:t>
-            </a:r>
-          </a:p>
-          <a:p>
-            <a:r>
-              <a:rPr lang="en-GB" dirty="0" smtClean="0"/>
-              <a:t>More columns =&gt; more indexes =&gt; more IO</a:t>
-            </a:r>
-          </a:p>
-          <a:p>
-            <a:r>
-              <a:rPr lang="en-GB" dirty="0" smtClean="0"/>
-              <a:t>Updates are expensive</a:t>
-            </a:r>
-          </a:p>
-          <a:p>
-            <a:pPr lvl="1"/>
-            <a:r>
-              <a:rPr lang="en-GB" dirty="0" smtClean="0"/>
-              <a:t>Find the data</a:t>
-            </a:r>
-          </a:p>
-          <a:p>
-            <a:pPr lvl="1"/>
-            <a:r>
-              <a:rPr lang="en-GB" dirty="0" smtClean="0"/>
-              <a:t>Store before and after</a:t>
-            </a:r>
+              <a:rPr lang="en-GB" sz="2200" dirty="0" smtClean="0"/>
+              <a:t>More indexes = more IO</a:t>
+            </a:r>
+          </a:p>
+          <a:p>
+            <a:r>
+              <a:rPr lang="en-GB" sz="2200" dirty="0" smtClean="0"/>
+              <a:t>More indexes = more complex query plans</a:t>
+            </a:r>
+            <a:endParaRPr lang="en-GB" sz="2200" dirty="0"/>
+          </a:p>
+          <a:p>
             <a:endParaRPr lang="en-GB" dirty="0"/>
           </a:p>
         </p:txBody>
@@ -22054,7 +22111,7 @@
     </p:spTree>
     <p:extLst>
       <p:ext uri="{BB962C8B-B14F-4D97-AF65-F5344CB8AC3E}">
-        <p14:creationId xmlns:p14="http://schemas.microsoft.com/office/powerpoint/2010/main" val="4170939829"/>
+        <p14:creationId xmlns:p14="http://schemas.microsoft.com/office/powerpoint/2010/main" val="352671403"/>
       </p:ext>
     </p:extLst>
   </p:cSld>
@@ -22105,207 +22162,6 @@
           <a:p>
             <a:r>
               <a:rPr lang="en-GB" dirty="0" smtClean="0"/>
-              <a:t>Concurrency</a:t>
-            </a:r>
-            <a:endParaRPr lang="en-GB" dirty="0"/>
-          </a:p>
-        </p:txBody>
-      </p:sp>
-      <p:sp>
-        <p:nvSpPr>
-          <p:cNvPr id="3" name="Content Placeholder 2"/>
-          <p:cNvSpPr>
-            <a:spLocks noGrp="1"/>
-          </p:cNvSpPr>
-          <p:nvPr>
-            <p:ph idx="1"/>
-          </p:nvPr>
-        </p:nvSpPr>
-        <p:spPr/>
-        <p:txBody>
-          <a:bodyPr/>
-          <a:lstStyle/>
-          <a:p>
-            <a:r>
-              <a:rPr lang="en-GB" dirty="0" smtClean="0"/>
-              <a:t>Everyone is writing to the same buffer</a:t>
-            </a:r>
-          </a:p>
-          <a:p>
-            <a:r>
-              <a:rPr lang="en-GB" dirty="0" smtClean="0"/>
-              <a:t>Transaction Log is a bottleneck</a:t>
-            </a:r>
-          </a:p>
-          <a:p>
-            <a:r>
-              <a:rPr lang="en-GB" dirty="0" smtClean="0"/>
-              <a:t>Can’t expect to have exclusive access to buffer</a:t>
-            </a:r>
-          </a:p>
-          <a:p>
-            <a:r>
-              <a:rPr lang="en-GB" dirty="0" smtClean="0"/>
-              <a:t>Transactions still good for performance</a:t>
-            </a:r>
-          </a:p>
-          <a:p>
-            <a:pPr marL="0" indent="0">
-              <a:buNone/>
-            </a:pPr>
-            <a:endParaRPr lang="en-GB" dirty="0" smtClean="0"/>
-          </a:p>
-          <a:p>
-            <a:endParaRPr lang="en-GB" dirty="0"/>
-          </a:p>
-        </p:txBody>
-      </p:sp>
-    </p:spTree>
-    <p:extLst>
-      <p:ext uri="{BB962C8B-B14F-4D97-AF65-F5344CB8AC3E}">
-        <p14:creationId xmlns:p14="http://schemas.microsoft.com/office/powerpoint/2010/main" val="3097479017"/>
-      </p:ext>
-    </p:extLst>
-  </p:cSld>
-  <p:clrMapOvr>
-    <a:masterClrMapping/>
-  </p:clrMapOvr>
-  <p:timing>
-    <p:tnLst>
-      <p:par>
-        <p:cTn id="1" dur="indefinite" restart="never" nodeType="tmRoot"/>
-      </p:par>
-    </p:tnLst>
-  </p:timing>
-</p:sld>
-</file>
-
-<file path=ppt/slides/slide43.xml><?xml version="1.0" encoding="utf-8"?>
-<p:sld xmlns:a="http://schemas.openxmlformats.org/drawingml/2006/main" xmlns:r="http://schemas.openxmlformats.org/officeDocument/2006/relationships" xmlns:p="http://schemas.openxmlformats.org/presentationml/2006/main">
-  <p:cSld>
-    <p:spTree>
-      <p:nvGrpSpPr>
-        <p:cNvPr id="1" name=""/>
-        <p:cNvGrpSpPr/>
-        <p:nvPr/>
-      </p:nvGrpSpPr>
-      <p:grpSpPr>
-        <a:xfrm>
-          <a:off x="0" y="0"/>
-          <a:ext cx="0" cy="0"/>
-          <a:chOff x="0" y="0"/>
-          <a:chExt cx="0" cy="0"/>
-        </a:xfrm>
-      </p:grpSpPr>
-      <p:sp>
-        <p:nvSpPr>
-          <p:cNvPr id="2" name="Title 1"/>
-          <p:cNvSpPr>
-            <a:spLocks noGrp="1"/>
-          </p:cNvSpPr>
-          <p:nvPr>
-            <p:ph type="title"/>
-          </p:nvPr>
-        </p:nvSpPr>
-        <p:spPr/>
-        <p:txBody>
-          <a:bodyPr/>
-          <a:lstStyle/>
-          <a:p>
-            <a:r>
-              <a:rPr lang="en-GB" dirty="0" smtClean="0"/>
-              <a:t>Impact of indexing</a:t>
-            </a:r>
-            <a:endParaRPr lang="en-GB" dirty="0"/>
-          </a:p>
-        </p:txBody>
-      </p:sp>
-      <p:sp>
-        <p:nvSpPr>
-          <p:cNvPr id="3" name="Content Placeholder 2"/>
-          <p:cNvSpPr>
-            <a:spLocks noGrp="1"/>
-          </p:cNvSpPr>
-          <p:nvPr>
-            <p:ph idx="1"/>
-          </p:nvPr>
-        </p:nvSpPr>
-        <p:spPr/>
-        <p:txBody>
-          <a:bodyPr/>
-          <a:lstStyle/>
-          <a:p>
-            <a:r>
-              <a:rPr lang="en-GB" sz="2200" dirty="0" smtClean="0"/>
-              <a:t>More indexes = more IO</a:t>
-            </a:r>
-          </a:p>
-          <a:p>
-            <a:r>
-              <a:rPr lang="en-GB" sz="2200" dirty="0" smtClean="0"/>
-              <a:t>More indexes = more complex query plans</a:t>
-            </a:r>
-            <a:endParaRPr lang="en-GB" sz="2200" dirty="0"/>
-          </a:p>
-          <a:p>
-            <a:endParaRPr lang="en-GB" dirty="0"/>
-          </a:p>
-        </p:txBody>
-      </p:sp>
-    </p:spTree>
-    <p:extLst>
-      <p:ext uri="{BB962C8B-B14F-4D97-AF65-F5344CB8AC3E}">
-        <p14:creationId xmlns:p14="http://schemas.microsoft.com/office/powerpoint/2010/main" val="352671403"/>
-      </p:ext>
-    </p:extLst>
-  </p:cSld>
-  <p:clrMapOvr>
-    <a:masterClrMapping/>
-  </p:clrMapOvr>
-  <p:timing>
-    <p:tnLst>
-      <p:par>
-        <p:cTn id="1" dur="indefinite" restart="never" nodeType="tmRoot"/>
-      </p:par>
-    </p:tnLst>
-  </p:timing>
-</p:sld>
-</file>
-
-<file path=ppt/slides/slide44.xml><?xml version="1.0" encoding="utf-8"?>
-<p:sld xmlns:a="http://schemas.openxmlformats.org/drawingml/2006/main" xmlns:r="http://schemas.openxmlformats.org/officeDocument/2006/relationships" xmlns:p="http://schemas.openxmlformats.org/presentationml/2006/main">
-  <p:cSld>
-    <p:spTree>
-      <p:nvGrpSpPr>
-        <p:cNvPr id="1" name=""/>
-        <p:cNvGrpSpPr/>
-        <p:nvPr/>
-      </p:nvGrpSpPr>
-      <p:grpSpPr>
-        <a:xfrm>
-          <a:off x="0" y="0"/>
-          <a:ext cx="0" cy="0"/>
-          <a:chOff x="0" y="0"/>
-          <a:chExt cx="0" cy="0"/>
-        </a:xfrm>
-      </p:grpSpPr>
-      <p:sp>
-        <p:nvSpPr>
-          <p:cNvPr id="2" name="Title 1"/>
-          <p:cNvSpPr>
-            <a:spLocks noGrp="1"/>
-          </p:cNvSpPr>
-          <p:nvPr>
-            <p:ph type="title"/>
-          </p:nvPr>
-        </p:nvSpPr>
-        <p:spPr/>
-        <p:txBody>
-          <a:bodyPr/>
-          <a:lstStyle/>
-          <a:p>
-            <a:r>
-              <a:rPr lang="en-GB" dirty="0" smtClean="0"/>
               <a:t>Demo</a:t>
             </a:r>
             <a:endParaRPr lang="en-GB" dirty="0"/>
@@ -22367,7 +22223,7 @@
 </p:sld>
 </file>
 
-<file path=ppt/slides/slide45.xml><?xml version="1.0" encoding="utf-8"?>
+<file path=ppt/slides/slide43.xml><?xml version="1.0" encoding="utf-8"?>
 <p:sld xmlns:a="http://schemas.openxmlformats.org/drawingml/2006/main" xmlns:r="http://schemas.openxmlformats.org/officeDocument/2006/relationships" xmlns:p="http://schemas.openxmlformats.org/presentationml/2006/main">
   <p:cSld>
     <p:spTree>

--- a/Slides/1. Logging.pptx
+++ b/Slides/1. Logging.pptx
@@ -5,10 +5,10 @@
     <p:sldMasterId id="2147483660" r:id="rId1"/>
   </p:sldMasterIdLst>
   <p:notesMasterIdLst>
-    <p:notesMasterId r:id="rId45"/>
+    <p:notesMasterId r:id="rId44"/>
   </p:notesMasterIdLst>
   <p:handoutMasterIdLst>
-    <p:handoutMasterId r:id="rId46"/>
+    <p:handoutMasterId r:id="rId45"/>
   </p:handoutMasterIdLst>
   <p:sldIdLst>
     <p:sldId id="256" r:id="rId2"/>
@@ -23,37 +23,36 @@
     <p:sldId id="274" r:id="rId11"/>
     <p:sldId id="275" r:id="rId12"/>
     <p:sldId id="276" r:id="rId13"/>
-    <p:sldId id="281" r:id="rId14"/>
-    <p:sldId id="282" r:id="rId15"/>
-    <p:sldId id="285" r:id="rId16"/>
-    <p:sldId id="286" r:id="rId17"/>
-    <p:sldId id="287" r:id="rId18"/>
-    <p:sldId id="259" r:id="rId19"/>
-    <p:sldId id="283" r:id="rId20"/>
-    <p:sldId id="260" r:id="rId21"/>
-    <p:sldId id="268" r:id="rId22"/>
-    <p:sldId id="284" r:id="rId23"/>
-    <p:sldId id="261" r:id="rId24"/>
-    <p:sldId id="265" r:id="rId25"/>
-    <p:sldId id="266" r:id="rId26"/>
-    <p:sldId id="288" r:id="rId27"/>
-    <p:sldId id="292" r:id="rId28"/>
-    <p:sldId id="293" r:id="rId29"/>
-    <p:sldId id="264" r:id="rId30"/>
-    <p:sldId id="294" r:id="rId31"/>
-    <p:sldId id="295" r:id="rId32"/>
-    <p:sldId id="262" r:id="rId33"/>
-    <p:sldId id="269" r:id="rId34"/>
-    <p:sldId id="290" r:id="rId35"/>
-    <p:sldId id="263" r:id="rId36"/>
-    <p:sldId id="270" r:id="rId37"/>
-    <p:sldId id="271" r:id="rId38"/>
-    <p:sldId id="280" r:id="rId39"/>
-    <p:sldId id="301" r:id="rId40"/>
-    <p:sldId id="300" r:id="rId41"/>
-    <p:sldId id="299" r:id="rId42"/>
-    <p:sldId id="302" r:id="rId43"/>
-    <p:sldId id="279" r:id="rId44"/>
+    <p:sldId id="282" r:id="rId14"/>
+    <p:sldId id="285" r:id="rId15"/>
+    <p:sldId id="286" r:id="rId16"/>
+    <p:sldId id="287" r:id="rId17"/>
+    <p:sldId id="259" r:id="rId18"/>
+    <p:sldId id="283" r:id="rId19"/>
+    <p:sldId id="260" r:id="rId20"/>
+    <p:sldId id="268" r:id="rId21"/>
+    <p:sldId id="284" r:id="rId22"/>
+    <p:sldId id="261" r:id="rId23"/>
+    <p:sldId id="265" r:id="rId24"/>
+    <p:sldId id="266" r:id="rId25"/>
+    <p:sldId id="288" r:id="rId26"/>
+    <p:sldId id="292" r:id="rId27"/>
+    <p:sldId id="293" r:id="rId28"/>
+    <p:sldId id="264" r:id="rId29"/>
+    <p:sldId id="294" r:id="rId30"/>
+    <p:sldId id="295" r:id="rId31"/>
+    <p:sldId id="262" r:id="rId32"/>
+    <p:sldId id="269" r:id="rId33"/>
+    <p:sldId id="290" r:id="rId34"/>
+    <p:sldId id="263" r:id="rId35"/>
+    <p:sldId id="270" r:id="rId36"/>
+    <p:sldId id="271" r:id="rId37"/>
+    <p:sldId id="280" r:id="rId38"/>
+    <p:sldId id="301" r:id="rId39"/>
+    <p:sldId id="300" r:id="rId40"/>
+    <p:sldId id="299" r:id="rId41"/>
+    <p:sldId id="302" r:id="rId42"/>
+    <p:sldId id="279" r:id="rId43"/>
   </p:sldIdLst>
   <p:sldSz cx="12192000" cy="6858000"/>
   <p:notesSz cx="6858000" cy="9945688"/>
@@ -177,7 +176,6 @@
             <p14:sldId id="274"/>
             <p14:sldId id="275"/>
             <p14:sldId id="276"/>
-            <p14:sldId id="281"/>
             <p14:sldId id="282"/>
             <p14:sldId id="285"/>
             <p14:sldId id="286"/>
@@ -324,7 +322,7 @@
           <a:p>
             <a:fld id="{5FFD9D80-DF2B-41F4-8D30-A09AD670954F}" type="datetimeFigureOut">
               <a:rPr lang="en-GB" smtClean="0"/>
-              <a:t>26/11/2015</a:t>
+              <a:t>17/02/2016</a:t>
             </a:fld>
             <a:endParaRPr lang="en-GB"/>
           </a:p>
@@ -489,7 +487,7 @@
           <a:p>
             <a:fld id="{2EEC8B6C-ECA7-4502-A71C-D2F93F5DB82F}" type="datetimeFigureOut">
               <a:rPr lang="en-GB" smtClean="0"/>
-              <a:t>26/11/2015</a:t>
+              <a:t>17/02/2016</a:t>
             </a:fld>
             <a:endParaRPr lang="en-GB"/>
           </a:p>
@@ -906,7 +904,7 @@
           <a:p>
             <a:fld id="{B8CE15B0-7A20-444B-AEAA-2A6F3DDB1305}" type="slidenum">
               <a:rPr lang="en-GB" smtClean="0"/>
-              <a:t>18</a:t>
+              <a:t>17</a:t>
             </a:fld>
             <a:endParaRPr lang="en-GB"/>
           </a:p>
@@ -1057,7 +1055,7 @@
           <a:p>
             <a:fld id="{B8CE15B0-7A20-444B-AEAA-2A6F3DDB1305}" type="slidenum">
               <a:rPr lang="en-GB" smtClean="0"/>
-              <a:t>21</a:t>
+              <a:t>20</a:t>
             </a:fld>
             <a:endParaRPr lang="en-GB"/>
           </a:p>
@@ -1141,7 +1139,7 @@
           <a:p>
             <a:fld id="{B8CE15B0-7A20-444B-AEAA-2A6F3DDB1305}" type="slidenum">
               <a:rPr lang="en-GB" smtClean="0"/>
-              <a:t>23</a:t>
+              <a:t>22</a:t>
             </a:fld>
             <a:endParaRPr lang="en-GB"/>
           </a:p>
@@ -1229,7 +1227,7 @@
           <a:p>
             <a:fld id="{B8CE15B0-7A20-444B-AEAA-2A6F3DDB1305}" type="slidenum">
               <a:rPr lang="en-GB" smtClean="0"/>
-              <a:t>26</a:t>
+              <a:t>25</a:t>
             </a:fld>
             <a:endParaRPr lang="en-GB"/>
           </a:p>
@@ -1313,7 +1311,7 @@
           <a:p>
             <a:fld id="{B8CE15B0-7A20-444B-AEAA-2A6F3DDB1305}" type="slidenum">
               <a:rPr lang="en-GB" smtClean="0"/>
-              <a:t>29</a:t>
+              <a:t>28</a:t>
             </a:fld>
             <a:endParaRPr lang="en-GB"/>
           </a:p>
@@ -1397,7 +1395,7 @@
           <a:p>
             <a:fld id="{B8CE15B0-7A20-444B-AEAA-2A6F3DDB1305}" type="slidenum">
               <a:rPr lang="en-GB" smtClean="0"/>
-              <a:t>32</a:t>
+              <a:t>31</a:t>
             </a:fld>
             <a:endParaRPr lang="en-GB"/>
           </a:p>
@@ -1485,7 +1483,7 @@
           <a:p>
             <a:fld id="{B8CE15B0-7A20-444B-AEAA-2A6F3DDB1305}" type="slidenum">
               <a:rPr lang="en-GB" smtClean="0"/>
-              <a:t>33</a:t>
+              <a:t>32</a:t>
             </a:fld>
             <a:endParaRPr lang="en-GB"/>
           </a:p>
@@ -1733,7 +1731,7 @@
           <a:p>
             <a:fld id="{0450233C-AED0-40A2-94DD-085E6C2BAB99}" type="datetimeFigureOut">
               <a:rPr lang="en-GB" smtClean="0"/>
-              <a:t>26/11/2015</a:t>
+              <a:t>17/02/2016</a:t>
             </a:fld>
             <a:endParaRPr lang="en-GB"/>
           </a:p>
@@ -2074,7 +2072,7 @@
           <a:p>
             <a:fld id="{0450233C-AED0-40A2-94DD-085E6C2BAB99}" type="datetimeFigureOut">
               <a:rPr lang="en-GB" smtClean="0"/>
-              <a:t>26/11/2015</a:t>
+              <a:t>17/02/2016</a:t>
             </a:fld>
             <a:endParaRPr lang="en-GB"/>
           </a:p>
@@ -2352,7 +2350,7 @@
           <a:p>
             <a:fld id="{0450233C-AED0-40A2-94DD-085E6C2BAB99}" type="datetimeFigureOut">
               <a:rPr lang="en-GB" smtClean="0"/>
-              <a:t>26/11/2015</a:t>
+              <a:t>17/02/2016</a:t>
             </a:fld>
             <a:endParaRPr lang="en-GB"/>
           </a:p>
@@ -2920,7 +2918,7 @@
           <a:p>
             <a:fld id="{0450233C-AED0-40A2-94DD-085E6C2BAB99}" type="datetimeFigureOut">
               <a:rPr lang="en-GB" smtClean="0"/>
-              <a:t>26/11/2015</a:t>
+              <a:t>17/02/2016</a:t>
             </a:fld>
             <a:endParaRPr lang="en-GB"/>
           </a:p>
@@ -3198,7 +3196,7 @@
           <a:p>
             <a:fld id="{0450233C-AED0-40A2-94DD-085E6C2BAB99}" type="datetimeFigureOut">
               <a:rPr lang="en-GB" smtClean="0"/>
-              <a:t>26/11/2015</a:t>
+              <a:t>17/02/2016</a:t>
             </a:fld>
             <a:endParaRPr lang="en-GB"/>
           </a:p>
@@ -3760,7 +3758,7 @@
           <a:p>
             <a:fld id="{0450233C-AED0-40A2-94DD-085E6C2BAB99}" type="datetimeFigureOut">
               <a:rPr lang="en-GB" smtClean="0"/>
-              <a:t>26/11/2015</a:t>
+              <a:t>17/02/2016</a:t>
             </a:fld>
             <a:endParaRPr lang="en-GB"/>
           </a:p>
@@ -4087,7 +4085,7 @@
           <a:p>
             <a:fld id="{0450233C-AED0-40A2-94DD-085E6C2BAB99}" type="datetimeFigureOut">
               <a:rPr lang="en-GB" smtClean="0"/>
-              <a:t>26/11/2015</a:t>
+              <a:t>17/02/2016</a:t>
             </a:fld>
             <a:endParaRPr lang="en-GB"/>
           </a:p>
@@ -4264,7 +4262,7 @@
           <a:p>
             <a:fld id="{0450233C-AED0-40A2-94DD-085E6C2BAB99}" type="datetimeFigureOut">
               <a:rPr lang="en-GB" smtClean="0"/>
-              <a:t>26/11/2015</a:t>
+              <a:t>17/02/2016</a:t>
             </a:fld>
             <a:endParaRPr lang="en-GB"/>
           </a:p>
@@ -4502,7 +4500,7 @@
           <a:p>
             <a:fld id="{0450233C-AED0-40A2-94DD-085E6C2BAB99}" type="datetimeFigureOut">
               <a:rPr lang="en-GB" smtClean="0"/>
-              <a:t>26/11/2015</a:t>
+              <a:t>17/02/2016</a:t>
             </a:fld>
             <a:endParaRPr lang="en-GB"/>
           </a:p>
@@ -4702,7 +4700,7 @@
           <a:p>
             <a:fld id="{0450233C-AED0-40A2-94DD-085E6C2BAB99}" type="datetimeFigureOut">
               <a:rPr lang="en-GB" smtClean="0"/>
-              <a:t>26/11/2015</a:t>
+              <a:t>17/02/2016</a:t>
             </a:fld>
             <a:endParaRPr lang="en-GB"/>
           </a:p>
@@ -4985,7 +4983,7 @@
           <a:p>
             <a:fld id="{0450233C-AED0-40A2-94DD-085E6C2BAB99}" type="datetimeFigureOut">
               <a:rPr lang="en-GB" smtClean="0"/>
-              <a:t>26/11/2015</a:t>
+              <a:t>17/02/2016</a:t>
             </a:fld>
             <a:endParaRPr lang="en-GB"/>
           </a:p>
@@ -5258,7 +5256,7 @@
           <a:p>
             <a:fld id="{0450233C-AED0-40A2-94DD-085E6C2BAB99}" type="datetimeFigureOut">
               <a:rPr lang="en-GB" smtClean="0"/>
-              <a:t>26/11/2015</a:t>
+              <a:t>17/02/2016</a:t>
             </a:fld>
             <a:endParaRPr lang="en-GB"/>
           </a:p>
@@ -5632,7 +5630,7 @@
           <a:p>
             <a:fld id="{0450233C-AED0-40A2-94DD-085E6C2BAB99}" type="datetimeFigureOut">
               <a:rPr lang="en-GB" smtClean="0"/>
-              <a:t>26/11/2015</a:t>
+              <a:t>17/02/2016</a:t>
             </a:fld>
             <a:endParaRPr lang="en-GB"/>
           </a:p>
@@ -5787,7 +5785,7 @@
           <a:p>
             <a:fld id="{0450233C-AED0-40A2-94DD-085E6C2BAB99}" type="datetimeFigureOut">
               <a:rPr lang="en-GB" smtClean="0"/>
-              <a:t>26/11/2015</a:t>
+              <a:t>17/02/2016</a:t>
             </a:fld>
             <a:endParaRPr lang="en-GB"/>
           </a:p>
@@ -5912,7 +5910,7 @@
           <a:p>
             <a:fld id="{0450233C-AED0-40A2-94DD-085E6C2BAB99}" type="datetimeFigureOut">
               <a:rPr lang="en-GB" smtClean="0"/>
-              <a:t>26/11/2015</a:t>
+              <a:t>17/02/2016</a:t>
             </a:fld>
             <a:endParaRPr lang="en-GB"/>
           </a:p>
@@ -6197,7 +6195,7 @@
           <a:p>
             <a:fld id="{0450233C-AED0-40A2-94DD-085E6C2BAB99}" type="datetimeFigureOut">
               <a:rPr lang="en-GB" smtClean="0"/>
-              <a:t>26/11/2015</a:t>
+              <a:t>17/02/2016</a:t>
             </a:fld>
             <a:endParaRPr lang="en-GB"/>
           </a:p>
@@ -6521,7 +6519,7 @@
           <a:p>
             <a:fld id="{0450233C-AED0-40A2-94DD-085E6C2BAB99}" type="datetimeFigureOut">
               <a:rPr lang="en-GB" smtClean="0"/>
-              <a:t>26/11/2015</a:t>
+              <a:t>17/02/2016</a:t>
             </a:fld>
             <a:endParaRPr lang="en-GB"/>
           </a:p>
@@ -6735,7 +6733,7 @@
           <a:p>
             <a:fld id="{0450233C-AED0-40A2-94DD-085E6C2BAB99}" type="datetimeFigureOut">
               <a:rPr lang="en-GB" smtClean="0"/>
-              <a:t>26/11/2015</a:t>
+              <a:t>17/02/2016</a:t>
             </a:fld>
             <a:endParaRPr lang="en-GB"/>
           </a:p>
@@ -12724,865 +12722,6 @@
           <a:chExt cx="0" cy="0"/>
         </a:xfrm>
       </p:grpSpPr>
-      <p:grpSp>
-        <p:nvGrpSpPr>
-          <p:cNvPr id="40" name="Group 39"/>
-          <p:cNvGrpSpPr/>
-          <p:nvPr/>
-        </p:nvGrpSpPr>
-        <p:grpSpPr>
-          <a:xfrm>
-            <a:off x="354225" y="5333998"/>
-            <a:ext cx="3744266" cy="1057276"/>
-            <a:chOff x="354225" y="5333998"/>
-            <a:chExt cx="3744266" cy="1057276"/>
-          </a:xfrm>
-        </p:grpSpPr>
-        <p:sp>
-          <p:nvSpPr>
-            <p:cNvPr id="37" name="Rectangle 36"/>
-            <p:cNvSpPr/>
-            <p:nvPr/>
-          </p:nvSpPr>
-          <p:spPr>
-            <a:xfrm>
-              <a:off x="354225" y="5333999"/>
-              <a:ext cx="3744266" cy="1057275"/>
-            </a:xfrm>
-            <a:prstGeom prst="rect">
-              <a:avLst/>
-            </a:prstGeom>
-          </p:spPr>
-          <p:style>
-            <a:lnRef idx="2">
-              <a:schemeClr val="accent1">
-                <a:shade val="50000"/>
-              </a:schemeClr>
-            </a:lnRef>
-            <a:fillRef idx="1">
-              <a:schemeClr val="accent1"/>
-            </a:fillRef>
-            <a:effectRef idx="0">
-              <a:schemeClr val="accent1"/>
-            </a:effectRef>
-            <a:fontRef idx="minor">
-              <a:schemeClr val="lt1"/>
-            </a:fontRef>
-          </p:style>
-          <p:txBody>
-            <a:bodyPr rtlCol="0" anchor="ctr"/>
-            <a:lstStyle/>
-            <a:p>
-              <a:pPr algn="ctr"/>
-              <a:endParaRPr lang="en-GB">
-                <a:solidFill>
-                  <a:prstClr val="white"/>
-                </a:solidFill>
-              </a:endParaRPr>
-            </a:p>
-          </p:txBody>
-        </p:sp>
-        <p:sp>
-          <p:nvSpPr>
-            <p:cNvPr id="38" name="TextBox 37"/>
-            <p:cNvSpPr txBox="1"/>
-            <p:nvPr/>
-          </p:nvSpPr>
-          <p:spPr>
-            <a:xfrm>
-              <a:off x="356923" y="5333998"/>
-              <a:ext cx="1677371" cy="369332"/>
-            </a:xfrm>
-            <a:prstGeom prst="rect">
-              <a:avLst/>
-            </a:prstGeom>
-            <a:noFill/>
-          </p:spPr>
-          <p:txBody>
-            <a:bodyPr wrap="square" rtlCol="0">
-              <a:spAutoFit/>
-            </a:bodyPr>
-            <a:lstStyle/>
-            <a:p>
-              <a:r>
-                <a:rPr lang="en-GB" dirty="0" smtClean="0">
-                  <a:solidFill>
-                    <a:prstClr val="black"/>
-                  </a:solidFill>
-                </a:rPr>
-                <a:t>Log File</a:t>
-              </a:r>
-              <a:endParaRPr lang="en-GB" dirty="0">
-                <a:solidFill>
-                  <a:prstClr val="black"/>
-                </a:solidFill>
-              </a:endParaRPr>
-            </a:p>
-          </p:txBody>
-        </p:sp>
-        <p:sp>
-          <p:nvSpPr>
-            <p:cNvPr id="39" name="TextBox 38"/>
-            <p:cNvSpPr txBox="1"/>
-            <p:nvPr/>
-          </p:nvSpPr>
-          <p:spPr>
-            <a:xfrm>
-              <a:off x="3450790" y="6000750"/>
-              <a:ext cx="647700" cy="369332"/>
-            </a:xfrm>
-            <a:prstGeom prst="rect">
-              <a:avLst/>
-            </a:prstGeom>
-            <a:noFill/>
-          </p:spPr>
-          <p:txBody>
-            <a:bodyPr wrap="square" rtlCol="0">
-              <a:spAutoFit/>
-            </a:bodyPr>
-            <a:lstStyle/>
-            <a:p>
-              <a:r>
-                <a:rPr lang="en-GB" dirty="0" smtClean="0">
-                  <a:solidFill>
-                    <a:prstClr val="black"/>
-                  </a:solidFill>
-                </a:rPr>
-                <a:t>…….</a:t>
-              </a:r>
-              <a:endParaRPr lang="en-GB" dirty="0">
-                <a:solidFill>
-                  <a:prstClr val="black"/>
-                </a:solidFill>
-              </a:endParaRPr>
-            </a:p>
-          </p:txBody>
-        </p:sp>
-      </p:grpSp>
-      <p:sp>
-        <p:nvSpPr>
-          <p:cNvPr id="3" name="Rectangle 2"/>
-          <p:cNvSpPr/>
-          <p:nvPr/>
-        </p:nvSpPr>
-        <p:spPr>
-          <a:xfrm>
-            <a:off x="484692" y="5702783"/>
-            <a:ext cx="1772633" cy="637707"/>
-          </a:xfrm>
-          <a:prstGeom prst="rect">
-            <a:avLst/>
-          </a:prstGeom>
-          <a:solidFill>
-            <a:schemeClr val="tx1"/>
-          </a:solidFill>
-          <a:ln>
-            <a:solidFill>
-              <a:srgbClr val="002060"/>
-            </a:solidFill>
-          </a:ln>
-        </p:spPr>
-        <p:style>
-          <a:lnRef idx="2">
-            <a:schemeClr val="accent1">
-              <a:shade val="50000"/>
-            </a:schemeClr>
-          </a:lnRef>
-          <a:fillRef idx="1">
-            <a:schemeClr val="accent1"/>
-          </a:fillRef>
-          <a:effectRef idx="0">
-            <a:schemeClr val="accent1"/>
-          </a:effectRef>
-          <a:fontRef idx="minor">
-            <a:schemeClr val="lt1"/>
-          </a:fontRef>
-        </p:style>
-        <p:txBody>
-          <a:bodyPr rtlCol="0" anchor="ctr"/>
-          <a:lstStyle/>
-          <a:p>
-            <a:pPr algn="ctr"/>
-            <a:r>
-              <a:rPr lang="en-GB" dirty="0" smtClean="0">
-                <a:solidFill>
-                  <a:schemeClr val="tx1">
-                    <a:lumMod val="75000"/>
-                  </a:schemeClr>
-                </a:solidFill>
-              </a:rPr>
-              <a:t>VLF1</a:t>
-            </a:r>
-            <a:endParaRPr lang="en-GB" dirty="0">
-              <a:solidFill>
-                <a:schemeClr val="tx1">
-                  <a:lumMod val="75000"/>
-                </a:schemeClr>
-              </a:solidFill>
-            </a:endParaRPr>
-          </a:p>
-        </p:txBody>
-      </p:sp>
-      <p:sp>
-        <p:nvSpPr>
-          <p:cNvPr id="72" name="Rectangle 71"/>
-          <p:cNvSpPr/>
-          <p:nvPr/>
-        </p:nvSpPr>
-        <p:spPr>
-          <a:xfrm>
-            <a:off x="2257003" y="5702783"/>
-            <a:ext cx="1772633" cy="637707"/>
-          </a:xfrm>
-          <a:prstGeom prst="rect">
-            <a:avLst/>
-          </a:prstGeom>
-          <a:solidFill>
-            <a:schemeClr val="tx1"/>
-          </a:solidFill>
-          <a:ln>
-            <a:solidFill>
-              <a:srgbClr val="002060"/>
-            </a:solidFill>
-          </a:ln>
-        </p:spPr>
-        <p:style>
-          <a:lnRef idx="2">
-            <a:schemeClr val="accent1">
-              <a:shade val="50000"/>
-            </a:schemeClr>
-          </a:lnRef>
-          <a:fillRef idx="1">
-            <a:schemeClr val="accent1"/>
-          </a:fillRef>
-          <a:effectRef idx="0">
-            <a:schemeClr val="accent1"/>
-          </a:effectRef>
-          <a:fontRef idx="minor">
-            <a:schemeClr val="lt1"/>
-          </a:fontRef>
-        </p:style>
-        <p:txBody>
-          <a:bodyPr rtlCol="0" anchor="ctr"/>
-          <a:lstStyle/>
-          <a:p>
-            <a:pPr algn="ctr"/>
-            <a:r>
-              <a:rPr lang="en-GB" dirty="0" smtClean="0">
-                <a:solidFill>
-                  <a:schemeClr val="tx1">
-                    <a:lumMod val="75000"/>
-                  </a:schemeClr>
-                </a:solidFill>
-              </a:rPr>
-              <a:t>VLF2</a:t>
-            </a:r>
-            <a:endParaRPr lang="en-GB" dirty="0">
-              <a:solidFill>
-                <a:schemeClr val="tx1">
-                  <a:lumMod val="75000"/>
-                </a:schemeClr>
-              </a:solidFill>
-            </a:endParaRPr>
-          </a:p>
-        </p:txBody>
-      </p:sp>
-      <p:grpSp>
-        <p:nvGrpSpPr>
-          <p:cNvPr id="42" name="Group 41"/>
-          <p:cNvGrpSpPr/>
-          <p:nvPr/>
-        </p:nvGrpSpPr>
-        <p:grpSpPr>
-          <a:xfrm>
-            <a:off x="6219825" y="3803153"/>
-            <a:ext cx="5721244" cy="1006972"/>
-            <a:chOff x="6219826" y="3052765"/>
-            <a:chExt cx="5721244" cy="1790700"/>
-          </a:xfrm>
-          <a:solidFill>
-            <a:srgbClr val="92D050"/>
-          </a:solidFill>
-        </p:grpSpPr>
-        <p:sp>
-          <p:nvSpPr>
-            <p:cNvPr id="25" name="Rectangle 24"/>
-            <p:cNvSpPr/>
-            <p:nvPr/>
-          </p:nvSpPr>
-          <p:spPr>
-            <a:xfrm>
-              <a:off x="6219826" y="3052765"/>
-              <a:ext cx="5721244" cy="1790700"/>
-            </a:xfrm>
-            <a:prstGeom prst="rect">
-              <a:avLst/>
-            </a:prstGeom>
-            <a:grpFill/>
-          </p:spPr>
-          <p:style>
-            <a:lnRef idx="2">
-              <a:schemeClr val="accent1">
-                <a:shade val="50000"/>
-              </a:schemeClr>
-            </a:lnRef>
-            <a:fillRef idx="1">
-              <a:schemeClr val="accent1"/>
-            </a:fillRef>
-            <a:effectRef idx="0">
-              <a:schemeClr val="accent1"/>
-            </a:effectRef>
-            <a:fontRef idx="minor">
-              <a:schemeClr val="lt1"/>
-            </a:fontRef>
-          </p:style>
-          <p:txBody>
-            <a:bodyPr rtlCol="0" anchor="ctr"/>
-            <a:lstStyle/>
-            <a:p>
-              <a:pPr algn="ctr"/>
-              <a:endParaRPr lang="en-GB" dirty="0">
-                <a:solidFill>
-                  <a:prstClr val="white"/>
-                </a:solidFill>
-              </a:endParaRPr>
-            </a:p>
-          </p:txBody>
-        </p:sp>
-        <p:sp>
-          <p:nvSpPr>
-            <p:cNvPr id="26" name="TextBox 25"/>
-            <p:cNvSpPr txBox="1"/>
-            <p:nvPr/>
-          </p:nvSpPr>
-          <p:spPr>
-            <a:xfrm>
-              <a:off x="6296025" y="3088943"/>
-              <a:ext cx="1677371" cy="369332"/>
-            </a:xfrm>
-            <a:prstGeom prst="rect">
-              <a:avLst/>
-            </a:prstGeom>
-            <a:grpFill/>
-          </p:spPr>
-          <p:txBody>
-            <a:bodyPr wrap="square" rtlCol="0">
-              <a:spAutoFit/>
-            </a:bodyPr>
-            <a:lstStyle/>
-            <a:p>
-              <a:r>
-                <a:rPr lang="en-GB" dirty="0" smtClean="0">
-                  <a:solidFill>
-                    <a:prstClr val="black"/>
-                  </a:solidFill>
-                </a:rPr>
-                <a:t>Buffer Pool</a:t>
-              </a:r>
-              <a:endParaRPr lang="en-GB" dirty="0">
-                <a:solidFill>
-                  <a:prstClr val="black"/>
-                </a:solidFill>
-              </a:endParaRPr>
-            </a:p>
-          </p:txBody>
-        </p:sp>
-      </p:grpSp>
-      <p:grpSp>
-        <p:nvGrpSpPr>
-          <p:cNvPr id="41" name="Group 40"/>
-          <p:cNvGrpSpPr/>
-          <p:nvPr/>
-        </p:nvGrpSpPr>
-        <p:grpSpPr>
-          <a:xfrm>
-            <a:off x="6219825" y="5334000"/>
-            <a:ext cx="5781675" cy="1057275"/>
-            <a:chOff x="6219825" y="5334000"/>
-            <a:chExt cx="5781675" cy="1057275"/>
-          </a:xfrm>
-        </p:grpSpPr>
-        <p:sp>
-          <p:nvSpPr>
-            <p:cNvPr id="33" name="Rectangle 32"/>
-            <p:cNvSpPr/>
-            <p:nvPr/>
-          </p:nvSpPr>
-          <p:spPr>
-            <a:xfrm>
-              <a:off x="6219825" y="5334000"/>
-              <a:ext cx="5721244" cy="1057275"/>
-            </a:xfrm>
-            <a:prstGeom prst="rect">
-              <a:avLst/>
-            </a:prstGeom>
-          </p:spPr>
-          <p:style>
-            <a:lnRef idx="2">
-              <a:schemeClr val="accent1">
-                <a:shade val="50000"/>
-              </a:schemeClr>
-            </a:lnRef>
-            <a:fillRef idx="1">
-              <a:schemeClr val="accent1"/>
-            </a:fillRef>
-            <a:effectRef idx="0">
-              <a:schemeClr val="accent1"/>
-            </a:effectRef>
-            <a:fontRef idx="minor">
-              <a:schemeClr val="lt1"/>
-            </a:fontRef>
-          </p:style>
-          <p:txBody>
-            <a:bodyPr rtlCol="0" anchor="ctr"/>
-            <a:lstStyle/>
-            <a:p>
-              <a:pPr algn="ctr"/>
-              <a:endParaRPr lang="en-GB">
-                <a:solidFill>
-                  <a:prstClr val="white"/>
-                </a:solidFill>
-              </a:endParaRPr>
-            </a:p>
-          </p:txBody>
-        </p:sp>
-        <p:pic>
-          <p:nvPicPr>
-            <p:cNvPr id="5" name="Content Placeholder 3"/>
-            <p:cNvPicPr>
-              <a:picLocks noChangeAspect="1"/>
-            </p:cNvPicPr>
-            <p:nvPr/>
-          </p:nvPicPr>
-          <p:blipFill>
-            <a:blip r:embed="rId2" cstate="print">
-              <a:extLst>
-                <a:ext uri="{28A0092B-C50C-407E-A947-70E740481C1C}">
-                  <a14:useLocalDpi xmlns:a14="http://schemas.microsoft.com/office/drawing/2010/main" val="0"/>
-                </a:ext>
-              </a:extLst>
-            </a:blip>
-            <a:stretch>
-              <a:fillRect/>
-            </a:stretch>
-          </p:blipFill>
-          <p:spPr>
-            <a:xfrm>
-              <a:off x="6433548" y="5743576"/>
-              <a:ext cx="410021" cy="552450"/>
-            </a:xfrm>
-            <a:prstGeom prst="rect">
-              <a:avLst/>
-            </a:prstGeom>
-          </p:spPr>
-        </p:pic>
-        <p:pic>
-          <p:nvPicPr>
-            <p:cNvPr id="6" name="Content Placeholder 3"/>
-            <p:cNvPicPr>
-              <a:picLocks noChangeAspect="1"/>
-            </p:cNvPicPr>
-            <p:nvPr/>
-          </p:nvPicPr>
-          <p:blipFill>
-            <a:blip r:embed="rId2" cstate="print">
-              <a:extLst>
-                <a:ext uri="{28A0092B-C50C-407E-A947-70E740481C1C}">
-                  <a14:useLocalDpi xmlns:a14="http://schemas.microsoft.com/office/drawing/2010/main" val="0"/>
-                </a:ext>
-              </a:extLst>
-            </a:blip>
-            <a:stretch>
-              <a:fillRect/>
-            </a:stretch>
-          </p:blipFill>
-          <p:spPr>
-            <a:xfrm>
-              <a:off x="6843569" y="5743576"/>
-              <a:ext cx="410021" cy="552450"/>
-            </a:xfrm>
-            <a:prstGeom prst="rect">
-              <a:avLst/>
-            </a:prstGeom>
-          </p:spPr>
-        </p:pic>
-        <p:pic>
-          <p:nvPicPr>
-            <p:cNvPr id="7" name="Content Placeholder 3"/>
-            <p:cNvPicPr>
-              <a:picLocks noChangeAspect="1"/>
-            </p:cNvPicPr>
-            <p:nvPr/>
-          </p:nvPicPr>
-          <p:blipFill>
-            <a:blip r:embed="rId2" cstate="print">
-              <a:extLst>
-                <a:ext uri="{28A0092B-C50C-407E-A947-70E740481C1C}">
-                  <a14:useLocalDpi xmlns:a14="http://schemas.microsoft.com/office/drawing/2010/main" val="0"/>
-                </a:ext>
-              </a:extLst>
-            </a:blip>
-            <a:stretch>
-              <a:fillRect/>
-            </a:stretch>
-          </p:blipFill>
-          <p:spPr>
-            <a:xfrm>
-              <a:off x="7253590" y="5743576"/>
-              <a:ext cx="410021" cy="552450"/>
-            </a:xfrm>
-            <a:prstGeom prst="rect">
-              <a:avLst/>
-            </a:prstGeom>
-          </p:spPr>
-        </p:pic>
-        <p:pic>
-          <p:nvPicPr>
-            <p:cNvPr id="8" name="Content Placeholder 3"/>
-            <p:cNvPicPr>
-              <a:picLocks noChangeAspect="1"/>
-            </p:cNvPicPr>
-            <p:nvPr/>
-          </p:nvPicPr>
-          <p:blipFill>
-            <a:blip r:embed="rId2" cstate="print">
-              <a:extLst>
-                <a:ext uri="{28A0092B-C50C-407E-A947-70E740481C1C}">
-                  <a14:useLocalDpi xmlns:a14="http://schemas.microsoft.com/office/drawing/2010/main" val="0"/>
-                </a:ext>
-              </a:extLst>
-            </a:blip>
-            <a:stretch>
-              <a:fillRect/>
-            </a:stretch>
-          </p:blipFill>
-          <p:spPr>
-            <a:xfrm>
-              <a:off x="7663611" y="5743576"/>
-              <a:ext cx="410021" cy="552450"/>
-            </a:xfrm>
-            <a:prstGeom prst="rect">
-              <a:avLst/>
-            </a:prstGeom>
-          </p:spPr>
-        </p:pic>
-        <p:pic>
-          <p:nvPicPr>
-            <p:cNvPr id="9" name="Content Placeholder 3"/>
-            <p:cNvPicPr>
-              <a:picLocks noChangeAspect="1"/>
-            </p:cNvPicPr>
-            <p:nvPr/>
-          </p:nvPicPr>
-          <p:blipFill>
-            <a:blip r:embed="rId2" cstate="print">
-              <a:extLst>
-                <a:ext uri="{28A0092B-C50C-407E-A947-70E740481C1C}">
-                  <a14:useLocalDpi xmlns:a14="http://schemas.microsoft.com/office/drawing/2010/main" val="0"/>
-                </a:ext>
-              </a:extLst>
-            </a:blip>
-            <a:stretch>
-              <a:fillRect/>
-            </a:stretch>
-          </p:blipFill>
-          <p:spPr>
-            <a:xfrm>
-              <a:off x="8073632" y="5743576"/>
-              <a:ext cx="410021" cy="552450"/>
-            </a:xfrm>
-            <a:prstGeom prst="rect">
-              <a:avLst/>
-            </a:prstGeom>
-          </p:spPr>
-        </p:pic>
-        <p:pic>
-          <p:nvPicPr>
-            <p:cNvPr id="10" name="Content Placeholder 3"/>
-            <p:cNvPicPr>
-              <a:picLocks noChangeAspect="1"/>
-            </p:cNvPicPr>
-            <p:nvPr/>
-          </p:nvPicPr>
-          <p:blipFill>
-            <a:blip r:embed="rId2" cstate="print">
-              <a:extLst>
-                <a:ext uri="{28A0092B-C50C-407E-A947-70E740481C1C}">
-                  <a14:useLocalDpi xmlns:a14="http://schemas.microsoft.com/office/drawing/2010/main" val="0"/>
-                </a:ext>
-              </a:extLst>
-            </a:blip>
-            <a:stretch>
-              <a:fillRect/>
-            </a:stretch>
-          </p:blipFill>
-          <p:spPr>
-            <a:xfrm>
-              <a:off x="8483653" y="5743576"/>
-              <a:ext cx="410021" cy="552450"/>
-            </a:xfrm>
-            <a:prstGeom prst="rect">
-              <a:avLst/>
-            </a:prstGeom>
-          </p:spPr>
-        </p:pic>
-        <p:pic>
-          <p:nvPicPr>
-            <p:cNvPr id="11" name="Content Placeholder 3"/>
-            <p:cNvPicPr>
-              <a:picLocks noChangeAspect="1"/>
-            </p:cNvPicPr>
-            <p:nvPr/>
-          </p:nvPicPr>
-          <p:blipFill>
-            <a:blip r:embed="rId2" cstate="print">
-              <a:extLst>
-                <a:ext uri="{28A0092B-C50C-407E-A947-70E740481C1C}">
-                  <a14:useLocalDpi xmlns:a14="http://schemas.microsoft.com/office/drawing/2010/main" val="0"/>
-                </a:ext>
-              </a:extLst>
-            </a:blip>
-            <a:stretch>
-              <a:fillRect/>
-            </a:stretch>
-          </p:blipFill>
-          <p:spPr>
-            <a:xfrm>
-              <a:off x="8893674" y="5743576"/>
-              <a:ext cx="410021" cy="552450"/>
-            </a:xfrm>
-            <a:prstGeom prst="rect">
-              <a:avLst/>
-            </a:prstGeom>
-          </p:spPr>
-        </p:pic>
-        <p:pic>
-          <p:nvPicPr>
-            <p:cNvPr id="12" name="Content Placeholder 3"/>
-            <p:cNvPicPr>
-              <a:picLocks noChangeAspect="1"/>
-            </p:cNvPicPr>
-            <p:nvPr/>
-          </p:nvPicPr>
-          <p:blipFill>
-            <a:blip r:embed="rId2" cstate="print">
-              <a:extLst>
-                <a:ext uri="{28A0092B-C50C-407E-A947-70E740481C1C}">
-                  <a14:useLocalDpi xmlns:a14="http://schemas.microsoft.com/office/drawing/2010/main" val="0"/>
-                </a:ext>
-              </a:extLst>
-            </a:blip>
-            <a:stretch>
-              <a:fillRect/>
-            </a:stretch>
-          </p:blipFill>
-          <p:spPr>
-            <a:xfrm>
-              <a:off x="9303695" y="5743576"/>
-              <a:ext cx="410021" cy="552450"/>
-            </a:xfrm>
-            <a:prstGeom prst="rect">
-              <a:avLst/>
-            </a:prstGeom>
-          </p:spPr>
-        </p:pic>
-        <p:pic>
-          <p:nvPicPr>
-            <p:cNvPr id="13" name="Content Placeholder 3"/>
-            <p:cNvPicPr>
-              <a:picLocks noChangeAspect="1"/>
-            </p:cNvPicPr>
-            <p:nvPr/>
-          </p:nvPicPr>
-          <p:blipFill>
-            <a:blip r:embed="rId2" cstate="print">
-              <a:extLst>
-                <a:ext uri="{28A0092B-C50C-407E-A947-70E740481C1C}">
-                  <a14:useLocalDpi xmlns:a14="http://schemas.microsoft.com/office/drawing/2010/main" val="0"/>
-                </a:ext>
-              </a:extLst>
-            </a:blip>
-            <a:stretch>
-              <a:fillRect/>
-            </a:stretch>
-          </p:blipFill>
-          <p:spPr>
-            <a:xfrm>
-              <a:off x="9713716" y="5743577"/>
-              <a:ext cx="410021" cy="552450"/>
-            </a:xfrm>
-            <a:prstGeom prst="rect">
-              <a:avLst/>
-            </a:prstGeom>
-          </p:spPr>
-        </p:pic>
-        <p:pic>
-          <p:nvPicPr>
-            <p:cNvPr id="14" name="Content Placeholder 3"/>
-            <p:cNvPicPr>
-              <a:picLocks noChangeAspect="1"/>
-            </p:cNvPicPr>
-            <p:nvPr/>
-          </p:nvPicPr>
-          <p:blipFill>
-            <a:blip r:embed="rId2" cstate="print">
-              <a:extLst>
-                <a:ext uri="{28A0092B-C50C-407E-A947-70E740481C1C}">
-                  <a14:useLocalDpi xmlns:a14="http://schemas.microsoft.com/office/drawing/2010/main" val="0"/>
-                </a:ext>
-              </a:extLst>
-            </a:blip>
-            <a:stretch>
-              <a:fillRect/>
-            </a:stretch>
-          </p:blipFill>
-          <p:spPr>
-            <a:xfrm>
-              <a:off x="10123737" y="5743576"/>
-              <a:ext cx="410021" cy="552450"/>
-            </a:xfrm>
-            <a:prstGeom prst="rect">
-              <a:avLst/>
-            </a:prstGeom>
-          </p:spPr>
-        </p:pic>
-        <p:pic>
-          <p:nvPicPr>
-            <p:cNvPr id="15" name="Content Placeholder 3"/>
-            <p:cNvPicPr>
-              <a:picLocks noChangeAspect="1"/>
-            </p:cNvPicPr>
-            <p:nvPr/>
-          </p:nvPicPr>
-          <p:blipFill>
-            <a:blip r:embed="rId2" cstate="print">
-              <a:extLst>
-                <a:ext uri="{28A0092B-C50C-407E-A947-70E740481C1C}">
-                  <a14:useLocalDpi xmlns:a14="http://schemas.microsoft.com/office/drawing/2010/main" val="0"/>
-                </a:ext>
-              </a:extLst>
-            </a:blip>
-            <a:stretch>
-              <a:fillRect/>
-            </a:stretch>
-          </p:blipFill>
-          <p:spPr>
-            <a:xfrm>
-              <a:off x="10533758" y="5743576"/>
-              <a:ext cx="410021" cy="552450"/>
-            </a:xfrm>
-            <a:prstGeom prst="rect">
-              <a:avLst/>
-            </a:prstGeom>
-          </p:spPr>
-        </p:pic>
-        <p:pic>
-          <p:nvPicPr>
-            <p:cNvPr id="16" name="Content Placeholder 3"/>
-            <p:cNvPicPr>
-              <a:picLocks noChangeAspect="1"/>
-            </p:cNvPicPr>
-            <p:nvPr/>
-          </p:nvPicPr>
-          <p:blipFill>
-            <a:blip r:embed="rId2" cstate="print">
-              <a:extLst>
-                <a:ext uri="{28A0092B-C50C-407E-A947-70E740481C1C}">
-                  <a14:useLocalDpi xmlns:a14="http://schemas.microsoft.com/office/drawing/2010/main" val="0"/>
-                </a:ext>
-              </a:extLst>
-            </a:blip>
-            <a:stretch>
-              <a:fillRect/>
-            </a:stretch>
-          </p:blipFill>
-          <p:spPr>
-            <a:xfrm>
-              <a:off x="10943779" y="5743576"/>
-              <a:ext cx="410021" cy="552450"/>
-            </a:xfrm>
-            <a:prstGeom prst="rect">
-              <a:avLst/>
-            </a:prstGeom>
-          </p:spPr>
-        </p:pic>
-        <p:sp>
-          <p:nvSpPr>
-            <p:cNvPr id="34" name="TextBox 33"/>
-            <p:cNvSpPr txBox="1"/>
-            <p:nvPr/>
-          </p:nvSpPr>
-          <p:spPr>
-            <a:xfrm>
-              <a:off x="11353800" y="6000750"/>
-              <a:ext cx="647700" cy="369332"/>
-            </a:xfrm>
-            <a:prstGeom prst="rect">
-              <a:avLst/>
-            </a:prstGeom>
-            <a:noFill/>
-          </p:spPr>
-          <p:txBody>
-            <a:bodyPr wrap="square" rtlCol="0">
-              <a:spAutoFit/>
-            </a:bodyPr>
-            <a:lstStyle/>
-            <a:p>
-              <a:r>
-                <a:rPr lang="en-GB" dirty="0" smtClean="0">
-                  <a:solidFill>
-                    <a:prstClr val="black"/>
-                  </a:solidFill>
-                </a:rPr>
-                <a:t>…….</a:t>
-              </a:r>
-              <a:endParaRPr lang="en-GB" dirty="0">
-                <a:solidFill>
-                  <a:prstClr val="black"/>
-                </a:solidFill>
-              </a:endParaRPr>
-            </a:p>
-          </p:txBody>
-        </p:sp>
-        <p:sp>
-          <p:nvSpPr>
-            <p:cNvPr id="36" name="TextBox 35"/>
-            <p:cNvSpPr txBox="1"/>
-            <p:nvPr/>
-          </p:nvSpPr>
-          <p:spPr>
-            <a:xfrm>
-              <a:off x="6219825" y="5369482"/>
-              <a:ext cx="1677371" cy="369332"/>
-            </a:xfrm>
-            <a:prstGeom prst="rect">
-              <a:avLst/>
-            </a:prstGeom>
-            <a:noFill/>
-          </p:spPr>
-          <p:txBody>
-            <a:bodyPr wrap="square" rtlCol="0">
-              <a:spAutoFit/>
-            </a:bodyPr>
-            <a:lstStyle/>
-            <a:p>
-              <a:r>
-                <a:rPr lang="en-GB" dirty="0" smtClean="0">
-                  <a:solidFill>
-                    <a:prstClr val="black"/>
-                  </a:solidFill>
-                </a:rPr>
-                <a:t>Data File</a:t>
-              </a:r>
-              <a:endParaRPr lang="en-GB" dirty="0">
-                <a:solidFill>
-                  <a:prstClr val="black"/>
-                </a:solidFill>
-              </a:endParaRPr>
-            </a:p>
-          </p:txBody>
-        </p:sp>
-      </p:grpSp>
       <p:sp>
         <p:nvSpPr>
           <p:cNvPr id="2" name="Title 1"/>
@@ -13593,1199 +12732,90 @@
             <p:ph type="title"/>
           </p:nvPr>
         </p:nvSpPr>
-        <p:spPr>
-          <a:xfrm>
-            <a:off x="838200" y="161925"/>
-            <a:ext cx="10515600" cy="771525"/>
-          </a:xfrm>
-        </p:spPr>
+        <p:spPr/>
+        <p:txBody>
+          <a:bodyPr/>
+          <a:lstStyle/>
+          <a:p>
+            <a:r>
+              <a:rPr lang="en-GB" dirty="0" smtClean="0"/>
+              <a:t>Write Ahead Logging</a:t>
+            </a:r>
+            <a:endParaRPr lang="en-GB" dirty="0"/>
+          </a:p>
+        </p:txBody>
+      </p:sp>
+      <p:sp>
+        <p:nvSpPr>
+          <p:cNvPr id="3" name="Content Placeholder 2"/>
+          <p:cNvSpPr>
+            <a:spLocks noGrp="1"/>
+          </p:cNvSpPr>
+          <p:nvPr>
+            <p:ph idx="1"/>
+          </p:nvPr>
+        </p:nvSpPr>
+        <p:spPr/>
         <p:txBody>
           <a:bodyPr>
-            <a:normAutofit/>
+            <a:normAutofit lnSpcReduction="10000"/>
           </a:bodyPr>
           <a:lstStyle/>
           <a:p>
             <a:r>
               <a:rPr lang="en-GB" dirty="0" smtClean="0"/>
-              <a:t>Diagram of QE to Storage Engine (Update)</a:t>
+              <a:t>Query hits SQL</a:t>
+            </a:r>
+          </a:p>
+          <a:p>
+            <a:r>
+              <a:rPr lang="en-GB" dirty="0" smtClean="0"/>
+              <a:t>SQL finds the data to modify, puts pages in memory</a:t>
+            </a:r>
+          </a:p>
+          <a:p>
+            <a:r>
+              <a:rPr lang="en-GB" dirty="0" smtClean="0"/>
+              <a:t>Changes made to the in memory data page</a:t>
+            </a:r>
+          </a:p>
+          <a:p>
+            <a:r>
+              <a:rPr lang="en-GB" dirty="0" smtClean="0"/>
+              <a:t>And recorded in the log buffer (in memory)</a:t>
+            </a:r>
+          </a:p>
+          <a:p>
+            <a:r>
+              <a:rPr lang="en-GB" dirty="0" smtClean="0"/>
+              <a:t>On commit, log buffer written to transaction log</a:t>
+            </a:r>
+          </a:p>
+          <a:p>
+            <a:r>
+              <a:rPr lang="en-GB" dirty="0" smtClean="0"/>
+              <a:t>Writes to log are sequential</a:t>
+            </a:r>
+          </a:p>
+          <a:p>
+            <a:r>
+              <a:rPr lang="en-GB" dirty="0" smtClean="0"/>
+              <a:t>Once written NOTHING should touch that part of disk</a:t>
+            </a:r>
+          </a:p>
+          <a:p>
+            <a:r>
+              <a:rPr lang="en-GB" dirty="0" smtClean="0"/>
+              <a:t>Data is NOT written to data files until later</a:t>
             </a:r>
             <a:endParaRPr lang="en-GB" dirty="0"/>
           </a:p>
         </p:txBody>
       </p:sp>
-      <p:grpSp>
-        <p:nvGrpSpPr>
-          <p:cNvPr id="43" name="Group 42"/>
-          <p:cNvGrpSpPr/>
-          <p:nvPr/>
-        </p:nvGrpSpPr>
-        <p:grpSpPr>
-          <a:xfrm>
-            <a:off x="354225" y="3803153"/>
-            <a:ext cx="3744264" cy="1006972"/>
-            <a:chOff x="6219826" y="3052765"/>
-            <a:chExt cx="5721244" cy="1790700"/>
-          </a:xfrm>
-          <a:solidFill>
-            <a:srgbClr val="92D050"/>
-          </a:solidFill>
-        </p:grpSpPr>
-        <p:sp>
-          <p:nvSpPr>
-            <p:cNvPr id="44" name="Rectangle 43"/>
-            <p:cNvSpPr/>
-            <p:nvPr/>
-          </p:nvSpPr>
-          <p:spPr>
-            <a:xfrm>
-              <a:off x="6219826" y="3052765"/>
-              <a:ext cx="5721244" cy="1790700"/>
-            </a:xfrm>
-            <a:prstGeom prst="rect">
-              <a:avLst/>
-            </a:prstGeom>
-            <a:grpFill/>
-          </p:spPr>
-          <p:style>
-            <a:lnRef idx="2">
-              <a:schemeClr val="accent1">
-                <a:shade val="50000"/>
-              </a:schemeClr>
-            </a:lnRef>
-            <a:fillRef idx="1">
-              <a:schemeClr val="accent1"/>
-            </a:fillRef>
-            <a:effectRef idx="0">
-              <a:schemeClr val="accent1"/>
-            </a:effectRef>
-            <a:fontRef idx="minor">
-              <a:schemeClr val="lt1"/>
-            </a:fontRef>
-          </p:style>
-          <p:txBody>
-            <a:bodyPr rtlCol="0" anchor="ctr"/>
-            <a:lstStyle/>
-            <a:p>
-              <a:pPr algn="ctr"/>
-              <a:endParaRPr lang="en-GB" dirty="0">
-                <a:solidFill>
-                  <a:prstClr val="white"/>
-                </a:solidFill>
-              </a:endParaRPr>
-            </a:p>
-          </p:txBody>
-        </p:sp>
-        <p:sp>
-          <p:nvSpPr>
-            <p:cNvPr id="45" name="TextBox 44"/>
-            <p:cNvSpPr txBox="1"/>
-            <p:nvPr/>
-          </p:nvSpPr>
-          <p:spPr>
-            <a:xfrm>
-              <a:off x="6242675" y="3088943"/>
-              <a:ext cx="1831763" cy="656784"/>
-            </a:xfrm>
-            <a:prstGeom prst="rect">
-              <a:avLst/>
-            </a:prstGeom>
-            <a:grpFill/>
-          </p:spPr>
-          <p:txBody>
-            <a:bodyPr wrap="square" rtlCol="0">
-              <a:spAutoFit/>
-            </a:bodyPr>
-            <a:lstStyle/>
-            <a:p>
-              <a:r>
-                <a:rPr lang="en-GB" dirty="0" smtClean="0">
-                  <a:solidFill>
-                    <a:prstClr val="black"/>
-                  </a:solidFill>
-                </a:rPr>
-                <a:t>Log Buffer</a:t>
-              </a:r>
-              <a:endParaRPr lang="en-GB" dirty="0">
-                <a:solidFill>
-                  <a:prstClr val="black"/>
-                </a:solidFill>
-              </a:endParaRPr>
-            </a:p>
-          </p:txBody>
-        </p:sp>
-      </p:grpSp>
-      <p:sp>
-        <p:nvSpPr>
-          <p:cNvPr id="46" name="Rectangle 45"/>
-          <p:cNvSpPr/>
-          <p:nvPr/>
-        </p:nvSpPr>
-        <p:spPr>
-          <a:xfrm>
-            <a:off x="4098489" y="2286001"/>
-            <a:ext cx="1997511" cy="1295399"/>
-          </a:xfrm>
-          <a:prstGeom prst="rect">
-            <a:avLst/>
-          </a:prstGeom>
-        </p:spPr>
-        <p:style>
-          <a:lnRef idx="2">
-            <a:schemeClr val="accent4">
-              <a:shade val="50000"/>
-            </a:schemeClr>
-          </a:lnRef>
-          <a:fillRef idx="1">
-            <a:schemeClr val="accent4"/>
-          </a:fillRef>
-          <a:effectRef idx="0">
-            <a:schemeClr val="accent4"/>
-          </a:effectRef>
-          <a:fontRef idx="minor">
-            <a:schemeClr val="lt1"/>
-          </a:fontRef>
-        </p:style>
-        <p:txBody>
-          <a:bodyPr rtlCol="0" anchor="ctr"/>
-          <a:lstStyle/>
-          <a:p>
-            <a:pPr algn="ctr"/>
-            <a:endParaRPr lang="en-GB" dirty="0">
-              <a:solidFill>
-                <a:prstClr val="white"/>
-              </a:solidFill>
-            </a:endParaRPr>
-          </a:p>
-        </p:txBody>
-      </p:sp>
-      <p:sp>
-        <p:nvSpPr>
-          <p:cNvPr id="47" name="Rectangle 46"/>
-          <p:cNvSpPr/>
-          <p:nvPr/>
-        </p:nvSpPr>
-        <p:spPr>
-          <a:xfrm>
-            <a:off x="4098488" y="983755"/>
-            <a:ext cx="1997511" cy="1295399"/>
-          </a:xfrm>
-          <a:prstGeom prst="rect">
-            <a:avLst/>
-          </a:prstGeom>
-        </p:spPr>
-        <p:style>
-          <a:lnRef idx="2">
-            <a:schemeClr val="accent4">
-              <a:shade val="50000"/>
-            </a:schemeClr>
-          </a:lnRef>
-          <a:fillRef idx="1">
-            <a:schemeClr val="accent4"/>
-          </a:fillRef>
-          <a:effectRef idx="0">
-            <a:schemeClr val="accent4"/>
-          </a:effectRef>
-          <a:fontRef idx="minor">
-            <a:schemeClr val="lt1"/>
-          </a:fontRef>
-        </p:style>
-        <p:txBody>
-          <a:bodyPr rtlCol="0" anchor="ctr"/>
-          <a:lstStyle/>
-          <a:p>
-            <a:pPr algn="ctr"/>
-            <a:endParaRPr lang="en-GB">
-              <a:solidFill>
-                <a:prstClr val="white"/>
-              </a:solidFill>
-            </a:endParaRPr>
-          </a:p>
-        </p:txBody>
-      </p:sp>
-      <p:sp>
-        <p:nvSpPr>
-          <p:cNvPr id="48" name="TextBox 47"/>
-          <p:cNvSpPr txBox="1"/>
-          <p:nvPr/>
-        </p:nvSpPr>
-        <p:spPr>
-          <a:xfrm>
-            <a:off x="4098488" y="991671"/>
-            <a:ext cx="1819274" cy="369332"/>
-          </a:xfrm>
-          <a:prstGeom prst="rect">
-            <a:avLst/>
-          </a:prstGeom>
-          <a:noFill/>
-        </p:spPr>
-        <p:txBody>
-          <a:bodyPr wrap="square" rtlCol="0">
-            <a:spAutoFit/>
-          </a:bodyPr>
-          <a:lstStyle/>
-          <a:p>
-            <a:r>
-              <a:rPr lang="en-GB" dirty="0" smtClean="0">
-                <a:solidFill>
-                  <a:prstClr val="black"/>
-                </a:solidFill>
-              </a:rPr>
-              <a:t>Query Optimizer</a:t>
-            </a:r>
-            <a:endParaRPr lang="en-GB" dirty="0">
-              <a:solidFill>
-                <a:prstClr val="black"/>
-              </a:solidFill>
-            </a:endParaRPr>
-          </a:p>
-        </p:txBody>
-      </p:sp>
-      <p:sp>
-        <p:nvSpPr>
-          <p:cNvPr id="49" name="TextBox 48"/>
-          <p:cNvSpPr txBox="1"/>
-          <p:nvPr/>
-        </p:nvSpPr>
-        <p:spPr>
-          <a:xfrm>
-            <a:off x="4106644" y="2304037"/>
-            <a:ext cx="1819274" cy="369332"/>
-          </a:xfrm>
-          <a:prstGeom prst="rect">
-            <a:avLst/>
-          </a:prstGeom>
-          <a:noFill/>
-        </p:spPr>
-        <p:txBody>
-          <a:bodyPr wrap="square" rtlCol="0">
-            <a:spAutoFit/>
-          </a:bodyPr>
-          <a:lstStyle/>
-          <a:p>
-            <a:r>
-              <a:rPr lang="en-GB" dirty="0" smtClean="0">
-                <a:solidFill>
-                  <a:prstClr val="black"/>
-                </a:solidFill>
-              </a:rPr>
-              <a:t>Storage Engine</a:t>
-            </a:r>
-            <a:endParaRPr lang="en-GB" dirty="0">
-              <a:solidFill>
-                <a:prstClr val="black"/>
-              </a:solidFill>
-            </a:endParaRPr>
-          </a:p>
-        </p:txBody>
-      </p:sp>
-      <p:sp>
-        <p:nvSpPr>
-          <p:cNvPr id="50" name="Rectangle 49"/>
-          <p:cNvSpPr/>
-          <p:nvPr/>
-        </p:nvSpPr>
-        <p:spPr>
-          <a:xfrm>
-            <a:off x="466725" y="1176337"/>
-            <a:ext cx="933895" cy="566738"/>
-          </a:xfrm>
-          <a:prstGeom prst="rect">
-            <a:avLst/>
-          </a:prstGeom>
-          <a:solidFill>
-            <a:schemeClr val="accent2">
-              <a:lumMod val="60000"/>
-              <a:lumOff val="40000"/>
-            </a:schemeClr>
-          </a:solidFill>
-        </p:spPr>
-        <p:style>
-          <a:lnRef idx="2">
-            <a:schemeClr val="accent1">
-              <a:shade val="50000"/>
-            </a:schemeClr>
-          </a:lnRef>
-          <a:fillRef idx="1">
-            <a:schemeClr val="accent1"/>
-          </a:fillRef>
-          <a:effectRef idx="0">
-            <a:schemeClr val="accent1"/>
-          </a:effectRef>
-          <a:fontRef idx="minor">
-            <a:schemeClr val="lt1"/>
-          </a:fontRef>
-        </p:style>
-        <p:txBody>
-          <a:bodyPr rtlCol="0" anchor="ctr"/>
-          <a:lstStyle/>
-          <a:p>
-            <a:pPr algn="ctr"/>
-            <a:r>
-              <a:rPr lang="en-GB" dirty="0" smtClean="0">
-                <a:solidFill>
-                  <a:prstClr val="black"/>
-                </a:solidFill>
-              </a:rPr>
-              <a:t>Update Query</a:t>
-            </a:r>
-            <a:endParaRPr lang="en-GB" dirty="0">
-              <a:solidFill>
-                <a:prstClr val="black"/>
-              </a:solidFill>
-            </a:endParaRPr>
-          </a:p>
-        </p:txBody>
-      </p:sp>
-      <p:cxnSp>
-        <p:nvCxnSpPr>
-          <p:cNvPr id="52" name="Straight Arrow Connector 51"/>
-          <p:cNvCxnSpPr>
-            <a:stCxn id="50" idx="3"/>
-          </p:cNvCxnSpPr>
-          <p:nvPr/>
-        </p:nvCxnSpPr>
-        <p:spPr>
-          <a:xfrm>
-            <a:off x="1400620" y="1459706"/>
-            <a:ext cx="2697868" cy="0"/>
-          </a:xfrm>
-          <a:prstGeom prst="straightConnector1">
-            <a:avLst/>
-          </a:prstGeom>
-          <a:ln>
-            <a:tailEnd type="triangle"/>
-          </a:ln>
-        </p:spPr>
-        <p:style>
-          <a:lnRef idx="1">
-            <a:schemeClr val="accent1"/>
-          </a:lnRef>
-          <a:fillRef idx="0">
-            <a:schemeClr val="accent1"/>
-          </a:fillRef>
-          <a:effectRef idx="0">
-            <a:schemeClr val="accent1"/>
-          </a:effectRef>
-          <a:fontRef idx="minor">
-            <a:schemeClr val="tx1"/>
-          </a:fontRef>
-        </p:style>
-      </p:cxnSp>
-      <p:sp>
-        <p:nvSpPr>
-          <p:cNvPr id="53" name="TextBox 52"/>
-          <p:cNvSpPr txBox="1"/>
-          <p:nvPr/>
-        </p:nvSpPr>
-        <p:spPr>
-          <a:xfrm>
-            <a:off x="4233009" y="1377970"/>
-            <a:ext cx="706204" cy="369332"/>
-          </a:xfrm>
-          <a:prstGeom prst="rect">
-            <a:avLst/>
-          </a:prstGeom>
-          <a:noFill/>
-        </p:spPr>
-        <p:txBody>
-          <a:bodyPr wrap="square" rtlCol="0">
-            <a:spAutoFit/>
-          </a:bodyPr>
-          <a:lstStyle/>
-          <a:p>
-            <a:r>
-              <a:rPr lang="en-GB" dirty="0" smtClean="0">
-                <a:solidFill>
-                  <a:srgbClr val="5B9BD5">
-                    <a:lumMod val="50000"/>
-                  </a:srgbClr>
-                </a:solidFill>
-              </a:rPr>
-              <a:t>Parse</a:t>
-            </a:r>
-          </a:p>
-        </p:txBody>
-      </p:sp>
-      <p:sp>
-        <p:nvSpPr>
-          <p:cNvPr id="54" name="TextBox 53"/>
-          <p:cNvSpPr txBox="1"/>
-          <p:nvPr/>
-        </p:nvSpPr>
-        <p:spPr>
-          <a:xfrm>
-            <a:off x="5073734" y="1377970"/>
-            <a:ext cx="706204" cy="369332"/>
-          </a:xfrm>
-          <a:prstGeom prst="rect">
-            <a:avLst/>
-          </a:prstGeom>
-          <a:noFill/>
-        </p:spPr>
-        <p:txBody>
-          <a:bodyPr wrap="square" rtlCol="0">
-            <a:spAutoFit/>
-          </a:bodyPr>
-          <a:lstStyle/>
-          <a:p>
-            <a:r>
-              <a:rPr lang="en-GB" dirty="0" smtClean="0">
-                <a:solidFill>
-                  <a:srgbClr val="5B9BD5">
-                    <a:lumMod val="50000"/>
-                  </a:srgbClr>
-                </a:solidFill>
-              </a:rPr>
-              <a:t>Bind</a:t>
-            </a:r>
-          </a:p>
-        </p:txBody>
-      </p:sp>
-      <p:sp>
-        <p:nvSpPr>
-          <p:cNvPr id="55" name="TextBox 54"/>
-          <p:cNvSpPr txBox="1"/>
-          <p:nvPr/>
-        </p:nvSpPr>
-        <p:spPr>
-          <a:xfrm>
-            <a:off x="4106644" y="1740487"/>
-            <a:ext cx="1053366" cy="369332"/>
-          </a:xfrm>
-          <a:prstGeom prst="rect">
-            <a:avLst/>
-          </a:prstGeom>
-          <a:noFill/>
-        </p:spPr>
-        <p:txBody>
-          <a:bodyPr wrap="square" rtlCol="0">
-            <a:spAutoFit/>
-          </a:bodyPr>
-          <a:lstStyle/>
-          <a:p>
-            <a:r>
-              <a:rPr lang="en-GB" dirty="0" smtClean="0">
-                <a:solidFill>
-                  <a:srgbClr val="5B9BD5">
-                    <a:lumMod val="50000"/>
-                  </a:srgbClr>
-                </a:solidFill>
-              </a:rPr>
-              <a:t>Optimize</a:t>
-            </a:r>
-          </a:p>
-        </p:txBody>
-      </p:sp>
-      <p:sp>
-        <p:nvSpPr>
-          <p:cNvPr id="56" name="TextBox 55"/>
-          <p:cNvSpPr txBox="1"/>
-          <p:nvPr/>
-        </p:nvSpPr>
-        <p:spPr>
-          <a:xfrm>
-            <a:off x="5079194" y="1740845"/>
-            <a:ext cx="1053366" cy="369332"/>
-          </a:xfrm>
-          <a:prstGeom prst="rect">
-            <a:avLst/>
-          </a:prstGeom>
-          <a:noFill/>
-        </p:spPr>
-        <p:txBody>
-          <a:bodyPr wrap="square" rtlCol="0">
-            <a:spAutoFit/>
-          </a:bodyPr>
-          <a:lstStyle/>
-          <a:p>
-            <a:r>
-              <a:rPr lang="en-GB" dirty="0" smtClean="0">
-                <a:solidFill>
-                  <a:srgbClr val="5B9BD5">
-                    <a:lumMod val="50000"/>
-                  </a:srgbClr>
-                </a:solidFill>
-              </a:rPr>
-              <a:t>Execute</a:t>
-            </a:r>
-          </a:p>
-        </p:txBody>
-      </p:sp>
-      <p:cxnSp>
-        <p:nvCxnSpPr>
-          <p:cNvPr id="58" name="Straight Connector 57"/>
-          <p:cNvCxnSpPr/>
-          <p:nvPr/>
-        </p:nvCxnSpPr>
-        <p:spPr>
-          <a:xfrm flipV="1">
-            <a:off x="4098488" y="2752725"/>
-            <a:ext cx="1997511" cy="9525"/>
-          </a:xfrm>
-          <a:prstGeom prst="line">
-            <a:avLst/>
-          </a:prstGeom>
-        </p:spPr>
-        <p:style>
-          <a:lnRef idx="1">
-            <a:schemeClr val="accent1"/>
-          </a:lnRef>
-          <a:fillRef idx="0">
-            <a:schemeClr val="accent1"/>
-          </a:fillRef>
-          <a:effectRef idx="0">
-            <a:schemeClr val="accent1"/>
-          </a:effectRef>
-          <a:fontRef idx="minor">
-            <a:schemeClr val="tx1"/>
-          </a:fontRef>
-        </p:style>
-      </p:cxnSp>
-      <p:cxnSp>
-        <p:nvCxnSpPr>
-          <p:cNvPr id="60" name="Straight Connector 59"/>
-          <p:cNvCxnSpPr>
-            <a:stCxn id="46" idx="2"/>
-          </p:cNvCxnSpPr>
-          <p:nvPr/>
-        </p:nvCxnSpPr>
-        <p:spPr>
-          <a:xfrm flipH="1" flipV="1">
-            <a:off x="5097243" y="2768352"/>
-            <a:ext cx="2" cy="813048"/>
-          </a:xfrm>
-          <a:prstGeom prst="line">
-            <a:avLst/>
-          </a:prstGeom>
-        </p:spPr>
-        <p:style>
-          <a:lnRef idx="1">
-            <a:schemeClr val="accent1"/>
-          </a:lnRef>
-          <a:fillRef idx="0">
-            <a:schemeClr val="accent1"/>
-          </a:fillRef>
-          <a:effectRef idx="0">
-            <a:schemeClr val="accent1"/>
-          </a:effectRef>
-          <a:fontRef idx="minor">
-            <a:schemeClr val="tx1"/>
-          </a:fontRef>
-        </p:style>
-      </p:cxnSp>
-      <p:sp>
-        <p:nvSpPr>
-          <p:cNvPr id="62" name="TextBox 61"/>
-          <p:cNvSpPr txBox="1"/>
-          <p:nvPr/>
-        </p:nvSpPr>
-        <p:spPr>
-          <a:xfrm>
-            <a:off x="5160009" y="2917214"/>
-            <a:ext cx="935990" cy="523220"/>
-          </a:xfrm>
-          <a:prstGeom prst="rect">
-            <a:avLst/>
-          </a:prstGeom>
-          <a:noFill/>
-        </p:spPr>
-        <p:txBody>
-          <a:bodyPr wrap="square" rtlCol="0">
-            <a:spAutoFit/>
-          </a:bodyPr>
-          <a:lstStyle/>
-          <a:p>
-            <a:r>
-              <a:rPr lang="en-GB" sz="1400" dirty="0" smtClean="0">
-                <a:solidFill>
-                  <a:prstClr val="black"/>
-                </a:solidFill>
-              </a:rPr>
-              <a:t>Buffer </a:t>
-            </a:r>
-            <a:r>
-              <a:rPr lang="en-GB" sz="1400" dirty="0">
-                <a:solidFill>
-                  <a:prstClr val="black"/>
-                </a:solidFill>
-              </a:rPr>
-              <a:t>Manager</a:t>
-            </a:r>
-          </a:p>
-        </p:txBody>
-      </p:sp>
-      <p:cxnSp>
-        <p:nvCxnSpPr>
-          <p:cNvPr id="27" name="Straight Arrow Connector 26"/>
-          <p:cNvCxnSpPr>
-            <a:endCxn id="25" idx="1"/>
-          </p:cNvCxnSpPr>
-          <p:nvPr/>
-        </p:nvCxnSpPr>
-        <p:spPr>
-          <a:xfrm>
-            <a:off x="5646656" y="3581400"/>
-            <a:ext cx="573169" cy="725239"/>
-          </a:xfrm>
-          <a:prstGeom prst="straightConnector1">
-            <a:avLst/>
-          </a:prstGeom>
-          <a:ln>
-            <a:tailEnd type="triangle"/>
-          </a:ln>
-        </p:spPr>
-        <p:style>
-          <a:lnRef idx="1">
-            <a:schemeClr val="accent1"/>
-          </a:lnRef>
-          <a:fillRef idx="0">
-            <a:schemeClr val="accent1"/>
-          </a:fillRef>
-          <a:effectRef idx="0">
-            <a:schemeClr val="accent1"/>
-          </a:effectRef>
-          <a:fontRef idx="minor">
-            <a:schemeClr val="tx1"/>
-          </a:fontRef>
-        </p:style>
-      </p:cxnSp>
-      <p:cxnSp>
-        <p:nvCxnSpPr>
-          <p:cNvPr id="31" name="Straight Arrow Connector 30"/>
-          <p:cNvCxnSpPr/>
-          <p:nvPr/>
-        </p:nvCxnSpPr>
-        <p:spPr>
-          <a:xfrm flipV="1">
-            <a:off x="4106644" y="3574553"/>
-            <a:ext cx="360581" cy="530723"/>
-          </a:xfrm>
-          <a:prstGeom prst="straightConnector1">
-            <a:avLst/>
-          </a:prstGeom>
-          <a:ln>
-            <a:tailEnd type="triangle"/>
-          </a:ln>
-        </p:spPr>
-        <p:style>
-          <a:lnRef idx="1">
-            <a:schemeClr val="accent1"/>
-          </a:lnRef>
-          <a:fillRef idx="0">
-            <a:schemeClr val="accent1"/>
-          </a:fillRef>
-          <a:effectRef idx="0">
-            <a:schemeClr val="accent1"/>
-          </a:effectRef>
-          <a:fontRef idx="minor">
-            <a:schemeClr val="tx1"/>
-          </a:fontRef>
-        </p:style>
-      </p:cxnSp>
-      <p:cxnSp>
-        <p:nvCxnSpPr>
-          <p:cNvPr id="51" name="Straight Arrow Connector 50"/>
-          <p:cNvCxnSpPr/>
-          <p:nvPr/>
-        </p:nvCxnSpPr>
-        <p:spPr>
-          <a:xfrm flipH="1">
-            <a:off x="1424640" y="2051090"/>
-            <a:ext cx="2673848" cy="0"/>
-          </a:xfrm>
-          <a:prstGeom prst="straightConnector1">
-            <a:avLst/>
-          </a:prstGeom>
-          <a:ln>
-            <a:tailEnd type="triangle"/>
-          </a:ln>
-        </p:spPr>
-        <p:style>
-          <a:lnRef idx="1">
-            <a:schemeClr val="accent1"/>
-          </a:lnRef>
-          <a:fillRef idx="0">
-            <a:schemeClr val="accent1"/>
-          </a:fillRef>
-          <a:effectRef idx="0">
-            <a:schemeClr val="accent1"/>
-          </a:effectRef>
-          <a:fontRef idx="minor">
-            <a:schemeClr val="tx1"/>
-          </a:fontRef>
-        </p:style>
-      </p:cxnSp>
-      <p:sp>
-        <p:nvSpPr>
-          <p:cNvPr id="65" name="Rectangle 64"/>
-          <p:cNvSpPr/>
-          <p:nvPr/>
-        </p:nvSpPr>
-        <p:spPr>
-          <a:xfrm>
-            <a:off x="466725" y="1747302"/>
-            <a:ext cx="933895" cy="566738"/>
-          </a:xfrm>
-          <a:prstGeom prst="rect">
-            <a:avLst/>
-          </a:prstGeom>
-          <a:solidFill>
-            <a:schemeClr val="accent2">
-              <a:lumMod val="60000"/>
-              <a:lumOff val="40000"/>
-            </a:schemeClr>
-          </a:solidFill>
-        </p:spPr>
-        <p:style>
-          <a:lnRef idx="2">
-            <a:schemeClr val="accent1">
-              <a:shade val="50000"/>
-            </a:schemeClr>
-          </a:lnRef>
-          <a:fillRef idx="1">
-            <a:schemeClr val="accent1"/>
-          </a:fillRef>
-          <a:effectRef idx="0">
-            <a:schemeClr val="accent1"/>
-          </a:effectRef>
-          <a:fontRef idx="minor">
-            <a:schemeClr val="lt1"/>
-          </a:fontRef>
-        </p:style>
-        <p:txBody>
-          <a:bodyPr rtlCol="0" anchor="ctr"/>
-          <a:lstStyle/>
-          <a:p>
-            <a:pPr algn="ctr"/>
-            <a:r>
-              <a:rPr lang="en-GB" dirty="0" smtClean="0">
-                <a:solidFill>
-                  <a:prstClr val="black"/>
-                </a:solidFill>
-              </a:rPr>
-              <a:t>Results</a:t>
-            </a:r>
-            <a:endParaRPr lang="en-GB" dirty="0">
-              <a:solidFill>
-                <a:prstClr val="black"/>
-              </a:solidFill>
-            </a:endParaRPr>
-          </a:p>
-        </p:txBody>
-      </p:sp>
-      <p:sp>
-        <p:nvSpPr>
-          <p:cNvPr id="63" name="TextBox 62"/>
-          <p:cNvSpPr txBox="1"/>
-          <p:nvPr/>
-        </p:nvSpPr>
-        <p:spPr>
-          <a:xfrm>
-            <a:off x="4106644" y="2917214"/>
-            <a:ext cx="1053364" cy="523220"/>
-          </a:xfrm>
-          <a:prstGeom prst="rect">
-            <a:avLst/>
-          </a:prstGeom>
-          <a:noFill/>
-        </p:spPr>
-        <p:txBody>
-          <a:bodyPr wrap="square" rtlCol="0">
-            <a:spAutoFit/>
-          </a:bodyPr>
-          <a:lstStyle/>
-          <a:p>
-            <a:r>
-              <a:rPr lang="en-GB" sz="1400" dirty="0" smtClean="0">
-                <a:solidFill>
-                  <a:prstClr val="black"/>
-                </a:solidFill>
-              </a:rPr>
-              <a:t>Transaction Services</a:t>
-            </a:r>
-            <a:endParaRPr lang="en-GB" sz="1400" dirty="0">
-              <a:solidFill>
-                <a:prstClr val="black"/>
-              </a:solidFill>
-            </a:endParaRPr>
-          </a:p>
-        </p:txBody>
-      </p:sp>
-      <p:pic>
-        <p:nvPicPr>
-          <p:cNvPr id="66" name="Content Placeholder 3"/>
-          <p:cNvPicPr>
-            <a:picLocks noChangeAspect="1"/>
-          </p:cNvPicPr>
-          <p:nvPr/>
-        </p:nvPicPr>
-        <p:blipFill>
-          <a:blip r:embed="rId2" cstate="print">
-            <a:extLst>
-              <a:ext uri="{28A0092B-C50C-407E-A947-70E740481C1C}">
-                <a14:useLocalDpi xmlns:a14="http://schemas.microsoft.com/office/drawing/2010/main" val="0"/>
-              </a:ext>
-            </a:extLst>
-          </a:blip>
-          <a:stretch>
-            <a:fillRect/>
-          </a:stretch>
-        </p:blipFill>
-        <p:spPr>
-          <a:xfrm>
-            <a:off x="6413868" y="4164571"/>
-            <a:ext cx="410021" cy="552450"/>
-          </a:xfrm>
-          <a:prstGeom prst="rect">
-            <a:avLst/>
-          </a:prstGeom>
-        </p:spPr>
-      </p:pic>
-      <p:pic>
-        <p:nvPicPr>
-          <p:cNvPr id="69" name="Content Placeholder 3"/>
-          <p:cNvPicPr>
-            <a:picLocks noChangeAspect="1"/>
-          </p:cNvPicPr>
-          <p:nvPr/>
-        </p:nvPicPr>
-        <p:blipFill>
-          <a:blip r:embed="rId2" cstate="print">
-            <a:extLst>
-              <a:ext uri="{28A0092B-C50C-407E-A947-70E740481C1C}">
-                <a14:useLocalDpi xmlns:a14="http://schemas.microsoft.com/office/drawing/2010/main" val="0"/>
-              </a:ext>
-            </a:extLst>
-          </a:blip>
-          <a:stretch>
-            <a:fillRect/>
-          </a:stretch>
-        </p:blipFill>
-        <p:spPr>
-          <a:xfrm>
-            <a:off x="7639576" y="4164571"/>
-            <a:ext cx="410021" cy="552450"/>
-          </a:xfrm>
-          <a:prstGeom prst="rect">
-            <a:avLst/>
-          </a:prstGeom>
-        </p:spPr>
-      </p:pic>
-      <p:pic>
-        <p:nvPicPr>
-          <p:cNvPr id="70" name="Picture 69"/>
-          <p:cNvPicPr>
-            <a:picLocks noChangeAspect="1"/>
-          </p:cNvPicPr>
-          <p:nvPr/>
-        </p:nvPicPr>
-        <p:blipFill>
-          <a:blip r:embed="rId3">
-            <a:extLst>
-              <a:ext uri="{28A0092B-C50C-407E-A947-70E740481C1C}">
-                <a14:useLocalDpi xmlns:a14="http://schemas.microsoft.com/office/drawing/2010/main" val="0"/>
-              </a:ext>
-            </a:extLst>
-          </a:blip>
-          <a:stretch>
-            <a:fillRect/>
-          </a:stretch>
-        </p:blipFill>
-        <p:spPr>
-          <a:xfrm>
-            <a:off x="848554" y="4163104"/>
-            <a:ext cx="408220" cy="550622"/>
-          </a:xfrm>
-          <a:prstGeom prst="rect">
-            <a:avLst/>
-          </a:prstGeom>
-        </p:spPr>
-      </p:pic>
-      <p:pic>
-        <p:nvPicPr>
-          <p:cNvPr id="71" name="Picture 70"/>
-          <p:cNvPicPr>
-            <a:picLocks noChangeAspect="1"/>
-          </p:cNvPicPr>
-          <p:nvPr/>
-        </p:nvPicPr>
-        <p:blipFill>
-          <a:blip r:embed="rId3">
-            <a:extLst>
-              <a:ext uri="{28A0092B-C50C-407E-A947-70E740481C1C}">
-                <a14:useLocalDpi xmlns:a14="http://schemas.microsoft.com/office/drawing/2010/main" val="0"/>
-              </a:ext>
-            </a:extLst>
-          </a:blip>
-          <a:stretch>
-            <a:fillRect/>
-          </a:stretch>
-        </p:blipFill>
-        <p:spPr>
-          <a:xfrm>
-            <a:off x="440328" y="4172075"/>
-            <a:ext cx="408220" cy="550622"/>
-          </a:xfrm>
-          <a:prstGeom prst="rect">
-            <a:avLst/>
-          </a:prstGeom>
-        </p:spPr>
-      </p:pic>
-      <p:cxnSp>
-        <p:nvCxnSpPr>
-          <p:cNvPr id="32" name="Straight Arrow Connector 31"/>
-          <p:cNvCxnSpPr>
-            <a:endCxn id="44" idx="3"/>
-          </p:cNvCxnSpPr>
-          <p:nvPr/>
-        </p:nvCxnSpPr>
-        <p:spPr>
-          <a:xfrm flipH="1">
-            <a:off x="4098489" y="3581400"/>
-            <a:ext cx="483036" cy="725239"/>
-          </a:xfrm>
-          <a:prstGeom prst="straightConnector1">
-            <a:avLst/>
-          </a:prstGeom>
-          <a:ln>
-            <a:tailEnd type="triangle"/>
-          </a:ln>
-        </p:spPr>
-        <p:style>
-          <a:lnRef idx="1">
-            <a:schemeClr val="accent1"/>
-          </a:lnRef>
-          <a:fillRef idx="0">
-            <a:schemeClr val="accent1"/>
-          </a:fillRef>
-          <a:effectRef idx="0">
-            <a:schemeClr val="accent1"/>
-          </a:effectRef>
-          <a:fontRef idx="minor">
-            <a:schemeClr val="tx1"/>
-          </a:fontRef>
-        </p:style>
-      </p:cxnSp>
-      <p:sp>
-        <p:nvSpPr>
-          <p:cNvPr id="75" name="TextBox 74"/>
-          <p:cNvSpPr txBox="1"/>
-          <p:nvPr/>
-        </p:nvSpPr>
-        <p:spPr>
-          <a:xfrm>
-            <a:off x="5471027" y="4828521"/>
-            <a:ext cx="1323066" cy="523220"/>
-          </a:xfrm>
-          <a:prstGeom prst="rect">
-            <a:avLst/>
-          </a:prstGeom>
-          <a:noFill/>
-        </p:spPr>
-        <p:txBody>
-          <a:bodyPr wrap="square" rtlCol="0">
-            <a:spAutoFit/>
-          </a:bodyPr>
-          <a:lstStyle/>
-          <a:p>
-            <a:r>
-              <a:rPr lang="en-GB" sz="1400" dirty="0" smtClean="0"/>
-              <a:t>Checkpoint/</a:t>
-            </a:r>
-          </a:p>
-          <a:p>
-            <a:r>
-              <a:rPr lang="en-GB" sz="1400" dirty="0" smtClean="0"/>
-              <a:t>Lazy Writer</a:t>
-            </a:r>
-            <a:endParaRPr lang="en-GB" sz="1400" dirty="0"/>
-          </a:p>
-        </p:txBody>
-      </p:sp>
-      <p:pic>
-        <p:nvPicPr>
-          <p:cNvPr id="67" name="Content Placeholder 3"/>
-          <p:cNvPicPr>
-            <a:picLocks noChangeAspect="1"/>
-          </p:cNvPicPr>
-          <p:nvPr/>
-        </p:nvPicPr>
-        <p:blipFill>
-          <a:blip r:embed="rId2" cstate="print">
-            <a:extLst>
-              <a:ext uri="{28A0092B-C50C-407E-A947-70E740481C1C}">
-                <a14:useLocalDpi xmlns:a14="http://schemas.microsoft.com/office/drawing/2010/main" val="0"/>
-              </a:ext>
-            </a:extLst>
-          </a:blip>
-          <a:stretch>
-            <a:fillRect/>
-          </a:stretch>
-        </p:blipFill>
-        <p:spPr>
-          <a:xfrm>
-            <a:off x="6832600" y="4162190"/>
-            <a:ext cx="410021" cy="552450"/>
-          </a:xfrm>
-          <a:prstGeom prst="rect">
-            <a:avLst/>
-          </a:prstGeom>
-        </p:spPr>
-      </p:pic>
-      <p:pic>
-        <p:nvPicPr>
-          <p:cNvPr id="68" name="Content Placeholder 3"/>
-          <p:cNvPicPr>
-            <a:picLocks noChangeAspect="1"/>
-          </p:cNvPicPr>
-          <p:nvPr/>
-        </p:nvPicPr>
-        <p:blipFill>
-          <a:blip r:embed="rId2" cstate="print">
-            <a:extLst>
-              <a:ext uri="{28A0092B-C50C-407E-A947-70E740481C1C}">
-                <a14:useLocalDpi xmlns:a14="http://schemas.microsoft.com/office/drawing/2010/main" val="0"/>
-              </a:ext>
-            </a:extLst>
-          </a:blip>
-          <a:stretch>
-            <a:fillRect/>
-          </a:stretch>
-        </p:blipFill>
-        <p:spPr>
-          <a:xfrm>
-            <a:off x="7239076" y="4161954"/>
-            <a:ext cx="410021" cy="552450"/>
-          </a:xfrm>
-          <a:prstGeom prst="rect">
-            <a:avLst/>
-          </a:prstGeom>
-        </p:spPr>
-      </p:pic>
-      <p:pic>
-        <p:nvPicPr>
-          <p:cNvPr id="64" name="Picture 63"/>
-          <p:cNvPicPr>
-            <a:picLocks noChangeAspect="1"/>
-          </p:cNvPicPr>
-          <p:nvPr/>
-        </p:nvPicPr>
-        <p:blipFill>
-          <a:blip r:embed="rId3">
-            <a:extLst>
-              <a:ext uri="{28A0092B-C50C-407E-A947-70E740481C1C}">
-                <a14:useLocalDpi xmlns:a14="http://schemas.microsoft.com/office/drawing/2010/main" val="0"/>
-              </a:ext>
-            </a:extLst>
-          </a:blip>
-          <a:stretch>
-            <a:fillRect/>
-          </a:stretch>
-        </p:blipFill>
-        <p:spPr>
-          <a:xfrm>
-            <a:off x="6831728" y="4169206"/>
-            <a:ext cx="408220" cy="550622"/>
-          </a:xfrm>
-          <a:prstGeom prst="rect">
-            <a:avLst/>
-          </a:prstGeom>
-        </p:spPr>
-      </p:pic>
-      <p:pic>
-        <p:nvPicPr>
-          <p:cNvPr id="28" name="Picture 27"/>
-          <p:cNvPicPr>
-            <a:picLocks noChangeAspect="1"/>
-          </p:cNvPicPr>
-          <p:nvPr/>
-        </p:nvPicPr>
-        <p:blipFill>
-          <a:blip r:embed="rId3">
-            <a:extLst>
-              <a:ext uri="{28A0092B-C50C-407E-A947-70E740481C1C}">
-                <a14:useLocalDpi xmlns:a14="http://schemas.microsoft.com/office/drawing/2010/main" val="0"/>
-              </a:ext>
-            </a:extLst>
-          </a:blip>
-          <a:stretch>
-            <a:fillRect/>
-          </a:stretch>
-        </p:blipFill>
-        <p:spPr>
-          <a:xfrm>
-            <a:off x="7246915" y="4171161"/>
-            <a:ext cx="408220" cy="550622"/>
-          </a:xfrm>
-          <a:prstGeom prst="rect">
-            <a:avLst/>
-          </a:prstGeom>
-        </p:spPr>
-      </p:pic>
-      <p:pic>
-        <p:nvPicPr>
-          <p:cNvPr id="59" name="Picture 58"/>
-          <p:cNvPicPr>
-            <a:picLocks noChangeAspect="1"/>
-          </p:cNvPicPr>
-          <p:nvPr/>
-        </p:nvPicPr>
-        <p:blipFill>
-          <a:blip r:embed="rId3">
-            <a:extLst>
-              <a:ext uri="{28A0092B-C50C-407E-A947-70E740481C1C}">
-                <a14:useLocalDpi xmlns:a14="http://schemas.microsoft.com/office/drawing/2010/main" val="0"/>
-              </a:ext>
-            </a:extLst>
-          </a:blip>
-          <a:stretch>
-            <a:fillRect/>
-          </a:stretch>
-        </p:blipFill>
-        <p:spPr>
-          <a:xfrm>
-            <a:off x="921877" y="5752977"/>
-            <a:ext cx="408220" cy="550622"/>
-          </a:xfrm>
-          <a:prstGeom prst="rect">
-            <a:avLst/>
-          </a:prstGeom>
-        </p:spPr>
-      </p:pic>
-      <p:pic>
-        <p:nvPicPr>
-          <p:cNvPr id="61" name="Picture 60"/>
-          <p:cNvPicPr>
-            <a:picLocks noChangeAspect="1"/>
-          </p:cNvPicPr>
-          <p:nvPr/>
-        </p:nvPicPr>
-        <p:blipFill>
-          <a:blip r:embed="rId3">
-            <a:extLst>
-              <a:ext uri="{28A0092B-C50C-407E-A947-70E740481C1C}">
-                <a14:useLocalDpi xmlns:a14="http://schemas.microsoft.com/office/drawing/2010/main" val="0"/>
-              </a:ext>
-            </a:extLst>
-          </a:blip>
-          <a:stretch>
-            <a:fillRect/>
-          </a:stretch>
-        </p:blipFill>
-        <p:spPr>
-          <a:xfrm>
-            <a:off x="513651" y="5761948"/>
-            <a:ext cx="408220" cy="550622"/>
-          </a:xfrm>
-          <a:prstGeom prst="rect">
-            <a:avLst/>
-          </a:prstGeom>
-        </p:spPr>
-      </p:pic>
     </p:spTree>
     <p:extLst>
       <p:ext uri="{BB962C8B-B14F-4D97-AF65-F5344CB8AC3E}">
-        <p14:creationId xmlns:p14="http://schemas.microsoft.com/office/powerpoint/2010/main" val="3697511534"/>
+        <p14:creationId xmlns:p14="http://schemas.microsoft.com/office/powerpoint/2010/main" val="1139343900"/>
       </p:ext>
     </p:extLst>
   </p:cSld>
@@ -14795,896 +12825,9 @@
   <p:timing>
     <p:tnLst>
       <p:par>
-        <p:cTn id="1" dur="indefinite" restart="never" nodeType="tmRoot">
-          <p:childTnLst>
-            <p:seq concurrent="1" nextAc="seek">
-              <p:cTn id="2" dur="indefinite" nodeType="mainSeq">
-                <p:childTnLst>
-                  <p:par>
-                    <p:cTn id="3" fill="hold">
-                      <p:stCondLst>
-                        <p:cond delay="indefinite"/>
-                      </p:stCondLst>
-                      <p:childTnLst>
-                        <p:par>
-                          <p:cTn id="4" fill="hold">
-                            <p:stCondLst>
-                              <p:cond delay="0"/>
-                            </p:stCondLst>
-                            <p:childTnLst>
-                              <p:par>
-                                <p:cTn id="5" presetID="1" presetClass="entr" presetSubtype="0" fill="hold" grpId="0" nodeType="clickEffect">
-                                  <p:stCondLst>
-                                    <p:cond delay="0"/>
-                                  </p:stCondLst>
-                                  <p:childTnLst>
-                                    <p:set>
-                                      <p:cBhvr>
-                                        <p:cTn id="6" dur="1" fill="hold">
-                                          <p:stCondLst>
-                                            <p:cond delay="0"/>
-                                          </p:stCondLst>
-                                        </p:cTn>
-                                        <p:tgtEl>
-                                          <p:spTgt spid="50"/>
-                                        </p:tgtEl>
-                                        <p:attrNameLst>
-                                          <p:attrName>style.visibility</p:attrName>
-                                        </p:attrNameLst>
-                                      </p:cBhvr>
-                                      <p:to>
-                                        <p:strVal val="visible"/>
-                                      </p:to>
-                                    </p:set>
-                                  </p:childTnLst>
-                                </p:cTn>
-                              </p:par>
-                            </p:childTnLst>
-                          </p:cTn>
-                        </p:par>
-                      </p:childTnLst>
-                    </p:cTn>
-                  </p:par>
-                  <p:par>
-                    <p:cTn id="7" fill="hold">
-                      <p:stCondLst>
-                        <p:cond delay="indefinite"/>
-                      </p:stCondLst>
-                      <p:childTnLst>
-                        <p:par>
-                          <p:cTn id="8" fill="hold">
-                            <p:stCondLst>
-                              <p:cond delay="0"/>
-                            </p:stCondLst>
-                            <p:childTnLst>
-                              <p:par>
-                                <p:cTn id="9" presetID="1" presetClass="entr" presetSubtype="0" fill="hold" nodeType="clickEffect">
-                                  <p:stCondLst>
-                                    <p:cond delay="0"/>
-                                  </p:stCondLst>
-                                  <p:childTnLst>
-                                    <p:set>
-                                      <p:cBhvr>
-                                        <p:cTn id="10" dur="1" fill="hold">
-                                          <p:stCondLst>
-                                            <p:cond delay="0"/>
-                                          </p:stCondLst>
-                                        </p:cTn>
-                                        <p:tgtEl>
-                                          <p:spTgt spid="52"/>
-                                        </p:tgtEl>
-                                        <p:attrNameLst>
-                                          <p:attrName>style.visibility</p:attrName>
-                                        </p:attrNameLst>
-                                      </p:cBhvr>
-                                      <p:to>
-                                        <p:strVal val="visible"/>
-                                      </p:to>
-                                    </p:set>
-                                  </p:childTnLst>
-                                </p:cTn>
-                              </p:par>
-                            </p:childTnLst>
-                          </p:cTn>
-                        </p:par>
-                      </p:childTnLst>
-                    </p:cTn>
-                  </p:par>
-                  <p:par>
-                    <p:cTn id="11" fill="hold">
-                      <p:stCondLst>
-                        <p:cond delay="indefinite"/>
-                      </p:stCondLst>
-                      <p:childTnLst>
-                        <p:par>
-                          <p:cTn id="12" fill="hold">
-                            <p:stCondLst>
-                              <p:cond delay="0"/>
-                            </p:stCondLst>
-                            <p:childTnLst>
-                              <p:par>
-                                <p:cTn id="13" presetID="1" presetClass="entr" presetSubtype="0" fill="hold" grpId="0" nodeType="clickEffect">
-                                  <p:stCondLst>
-                                    <p:cond delay="0"/>
-                                  </p:stCondLst>
-                                  <p:childTnLst>
-                                    <p:set>
-                                      <p:cBhvr>
-                                        <p:cTn id="14" dur="1" fill="hold">
-                                          <p:stCondLst>
-                                            <p:cond delay="0"/>
-                                          </p:stCondLst>
-                                        </p:cTn>
-                                        <p:tgtEl>
-                                          <p:spTgt spid="53"/>
-                                        </p:tgtEl>
-                                        <p:attrNameLst>
-                                          <p:attrName>style.visibility</p:attrName>
-                                        </p:attrNameLst>
-                                      </p:cBhvr>
-                                      <p:to>
-                                        <p:strVal val="visible"/>
-                                      </p:to>
-                                    </p:set>
-                                  </p:childTnLst>
-                                </p:cTn>
-                              </p:par>
-                            </p:childTnLst>
-                          </p:cTn>
-                        </p:par>
-                      </p:childTnLst>
-                    </p:cTn>
-                  </p:par>
-                  <p:par>
-                    <p:cTn id="15" fill="hold">
-                      <p:stCondLst>
-                        <p:cond delay="indefinite"/>
-                      </p:stCondLst>
-                      <p:childTnLst>
-                        <p:par>
-                          <p:cTn id="16" fill="hold">
-                            <p:stCondLst>
-                              <p:cond delay="0"/>
-                            </p:stCondLst>
-                            <p:childTnLst>
-                              <p:par>
-                                <p:cTn id="17" presetID="1" presetClass="entr" presetSubtype="0" fill="hold" grpId="0" nodeType="clickEffect">
-                                  <p:stCondLst>
-                                    <p:cond delay="0"/>
-                                  </p:stCondLst>
-                                  <p:childTnLst>
-                                    <p:set>
-                                      <p:cBhvr>
-                                        <p:cTn id="18" dur="1" fill="hold">
-                                          <p:stCondLst>
-                                            <p:cond delay="0"/>
-                                          </p:stCondLst>
-                                        </p:cTn>
-                                        <p:tgtEl>
-                                          <p:spTgt spid="54"/>
-                                        </p:tgtEl>
-                                        <p:attrNameLst>
-                                          <p:attrName>style.visibility</p:attrName>
-                                        </p:attrNameLst>
-                                      </p:cBhvr>
-                                      <p:to>
-                                        <p:strVal val="visible"/>
-                                      </p:to>
-                                    </p:set>
-                                  </p:childTnLst>
-                                </p:cTn>
-                              </p:par>
-                            </p:childTnLst>
-                          </p:cTn>
-                        </p:par>
-                      </p:childTnLst>
-                    </p:cTn>
-                  </p:par>
-                  <p:par>
-                    <p:cTn id="19" fill="hold">
-                      <p:stCondLst>
-                        <p:cond delay="indefinite"/>
-                      </p:stCondLst>
-                      <p:childTnLst>
-                        <p:par>
-                          <p:cTn id="20" fill="hold">
-                            <p:stCondLst>
-                              <p:cond delay="0"/>
-                            </p:stCondLst>
-                            <p:childTnLst>
-                              <p:par>
-                                <p:cTn id="21" presetID="1" presetClass="entr" presetSubtype="0" fill="hold" grpId="0" nodeType="clickEffect">
-                                  <p:stCondLst>
-                                    <p:cond delay="0"/>
-                                  </p:stCondLst>
-                                  <p:childTnLst>
-                                    <p:set>
-                                      <p:cBhvr>
-                                        <p:cTn id="22" dur="1" fill="hold">
-                                          <p:stCondLst>
-                                            <p:cond delay="0"/>
-                                          </p:stCondLst>
-                                        </p:cTn>
-                                        <p:tgtEl>
-                                          <p:spTgt spid="55"/>
-                                        </p:tgtEl>
-                                        <p:attrNameLst>
-                                          <p:attrName>style.visibility</p:attrName>
-                                        </p:attrNameLst>
-                                      </p:cBhvr>
-                                      <p:to>
-                                        <p:strVal val="visible"/>
-                                      </p:to>
-                                    </p:set>
-                                  </p:childTnLst>
-                                </p:cTn>
-                              </p:par>
-                            </p:childTnLst>
-                          </p:cTn>
-                        </p:par>
-                      </p:childTnLst>
-                    </p:cTn>
-                  </p:par>
-                  <p:par>
-                    <p:cTn id="23" fill="hold">
-                      <p:stCondLst>
-                        <p:cond delay="indefinite"/>
-                      </p:stCondLst>
-                      <p:childTnLst>
-                        <p:par>
-                          <p:cTn id="24" fill="hold">
-                            <p:stCondLst>
-                              <p:cond delay="0"/>
-                            </p:stCondLst>
-                            <p:childTnLst>
-                              <p:par>
-                                <p:cTn id="25" presetID="1" presetClass="entr" presetSubtype="0" fill="hold" grpId="0" nodeType="clickEffect">
-                                  <p:stCondLst>
-                                    <p:cond delay="0"/>
-                                  </p:stCondLst>
-                                  <p:childTnLst>
-                                    <p:set>
-                                      <p:cBhvr>
-                                        <p:cTn id="26" dur="1" fill="hold">
-                                          <p:stCondLst>
-                                            <p:cond delay="0"/>
-                                          </p:stCondLst>
-                                        </p:cTn>
-                                        <p:tgtEl>
-                                          <p:spTgt spid="56"/>
-                                        </p:tgtEl>
-                                        <p:attrNameLst>
-                                          <p:attrName>style.visibility</p:attrName>
-                                        </p:attrNameLst>
-                                      </p:cBhvr>
-                                      <p:to>
-                                        <p:strVal val="visible"/>
-                                      </p:to>
-                                    </p:set>
-                                  </p:childTnLst>
-                                </p:cTn>
-                              </p:par>
-                            </p:childTnLst>
-                          </p:cTn>
-                        </p:par>
-                      </p:childTnLst>
-                    </p:cTn>
-                  </p:par>
-                  <p:par>
-                    <p:cTn id="27" fill="hold">
-                      <p:stCondLst>
-                        <p:cond delay="indefinite"/>
-                      </p:stCondLst>
-                      <p:childTnLst>
-                        <p:par>
-                          <p:cTn id="28" fill="hold">
-                            <p:stCondLst>
-                              <p:cond delay="0"/>
-                            </p:stCondLst>
-                            <p:childTnLst>
-                              <p:par>
-                                <p:cTn id="29" presetID="1" presetClass="entr" presetSubtype="0" fill="hold" grpId="0" nodeType="clickEffect">
-                                  <p:stCondLst>
-                                    <p:cond delay="0"/>
-                                  </p:stCondLst>
-                                  <p:childTnLst>
-                                    <p:set>
-                                      <p:cBhvr>
-                                        <p:cTn id="30" dur="1" fill="hold">
-                                          <p:stCondLst>
-                                            <p:cond delay="0"/>
-                                          </p:stCondLst>
-                                        </p:cTn>
-                                        <p:tgtEl>
-                                          <p:spTgt spid="62"/>
-                                        </p:tgtEl>
-                                        <p:attrNameLst>
-                                          <p:attrName>style.visibility</p:attrName>
-                                        </p:attrNameLst>
-                                      </p:cBhvr>
-                                      <p:to>
-                                        <p:strVal val="visible"/>
-                                      </p:to>
-                                    </p:set>
-                                  </p:childTnLst>
-                                </p:cTn>
-                              </p:par>
-                            </p:childTnLst>
-                          </p:cTn>
-                        </p:par>
-                      </p:childTnLst>
-                    </p:cTn>
-                  </p:par>
-                  <p:par>
-                    <p:cTn id="31" fill="hold">
-                      <p:stCondLst>
-                        <p:cond delay="indefinite"/>
-                      </p:stCondLst>
-                      <p:childTnLst>
-                        <p:par>
-                          <p:cTn id="32" fill="hold">
-                            <p:stCondLst>
-                              <p:cond delay="0"/>
-                            </p:stCondLst>
-                            <p:childTnLst>
-                              <p:par>
-                                <p:cTn id="33" presetID="1" presetClass="entr" presetSubtype="0" fill="hold" nodeType="clickEffect">
-                                  <p:stCondLst>
-                                    <p:cond delay="0"/>
-                                  </p:stCondLst>
-                                  <p:childTnLst>
-                                    <p:set>
-                                      <p:cBhvr>
-                                        <p:cTn id="34" dur="1" fill="hold">
-                                          <p:stCondLst>
-                                            <p:cond delay="0"/>
-                                          </p:stCondLst>
-                                        </p:cTn>
-                                        <p:tgtEl>
-                                          <p:spTgt spid="27"/>
-                                        </p:tgtEl>
-                                        <p:attrNameLst>
-                                          <p:attrName>style.visibility</p:attrName>
-                                        </p:attrNameLst>
-                                      </p:cBhvr>
-                                      <p:to>
-                                        <p:strVal val="visible"/>
-                                      </p:to>
-                                    </p:set>
-                                  </p:childTnLst>
-                                </p:cTn>
-                              </p:par>
-                            </p:childTnLst>
-                          </p:cTn>
-                        </p:par>
-                      </p:childTnLst>
-                    </p:cTn>
-                  </p:par>
-                  <p:par>
-                    <p:cTn id="35" fill="hold">
-                      <p:stCondLst>
-                        <p:cond delay="indefinite"/>
-                      </p:stCondLst>
-                      <p:childTnLst>
-                        <p:par>
-                          <p:cTn id="36" fill="hold">
-                            <p:stCondLst>
-                              <p:cond delay="0"/>
-                            </p:stCondLst>
-                            <p:childTnLst>
-                              <p:par>
-                                <p:cTn id="37" presetID="1" presetClass="entr" presetSubtype="0" fill="hold" nodeType="clickEffect">
-                                  <p:stCondLst>
-                                    <p:cond delay="0"/>
-                                  </p:stCondLst>
-                                  <p:childTnLst>
-                                    <p:set>
-                                      <p:cBhvr>
-                                        <p:cTn id="38" dur="1" fill="hold">
-                                          <p:stCondLst>
-                                            <p:cond delay="0"/>
-                                          </p:stCondLst>
-                                        </p:cTn>
-                                        <p:tgtEl>
-                                          <p:spTgt spid="32"/>
-                                        </p:tgtEl>
-                                        <p:attrNameLst>
-                                          <p:attrName>style.visibility</p:attrName>
-                                        </p:attrNameLst>
-                                      </p:cBhvr>
-                                      <p:to>
-                                        <p:strVal val="visible"/>
-                                      </p:to>
-                                    </p:set>
-                                  </p:childTnLst>
-                                </p:cTn>
-                              </p:par>
-                              <p:par>
-                                <p:cTn id="39" presetID="1" presetClass="entr" presetSubtype="0" fill="hold" grpId="0" nodeType="withEffect">
-                                  <p:stCondLst>
-                                    <p:cond delay="0"/>
-                                  </p:stCondLst>
-                                  <p:childTnLst>
-                                    <p:set>
-                                      <p:cBhvr>
-                                        <p:cTn id="40" dur="1" fill="hold">
-                                          <p:stCondLst>
-                                            <p:cond delay="0"/>
-                                          </p:stCondLst>
-                                        </p:cTn>
-                                        <p:tgtEl>
-                                          <p:spTgt spid="63"/>
-                                        </p:tgtEl>
-                                        <p:attrNameLst>
-                                          <p:attrName>style.visibility</p:attrName>
-                                        </p:attrNameLst>
-                                      </p:cBhvr>
-                                      <p:to>
-                                        <p:strVal val="visible"/>
-                                      </p:to>
-                                    </p:set>
-                                  </p:childTnLst>
-                                </p:cTn>
-                              </p:par>
-                              <p:par>
-                                <p:cTn id="41" presetID="1" presetClass="entr" presetSubtype="0" fill="hold" nodeType="withEffect">
-                                  <p:stCondLst>
-                                    <p:cond delay="0"/>
-                                  </p:stCondLst>
-                                  <p:childTnLst>
-                                    <p:set>
-                                      <p:cBhvr>
-                                        <p:cTn id="42" dur="1" fill="hold">
-                                          <p:stCondLst>
-                                            <p:cond delay="0"/>
-                                          </p:stCondLst>
-                                        </p:cTn>
-                                        <p:tgtEl>
-                                          <p:spTgt spid="71"/>
-                                        </p:tgtEl>
-                                        <p:attrNameLst>
-                                          <p:attrName>style.visibility</p:attrName>
-                                        </p:attrNameLst>
-                                      </p:cBhvr>
-                                      <p:to>
-                                        <p:strVal val="visible"/>
-                                      </p:to>
-                                    </p:set>
-                                  </p:childTnLst>
-                                </p:cTn>
-                              </p:par>
-                              <p:par>
-                                <p:cTn id="43" presetID="1" presetClass="entr" presetSubtype="0" fill="hold" nodeType="withEffect">
-                                  <p:stCondLst>
-                                    <p:cond delay="0"/>
-                                  </p:stCondLst>
-                                  <p:childTnLst>
-                                    <p:set>
-                                      <p:cBhvr>
-                                        <p:cTn id="44" dur="1" fill="hold">
-                                          <p:stCondLst>
-                                            <p:cond delay="0"/>
-                                          </p:stCondLst>
-                                        </p:cTn>
-                                        <p:tgtEl>
-                                          <p:spTgt spid="64"/>
-                                        </p:tgtEl>
-                                        <p:attrNameLst>
-                                          <p:attrName>style.visibility</p:attrName>
-                                        </p:attrNameLst>
-                                      </p:cBhvr>
-                                      <p:to>
-                                        <p:strVal val="visible"/>
-                                      </p:to>
-                                    </p:set>
-                                  </p:childTnLst>
-                                </p:cTn>
-                              </p:par>
-                            </p:childTnLst>
-                          </p:cTn>
-                        </p:par>
-                      </p:childTnLst>
-                    </p:cTn>
-                  </p:par>
-                  <p:par>
-                    <p:cTn id="45" fill="hold">
-                      <p:stCondLst>
-                        <p:cond delay="indefinite"/>
-                      </p:stCondLst>
-                      <p:childTnLst>
-                        <p:par>
-                          <p:cTn id="46" fill="hold">
-                            <p:stCondLst>
-                              <p:cond delay="0"/>
-                            </p:stCondLst>
-                            <p:childTnLst>
-                              <p:par>
-                                <p:cTn id="47" presetID="1" presetClass="entr" presetSubtype="0" fill="hold" nodeType="clickEffect">
-                                  <p:stCondLst>
-                                    <p:cond delay="0"/>
-                                  </p:stCondLst>
-                                  <p:childTnLst>
-                                    <p:set>
-                                      <p:cBhvr>
-                                        <p:cTn id="48" dur="1" fill="hold">
-                                          <p:stCondLst>
-                                            <p:cond delay="0"/>
-                                          </p:stCondLst>
-                                        </p:cTn>
-                                        <p:tgtEl>
-                                          <p:spTgt spid="28"/>
-                                        </p:tgtEl>
-                                        <p:attrNameLst>
-                                          <p:attrName>style.visibility</p:attrName>
-                                        </p:attrNameLst>
-                                      </p:cBhvr>
-                                      <p:to>
-                                        <p:strVal val="visible"/>
-                                      </p:to>
-                                    </p:set>
-                                  </p:childTnLst>
-                                </p:cTn>
-                              </p:par>
-                              <p:par>
-                                <p:cTn id="49" presetID="1" presetClass="entr" presetSubtype="0" fill="hold" nodeType="withEffect">
-                                  <p:stCondLst>
-                                    <p:cond delay="0"/>
-                                  </p:stCondLst>
-                                  <p:childTnLst>
-                                    <p:set>
-                                      <p:cBhvr>
-                                        <p:cTn id="50" dur="1" fill="hold">
-                                          <p:stCondLst>
-                                            <p:cond delay="0"/>
-                                          </p:stCondLst>
-                                        </p:cTn>
-                                        <p:tgtEl>
-                                          <p:spTgt spid="70"/>
-                                        </p:tgtEl>
-                                        <p:attrNameLst>
-                                          <p:attrName>style.visibility</p:attrName>
-                                        </p:attrNameLst>
-                                      </p:cBhvr>
-                                      <p:to>
-                                        <p:strVal val="visible"/>
-                                      </p:to>
-                                    </p:set>
-                                  </p:childTnLst>
-                                </p:cTn>
-                              </p:par>
-                            </p:childTnLst>
-                          </p:cTn>
-                        </p:par>
-                      </p:childTnLst>
-                    </p:cTn>
-                  </p:par>
-                  <p:par>
-                    <p:cTn id="51" fill="hold">
-                      <p:stCondLst>
-                        <p:cond delay="indefinite"/>
-                      </p:stCondLst>
-                      <p:childTnLst>
-                        <p:par>
-                          <p:cTn id="52" fill="hold">
-                            <p:stCondLst>
-                              <p:cond delay="0"/>
-                            </p:stCondLst>
-                            <p:childTnLst>
-                              <p:par>
-                                <p:cTn id="53" presetID="42" presetClass="path" presetSubtype="0" accel="50000" decel="50000" fill="hold" nodeType="clickEffect">
-                                  <p:stCondLst>
-                                    <p:cond delay="0"/>
-                                  </p:stCondLst>
-                                  <p:childTnLst>
-                                    <p:animMotion origin="layout" path="M -4.58333E-6 3.7037E-7 L 0.07566 0.23125 " pathEditMode="relative" rAng="0" ptsTypes="AA">
-                                      <p:cBhvr>
-                                        <p:cTn id="54" dur="1000" fill="hold"/>
-                                        <p:tgtEl>
-                                          <p:spTgt spid="71"/>
-                                        </p:tgtEl>
-                                        <p:attrNameLst>
-                                          <p:attrName>ppt_x</p:attrName>
-                                          <p:attrName>ppt_y</p:attrName>
-                                        </p:attrNameLst>
-                                      </p:cBhvr>
-                                      <p:rCtr x="3776" y="11551"/>
-                                    </p:animMotion>
-                                  </p:childTnLst>
-                                </p:cTn>
-                              </p:par>
-                              <p:par>
-                                <p:cTn id="55" presetID="42" presetClass="path" presetSubtype="0" accel="50000" decel="50000" fill="hold" nodeType="withEffect">
-                                  <p:stCondLst>
-                                    <p:cond delay="0"/>
-                                  </p:stCondLst>
-                                  <p:childTnLst>
-                                    <p:animMotion origin="layout" path="M 1.875E-6 -7.40741E-7 L 0.08164 0.23056 " pathEditMode="relative" rAng="0" ptsTypes="AA">
-                                      <p:cBhvr>
-                                        <p:cTn id="56" dur="1000" fill="hold"/>
-                                        <p:tgtEl>
-                                          <p:spTgt spid="70"/>
-                                        </p:tgtEl>
-                                        <p:attrNameLst>
-                                          <p:attrName>ppt_x</p:attrName>
-                                          <p:attrName>ppt_y</p:attrName>
-                                        </p:attrNameLst>
-                                      </p:cBhvr>
-                                      <p:rCtr x="4076" y="11528"/>
-                                    </p:animMotion>
-                                  </p:childTnLst>
-                                </p:cTn>
-                              </p:par>
-                            </p:childTnLst>
-                          </p:cTn>
-                        </p:par>
-                      </p:childTnLst>
-                    </p:cTn>
-                  </p:par>
-                  <p:par>
-                    <p:cTn id="57" fill="hold">
-                      <p:stCondLst>
-                        <p:cond delay="indefinite"/>
-                      </p:stCondLst>
-                      <p:childTnLst>
-                        <p:par>
-                          <p:cTn id="58" fill="hold">
-                            <p:stCondLst>
-                              <p:cond delay="0"/>
-                            </p:stCondLst>
-                            <p:childTnLst>
-                              <p:par>
-                                <p:cTn id="59" presetID="1" presetClass="entr" presetSubtype="0" fill="hold" nodeType="clickEffect">
-                                  <p:stCondLst>
-                                    <p:cond delay="0"/>
-                                  </p:stCondLst>
-                                  <p:childTnLst>
-                                    <p:set>
-                                      <p:cBhvr>
-                                        <p:cTn id="60" dur="1" fill="hold">
-                                          <p:stCondLst>
-                                            <p:cond delay="0"/>
-                                          </p:stCondLst>
-                                        </p:cTn>
-                                        <p:tgtEl>
-                                          <p:spTgt spid="31"/>
-                                        </p:tgtEl>
-                                        <p:attrNameLst>
-                                          <p:attrName>style.visibility</p:attrName>
-                                        </p:attrNameLst>
-                                      </p:cBhvr>
-                                      <p:to>
-                                        <p:strVal val="visible"/>
-                                      </p:to>
-                                    </p:set>
-                                  </p:childTnLst>
-                                </p:cTn>
-                              </p:par>
-                            </p:childTnLst>
-                          </p:cTn>
-                        </p:par>
-                      </p:childTnLst>
-                    </p:cTn>
-                  </p:par>
-                  <p:par>
-                    <p:cTn id="61" fill="hold">
-                      <p:stCondLst>
-                        <p:cond delay="indefinite"/>
-                      </p:stCondLst>
-                      <p:childTnLst>
-                        <p:par>
-                          <p:cTn id="62" fill="hold">
-                            <p:stCondLst>
-                              <p:cond delay="0"/>
-                            </p:stCondLst>
-                            <p:childTnLst>
-                              <p:par>
-                                <p:cTn id="63" presetID="1" presetClass="entr" presetSubtype="0" fill="hold" nodeType="clickEffect">
-                                  <p:stCondLst>
-                                    <p:cond delay="0"/>
-                                  </p:stCondLst>
-                                  <p:childTnLst>
-                                    <p:set>
-                                      <p:cBhvr>
-                                        <p:cTn id="64" dur="1" fill="hold">
-                                          <p:stCondLst>
-                                            <p:cond delay="0"/>
-                                          </p:stCondLst>
-                                        </p:cTn>
-                                        <p:tgtEl>
-                                          <p:spTgt spid="51"/>
-                                        </p:tgtEl>
-                                        <p:attrNameLst>
-                                          <p:attrName>style.visibility</p:attrName>
-                                        </p:attrNameLst>
-                                      </p:cBhvr>
-                                      <p:to>
-                                        <p:strVal val="visible"/>
-                                      </p:to>
-                                    </p:set>
-                                  </p:childTnLst>
-                                </p:cTn>
-                              </p:par>
-                              <p:par>
-                                <p:cTn id="65" presetID="1" presetClass="entr" presetSubtype="0" fill="hold" grpId="0" nodeType="withEffect">
-                                  <p:stCondLst>
-                                    <p:cond delay="0"/>
-                                  </p:stCondLst>
-                                  <p:childTnLst>
-                                    <p:set>
-                                      <p:cBhvr>
-                                        <p:cTn id="66" dur="1" fill="hold">
-                                          <p:stCondLst>
-                                            <p:cond delay="0"/>
-                                          </p:stCondLst>
-                                        </p:cTn>
-                                        <p:tgtEl>
-                                          <p:spTgt spid="65"/>
-                                        </p:tgtEl>
-                                        <p:attrNameLst>
-                                          <p:attrName>style.visibility</p:attrName>
-                                        </p:attrNameLst>
-                                      </p:cBhvr>
-                                      <p:to>
-                                        <p:strVal val="visible"/>
-                                      </p:to>
-                                    </p:set>
-                                  </p:childTnLst>
-                                </p:cTn>
-                              </p:par>
-                            </p:childTnLst>
-                          </p:cTn>
-                        </p:par>
-                      </p:childTnLst>
-                    </p:cTn>
-                  </p:par>
-                  <p:par>
-                    <p:cTn id="67" fill="hold">
-                      <p:stCondLst>
-                        <p:cond delay="indefinite"/>
-                      </p:stCondLst>
-                      <p:childTnLst>
-                        <p:par>
-                          <p:cTn id="68" fill="hold">
-                            <p:stCondLst>
-                              <p:cond delay="0"/>
-                            </p:stCondLst>
-                            <p:childTnLst>
-                              <p:par>
-                                <p:cTn id="69" presetID="1" presetClass="entr" presetSubtype="0" fill="hold" grpId="0" nodeType="clickEffect">
-                                  <p:stCondLst>
-                                    <p:cond delay="0"/>
-                                  </p:stCondLst>
-                                  <p:childTnLst>
-                                    <p:set>
-                                      <p:cBhvr>
-                                        <p:cTn id="70" dur="1" fill="hold">
-                                          <p:stCondLst>
-                                            <p:cond delay="0"/>
-                                          </p:stCondLst>
-                                        </p:cTn>
-                                        <p:tgtEl>
-                                          <p:spTgt spid="75"/>
-                                        </p:tgtEl>
-                                        <p:attrNameLst>
-                                          <p:attrName>style.visibility</p:attrName>
-                                        </p:attrNameLst>
-                                      </p:cBhvr>
-                                      <p:to>
-                                        <p:strVal val="visible"/>
-                                      </p:to>
-                                    </p:set>
-                                  </p:childTnLst>
-                                </p:cTn>
-                              </p:par>
-                            </p:childTnLst>
-                          </p:cTn>
-                        </p:par>
-                      </p:childTnLst>
-                    </p:cTn>
-                  </p:par>
-                  <p:par>
-                    <p:cTn id="71" fill="hold">
-                      <p:stCondLst>
-                        <p:cond delay="indefinite"/>
-                      </p:stCondLst>
-                      <p:childTnLst>
-                        <p:par>
-                          <p:cTn id="72" fill="hold">
-                            <p:stCondLst>
-                              <p:cond delay="0"/>
-                            </p:stCondLst>
-                            <p:childTnLst>
-                              <p:par>
-                                <p:cTn id="73" presetID="42" presetClass="path" presetSubtype="0" accel="50000" decel="50000" fill="hold" nodeType="clickEffect">
-                                  <p:stCondLst>
-                                    <p:cond delay="0"/>
-                                  </p:stCondLst>
-                                  <p:childTnLst>
-                                    <p:animMotion origin="layout" path="M -3.33333E-6 3.33333E-6 L 0.00131 0.23102 " pathEditMode="relative" rAng="0" ptsTypes="AA">
-                                      <p:cBhvr>
-                                        <p:cTn id="74" dur="1000" fill="hold"/>
-                                        <p:tgtEl>
-                                          <p:spTgt spid="64"/>
-                                        </p:tgtEl>
-                                        <p:attrNameLst>
-                                          <p:attrName>ppt_x</p:attrName>
-                                          <p:attrName>ppt_y</p:attrName>
-                                        </p:attrNameLst>
-                                      </p:cBhvr>
-                                      <p:rCtr x="65" y="11551"/>
-                                    </p:animMotion>
-                                  </p:childTnLst>
-                                </p:cTn>
-                              </p:par>
-                            </p:childTnLst>
-                          </p:cTn>
-                        </p:par>
-                        <p:par>
-                          <p:cTn id="75" fill="hold">
-                            <p:stCondLst>
-                              <p:cond delay="1000"/>
-                            </p:stCondLst>
-                            <p:childTnLst>
-                              <p:par>
-                                <p:cTn id="76" presetID="42" presetClass="path" presetSubtype="0" accel="50000" decel="50000" fill="hold" nodeType="afterEffect">
-                                  <p:stCondLst>
-                                    <p:cond delay="0"/>
-                                  </p:stCondLst>
-                                  <p:childTnLst>
-                                    <p:animMotion origin="layout" path="M 2.29167E-6 3.7037E-7 L 0.0013 0.23194 " pathEditMode="relative" rAng="0" ptsTypes="AA">
-                                      <p:cBhvr>
-                                        <p:cTn id="77" dur="1000" fill="hold"/>
-                                        <p:tgtEl>
-                                          <p:spTgt spid="28"/>
-                                        </p:tgtEl>
-                                        <p:attrNameLst>
-                                          <p:attrName>ppt_x</p:attrName>
-                                          <p:attrName>ppt_y</p:attrName>
-                                        </p:attrNameLst>
-                                      </p:cBhvr>
-                                      <p:rCtr x="65" y="11597"/>
-                                    </p:animMotion>
-                                  </p:childTnLst>
-                                </p:cTn>
-                              </p:par>
-                            </p:childTnLst>
-                          </p:cTn>
-                        </p:par>
-                      </p:childTnLst>
-                    </p:cTn>
-                  </p:par>
-                </p:childTnLst>
-              </p:cTn>
-              <p:prevCondLst>
-                <p:cond evt="onPrev" delay="0">
-                  <p:tgtEl>
-                    <p:sldTgt/>
-                  </p:tgtEl>
-                </p:cond>
-              </p:prevCondLst>
-              <p:nextCondLst>
-                <p:cond evt="onNext" delay="0">
-                  <p:tgtEl>
-                    <p:sldTgt/>
-                  </p:tgtEl>
-                </p:cond>
-              </p:nextCondLst>
-            </p:seq>
-          </p:childTnLst>
-        </p:cTn>
+        <p:cTn id="1" dur="indefinite" restart="never" nodeType="tmRoot"/>
       </p:par>
     </p:tnLst>
-    <p:bldLst>
-      <p:bldP spid="50" grpId="0" animBg="1"/>
-      <p:bldP spid="53" grpId="0"/>
-      <p:bldP spid="54" grpId="0"/>
-      <p:bldP spid="55" grpId="0"/>
-      <p:bldP spid="56" grpId="0"/>
-      <p:bldP spid="62" grpId="0"/>
-      <p:bldP spid="65" grpId="0" animBg="1"/>
-      <p:bldP spid="63" grpId="0"/>
-      <p:bldP spid="75" grpId="0"/>
-    </p:bldLst>
   </p:timing>
 </p:sld>
 </file>
@@ -15718,133 +12861,6 @@
         </p:nvSpPr>
         <p:spPr/>
         <p:txBody>
-          <a:bodyPr/>
-          <a:lstStyle/>
-          <a:p>
-            <a:r>
-              <a:rPr lang="en-GB" dirty="0" smtClean="0"/>
-              <a:t>Write Ahead Logging</a:t>
-            </a:r>
-            <a:endParaRPr lang="en-GB" dirty="0"/>
-          </a:p>
-        </p:txBody>
-      </p:sp>
-      <p:sp>
-        <p:nvSpPr>
-          <p:cNvPr id="3" name="Content Placeholder 2"/>
-          <p:cNvSpPr>
-            <a:spLocks noGrp="1"/>
-          </p:cNvSpPr>
-          <p:nvPr>
-            <p:ph idx="1"/>
-          </p:nvPr>
-        </p:nvSpPr>
-        <p:spPr/>
-        <p:txBody>
-          <a:bodyPr>
-            <a:normAutofit lnSpcReduction="10000"/>
-          </a:bodyPr>
-          <a:lstStyle/>
-          <a:p>
-            <a:r>
-              <a:rPr lang="en-GB" dirty="0" smtClean="0"/>
-              <a:t>Query hits SQL</a:t>
-            </a:r>
-          </a:p>
-          <a:p>
-            <a:r>
-              <a:rPr lang="en-GB" dirty="0" smtClean="0"/>
-              <a:t>SQL finds the data to modify, puts pages in memory</a:t>
-            </a:r>
-          </a:p>
-          <a:p>
-            <a:r>
-              <a:rPr lang="en-GB" dirty="0" smtClean="0"/>
-              <a:t>Changes made to the in memory data page</a:t>
-            </a:r>
-          </a:p>
-          <a:p>
-            <a:r>
-              <a:rPr lang="en-GB" dirty="0" smtClean="0"/>
-              <a:t>And recorded in the log buffer (in memory)</a:t>
-            </a:r>
-          </a:p>
-          <a:p>
-            <a:r>
-              <a:rPr lang="en-GB" dirty="0" smtClean="0"/>
-              <a:t>On commit, log buffer written to transaction log</a:t>
-            </a:r>
-          </a:p>
-          <a:p>
-            <a:r>
-              <a:rPr lang="en-GB" dirty="0" smtClean="0"/>
-              <a:t>Writes to log are sequential</a:t>
-            </a:r>
-          </a:p>
-          <a:p>
-            <a:r>
-              <a:rPr lang="en-GB" dirty="0" smtClean="0"/>
-              <a:t>Once written NOTHING should touch that part of disk</a:t>
-            </a:r>
-          </a:p>
-          <a:p>
-            <a:r>
-              <a:rPr lang="en-GB" dirty="0" smtClean="0"/>
-              <a:t>Data is NOT written to data files until later</a:t>
-            </a:r>
-            <a:endParaRPr lang="en-GB" dirty="0"/>
-          </a:p>
-        </p:txBody>
-      </p:sp>
-    </p:spTree>
-    <p:extLst>
-      <p:ext uri="{BB962C8B-B14F-4D97-AF65-F5344CB8AC3E}">
-        <p14:creationId xmlns:p14="http://schemas.microsoft.com/office/powerpoint/2010/main" val="1139343900"/>
-      </p:ext>
-    </p:extLst>
-  </p:cSld>
-  <p:clrMapOvr>
-    <a:masterClrMapping/>
-  </p:clrMapOvr>
-  <p:timing>
-    <p:tnLst>
-      <p:par>
-        <p:cTn id="1" dur="indefinite" restart="never" nodeType="tmRoot"/>
-      </p:par>
-    </p:tnLst>
-  </p:timing>
-</p:sld>
-</file>
-
-<file path=ppt/slides/slide15.xml><?xml version="1.0" encoding="utf-8"?>
-<p:sld xmlns:a="http://schemas.openxmlformats.org/drawingml/2006/main" xmlns:r="http://schemas.openxmlformats.org/officeDocument/2006/relationships" xmlns:p="http://schemas.openxmlformats.org/presentationml/2006/main">
-  <p:cSld>
-    <p:spTree>
-      <p:nvGrpSpPr>
-        <p:cNvPr id="1" name=""/>
-        <p:cNvGrpSpPr/>
-        <p:nvPr/>
-      </p:nvGrpSpPr>
-      <p:grpSpPr>
-        <a:xfrm>
-          <a:off x="0" y="0"/>
-          <a:ext cx="0" cy="0"/>
-          <a:chOff x="0" y="0"/>
-          <a:chExt cx="0" cy="0"/>
-        </a:xfrm>
-      </p:grpSpPr>
-      <p:sp>
-        <p:nvSpPr>
-          <p:cNvPr id="2" name="Title 1"/>
-          <p:cNvSpPr>
-            <a:spLocks noGrp="1"/>
-          </p:cNvSpPr>
-          <p:nvPr>
-            <p:ph type="title"/>
-          </p:nvPr>
-        </p:nvSpPr>
-        <p:spPr/>
-        <p:txBody>
           <a:bodyPr>
             <a:normAutofit/>
           </a:bodyPr>
@@ -15948,7 +12964,7 @@
 </p:sld>
 </file>
 
-<file path=ppt/slides/slide16.xml><?xml version="1.0" encoding="utf-8"?>
+<file path=ppt/slides/slide15.xml><?xml version="1.0" encoding="utf-8"?>
 <p:sld xmlns:a="http://schemas.openxmlformats.org/drawingml/2006/main" xmlns:r="http://schemas.openxmlformats.org/officeDocument/2006/relationships" xmlns:p="http://schemas.openxmlformats.org/presentationml/2006/main">
   <p:cSld>
     <p:spTree>
@@ -17068,7 +14084,7 @@
 </p:sld>
 </file>
 
-<file path=ppt/slides/slide17.xml><?xml version="1.0" encoding="utf-8"?>
+<file path=ppt/slides/slide16.xml><?xml version="1.0" encoding="utf-8"?>
 <p:sld xmlns:a="http://schemas.openxmlformats.org/drawingml/2006/main" xmlns:r="http://schemas.openxmlformats.org/officeDocument/2006/relationships" xmlns:p="http://schemas.openxmlformats.org/presentationml/2006/main">
   <p:cSld>
     <p:spTree>
@@ -18601,6 +15617,136 @@
 </p:sld>
 </file>
 
+<file path=ppt/slides/slide17.xml><?xml version="1.0" encoding="utf-8"?>
+<p:sld xmlns:a="http://schemas.openxmlformats.org/drawingml/2006/main" xmlns:r="http://schemas.openxmlformats.org/officeDocument/2006/relationships" xmlns:p="http://schemas.openxmlformats.org/presentationml/2006/main">
+  <p:cSld>
+    <p:spTree>
+      <p:nvGrpSpPr>
+        <p:cNvPr id="1" name=""/>
+        <p:cNvGrpSpPr/>
+        <p:nvPr/>
+      </p:nvGrpSpPr>
+      <p:grpSpPr>
+        <a:xfrm>
+          <a:off x="0" y="0"/>
+          <a:ext cx="0" cy="0"/>
+          <a:chOff x="0" y="0"/>
+          <a:chExt cx="0" cy="0"/>
+        </a:xfrm>
+      </p:grpSpPr>
+      <p:sp>
+        <p:nvSpPr>
+          <p:cNvPr id="2" name="Title 1"/>
+          <p:cNvSpPr>
+            <a:spLocks noGrp="1"/>
+          </p:cNvSpPr>
+          <p:nvPr>
+            <p:ph type="title"/>
+          </p:nvPr>
+        </p:nvSpPr>
+        <p:spPr/>
+        <p:txBody>
+          <a:bodyPr/>
+          <a:lstStyle/>
+          <a:p>
+            <a:r>
+              <a:rPr lang="en-GB" dirty="0" smtClean="0"/>
+              <a:t>What’s recorded in the log</a:t>
+            </a:r>
+            <a:endParaRPr lang="en-GB" dirty="0"/>
+          </a:p>
+        </p:txBody>
+      </p:sp>
+      <p:sp>
+        <p:nvSpPr>
+          <p:cNvPr id="3" name="Content Placeholder 2"/>
+          <p:cNvSpPr>
+            <a:spLocks noGrp="1"/>
+          </p:cNvSpPr>
+          <p:nvPr>
+            <p:ph idx="1"/>
+          </p:nvPr>
+        </p:nvSpPr>
+        <p:spPr/>
+        <p:txBody>
+          <a:bodyPr>
+            <a:normAutofit/>
+          </a:bodyPr>
+          <a:lstStyle/>
+          <a:p>
+            <a:r>
+              <a:rPr lang="en-GB" dirty="0" smtClean="0"/>
+              <a:t>Logging has two forms:</a:t>
+            </a:r>
+          </a:p>
+          <a:p>
+            <a:pPr lvl="1"/>
+            <a:r>
+              <a:rPr lang="en-GB" dirty="0" smtClean="0"/>
+              <a:t>Logical operation</a:t>
+            </a:r>
+          </a:p>
+          <a:p>
+            <a:pPr lvl="1"/>
+            <a:r>
+              <a:rPr lang="en-GB" dirty="0" smtClean="0"/>
+              <a:t>Before and after “image” of the altered page</a:t>
+            </a:r>
+          </a:p>
+          <a:p>
+            <a:r>
+              <a:rPr lang="en-GB" dirty="0" smtClean="0"/>
+              <a:t>The log stores enough to redo or undo any operation</a:t>
+            </a:r>
+          </a:p>
+          <a:p>
+            <a:r>
+              <a:rPr lang="en-GB" dirty="0" smtClean="0"/>
+              <a:t>Redo is required for recovery (after a failure)</a:t>
+            </a:r>
+          </a:p>
+          <a:p>
+            <a:r>
+              <a:rPr lang="en-GB" dirty="0" smtClean="0"/>
+              <a:t>Undo is a rollback</a:t>
+            </a:r>
+          </a:p>
+          <a:p>
+            <a:r>
+              <a:rPr lang="en-GB" dirty="0" smtClean="0"/>
+              <a:t>Rollbacks are also logged</a:t>
+            </a:r>
+          </a:p>
+          <a:p>
+            <a:pPr lvl="1"/>
+            <a:r>
+              <a:rPr lang="en-GB" dirty="0" smtClean="0"/>
+              <a:t>Space is reserved to ensure a rollback can be completed</a:t>
+            </a:r>
+            <a:endParaRPr lang="en-GB" dirty="0"/>
+          </a:p>
+        </p:txBody>
+      </p:sp>
+    </p:spTree>
+    <p:extLst>
+      <p:ext uri="{BB962C8B-B14F-4D97-AF65-F5344CB8AC3E}">
+        <p14:creationId xmlns:p14="http://schemas.microsoft.com/office/powerpoint/2010/main" val="4239046047"/>
+      </p:ext>
+    </p:extLst>
+  </p:cSld>
+  <p:clrMapOvr>
+    <a:masterClrMapping/>
+  </p:clrMapOvr>
+  <p:timing>
+    <p:tnLst>
+      <p:par>
+        <p:cTn id="1" dur="indefinite" restart="never" nodeType="tmRoot"/>
+      </p:par>
+    </p:tnLst>
+  </p:timing>
+</p:sld>
+</file>
+
 <file path=ppt/slides/slide18.xml><?xml version="1.0" encoding="utf-8"?>
 <p:sld xmlns:a="http://schemas.openxmlformats.org/drawingml/2006/main" xmlns:r="http://schemas.openxmlformats.org/officeDocument/2006/relationships" xmlns:p="http://schemas.openxmlformats.org/presentationml/2006/main">
   <p:cSld>
@@ -18635,7 +15781,7 @@
           <a:p>
             <a:r>
               <a:rPr lang="en-GB" dirty="0" smtClean="0"/>
-              <a:t>What’s recorded in the log</a:t>
+              <a:t>Demo</a:t>
             </a:r>
             <a:endParaRPr lang="en-GB" dirty="0"/>
           </a:p>
@@ -18653,59 +15799,16 @@
         </p:nvSpPr>
         <p:spPr/>
         <p:txBody>
-          <a:bodyPr>
-            <a:normAutofit/>
-          </a:bodyPr>
-          <a:lstStyle/>
-          <a:p>
-            <a:r>
-              <a:rPr lang="en-GB" dirty="0" smtClean="0"/>
-              <a:t>Logging has two forms:</a:t>
-            </a:r>
-          </a:p>
-          <a:p>
-            <a:pPr lvl="1"/>
-            <a:r>
-              <a:rPr lang="en-GB" dirty="0" smtClean="0"/>
-              <a:t>Logical operation</a:t>
-            </a:r>
-          </a:p>
-          <a:p>
-            <a:pPr lvl="1"/>
-            <a:r>
-              <a:rPr lang="en-GB" dirty="0" smtClean="0"/>
-              <a:t>Before and after “image” of the altered page</a:t>
-            </a:r>
-          </a:p>
-          <a:p>
-            <a:r>
-              <a:rPr lang="en-GB" dirty="0" smtClean="0"/>
-              <a:t>The log stores enough to redo or undo any operation</a:t>
-            </a:r>
-          </a:p>
-          <a:p>
-            <a:r>
-              <a:rPr lang="en-GB" dirty="0" smtClean="0"/>
-              <a:t>Redo is required for recovery (after a failure)</a:t>
-            </a:r>
-          </a:p>
-          <a:p>
-            <a:r>
-              <a:rPr lang="en-GB" dirty="0" smtClean="0"/>
-              <a:t>Undo is a rollback</a:t>
-            </a:r>
-          </a:p>
-          <a:p>
-            <a:r>
-              <a:rPr lang="en-GB" dirty="0" smtClean="0"/>
-              <a:t>Rollbacks are also logged</a:t>
-            </a:r>
-          </a:p>
-          <a:p>
-            <a:pPr lvl="1"/>
-            <a:r>
-              <a:rPr lang="en-GB" dirty="0" smtClean="0"/>
-              <a:t>Space is reserved to ensure a rollback can be completed</a:t>
+          <a:bodyPr/>
+          <a:lstStyle/>
+          <a:p>
+            <a:r>
+              <a:rPr lang="en-GB" dirty="0" smtClean="0"/>
+              <a:t>Demo </a:t>
+            </a:r>
+            <a:r>
+              <a:rPr lang="en-GB" dirty="0" err="1" smtClean="0"/>
+              <a:t>fn_dblog</a:t>
             </a:r>
             <a:endParaRPr lang="en-GB" dirty="0"/>
           </a:p>
@@ -18714,7 +15817,7 @@
     </p:spTree>
     <p:extLst>
       <p:ext uri="{BB962C8B-B14F-4D97-AF65-F5344CB8AC3E}">
-        <p14:creationId xmlns:p14="http://schemas.microsoft.com/office/powerpoint/2010/main" val="4239046047"/>
+        <p14:creationId xmlns:p14="http://schemas.microsoft.com/office/powerpoint/2010/main" val="3345193705"/>
       </p:ext>
     </p:extLst>
   </p:cSld>
@@ -18765,7 +15868,7 @@
           <a:p>
             <a:r>
               <a:rPr lang="en-GB" dirty="0" smtClean="0"/>
-              <a:t>Demo</a:t>
+              <a:t>Log Buffer</a:t>
             </a:r>
             <a:endParaRPr lang="en-GB" dirty="0"/>
           </a:p>
@@ -18783,16 +15886,54 @@
         </p:nvSpPr>
         <p:spPr/>
         <p:txBody>
-          <a:bodyPr/>
-          <a:lstStyle/>
-          <a:p>
-            <a:r>
-              <a:rPr lang="en-GB" dirty="0" smtClean="0"/>
-              <a:t>Demo </a:t>
-            </a:r>
-            <a:r>
-              <a:rPr lang="en-GB" dirty="0" err="1" smtClean="0"/>
-              <a:t>fn_dblog</a:t>
+          <a:bodyPr>
+            <a:normAutofit fontScale="92500" lnSpcReduction="10000"/>
+          </a:bodyPr>
+          <a:lstStyle/>
+          <a:p>
+            <a:endParaRPr lang="en-GB" dirty="0" smtClean="0"/>
+          </a:p>
+          <a:p>
+            <a:r>
+              <a:rPr lang="en-GB" dirty="0" smtClean="0"/>
+              <a:t>The complete log buffer is flushed to disk on commit</a:t>
+            </a:r>
+          </a:p>
+          <a:p>
+            <a:r>
+              <a:rPr lang="en-GB" dirty="0" smtClean="0"/>
+              <a:t>The log writer performs the flush</a:t>
+            </a:r>
+          </a:p>
+          <a:p>
+            <a:pPr lvl="1"/>
+            <a:r>
+              <a:rPr lang="en-GB" dirty="0" smtClean="0"/>
+              <a:t>There is only one process per server, but buffers are per database</a:t>
+            </a:r>
+          </a:p>
+          <a:p>
+            <a:r>
+              <a:rPr lang="en-GB" dirty="0" smtClean="0"/>
+              <a:t>The buffer may contain other non committed transactions</a:t>
+            </a:r>
+          </a:p>
+          <a:p>
+            <a:r>
+              <a:rPr lang="en-GB" dirty="0" smtClean="0"/>
+              <a:t>Each buffer is up to 60k</a:t>
+            </a:r>
+          </a:p>
+          <a:p>
+            <a:r>
+              <a:rPr lang="en-GB" dirty="0" smtClean="0"/>
+              <a:t>Large data modifications will cause the buffer to flush before the commit</a:t>
+            </a:r>
+          </a:p>
+          <a:p>
+            <a:r>
+              <a:rPr lang="en-GB" dirty="0" smtClean="0"/>
+              <a:t>User processes showing the WRITELOG wait type are being held up buffer flushes, possible bottleneck at disk</a:t>
             </a:r>
             <a:endParaRPr lang="en-GB" dirty="0"/>
           </a:p>
@@ -18801,7 +15942,7 @@
     </p:spTree>
     <p:extLst>
       <p:ext uri="{BB962C8B-B14F-4D97-AF65-F5344CB8AC3E}">
-        <p14:creationId xmlns:p14="http://schemas.microsoft.com/office/powerpoint/2010/main" val="3345193705"/>
+        <p14:creationId xmlns:p14="http://schemas.microsoft.com/office/powerpoint/2010/main" val="1951406462"/>
       </p:ext>
     </p:extLst>
   </p:cSld>
@@ -18963,7 +16104,7 @@
           <a:p>
             <a:r>
               <a:rPr lang="en-GB" dirty="0" smtClean="0"/>
-              <a:t>Log Buffer</a:t>
+              <a:t>Demo</a:t>
             </a:r>
             <a:endParaRPr lang="en-GB" dirty="0"/>
           </a:p>
@@ -18981,54 +16122,12 @@
         </p:nvSpPr>
         <p:spPr/>
         <p:txBody>
-          <a:bodyPr>
-            <a:normAutofit fontScale="92500" lnSpcReduction="20000"/>
-          </a:bodyPr>
-          <a:lstStyle/>
-          <a:p>
-            <a:endParaRPr lang="en-GB" dirty="0" smtClean="0"/>
-          </a:p>
-          <a:p>
-            <a:r>
-              <a:rPr lang="en-GB" dirty="0" smtClean="0"/>
-              <a:t>The complete log buffer is flushed to disk on commit</a:t>
-            </a:r>
-          </a:p>
-          <a:p>
-            <a:r>
-              <a:rPr lang="en-GB" dirty="0" smtClean="0"/>
-              <a:t>The log writer performs the flush</a:t>
-            </a:r>
-          </a:p>
-          <a:p>
-            <a:pPr lvl="1"/>
-            <a:r>
-              <a:rPr lang="en-GB" dirty="0" smtClean="0"/>
-              <a:t>There is only one process per server, but buffers are per database</a:t>
-            </a:r>
-          </a:p>
-          <a:p>
-            <a:r>
-              <a:rPr lang="en-GB" dirty="0" smtClean="0"/>
-              <a:t>The buffer may contain other non committed transactions</a:t>
-            </a:r>
-          </a:p>
-          <a:p>
-            <a:r>
-              <a:rPr lang="en-GB" dirty="0" smtClean="0"/>
-              <a:t>Each buffer is up to 60k</a:t>
-            </a:r>
-          </a:p>
-          <a:p>
-            <a:r>
-              <a:rPr lang="en-GB" dirty="0" smtClean="0"/>
-              <a:t>Large data modifications will cause the buffer to flush before the commit</a:t>
-            </a:r>
-          </a:p>
-          <a:p>
-            <a:r>
-              <a:rPr lang="en-GB" dirty="0" smtClean="0"/>
-              <a:t>User processes showing the WRITELOG wait type are being held up buffer flushes, possible bottleneck at disk</a:t>
+          <a:bodyPr/>
+          <a:lstStyle/>
+          <a:p>
+            <a:r>
+              <a:rPr lang="en-US" dirty="0" smtClean="0"/>
+              <a:t>Demo1 – Transactions and logging</a:t>
             </a:r>
             <a:endParaRPr lang="en-GB" dirty="0"/>
           </a:p>
@@ -19037,7 +16136,7 @@
     </p:spTree>
     <p:extLst>
       <p:ext uri="{BB962C8B-B14F-4D97-AF65-F5344CB8AC3E}">
-        <p14:creationId xmlns:p14="http://schemas.microsoft.com/office/powerpoint/2010/main" val="1951406462"/>
+        <p14:creationId xmlns:p14="http://schemas.microsoft.com/office/powerpoint/2010/main" val="1014582706"/>
       </p:ext>
     </p:extLst>
   </p:cSld>
@@ -19088,7 +16187,7 @@
           <a:p>
             <a:r>
               <a:rPr lang="en-GB" dirty="0" smtClean="0"/>
-              <a:t>Demo</a:t>
+              <a:t>Demo Summary</a:t>
             </a:r>
             <a:endParaRPr lang="en-GB" dirty="0"/>
           </a:p>
@@ -19110,8 +16209,39 @@
           <a:lstStyle/>
           <a:p>
             <a:r>
-              <a:rPr lang="en-US" dirty="0" smtClean="0"/>
-              <a:t>Demo1 – Transactions and logging</a:t>
+              <a:rPr lang="en-GB" dirty="0" smtClean="0"/>
+              <a:t>Each commit needs to flush buffer</a:t>
+            </a:r>
+          </a:p>
+          <a:p>
+            <a:r>
+              <a:rPr lang="en-GB" dirty="0" smtClean="0"/>
+              <a:t>Minimum write is 512 or 4k (disk sector size)</a:t>
+            </a:r>
+          </a:p>
+          <a:p>
+            <a:r>
+              <a:rPr lang="en-GB" dirty="0" smtClean="0"/>
+              <a:t>Maximum is 60k</a:t>
+            </a:r>
+          </a:p>
+          <a:p>
+            <a:r>
+              <a:rPr lang="en-GB" dirty="0" smtClean="0"/>
+              <a:t>Quicker to do batches than small transactions</a:t>
+            </a:r>
+          </a:p>
+          <a:p>
+            <a:pPr lvl="1"/>
+            <a:r>
+              <a:rPr lang="en-GB" dirty="0" smtClean="0"/>
+              <a:t>(maybe)</a:t>
+            </a:r>
+          </a:p>
+          <a:p>
+            <a:r>
+              <a:rPr lang="en-GB" dirty="0" smtClean="0"/>
+              <a:t>IOPS for drive is critical</a:t>
             </a:r>
             <a:endParaRPr lang="en-GB" dirty="0"/>
           </a:p>
@@ -19120,7 +16250,7 @@
     </p:spTree>
     <p:extLst>
       <p:ext uri="{BB962C8B-B14F-4D97-AF65-F5344CB8AC3E}">
-        <p14:creationId xmlns:p14="http://schemas.microsoft.com/office/powerpoint/2010/main" val="1014582706"/>
+        <p14:creationId xmlns:p14="http://schemas.microsoft.com/office/powerpoint/2010/main" val="4129849656"/>
       </p:ext>
     </p:extLst>
   </p:cSld>
@@ -19171,7 +16301,7 @@
           <a:p>
             <a:r>
               <a:rPr lang="en-GB" dirty="0" smtClean="0"/>
-              <a:t>Demo Summary</a:t>
+              <a:t>Data File Writes</a:t>
             </a:r>
             <a:endParaRPr lang="en-GB" dirty="0"/>
           </a:p>
@@ -19194,39 +16324,30 @@
           <a:p>
             <a:r>
               <a:rPr lang="en-GB" dirty="0" smtClean="0"/>
-              <a:t>Each commit needs to flush buffer</a:t>
-            </a:r>
-          </a:p>
-          <a:p>
-            <a:r>
-              <a:rPr lang="en-GB" dirty="0" smtClean="0"/>
-              <a:t>Minimum write is 512 or 4k (disk sector size)</a:t>
-            </a:r>
-          </a:p>
-          <a:p>
-            <a:r>
-              <a:rPr lang="en-GB" dirty="0" smtClean="0"/>
-              <a:t>Maximum is 60k</a:t>
-            </a:r>
-          </a:p>
-          <a:p>
-            <a:r>
-              <a:rPr lang="en-GB" dirty="0" smtClean="0"/>
-              <a:t>Quicker to do batches than small transactions</a:t>
+              <a:t>Dirty data pages are written to disk by either:</a:t>
             </a:r>
           </a:p>
           <a:p>
             <a:pPr lvl="1"/>
             <a:r>
               <a:rPr lang="en-GB" dirty="0" smtClean="0"/>
-              <a:t>(maybe)</a:t>
-            </a:r>
-          </a:p>
-          <a:p>
-            <a:r>
-              <a:rPr lang="en-GB" dirty="0" smtClean="0"/>
-              <a:t>IOPS for drive is critical</a:t>
-            </a:r>
+              <a:t>Checkpoint</a:t>
+            </a:r>
+          </a:p>
+          <a:p>
+            <a:pPr lvl="1"/>
+            <a:r>
+              <a:rPr lang="en-GB" dirty="0" smtClean="0"/>
+              <a:t>Lazy Writer</a:t>
+            </a:r>
+          </a:p>
+          <a:p>
+            <a:r>
+              <a:rPr lang="en-GB" dirty="0" smtClean="0"/>
+              <a:t>Checkpoints are a marker in the log to indicate there are no dirty pages previous to the marker</a:t>
+            </a:r>
+          </a:p>
+          <a:p>
             <a:endParaRPr lang="en-GB" dirty="0"/>
           </a:p>
         </p:txBody>
@@ -19234,7 +16355,7 @@
     </p:spTree>
     <p:extLst>
       <p:ext uri="{BB962C8B-B14F-4D97-AF65-F5344CB8AC3E}">
-        <p14:creationId xmlns:p14="http://schemas.microsoft.com/office/powerpoint/2010/main" val="4129849656"/>
+        <p14:creationId xmlns:p14="http://schemas.microsoft.com/office/powerpoint/2010/main" val="1447625357"/>
       </p:ext>
     </p:extLst>
   </p:cSld>
@@ -19285,7 +16406,7 @@
           <a:p>
             <a:r>
               <a:rPr lang="en-GB" dirty="0" smtClean="0"/>
-              <a:t>Data File Writes</a:t>
+              <a:t>Checkpoints</a:t>
             </a:r>
             <a:endParaRPr lang="en-GB" dirty="0"/>
           </a:p>
@@ -19303,43 +16424,70 @@
         </p:nvSpPr>
         <p:spPr/>
         <p:txBody>
-          <a:bodyPr/>
-          <a:lstStyle/>
-          <a:p>
-            <a:r>
-              <a:rPr lang="en-GB" dirty="0" smtClean="0"/>
-              <a:t>Dirty data pages are written to disk by either:</a:t>
+          <a:bodyPr>
+            <a:normAutofit lnSpcReduction="10000"/>
+          </a:bodyPr>
+          <a:lstStyle/>
+          <a:p>
+            <a:r>
+              <a:rPr lang="en-GB" dirty="0" smtClean="0"/>
+              <a:t>Fired when:</a:t>
             </a:r>
           </a:p>
           <a:p>
             <a:pPr lvl="1"/>
             <a:r>
               <a:rPr lang="en-GB" dirty="0" smtClean="0"/>
-              <a:t>Checkpoint</a:t>
+              <a:t>Automatically in background by the server, intervals will vary</a:t>
             </a:r>
           </a:p>
           <a:p>
             <a:pPr lvl="1"/>
             <a:r>
               <a:rPr lang="en-GB" dirty="0" smtClean="0"/>
-              <a:t>Lazy Writer</a:t>
-            </a:r>
-          </a:p>
-          <a:p>
-            <a:r>
-              <a:rPr lang="en-GB" dirty="0" smtClean="0"/>
-              <a:t>Checkpoints are a marker in the log to indicate there are no dirty pages previous to the marker</a:t>
-            </a:r>
-          </a:p>
-          <a:p>
-            <a:endParaRPr lang="en-GB" dirty="0"/>
+              <a:t>Timing is based upon the “recovery interval” or Target Recovery Time</a:t>
+            </a:r>
+          </a:p>
+          <a:p>
+            <a:pPr lvl="1"/>
+            <a:r>
+              <a:rPr lang="en-GB" dirty="0" smtClean="0"/>
+              <a:t>Simple databases at 70% log full</a:t>
+            </a:r>
+          </a:p>
+          <a:p>
+            <a:pPr lvl="2"/>
+            <a:r>
+              <a:rPr lang="en-GB" dirty="0" smtClean="0"/>
+              <a:t>Also truncates the log (frees up space)</a:t>
+            </a:r>
+          </a:p>
+          <a:p>
+            <a:r>
+              <a:rPr lang="en-GB" dirty="0" smtClean="0"/>
+              <a:t>Other types of Checkpoint:</a:t>
+            </a:r>
+          </a:p>
+          <a:p>
+            <a:pPr lvl="1"/>
+            <a:r>
+              <a:rPr lang="en-GB" dirty="0" smtClean="0"/>
+              <a:t>Indirect – caused by database backups, snapshots and cluster failovers, shutdowns, detach DB</a:t>
+            </a:r>
+          </a:p>
+          <a:p>
+            <a:pPr lvl="1"/>
+            <a:r>
+              <a:rPr lang="en-GB" dirty="0" smtClean="0"/>
+              <a:t>Manual – user invoked checkpoint</a:t>
+            </a:r>
           </a:p>
         </p:txBody>
       </p:sp>
     </p:spTree>
     <p:extLst>
       <p:ext uri="{BB962C8B-B14F-4D97-AF65-F5344CB8AC3E}">
-        <p14:creationId xmlns:p14="http://schemas.microsoft.com/office/powerpoint/2010/main" val="1447625357"/>
+        <p14:creationId xmlns:p14="http://schemas.microsoft.com/office/powerpoint/2010/main" val="1093614657"/>
       </p:ext>
     </p:extLst>
   </p:cSld>
@@ -19390,7 +16538,7 @@
           <a:p>
             <a:r>
               <a:rPr lang="en-GB" dirty="0" smtClean="0"/>
-              <a:t>Checkpoints</a:t>
+              <a:t>Lazy Writer</a:t>
             </a:r>
             <a:endParaRPr lang="en-GB" dirty="0"/>
           </a:p>
@@ -19409,69 +16557,67 @@
         <p:spPr/>
         <p:txBody>
           <a:bodyPr>
-            <a:normAutofit fontScale="92500"/>
+            <a:normAutofit/>
           </a:bodyPr>
           <a:lstStyle/>
           <a:p>
             <a:r>
               <a:rPr lang="en-GB" dirty="0" smtClean="0"/>
-              <a:t>Fired when:</a:t>
+              <a:t>Invoked due to memory </a:t>
+            </a:r>
+            <a:r>
+              <a:rPr lang="en-GB" dirty="0"/>
+              <a:t>pressure</a:t>
+            </a:r>
+          </a:p>
+          <a:p>
+            <a:r>
+              <a:rPr lang="en-GB" dirty="0" smtClean="0"/>
+              <a:t>Background process that writes dirty pages to disk</a:t>
             </a:r>
           </a:p>
           <a:p>
             <a:pPr lvl="1"/>
             <a:r>
               <a:rPr lang="en-GB" dirty="0" smtClean="0"/>
-              <a:t>Automatically in background by the server, intervals will vary</a:t>
+              <a:t>Tries to write continuous pages (up to 32)</a:t>
+            </a:r>
+          </a:p>
+          <a:p>
+            <a:r>
+              <a:rPr lang="en-GB" dirty="0" smtClean="0"/>
+              <a:t>Can write pages where the change has NOT been committed</a:t>
+            </a:r>
+          </a:p>
+          <a:p>
+            <a:r>
+              <a:rPr lang="en-GB" dirty="0" smtClean="0"/>
+              <a:t>Page is latched </a:t>
             </a:r>
           </a:p>
           <a:p>
             <a:pPr lvl="1"/>
             <a:r>
               <a:rPr lang="en-GB" dirty="0" smtClean="0"/>
-              <a:t>Timing is based upon the “recovery interval” or Target Recovery Time</a:t>
+              <a:t>No users can modify it until the write is complete</a:t>
             </a:r>
           </a:p>
           <a:p>
             <a:pPr lvl="1"/>
             <a:r>
               <a:rPr lang="en-GB" dirty="0" smtClean="0"/>
-              <a:t>Simple databases at 70% log full</a:t>
-            </a:r>
-          </a:p>
-          <a:p>
-            <a:pPr lvl="2"/>
-            <a:r>
-              <a:rPr lang="en-GB" dirty="0" smtClean="0"/>
-              <a:t>Also truncates the log (frees up space)</a:t>
-            </a:r>
-          </a:p>
-          <a:p>
-            <a:r>
-              <a:rPr lang="en-GB" dirty="0" smtClean="0"/>
-              <a:t>Other types of Checkpoint:</a:t>
-            </a:r>
-          </a:p>
-          <a:p>
-            <a:pPr lvl="1"/>
-            <a:r>
-              <a:rPr lang="en-GB" dirty="0" smtClean="0"/>
-              <a:t>Indirect – caused by database backups, snapshots and cluster failovers, shutdowns, detach DB</a:t>
-            </a:r>
-          </a:p>
-          <a:p>
-            <a:pPr lvl="1"/>
-            <a:r>
-              <a:rPr lang="en-GB" dirty="0" smtClean="0"/>
-              <a:t>Manual – user invoked checkpoint</a:t>
-            </a:r>
+              <a:t>Reads continues</a:t>
+            </a:r>
+          </a:p>
+          <a:p>
+            <a:endParaRPr lang="en-GB" dirty="0"/>
           </a:p>
         </p:txBody>
       </p:sp>
     </p:spTree>
     <p:extLst>
       <p:ext uri="{BB962C8B-B14F-4D97-AF65-F5344CB8AC3E}">
-        <p14:creationId xmlns:p14="http://schemas.microsoft.com/office/powerpoint/2010/main" val="1093614657"/>
+        <p14:creationId xmlns:p14="http://schemas.microsoft.com/office/powerpoint/2010/main" val="2584242974"/>
       </p:ext>
     </p:extLst>
   </p:cSld>
@@ -19522,136 +16668,6 @@
           <a:p>
             <a:r>
               <a:rPr lang="en-GB" dirty="0" smtClean="0"/>
-              <a:t>Lazy Writer</a:t>
-            </a:r>
-            <a:endParaRPr lang="en-GB" dirty="0"/>
-          </a:p>
-        </p:txBody>
-      </p:sp>
-      <p:sp>
-        <p:nvSpPr>
-          <p:cNvPr id="3" name="Content Placeholder 2"/>
-          <p:cNvSpPr>
-            <a:spLocks noGrp="1"/>
-          </p:cNvSpPr>
-          <p:nvPr>
-            <p:ph idx="1"/>
-          </p:nvPr>
-        </p:nvSpPr>
-        <p:spPr/>
-        <p:txBody>
-          <a:bodyPr>
-            <a:normAutofit/>
-          </a:bodyPr>
-          <a:lstStyle/>
-          <a:p>
-            <a:r>
-              <a:rPr lang="en-GB" dirty="0" smtClean="0"/>
-              <a:t>Invoked due to memory </a:t>
-            </a:r>
-            <a:r>
-              <a:rPr lang="en-GB" dirty="0"/>
-              <a:t>pressure</a:t>
-            </a:r>
-          </a:p>
-          <a:p>
-            <a:r>
-              <a:rPr lang="en-GB" dirty="0" smtClean="0"/>
-              <a:t>Background process that writes dirty pages to disk</a:t>
-            </a:r>
-          </a:p>
-          <a:p>
-            <a:pPr lvl="1"/>
-            <a:r>
-              <a:rPr lang="en-GB" dirty="0" smtClean="0"/>
-              <a:t>Tries to write continuous pages (up to 32)</a:t>
-            </a:r>
-          </a:p>
-          <a:p>
-            <a:r>
-              <a:rPr lang="en-GB" dirty="0" smtClean="0"/>
-              <a:t>Can write pages where the change has NOT been committed</a:t>
-            </a:r>
-          </a:p>
-          <a:p>
-            <a:r>
-              <a:rPr lang="en-GB" dirty="0" smtClean="0"/>
-              <a:t>Page is latched </a:t>
-            </a:r>
-          </a:p>
-          <a:p>
-            <a:pPr lvl="1"/>
-            <a:r>
-              <a:rPr lang="en-GB" dirty="0" smtClean="0"/>
-              <a:t>No users can modify it until the write is complete</a:t>
-            </a:r>
-          </a:p>
-          <a:p>
-            <a:pPr lvl="1"/>
-            <a:r>
-              <a:rPr lang="en-GB" dirty="0" smtClean="0"/>
-              <a:t>Reads continues</a:t>
-            </a:r>
-          </a:p>
-          <a:p>
-            <a:endParaRPr lang="en-GB" dirty="0"/>
-          </a:p>
-        </p:txBody>
-      </p:sp>
-    </p:spTree>
-    <p:extLst>
-      <p:ext uri="{BB962C8B-B14F-4D97-AF65-F5344CB8AC3E}">
-        <p14:creationId xmlns:p14="http://schemas.microsoft.com/office/powerpoint/2010/main" val="2584242974"/>
-      </p:ext>
-    </p:extLst>
-  </p:cSld>
-  <p:clrMapOvr>
-    <a:masterClrMapping/>
-  </p:clrMapOvr>
-  <p:timing>
-    <p:tnLst>
-      <p:par>
-        <p:cTn id="1" dur="indefinite" restart="never" nodeType="tmRoot"/>
-      </p:par>
-    </p:tnLst>
-  </p:timing>
-</p:sld>
-</file>
-
-<file path=ppt/slides/slide26.xml><?xml version="1.0" encoding="utf-8"?>
-<p:sld xmlns:a="http://schemas.openxmlformats.org/drawingml/2006/main" xmlns:r="http://schemas.openxmlformats.org/officeDocument/2006/relationships" xmlns:p="http://schemas.openxmlformats.org/presentationml/2006/main">
-  <p:cSld>
-    <p:spTree>
-      <p:nvGrpSpPr>
-        <p:cNvPr id="1" name=""/>
-        <p:cNvGrpSpPr/>
-        <p:nvPr/>
-      </p:nvGrpSpPr>
-      <p:grpSpPr>
-        <a:xfrm>
-          <a:off x="0" y="0"/>
-          <a:ext cx="0" cy="0"/>
-          <a:chOff x="0" y="0"/>
-          <a:chExt cx="0" cy="0"/>
-        </a:xfrm>
-      </p:grpSpPr>
-      <p:sp>
-        <p:nvSpPr>
-          <p:cNvPr id="2" name="Title 1"/>
-          <p:cNvSpPr>
-            <a:spLocks noGrp="1"/>
-          </p:cNvSpPr>
-          <p:nvPr>
-            <p:ph type="title"/>
-          </p:nvPr>
-        </p:nvSpPr>
-        <p:spPr/>
-        <p:txBody>
-          <a:bodyPr/>
-          <a:lstStyle/>
-          <a:p>
-            <a:r>
-              <a:rPr lang="en-GB" dirty="0" smtClean="0"/>
               <a:t>Demo</a:t>
             </a:r>
             <a:endParaRPr lang="en-GB" dirty="0"/>
@@ -19703,7 +16719,7 @@
 </p:sld>
 </file>
 
-<file path=ppt/slides/slide27.xml><?xml version="1.0" encoding="utf-8"?>
+<file path=ppt/slides/slide26.xml><?xml version="1.0" encoding="utf-8"?>
 <p:sld xmlns:a="http://schemas.openxmlformats.org/drawingml/2006/main" xmlns:r="http://schemas.openxmlformats.org/officeDocument/2006/relationships" xmlns:p="http://schemas.openxmlformats.org/presentationml/2006/main">
   <p:cSld>
     <p:spTree>
@@ -20076,6 +17092,159 @@
 </p:sld>
 </file>
 
+<file path=ppt/slides/slide27.xml><?xml version="1.0" encoding="utf-8"?>
+<p:sld xmlns:a="http://schemas.openxmlformats.org/drawingml/2006/main" xmlns:r="http://schemas.openxmlformats.org/officeDocument/2006/relationships" xmlns:p="http://schemas.openxmlformats.org/presentationml/2006/main">
+  <p:cSld>
+    <p:spTree>
+      <p:nvGrpSpPr>
+        <p:cNvPr id="1" name=""/>
+        <p:cNvGrpSpPr/>
+        <p:nvPr/>
+      </p:nvGrpSpPr>
+      <p:grpSpPr>
+        <a:xfrm>
+          <a:off x="0" y="0"/>
+          <a:ext cx="0" cy="0"/>
+          <a:chOff x="0" y="0"/>
+          <a:chExt cx="0" cy="0"/>
+        </a:xfrm>
+      </p:grpSpPr>
+      <p:sp>
+        <p:nvSpPr>
+          <p:cNvPr id="2" name="Title 1"/>
+          <p:cNvSpPr>
+            <a:spLocks noGrp="1"/>
+          </p:cNvSpPr>
+          <p:nvPr>
+            <p:ph type="title"/>
+          </p:nvPr>
+        </p:nvSpPr>
+        <p:spPr/>
+        <p:txBody>
+          <a:bodyPr/>
+          <a:lstStyle/>
+          <a:p>
+            <a:r>
+              <a:rPr lang="en-GB" dirty="0" smtClean="0"/>
+              <a:t>Transaction Log = Point in time restore</a:t>
+            </a:r>
+            <a:endParaRPr lang="en-GB" dirty="0"/>
+          </a:p>
+        </p:txBody>
+      </p:sp>
+      <p:sp>
+        <p:nvSpPr>
+          <p:cNvPr id="3" name="Content Placeholder 2"/>
+          <p:cNvSpPr>
+            <a:spLocks noGrp="1"/>
+          </p:cNvSpPr>
+          <p:nvPr>
+            <p:ph idx="1"/>
+          </p:nvPr>
+        </p:nvSpPr>
+        <p:spPr/>
+        <p:txBody>
+          <a:bodyPr>
+            <a:normAutofit fontScale="92500" lnSpcReduction="10000"/>
+          </a:bodyPr>
+          <a:lstStyle/>
+          <a:p>
+            <a:r>
+              <a:rPr lang="en-GB" dirty="0" smtClean="0"/>
+              <a:t>No active transaction log or backup</a:t>
+            </a:r>
+          </a:p>
+          <a:p>
+            <a:pPr lvl="1"/>
+            <a:r>
+              <a:rPr lang="en-GB" dirty="0" smtClean="0"/>
+              <a:t>No point in time recovery</a:t>
+            </a:r>
+          </a:p>
+          <a:p>
+            <a:r>
+              <a:rPr lang="en-GB" dirty="0" smtClean="0"/>
+              <a:t>No Database backup</a:t>
+            </a:r>
+          </a:p>
+          <a:p>
+            <a:pPr lvl="1"/>
+            <a:r>
+              <a:rPr lang="en-GB" dirty="0" smtClean="0"/>
+              <a:t>No recovery</a:t>
+            </a:r>
+          </a:p>
+          <a:p>
+            <a:r>
+              <a:rPr lang="en-GB" dirty="0" smtClean="0"/>
+              <a:t>Broken sequence of </a:t>
+            </a:r>
+            <a:r>
+              <a:rPr lang="en-GB" dirty="0" err="1" smtClean="0"/>
+              <a:t>Tlog</a:t>
+            </a:r>
+            <a:r>
+              <a:rPr lang="en-GB" dirty="0" smtClean="0"/>
+              <a:t> backups </a:t>
+            </a:r>
+          </a:p>
+          <a:p>
+            <a:pPr lvl="1"/>
+            <a:r>
+              <a:rPr lang="en-GB" dirty="0" smtClean="0"/>
+              <a:t>Recovery to point of break</a:t>
+            </a:r>
+          </a:p>
+          <a:p>
+            <a:r>
+              <a:rPr lang="en-GB" dirty="0"/>
+              <a:t>Transaction log backed up to protect the log</a:t>
+            </a:r>
+          </a:p>
+          <a:p>
+            <a:pPr lvl="1"/>
+            <a:r>
+              <a:rPr lang="en-GB" dirty="0"/>
+              <a:t>Avoid excessive growth</a:t>
+            </a:r>
+          </a:p>
+          <a:p>
+            <a:pPr lvl="1"/>
+            <a:r>
+              <a:rPr lang="en-GB" dirty="0"/>
+              <a:t>Simplify </a:t>
+            </a:r>
+            <a:r>
+              <a:rPr lang="en-GB" dirty="0" smtClean="0"/>
+              <a:t>the database restore</a:t>
+            </a:r>
+            <a:endParaRPr lang="en-GB" dirty="0"/>
+          </a:p>
+          <a:p>
+            <a:endParaRPr lang="en-GB" dirty="0"/>
+          </a:p>
+        </p:txBody>
+      </p:sp>
+    </p:spTree>
+    <p:extLst>
+      <p:ext uri="{BB962C8B-B14F-4D97-AF65-F5344CB8AC3E}">
+        <p14:creationId xmlns:p14="http://schemas.microsoft.com/office/powerpoint/2010/main" val="2397402175"/>
+      </p:ext>
+    </p:extLst>
+  </p:cSld>
+  <p:clrMapOvr>
+    <a:masterClrMapping/>
+  </p:clrMapOvr>
+  <p:timing>
+    <p:tnLst>
+      <p:par>
+        <p:cTn id="1" dur="indefinite" restart="never" nodeType="tmRoot"/>
+      </p:par>
+    </p:tnLst>
+  </p:timing>
+</p:sld>
+</file>
+
 <file path=ppt/slides/slide28.xml><?xml version="1.0" encoding="utf-8"?>
 <p:sld xmlns:a="http://schemas.openxmlformats.org/drawingml/2006/main" xmlns:r="http://schemas.openxmlformats.org/officeDocument/2006/relationships" xmlns:p="http://schemas.openxmlformats.org/presentationml/2006/main">
   <p:cSld>
@@ -20110,7 +17279,7 @@
           <a:p>
             <a:r>
               <a:rPr lang="en-GB" dirty="0" smtClean="0"/>
-              <a:t>Transaction Log = Point in time restore</a:t>
+              <a:t>Recovery</a:t>
             </a:r>
             <a:endParaRPr lang="en-GB" dirty="0"/>
           </a:p>
@@ -20129,90 +17298,72 @@
         <p:spPr/>
         <p:txBody>
           <a:bodyPr>
-            <a:normAutofit fontScale="92500" lnSpcReduction="10000"/>
+            <a:normAutofit/>
           </a:bodyPr>
           <a:lstStyle/>
           <a:p>
             <a:r>
               <a:rPr lang="en-GB" dirty="0" smtClean="0"/>
-              <a:t>No active transaction log or backup</a:t>
+              <a:t>Performed during the </a:t>
+            </a:r>
+            <a:r>
+              <a:rPr lang="en-GB" dirty="0" err="1" smtClean="0"/>
+              <a:t>startup</a:t>
+            </a:r>
+            <a:r>
+              <a:rPr lang="en-GB" dirty="0" smtClean="0"/>
+              <a:t> of the server/database</a:t>
+            </a:r>
+          </a:p>
+          <a:p>
+            <a:r>
+              <a:rPr lang="en-GB" dirty="0" smtClean="0"/>
+              <a:t>Or after restore of database and transaction log</a:t>
+            </a:r>
+          </a:p>
+          <a:p>
+            <a:r>
+              <a:rPr lang="en-GB" dirty="0" smtClean="0"/>
+              <a:t>Ensures the consistency of the database before users can access it</a:t>
+            </a:r>
+          </a:p>
+          <a:p>
+            <a:r>
+              <a:rPr lang="en-GB" dirty="0" smtClean="0"/>
+              <a:t>3 Phases</a:t>
             </a:r>
           </a:p>
           <a:p>
             <a:pPr lvl="1"/>
             <a:r>
               <a:rPr lang="en-GB" dirty="0" smtClean="0"/>
-              <a:t>No point in time recovery</a:t>
-            </a:r>
-          </a:p>
-          <a:p>
-            <a:r>
-              <a:rPr lang="en-GB" dirty="0" smtClean="0"/>
-              <a:t>No Database backup</a:t>
+              <a:t>Log Analysis – find the last checkpoint (known good state)/first active VLF</a:t>
             </a:r>
           </a:p>
           <a:p>
             <a:pPr lvl="1"/>
             <a:r>
               <a:rPr lang="en-GB" dirty="0" smtClean="0"/>
-              <a:t>No recovery</a:t>
-            </a:r>
-          </a:p>
-          <a:p>
-            <a:r>
-              <a:rPr lang="en-GB" dirty="0" smtClean="0"/>
-              <a:t>Broken sequence of </a:t>
-            </a:r>
-            <a:r>
-              <a:rPr lang="en-GB" dirty="0" err="1" smtClean="0"/>
-              <a:t>Tlog</a:t>
-            </a:r>
-            <a:r>
-              <a:rPr lang="en-GB" dirty="0" smtClean="0"/>
-              <a:t> backups </a:t>
+              <a:t>Redo – Looks for committed pages that were not flushed to disk before the last shutdown. </a:t>
             </a:r>
           </a:p>
           <a:p>
             <a:pPr lvl="1"/>
             <a:r>
               <a:rPr lang="en-GB" dirty="0" smtClean="0"/>
-              <a:t>Recovery to point of break</a:t>
-            </a:r>
-          </a:p>
-          <a:p>
-            <a:r>
-              <a:rPr lang="en-GB" dirty="0"/>
-              <a:t>Transaction log backed up to protect the log</a:t>
+              <a:t>Undo – Rollback any uncommitted transactions that have been flushed to disk</a:t>
             </a:r>
           </a:p>
           <a:p>
             <a:pPr lvl="1"/>
-            <a:r>
-              <a:rPr lang="en-GB" dirty="0"/>
-              <a:t>Avoid excessive growth</a:t>
-            </a:r>
-          </a:p>
-          <a:p>
-            <a:pPr lvl="1"/>
-            <a:r>
-              <a:rPr lang="en-GB" dirty="0"/>
-              <a:t>Simplify </a:t>
-            </a:r>
-            <a:r>
-              <a:rPr lang="en-GB" dirty="0" smtClean="0"/>
-              <a:t>the database restore</a:t>
-            </a:r>
-            <a:endParaRPr lang="en-GB" dirty="0"/>
-          </a:p>
-          <a:p>
-            <a:endParaRPr lang="en-GB" dirty="0"/>
+            <a:endParaRPr lang="en-GB" dirty="0" smtClean="0"/>
           </a:p>
         </p:txBody>
       </p:sp>
     </p:spTree>
     <p:extLst>
       <p:ext uri="{BB962C8B-B14F-4D97-AF65-F5344CB8AC3E}">
-        <p14:creationId xmlns:p14="http://schemas.microsoft.com/office/powerpoint/2010/main" val="2397402175"/>
+        <p14:creationId xmlns:p14="http://schemas.microsoft.com/office/powerpoint/2010/main" val="3208902008"/>
       </p:ext>
     </p:extLst>
   </p:cSld>
@@ -20263,7 +17414,7 @@
           <a:p>
             <a:r>
               <a:rPr lang="en-GB" dirty="0" smtClean="0"/>
-              <a:t>Recovery</a:t>
+              <a:t>Demo</a:t>
             </a:r>
             <a:endParaRPr lang="en-GB" dirty="0"/>
           </a:p>
@@ -20281,73 +17432,31 @@
         </p:nvSpPr>
         <p:spPr/>
         <p:txBody>
-          <a:bodyPr>
-            <a:normAutofit fontScale="92500" lnSpcReduction="10000"/>
-          </a:bodyPr>
-          <a:lstStyle/>
-          <a:p>
-            <a:r>
-              <a:rPr lang="en-GB" dirty="0" smtClean="0"/>
-              <a:t>Performed during the </a:t>
-            </a:r>
-            <a:r>
-              <a:rPr lang="en-GB" dirty="0" err="1" smtClean="0"/>
-              <a:t>startup</a:t>
-            </a:r>
-            <a:r>
-              <a:rPr lang="en-GB" dirty="0" smtClean="0"/>
-              <a:t> of the server/database</a:t>
-            </a:r>
-          </a:p>
-          <a:p>
-            <a:r>
-              <a:rPr lang="en-GB" dirty="0" smtClean="0"/>
-              <a:t>Or after restore of database and transaction log</a:t>
-            </a:r>
-          </a:p>
-          <a:p>
-            <a:r>
-              <a:rPr lang="en-GB" dirty="0" smtClean="0"/>
-              <a:t>Ensures the consistency of the database before users can access it</a:t>
-            </a:r>
-          </a:p>
-          <a:p>
-            <a:r>
-              <a:rPr lang="en-GB" dirty="0" smtClean="0"/>
-              <a:t>3 Phases</a:t>
-            </a:r>
-          </a:p>
-          <a:p>
-            <a:pPr lvl="1"/>
-            <a:r>
-              <a:rPr lang="en-GB" dirty="0" smtClean="0"/>
-              <a:t>Log Analysis – find the last checkpoint (known good state)/first active VLF</a:t>
-            </a:r>
-          </a:p>
-          <a:p>
-            <a:pPr lvl="1"/>
-            <a:r>
-              <a:rPr lang="en-GB" dirty="0" smtClean="0"/>
-              <a:t>Redo – Looks for committed pages that were not flushed to disk before the last shutdown. </a:t>
-            </a:r>
-          </a:p>
-          <a:p>
-            <a:pPr lvl="1"/>
-            <a:r>
-              <a:rPr lang="en-GB" dirty="0" smtClean="0"/>
-              <a:t>Undo – Rollback any uncommitted transactions that have been flushed to disk</a:t>
-            </a:r>
-          </a:p>
-          <a:p>
-            <a:pPr lvl="1"/>
-            <a:endParaRPr lang="en-GB" dirty="0" smtClean="0"/>
+          <a:bodyPr/>
+          <a:lstStyle/>
+          <a:p>
+            <a:r>
+              <a:rPr lang="en-GB" dirty="0" smtClean="0"/>
+              <a:t>Restore </a:t>
+            </a:r>
+            <a:r>
+              <a:rPr lang="en-GB" dirty="0"/>
+              <a:t>l</a:t>
+            </a:r>
+            <a:r>
+              <a:rPr lang="en-GB" dirty="0" smtClean="0"/>
+              <a:t>og sequence</a:t>
+            </a:r>
+          </a:p>
+          <a:p>
+            <a:endParaRPr lang="en-GB" dirty="0"/>
           </a:p>
         </p:txBody>
       </p:sp>
     </p:spTree>
     <p:extLst>
       <p:ext uri="{BB962C8B-B14F-4D97-AF65-F5344CB8AC3E}">
-        <p14:creationId xmlns:p14="http://schemas.microsoft.com/office/powerpoint/2010/main" val="3208902008"/>
+        <p14:creationId xmlns:p14="http://schemas.microsoft.com/office/powerpoint/2010/main" val="841517786"/>
       </p:ext>
     </p:extLst>
   </p:cSld>
@@ -20469,16 +17578,17 @@
             <a:pPr lvl="1"/>
             <a:r>
               <a:rPr lang="en-GB" dirty="0" smtClean="0"/>
-              <a:t>Joins, Functions, Set </a:t>
+              <a:t>Statistics, Plans, Parametrisation</a:t>
+            </a:r>
+            <a:r>
+              <a:rPr lang="en-GB" dirty="0" smtClean="0"/>
+              <a:t>, SET </a:t>
             </a:r>
             <a:r>
               <a:rPr lang="en-GB" dirty="0"/>
-              <a:t>based row </a:t>
-            </a:r>
-            <a:r>
-              <a:rPr lang="en-GB" dirty="0" smtClean="0"/>
-              <a:t>based, Data movement</a:t>
-            </a:r>
+              <a:t>options</a:t>
+            </a:r>
+            <a:endParaRPr lang="en-GB" dirty="0" smtClean="0"/>
           </a:p>
           <a:p>
             <a:r>
@@ -20490,7 +17600,7 @@
             <a:pPr lvl="1"/>
             <a:r>
               <a:rPr lang="en-GB" dirty="0" smtClean="0"/>
-              <a:t>Query plans, Clustered </a:t>
+              <a:t>Clustered </a:t>
             </a:r>
             <a:r>
               <a:rPr lang="en-GB" dirty="0"/>
@@ -20498,7 +17608,11 @@
             </a:r>
             <a:r>
               <a:rPr lang="en-GB" dirty="0" smtClean="0"/>
-              <a:t>clustered, ORMs, Blocking</a:t>
+              <a:t>clustered, Finding problems, </a:t>
+            </a:r>
+            <a:r>
+              <a:rPr lang="en-GB" dirty="0" smtClean="0"/>
+              <a:t>ORMs, Blocking</a:t>
             </a:r>
           </a:p>
           <a:p>
@@ -20511,7 +17625,15 @@
             <a:pPr lvl="1"/>
             <a:r>
               <a:rPr lang="en-GB" dirty="0" smtClean="0"/>
-              <a:t>DMVs, SQL Sentry, SET options, SSMS, </a:t>
+              <a:t>DMVs, SQL </a:t>
+            </a:r>
+            <a:r>
+              <a:rPr lang="en-GB" dirty="0" smtClean="0"/>
+              <a:t>Sentry, </a:t>
+            </a:r>
+            <a:r>
+              <a:rPr lang="en-GB" dirty="0" smtClean="0"/>
+              <a:t>SSMS, </a:t>
             </a:r>
             <a:r>
               <a:rPr lang="en-GB" dirty="0" err="1" smtClean="0"/>
@@ -20612,14 +17734,19 @@
             <p:ph type="title"/>
           </p:nvPr>
         </p:nvSpPr>
-        <p:spPr/>
+        <p:spPr>
+          <a:xfrm>
+            <a:off x="692889" y="609600"/>
+            <a:ext cx="10131425" cy="960967"/>
+          </a:xfrm>
+        </p:spPr>
         <p:txBody>
           <a:bodyPr/>
           <a:lstStyle/>
           <a:p>
             <a:r>
               <a:rPr lang="en-GB" dirty="0" smtClean="0"/>
-              <a:t>Demo</a:t>
+              <a:t>Snapshot restore</a:t>
             </a:r>
             <a:endParaRPr lang="en-GB" dirty="0"/>
           </a:p>
@@ -20642,18 +17769,48 @@
           <a:p>
             <a:r>
               <a:rPr lang="en-GB" dirty="0" smtClean="0"/>
-              <a:t>Restore </a:t>
-            </a:r>
-            <a:r>
-              <a:rPr lang="en-GB" dirty="0"/>
-              <a:t>l</a:t>
-            </a:r>
-            <a:r>
-              <a:rPr lang="en-GB" dirty="0" smtClean="0"/>
-              <a:t>og sequence</a:t>
-            </a:r>
-          </a:p>
-          <a:p>
+              <a:t>Restores a database from a snapshot</a:t>
+            </a:r>
+          </a:p>
+          <a:p>
+            <a:r>
+              <a:rPr lang="en-GB" dirty="0" smtClean="0"/>
+              <a:t>Replaces pages that have changed</a:t>
+            </a:r>
+          </a:p>
+          <a:p>
+            <a:pPr lvl="1"/>
+            <a:r>
+              <a:rPr lang="en-GB" dirty="0" smtClean="0"/>
+              <a:t>Snapshot database files only contains pages that have changed</a:t>
+            </a:r>
+          </a:p>
+          <a:p>
+            <a:r>
+              <a:rPr lang="en-GB" dirty="0" smtClean="0"/>
+              <a:t>For testing very quick</a:t>
+            </a:r>
+          </a:p>
+          <a:p>
+            <a:pPr lvl="1"/>
+            <a:r>
+              <a:rPr lang="en-GB" dirty="0" smtClean="0"/>
+              <a:t>Especially for large databases</a:t>
+            </a:r>
+          </a:p>
+          <a:p>
+            <a:pPr lvl="1"/>
+            <a:r>
+              <a:rPr lang="en-GB" dirty="0" smtClean="0"/>
+              <a:t>Avoids IO of reading whole backup and restoring whole database</a:t>
+            </a:r>
+          </a:p>
+          <a:p>
+            <a:pPr lvl="1"/>
+            <a:r>
+              <a:rPr lang="en-GB" dirty="0" smtClean="0"/>
+              <a:t>Changed data should be a fraction of total database size</a:t>
+            </a:r>
             <a:endParaRPr lang="en-GB" dirty="0"/>
           </a:p>
         </p:txBody>
@@ -20661,7 +17818,7 @@
     </p:spTree>
     <p:extLst>
       <p:ext uri="{BB962C8B-B14F-4D97-AF65-F5344CB8AC3E}">
-        <p14:creationId xmlns:p14="http://schemas.microsoft.com/office/powerpoint/2010/main" val="841517786"/>
+        <p14:creationId xmlns:p14="http://schemas.microsoft.com/office/powerpoint/2010/main" val="2590837436"/>
       </p:ext>
     </p:extLst>
   </p:cSld>
@@ -20705,19 +17862,14 @@
             <p:ph type="title"/>
           </p:nvPr>
         </p:nvSpPr>
-        <p:spPr>
-          <a:xfrm>
-            <a:off x="692889" y="609600"/>
-            <a:ext cx="10131425" cy="960967"/>
-          </a:xfrm>
-        </p:spPr>
+        <p:spPr/>
         <p:txBody>
           <a:bodyPr/>
           <a:lstStyle/>
           <a:p>
             <a:r>
               <a:rPr lang="en-GB" dirty="0" smtClean="0"/>
-              <a:t>Snapshot restore</a:t>
+              <a:t>Log Structure</a:t>
             </a:r>
             <a:endParaRPr lang="en-GB" dirty="0"/>
           </a:p>
@@ -20739,57 +17891,80 @@
           <a:lstStyle/>
           <a:p>
             <a:r>
-              <a:rPr lang="en-GB" dirty="0" smtClean="0"/>
-              <a:t>Restores a database from a snapshot</a:t>
-            </a:r>
-          </a:p>
-          <a:p>
-            <a:r>
-              <a:rPr lang="en-GB" dirty="0" smtClean="0"/>
-              <a:t>Replaces pages that have changed</a:t>
+              <a:rPr lang="en-GB" sz="2400" dirty="0" smtClean="0"/>
+              <a:t>Contains multiple Virtual Log Files (VLF’s)</a:t>
             </a:r>
           </a:p>
           <a:p>
             <a:pPr lvl="1"/>
             <a:r>
-              <a:rPr lang="en-GB" dirty="0" smtClean="0"/>
-              <a:t>Snapshot database files only contains pages that have changed</a:t>
-            </a:r>
-          </a:p>
-          <a:p>
-            <a:r>
-              <a:rPr lang="en-GB" dirty="0" smtClean="0"/>
-              <a:t>For testing very quick</a:t>
-            </a:r>
-          </a:p>
-          <a:p>
-            <a:pPr lvl="1"/>
-            <a:r>
-              <a:rPr lang="en-GB" dirty="0" smtClean="0"/>
-              <a:t>Especially for large databases</a:t>
-            </a:r>
-          </a:p>
-          <a:p>
-            <a:pPr lvl="1"/>
-            <a:r>
-              <a:rPr lang="en-GB" dirty="0" smtClean="0"/>
-              <a:t>Avoids IO of reading whole backup and restoring whole database</a:t>
-            </a:r>
-          </a:p>
-          <a:p>
-            <a:pPr lvl="1"/>
-            <a:r>
-              <a:rPr lang="en-GB" dirty="0" smtClean="0"/>
-              <a:t>Changed data should be a fraction of total database size</a:t>
+              <a:rPr lang="en-GB" sz="2000" dirty="0" smtClean="0"/>
+              <a:t>These vary in size and number</a:t>
+            </a:r>
+          </a:p>
+          <a:p>
+            <a:r>
+              <a:rPr lang="en-GB" sz="2400" dirty="0" smtClean="0"/>
+              <a:t>Writing to the VLF is always sequential for performance</a:t>
+            </a:r>
+          </a:p>
+          <a:p>
+            <a:r>
+              <a:rPr lang="en-GB" sz="2400" dirty="0" smtClean="0"/>
+              <a:t>At the end of the last VLF it loops back to the first </a:t>
+            </a:r>
+            <a:r>
+              <a:rPr lang="en-GB" sz="2400" i="1" dirty="0" smtClean="0"/>
+              <a:t>available</a:t>
+            </a:r>
+            <a:r>
+              <a:rPr lang="en-GB" sz="2400" dirty="0" smtClean="0"/>
+              <a:t> VLF</a:t>
+            </a:r>
+          </a:p>
+          <a:p>
+            <a:r>
+              <a:rPr lang="en-GB" sz="2400" dirty="0" smtClean="0"/>
+              <a:t>Any VLF post the last checkpoint is considered the active portion</a:t>
             </a:r>
             <a:endParaRPr lang="en-GB" dirty="0"/>
           </a:p>
         </p:txBody>
       </p:sp>
+      <p:pic>
+        <p:nvPicPr>
+          <p:cNvPr id="5" name="Picture 4"/>
+          <p:cNvPicPr>
+            <a:picLocks noChangeAspect="1"/>
+          </p:cNvPicPr>
+          <p:nvPr/>
+        </p:nvPicPr>
+        <p:blipFill>
+          <a:blip r:embed="rId3">
+            <a:extLst>
+              <a:ext uri="{28A0092B-C50C-407E-A947-70E740481C1C}">
+                <a14:useLocalDpi xmlns:a14="http://schemas.microsoft.com/office/drawing/2010/main" val="0"/>
+              </a:ext>
+            </a:extLst>
+          </a:blip>
+          <a:stretch>
+            <a:fillRect/>
+          </a:stretch>
+        </p:blipFill>
+        <p:spPr>
+          <a:xfrm>
+            <a:off x="2865862" y="3945537"/>
+            <a:ext cx="6458773" cy="2589077"/>
+          </a:xfrm>
+          <a:prstGeom prst="rect">
+            <a:avLst/>
+          </a:prstGeom>
+        </p:spPr>
+      </p:pic>
     </p:spTree>
     <p:extLst>
       <p:ext uri="{BB962C8B-B14F-4D97-AF65-F5344CB8AC3E}">
-        <p14:creationId xmlns:p14="http://schemas.microsoft.com/office/powerpoint/2010/main" val="2590837436"/>
+        <p14:creationId xmlns:p14="http://schemas.microsoft.com/office/powerpoint/2010/main" val="1351709629"/>
       </p:ext>
     </p:extLst>
   </p:cSld>
@@ -20840,152 +18015,6 @@
           <a:p>
             <a:r>
               <a:rPr lang="en-GB" dirty="0" smtClean="0"/>
-              <a:t>Log Structure</a:t>
-            </a:r>
-            <a:endParaRPr lang="en-GB" dirty="0"/>
-          </a:p>
-        </p:txBody>
-      </p:sp>
-      <p:sp>
-        <p:nvSpPr>
-          <p:cNvPr id="3" name="Content Placeholder 2"/>
-          <p:cNvSpPr>
-            <a:spLocks noGrp="1"/>
-          </p:cNvSpPr>
-          <p:nvPr>
-            <p:ph idx="1"/>
-          </p:nvPr>
-        </p:nvSpPr>
-        <p:spPr/>
-        <p:txBody>
-          <a:bodyPr/>
-          <a:lstStyle/>
-          <a:p>
-            <a:r>
-              <a:rPr lang="en-GB" sz="2400" dirty="0" smtClean="0"/>
-              <a:t>Contains multiple Virtual Log Files (VLF’s)</a:t>
-            </a:r>
-          </a:p>
-          <a:p>
-            <a:pPr lvl="1"/>
-            <a:r>
-              <a:rPr lang="en-GB" sz="2000" dirty="0" smtClean="0"/>
-              <a:t>These vary in size and number</a:t>
-            </a:r>
-          </a:p>
-          <a:p>
-            <a:r>
-              <a:rPr lang="en-GB" sz="2400" dirty="0" smtClean="0"/>
-              <a:t>Writing to the VLF is always sequential for performance</a:t>
-            </a:r>
-          </a:p>
-          <a:p>
-            <a:r>
-              <a:rPr lang="en-GB" sz="2400" dirty="0" smtClean="0"/>
-              <a:t>At the end of the last VLF it loops back to the first </a:t>
-            </a:r>
-            <a:r>
-              <a:rPr lang="en-GB" sz="2400" i="1" dirty="0" smtClean="0"/>
-              <a:t>available</a:t>
-            </a:r>
-            <a:r>
-              <a:rPr lang="en-GB" sz="2400" dirty="0" smtClean="0"/>
-              <a:t> VLF</a:t>
-            </a:r>
-          </a:p>
-          <a:p>
-            <a:r>
-              <a:rPr lang="en-GB" sz="2400" dirty="0" smtClean="0"/>
-              <a:t>Any VLF post the last checkpoint is considered the active portion</a:t>
-            </a:r>
-            <a:endParaRPr lang="en-GB" dirty="0"/>
-          </a:p>
-        </p:txBody>
-      </p:sp>
-      <p:pic>
-        <p:nvPicPr>
-          <p:cNvPr id="5" name="Picture 4"/>
-          <p:cNvPicPr>
-            <a:picLocks noChangeAspect="1"/>
-          </p:cNvPicPr>
-          <p:nvPr/>
-        </p:nvPicPr>
-        <p:blipFill>
-          <a:blip r:embed="rId3">
-            <a:extLst>
-              <a:ext uri="{28A0092B-C50C-407E-A947-70E740481C1C}">
-                <a14:useLocalDpi xmlns:a14="http://schemas.microsoft.com/office/drawing/2010/main" val="0"/>
-              </a:ext>
-            </a:extLst>
-          </a:blip>
-          <a:stretch>
-            <a:fillRect/>
-          </a:stretch>
-        </p:blipFill>
-        <p:spPr>
-          <a:xfrm>
-            <a:off x="2865862" y="3945537"/>
-            <a:ext cx="6458773" cy="2589077"/>
-          </a:xfrm>
-          <a:prstGeom prst="rect">
-            <a:avLst/>
-          </a:prstGeom>
-        </p:spPr>
-      </p:pic>
-    </p:spTree>
-    <p:extLst>
-      <p:ext uri="{BB962C8B-B14F-4D97-AF65-F5344CB8AC3E}">
-        <p14:creationId xmlns:p14="http://schemas.microsoft.com/office/powerpoint/2010/main" val="1351709629"/>
-      </p:ext>
-    </p:extLst>
-  </p:cSld>
-  <p:clrMapOvr>
-    <a:masterClrMapping/>
-  </p:clrMapOvr>
-  <p:timing>
-    <p:tnLst>
-      <p:par>
-        <p:cTn id="1" dur="indefinite" restart="never" nodeType="tmRoot"/>
-      </p:par>
-    </p:tnLst>
-  </p:timing>
-</p:sld>
-</file>
-
-<file path=ppt/slides/slide33.xml><?xml version="1.0" encoding="utf-8"?>
-<p:sld xmlns:a="http://schemas.openxmlformats.org/drawingml/2006/main" xmlns:r="http://schemas.openxmlformats.org/officeDocument/2006/relationships" xmlns:p="http://schemas.openxmlformats.org/presentationml/2006/main">
-  <p:cSld>
-    <p:spTree>
-      <p:nvGrpSpPr>
-        <p:cNvPr id="1" name=""/>
-        <p:cNvGrpSpPr/>
-        <p:nvPr/>
-      </p:nvGrpSpPr>
-      <p:grpSpPr>
-        <a:xfrm>
-          <a:off x="0" y="0"/>
-          <a:ext cx="0" cy="0"/>
-          <a:chOff x="0" y="0"/>
-          <a:chExt cx="0" cy="0"/>
-        </a:xfrm>
-      </p:grpSpPr>
-      <p:sp>
-        <p:nvSpPr>
-          <p:cNvPr id="2" name="Title 1"/>
-          <p:cNvSpPr>
-            <a:spLocks noGrp="1"/>
-          </p:cNvSpPr>
-          <p:nvPr>
-            <p:ph type="title"/>
-          </p:nvPr>
-        </p:nvSpPr>
-        <p:spPr/>
-        <p:txBody>
-          <a:bodyPr/>
-          <a:lstStyle/>
-          <a:p>
-            <a:r>
-              <a:rPr lang="en-GB" dirty="0" smtClean="0"/>
               <a:t>Demo</a:t>
             </a:r>
             <a:endParaRPr lang="en-GB" dirty="0"/>
@@ -21031,7 +18060,7 @@
 </p:sld>
 </file>
 
-<file path=ppt/slides/slide34.xml><?xml version="1.0" encoding="utf-8"?>
+<file path=ppt/slides/slide33.xml><?xml version="1.0" encoding="utf-8"?>
 <p:sld xmlns:a="http://schemas.openxmlformats.org/drawingml/2006/main" xmlns:r="http://schemas.openxmlformats.org/officeDocument/2006/relationships" xmlns:p="http://schemas.openxmlformats.org/presentationml/2006/main">
   <p:cSld>
     <p:spTree>
@@ -21221,6 +18250,151 @@
 </p:sld>
 </file>
 
+<file path=ppt/slides/slide34.xml><?xml version="1.0" encoding="utf-8"?>
+<p:sld xmlns:a="http://schemas.openxmlformats.org/drawingml/2006/main" xmlns:r="http://schemas.openxmlformats.org/officeDocument/2006/relationships" xmlns:p="http://schemas.openxmlformats.org/presentationml/2006/main">
+  <p:cSld>
+    <p:spTree>
+      <p:nvGrpSpPr>
+        <p:cNvPr id="1" name=""/>
+        <p:cNvGrpSpPr/>
+        <p:nvPr/>
+      </p:nvGrpSpPr>
+      <p:grpSpPr>
+        <a:xfrm>
+          <a:off x="0" y="0"/>
+          <a:ext cx="0" cy="0"/>
+          <a:chOff x="0" y="0"/>
+          <a:chExt cx="0" cy="0"/>
+        </a:xfrm>
+      </p:grpSpPr>
+      <p:sp>
+        <p:nvSpPr>
+          <p:cNvPr id="2" name="Title 1"/>
+          <p:cNvSpPr>
+            <a:spLocks noGrp="1"/>
+          </p:cNvSpPr>
+          <p:nvPr>
+            <p:ph type="title"/>
+          </p:nvPr>
+        </p:nvSpPr>
+        <p:spPr/>
+        <p:txBody>
+          <a:bodyPr/>
+          <a:lstStyle/>
+          <a:p>
+            <a:r>
+              <a:rPr lang="en-GB" dirty="0" smtClean="0"/>
+              <a:t>Clearing the Log</a:t>
+            </a:r>
+            <a:endParaRPr lang="en-GB" dirty="0"/>
+          </a:p>
+        </p:txBody>
+      </p:sp>
+      <p:sp>
+        <p:nvSpPr>
+          <p:cNvPr id="3" name="Content Placeholder 2"/>
+          <p:cNvSpPr>
+            <a:spLocks noGrp="1"/>
+          </p:cNvSpPr>
+          <p:nvPr>
+            <p:ph idx="1"/>
+          </p:nvPr>
+        </p:nvSpPr>
+        <p:spPr/>
+        <p:txBody>
+          <a:bodyPr/>
+          <a:lstStyle/>
+          <a:p>
+            <a:r>
+              <a:rPr lang="en-GB" dirty="0" smtClean="0"/>
+              <a:t>Cleared by a backup</a:t>
+            </a:r>
+          </a:p>
+          <a:p>
+            <a:r>
+              <a:rPr lang="en-GB" dirty="0" smtClean="0"/>
+              <a:t>Features that block log truncation</a:t>
+            </a:r>
+          </a:p>
+          <a:p>
+            <a:pPr lvl="1"/>
+            <a:r>
+              <a:rPr lang="en-GB" dirty="0" smtClean="0"/>
+              <a:t>Replication</a:t>
+            </a:r>
+          </a:p>
+          <a:p>
+            <a:pPr lvl="1"/>
+            <a:r>
+              <a:rPr lang="en-GB" dirty="0" smtClean="0"/>
+              <a:t>Mirroring</a:t>
+            </a:r>
+          </a:p>
+          <a:p>
+            <a:pPr lvl="1"/>
+            <a:r>
+              <a:rPr lang="en-GB" dirty="0" smtClean="0"/>
+              <a:t>CDC</a:t>
+            </a:r>
+          </a:p>
+          <a:p>
+            <a:pPr lvl="1"/>
+            <a:r>
+              <a:rPr lang="en-GB" dirty="0" smtClean="0"/>
+              <a:t>Open Transactions</a:t>
+            </a:r>
+          </a:p>
+          <a:p>
+            <a:pPr lvl="1"/>
+            <a:r>
+              <a:rPr lang="en-GB" dirty="0" smtClean="0"/>
+              <a:t>Backups</a:t>
+            </a:r>
+          </a:p>
+          <a:p>
+            <a:r>
+              <a:rPr lang="en-GB" dirty="0" smtClean="0"/>
+              <a:t>See </a:t>
+            </a:r>
+            <a:r>
+              <a:rPr lang="en-GB" dirty="0" err="1" smtClean="0"/>
+              <a:t>sys.databases</a:t>
+            </a:r>
+            <a:r>
+              <a:rPr lang="en-GB" dirty="0" smtClean="0"/>
+              <a:t> </a:t>
+            </a:r>
+            <a:r>
+              <a:rPr lang="en-GB" dirty="0" err="1"/>
+              <a:t>log_reuse_wait_desc</a:t>
+            </a:r>
+            <a:endParaRPr lang="en-GB" dirty="0"/>
+          </a:p>
+          <a:p>
+            <a:endParaRPr lang="en-GB" dirty="0"/>
+          </a:p>
+        </p:txBody>
+      </p:sp>
+    </p:spTree>
+    <p:extLst>
+      <p:ext uri="{BB962C8B-B14F-4D97-AF65-F5344CB8AC3E}">
+        <p14:creationId xmlns:p14="http://schemas.microsoft.com/office/powerpoint/2010/main" val="2328418263"/>
+      </p:ext>
+    </p:extLst>
+  </p:cSld>
+  <p:clrMapOvr>
+    <a:masterClrMapping/>
+  </p:clrMapOvr>
+  <p:timing>
+    <p:tnLst>
+      <p:par>
+        <p:cTn id="1" dur="indefinite" restart="never" nodeType="tmRoot"/>
+      </p:par>
+    </p:tnLst>
+  </p:timing>
+</p:sld>
+</file>
+
 <file path=ppt/slides/slide35.xml><?xml version="1.0" encoding="utf-8"?>
 <p:sld xmlns:a="http://schemas.openxmlformats.org/drawingml/2006/main" xmlns:r="http://schemas.openxmlformats.org/officeDocument/2006/relationships" xmlns:p="http://schemas.openxmlformats.org/presentationml/2006/main">
   <p:cSld>
@@ -21255,7 +18429,7 @@
           <a:p>
             <a:r>
               <a:rPr lang="en-GB" dirty="0" smtClean="0"/>
-              <a:t>Clearing the Log</a:t>
+              <a:t>Data Integrity</a:t>
             </a:r>
             <a:endParaRPr lang="en-GB" dirty="0"/>
           </a:p>
@@ -21273,75 +18447,88 @@
         </p:nvSpPr>
         <p:spPr/>
         <p:txBody>
-          <a:bodyPr/>
-          <a:lstStyle/>
-          <a:p>
-            <a:r>
-              <a:rPr lang="en-GB" dirty="0" smtClean="0"/>
-              <a:t>Cleared by a backup</a:t>
-            </a:r>
-          </a:p>
-          <a:p>
-            <a:r>
-              <a:rPr lang="en-GB" dirty="0" smtClean="0"/>
-              <a:t>Features that block log truncation</a:t>
+          <a:bodyPr>
+            <a:normAutofit fontScale="85000" lnSpcReduction="20000"/>
+          </a:bodyPr>
+          <a:lstStyle/>
+          <a:p>
+            <a:r>
+              <a:rPr lang="en-GB" dirty="0" smtClean="0"/>
+              <a:t>Page Verification</a:t>
             </a:r>
           </a:p>
           <a:p>
             <a:pPr lvl="1"/>
             <a:r>
               <a:rPr lang="en-GB" dirty="0" smtClean="0"/>
-              <a:t>Replication</a:t>
+              <a:t>None</a:t>
+            </a:r>
+          </a:p>
+          <a:p>
+            <a:pPr lvl="2"/>
+            <a:r>
+              <a:rPr lang="en-GB" dirty="0" smtClean="0"/>
+              <a:t>Pages are trusted to be valid, totally corrupt pages still cannot be read </a:t>
             </a:r>
           </a:p>
           <a:p>
             <a:pPr lvl="1"/>
             <a:r>
               <a:rPr lang="en-GB" dirty="0" smtClean="0"/>
-              <a:t>Mirroring</a:t>
+              <a:t>Torn Page</a:t>
+            </a:r>
+          </a:p>
+          <a:p>
+            <a:pPr lvl="2"/>
+            <a:r>
+              <a:rPr lang="en-GB" dirty="0" smtClean="0"/>
+              <a:t>Places a bit marker every 512 bytes to show page was fully written</a:t>
             </a:r>
           </a:p>
           <a:p>
             <a:pPr lvl="1"/>
             <a:r>
               <a:rPr lang="en-GB" dirty="0" smtClean="0"/>
-              <a:t>CDC</a:t>
+              <a:t>Checksum (default 2005+)</a:t>
+            </a:r>
+          </a:p>
+          <a:p>
+            <a:pPr lvl="2"/>
+            <a:r>
+              <a:rPr lang="en-GB" dirty="0" smtClean="0"/>
+              <a:t>Creates a checksum of the data and writes to header</a:t>
+            </a:r>
+          </a:p>
+          <a:p>
+            <a:pPr lvl="2"/>
+            <a:r>
+              <a:rPr lang="en-GB" dirty="0" smtClean="0"/>
+              <a:t>On read the checksum is verified</a:t>
+            </a:r>
+          </a:p>
+          <a:p>
+            <a:r>
+              <a:rPr lang="en-GB" dirty="0" smtClean="0"/>
+              <a:t>When changing to checksum existing pages will not have a checksum</a:t>
             </a:r>
           </a:p>
           <a:p>
             <a:pPr lvl="1"/>
             <a:r>
               <a:rPr lang="en-GB" dirty="0" smtClean="0"/>
-              <a:t>Open Transactions</a:t>
+              <a:t>It will resort to torn page checking if it existed</a:t>
             </a:r>
           </a:p>
           <a:p>
             <a:pPr lvl="1"/>
             <a:r>
               <a:rPr lang="en-GB" dirty="0" smtClean="0"/>
-              <a:t>Backups</a:t>
-            </a:r>
-          </a:p>
-          <a:p>
-            <a:r>
-              <a:rPr lang="en-GB" dirty="0" smtClean="0"/>
-              <a:t>See </a:t>
+              <a:t>Fix by </a:t>
             </a:r>
             <a:r>
               <a:rPr lang="en-GB" dirty="0" err="1" smtClean="0"/>
-              <a:t>sys.databases</a:t>
-            </a:r>
-            <a:r>
-              <a:rPr lang="en-GB" dirty="0" smtClean="0"/>
-              <a:t> </a:t>
-            </a:r>
-            <a:r>
-              <a:rPr lang="en-GB" dirty="0" err="1"/>
-              <a:t>log_reuse_wait_desc</a:t>
-            </a:r>
-            <a:endParaRPr lang="en-GB" dirty="0"/>
-          </a:p>
-          <a:p>
+              <a:t>reindexing</a:t>
+            </a:r>
             <a:endParaRPr lang="en-GB" dirty="0"/>
           </a:p>
         </p:txBody>
@@ -21349,7 +18536,7 @@
     </p:spTree>
     <p:extLst>
       <p:ext uri="{BB962C8B-B14F-4D97-AF65-F5344CB8AC3E}">
-        <p14:creationId xmlns:p14="http://schemas.microsoft.com/office/powerpoint/2010/main" val="2328418263"/>
+        <p14:creationId xmlns:p14="http://schemas.microsoft.com/office/powerpoint/2010/main" val="4283491392"/>
       </p:ext>
     </p:extLst>
   </p:cSld>
@@ -21400,7 +18587,7 @@
           <a:p>
             <a:r>
               <a:rPr lang="en-GB" dirty="0" smtClean="0"/>
-              <a:t>Data Integrity</a:t>
+              <a:t>Demo</a:t>
             </a:r>
             <a:endParaRPr lang="en-GB" dirty="0"/>
           </a:p>
@@ -21418,87 +18605,12 @@
         </p:nvSpPr>
         <p:spPr/>
         <p:txBody>
-          <a:bodyPr>
-            <a:normAutofit fontScale="85000" lnSpcReduction="20000"/>
-          </a:bodyPr>
-          <a:lstStyle/>
-          <a:p>
-            <a:r>
-              <a:rPr lang="en-GB" dirty="0" smtClean="0"/>
+          <a:bodyPr/>
+          <a:lstStyle/>
+          <a:p>
+            <a:r>
+              <a:rPr lang="en-US" dirty="0" smtClean="0"/>
               <a:t>Page Verification</a:t>
-            </a:r>
-          </a:p>
-          <a:p>
-            <a:pPr lvl="1"/>
-            <a:r>
-              <a:rPr lang="en-GB" dirty="0" smtClean="0"/>
-              <a:t>None</a:t>
-            </a:r>
-          </a:p>
-          <a:p>
-            <a:pPr lvl="2"/>
-            <a:r>
-              <a:rPr lang="en-GB" dirty="0" smtClean="0"/>
-              <a:t>Pages are trusted to be valid, totally corrupt pages still cannot be read </a:t>
-            </a:r>
-          </a:p>
-          <a:p>
-            <a:pPr lvl="1"/>
-            <a:r>
-              <a:rPr lang="en-GB" dirty="0" smtClean="0"/>
-              <a:t>Torn Page</a:t>
-            </a:r>
-          </a:p>
-          <a:p>
-            <a:pPr lvl="2"/>
-            <a:r>
-              <a:rPr lang="en-GB" dirty="0" smtClean="0"/>
-              <a:t>Places a bit marker every 512 bytes to show page was fully written</a:t>
-            </a:r>
-          </a:p>
-          <a:p>
-            <a:pPr lvl="1"/>
-            <a:r>
-              <a:rPr lang="en-GB" dirty="0" smtClean="0"/>
-              <a:t>Checksum (default 2005+)</a:t>
-            </a:r>
-          </a:p>
-          <a:p>
-            <a:pPr lvl="2"/>
-            <a:r>
-              <a:rPr lang="en-GB" dirty="0" smtClean="0"/>
-              <a:t>Creates a checksum of the data and writes to header</a:t>
-            </a:r>
-          </a:p>
-          <a:p>
-            <a:pPr lvl="2"/>
-            <a:r>
-              <a:rPr lang="en-GB" dirty="0" smtClean="0"/>
-              <a:t>On read the checksum is verified</a:t>
-            </a:r>
-          </a:p>
-          <a:p>
-            <a:r>
-              <a:rPr lang="en-GB" dirty="0" smtClean="0"/>
-              <a:t>When changing to checksum existing pages will not have a checksum</a:t>
-            </a:r>
-          </a:p>
-          <a:p>
-            <a:pPr lvl="1"/>
-            <a:r>
-              <a:rPr lang="en-GB" dirty="0" smtClean="0"/>
-              <a:t>It will resort to torn page checking if it existed</a:t>
-            </a:r>
-          </a:p>
-          <a:p>
-            <a:pPr lvl="1"/>
-            <a:r>
-              <a:rPr lang="en-GB" dirty="0" smtClean="0"/>
-              <a:t>Fix by </a:t>
-            </a:r>
-            <a:r>
-              <a:rPr lang="en-GB" dirty="0" err="1" smtClean="0"/>
-              <a:t>reindexing</a:t>
             </a:r>
             <a:endParaRPr lang="en-GB" dirty="0"/>
           </a:p>
@@ -21507,7 +18619,7 @@
     </p:spTree>
     <p:extLst>
       <p:ext uri="{BB962C8B-B14F-4D97-AF65-F5344CB8AC3E}">
-        <p14:creationId xmlns:p14="http://schemas.microsoft.com/office/powerpoint/2010/main" val="4283491392"/>
+        <p14:creationId xmlns:p14="http://schemas.microsoft.com/office/powerpoint/2010/main" val="2685275328"/>
       </p:ext>
     </p:extLst>
   </p:cSld>
@@ -21558,7 +18670,7 @@
           <a:p>
             <a:r>
               <a:rPr lang="en-GB" dirty="0" smtClean="0"/>
-              <a:t>Demo</a:t>
+              <a:t>Impact on writes</a:t>
             </a:r>
             <a:endParaRPr lang="en-GB" dirty="0"/>
           </a:p>
@@ -21576,21 +18688,58 @@
         </p:nvSpPr>
         <p:spPr/>
         <p:txBody>
-          <a:bodyPr/>
-          <a:lstStyle/>
-          <a:p>
-            <a:r>
-              <a:rPr lang="en-US" dirty="0" smtClean="0"/>
-              <a:t>Page Verification</a:t>
-            </a:r>
-            <a:endParaRPr lang="en-GB" dirty="0"/>
+          <a:bodyPr>
+            <a:normAutofit/>
+          </a:bodyPr>
+          <a:lstStyle/>
+          <a:p>
+            <a:r>
+              <a:rPr lang="en-GB" sz="2200" dirty="0" smtClean="0"/>
+              <a:t>Log performance is critical</a:t>
+            </a:r>
+          </a:p>
+          <a:p>
+            <a:r>
+              <a:rPr lang="en-GB" sz="2200" dirty="0" smtClean="0"/>
+              <a:t>One transaction log per database</a:t>
+            </a:r>
+          </a:p>
+          <a:p>
+            <a:r>
+              <a:rPr lang="en-GB" sz="2200" dirty="0" smtClean="0"/>
+              <a:t>More databases = more throughput (if storage can cope)</a:t>
+            </a:r>
+          </a:p>
+          <a:p>
+            <a:r>
+              <a:rPr lang="en-GB" sz="2200" dirty="0" smtClean="0"/>
+              <a:t>Memory doesn’t help</a:t>
+            </a:r>
+          </a:p>
+          <a:p>
+            <a:r>
+              <a:rPr lang="en-GB" sz="2200" dirty="0" smtClean="0"/>
+              <a:t>Its all about IO</a:t>
+            </a:r>
+          </a:p>
+          <a:p>
+            <a:endParaRPr lang="en-GB" sz="1800" dirty="0" smtClean="0"/>
+          </a:p>
+          <a:p>
+            <a:pPr marL="0" indent="0">
+              <a:buNone/>
+            </a:pPr>
+            <a:endParaRPr lang="en-GB" sz="2200" dirty="0" smtClean="0"/>
+          </a:p>
+          <a:p>
+            <a:endParaRPr lang="en-GB" sz="2200" dirty="0"/>
           </a:p>
         </p:txBody>
       </p:sp>
     </p:spTree>
     <p:extLst>
       <p:ext uri="{BB962C8B-B14F-4D97-AF65-F5344CB8AC3E}">
-        <p14:creationId xmlns:p14="http://schemas.microsoft.com/office/powerpoint/2010/main" val="2685275328"/>
+        <p14:creationId xmlns:p14="http://schemas.microsoft.com/office/powerpoint/2010/main" val="2315686994"/>
       </p:ext>
     </p:extLst>
   </p:cSld>
@@ -21641,7 +18790,7 @@
           <a:p>
             <a:r>
               <a:rPr lang="en-GB" dirty="0" smtClean="0"/>
-              <a:t>Impact on writes</a:t>
+              <a:t>Table size impact</a:t>
             </a:r>
             <a:endParaRPr lang="en-GB" dirty="0"/>
           </a:p>
@@ -21659,58 +18808,59 @@
         </p:nvSpPr>
         <p:spPr/>
         <p:txBody>
-          <a:bodyPr>
-            <a:normAutofit/>
-          </a:bodyPr>
-          <a:lstStyle/>
-          <a:p>
-            <a:r>
-              <a:rPr lang="en-GB" sz="2200" dirty="0" smtClean="0"/>
-              <a:t>Log performance is critical</a:t>
-            </a:r>
-          </a:p>
-          <a:p>
-            <a:r>
-              <a:rPr lang="en-GB" sz="2200" dirty="0" smtClean="0"/>
-              <a:t>One transaction log per database</a:t>
-            </a:r>
-          </a:p>
-          <a:p>
-            <a:r>
-              <a:rPr lang="en-GB" sz="2200" dirty="0" smtClean="0"/>
-              <a:t>More databases = more throughput (if storage can cope)</a:t>
-            </a:r>
-          </a:p>
-          <a:p>
-            <a:r>
-              <a:rPr lang="en-GB" sz="2200" dirty="0" smtClean="0"/>
-              <a:t>Memory doesn’t help</a:t>
-            </a:r>
-          </a:p>
-          <a:p>
-            <a:r>
-              <a:rPr lang="en-GB" sz="2200" dirty="0" smtClean="0"/>
-              <a:t>Its all about IO</a:t>
-            </a:r>
-          </a:p>
-          <a:p>
-            <a:endParaRPr lang="en-GB" sz="1800" dirty="0" smtClean="0"/>
-          </a:p>
-          <a:p>
-            <a:pPr marL="0" indent="0">
-              <a:buNone/>
-            </a:pPr>
-            <a:endParaRPr lang="en-GB" sz="2200" dirty="0" smtClean="0"/>
-          </a:p>
-          <a:p>
-            <a:endParaRPr lang="en-GB" sz="2200" dirty="0"/>
+          <a:bodyPr/>
+          <a:lstStyle/>
+          <a:p>
+            <a:r>
+              <a:rPr lang="en-GB" dirty="0" smtClean="0"/>
+              <a:t>Large data types = more IO</a:t>
+            </a:r>
+          </a:p>
+          <a:p>
+            <a:r>
+              <a:rPr lang="en-GB" dirty="0" smtClean="0"/>
+              <a:t>More columns = more IO</a:t>
+            </a:r>
+          </a:p>
+          <a:p>
+            <a:r>
+              <a:rPr lang="en-GB" dirty="0" smtClean="0"/>
+              <a:t>Variable length columns = page splits = more IO</a:t>
+            </a:r>
+          </a:p>
+          <a:p>
+            <a:r>
+              <a:rPr lang="en-GB" dirty="0" smtClean="0"/>
+              <a:t>More columns =&gt; more indexes =&gt; more IO</a:t>
+            </a:r>
+          </a:p>
+          <a:p>
+            <a:r>
+              <a:rPr lang="en-GB" dirty="0" smtClean="0"/>
+              <a:t>Updates are expensive</a:t>
+            </a:r>
+          </a:p>
+          <a:p>
+            <a:pPr lvl="1"/>
+            <a:r>
+              <a:rPr lang="en-GB" dirty="0" smtClean="0"/>
+              <a:t>Find the data</a:t>
+            </a:r>
+          </a:p>
+          <a:p>
+            <a:pPr lvl="1"/>
+            <a:r>
+              <a:rPr lang="en-GB" dirty="0" smtClean="0"/>
+              <a:t>Store before and after</a:t>
+            </a:r>
+            <a:endParaRPr lang="en-GB" dirty="0"/>
           </a:p>
         </p:txBody>
       </p:sp>
     </p:spTree>
     <p:extLst>
       <p:ext uri="{BB962C8B-B14F-4D97-AF65-F5344CB8AC3E}">
-        <p14:creationId xmlns:p14="http://schemas.microsoft.com/office/powerpoint/2010/main" val="2315686994"/>
+        <p14:creationId xmlns:p14="http://schemas.microsoft.com/office/powerpoint/2010/main" val="4170939829"/>
       </p:ext>
     </p:extLst>
   </p:cSld>
@@ -21761,7 +18911,7 @@
           <a:p>
             <a:r>
               <a:rPr lang="en-GB" dirty="0" smtClean="0"/>
-              <a:t>Table size impact</a:t>
+              <a:t>Concurrency</a:t>
             </a:r>
             <a:endParaRPr lang="en-GB" dirty="0"/>
           </a:p>
@@ -21784,46 +18934,34 @@
           <a:p>
             <a:r>
               <a:rPr lang="en-GB" dirty="0" smtClean="0"/>
-              <a:t>Large data types = more IO</a:t>
-            </a:r>
-          </a:p>
-          <a:p>
-            <a:r>
-              <a:rPr lang="en-GB" dirty="0" smtClean="0"/>
-              <a:t>More columns = more IO</a:t>
-            </a:r>
-          </a:p>
-          <a:p>
-            <a:r>
-              <a:rPr lang="en-GB" dirty="0" smtClean="0"/>
-              <a:t>Variable length columns = page splits = more IO</a:t>
-            </a:r>
-          </a:p>
-          <a:p>
-            <a:r>
-              <a:rPr lang="en-GB" dirty="0" smtClean="0"/>
-              <a:t>More columns =&gt; more indexes =&gt; more IO</a:t>
-            </a:r>
-          </a:p>
-          <a:p>
-            <a:r>
-              <a:rPr lang="en-GB" dirty="0" smtClean="0"/>
-              <a:t>Updates are expensive</a:t>
-            </a:r>
-          </a:p>
-          <a:p>
-            <a:pPr lvl="1"/>
-            <a:r>
-              <a:rPr lang="en-GB" dirty="0" smtClean="0"/>
-              <a:t>Find the data</a:t>
-            </a:r>
-          </a:p>
-          <a:p>
-            <a:pPr lvl="1"/>
-            <a:r>
-              <a:rPr lang="en-GB" dirty="0" smtClean="0"/>
-              <a:t>Store before and after</a:t>
-            </a:r>
+              <a:t>Everyone is writing to the same buffer</a:t>
+            </a:r>
+          </a:p>
+          <a:p>
+            <a:r>
+              <a:rPr lang="en-GB" dirty="0" smtClean="0"/>
+              <a:t>Transaction Log is a bottleneck</a:t>
+            </a:r>
+          </a:p>
+          <a:p>
+            <a:r>
+              <a:rPr lang="en-GB" dirty="0" smtClean="0"/>
+              <a:t>Can’t expect to have exclusive access to buffer</a:t>
+            </a:r>
+          </a:p>
+          <a:p>
+            <a:r>
+              <a:rPr lang="en-GB" dirty="0" smtClean="0"/>
+              <a:t>Transactions still good for performance</a:t>
+            </a:r>
+          </a:p>
+          <a:p>
+            <a:pPr marL="0" indent="0">
+              <a:buNone/>
+            </a:pPr>
+            <a:endParaRPr lang="en-GB" dirty="0" smtClean="0"/>
+          </a:p>
+          <a:p>
             <a:endParaRPr lang="en-GB" dirty="0"/>
           </a:p>
         </p:txBody>
@@ -21831,7 +18969,7 @@
     </p:spTree>
     <p:extLst>
       <p:ext uri="{BB962C8B-B14F-4D97-AF65-F5344CB8AC3E}">
-        <p14:creationId xmlns:p14="http://schemas.microsoft.com/office/powerpoint/2010/main" val="4170939829"/>
+        <p14:creationId xmlns:p14="http://schemas.microsoft.com/office/powerpoint/2010/main" val="3097479017"/>
       </p:ext>
     </p:extLst>
   </p:cSld>
@@ -21961,7 +19099,7 @@
           <a:p>
             <a:r>
               <a:rPr lang="en-GB" dirty="0" smtClean="0"/>
-              <a:t>Concurrency</a:t>
+              <a:t>Impact of indexing</a:t>
             </a:r>
             <a:endParaRPr lang="en-GB" dirty="0"/>
           </a:p>
@@ -21983,33 +19121,16 @@
           <a:lstStyle/>
           <a:p>
             <a:r>
-              <a:rPr lang="en-GB" dirty="0" smtClean="0"/>
-              <a:t>Everyone is writing to the same buffer</a:t>
-            </a:r>
-          </a:p>
-          <a:p>
-            <a:r>
-              <a:rPr lang="en-GB" dirty="0" smtClean="0"/>
-              <a:t>Transaction Log is a bottleneck</a:t>
-            </a:r>
-          </a:p>
-          <a:p>
-            <a:r>
-              <a:rPr lang="en-GB" dirty="0" smtClean="0"/>
-              <a:t>Can’t expect to have exclusive access to buffer</a:t>
-            </a:r>
-          </a:p>
-          <a:p>
-            <a:r>
-              <a:rPr lang="en-GB" dirty="0" smtClean="0"/>
-              <a:t>Transactions still good for performance</a:t>
-            </a:r>
-          </a:p>
-          <a:p>
-            <a:pPr marL="0" indent="0">
-              <a:buNone/>
-            </a:pPr>
-            <a:endParaRPr lang="en-GB" dirty="0" smtClean="0"/>
+              <a:rPr lang="en-GB" sz="2200" dirty="0" smtClean="0"/>
+              <a:t>More indexes = more IO</a:t>
+            </a:r>
+          </a:p>
+          <a:p>
+            <a:r>
+              <a:rPr lang="en-GB" sz="2200" dirty="0" smtClean="0"/>
+              <a:t>More indexes = more complex query plans</a:t>
+            </a:r>
+            <a:endParaRPr lang="en-GB" sz="2200" dirty="0"/>
           </a:p>
           <a:p>
             <a:endParaRPr lang="en-GB" dirty="0"/>
@@ -22019,7 +19140,7 @@
     </p:spTree>
     <p:extLst>
       <p:ext uri="{BB962C8B-B14F-4D97-AF65-F5344CB8AC3E}">
-        <p14:creationId xmlns:p14="http://schemas.microsoft.com/office/powerpoint/2010/main" val="3097479017"/>
+        <p14:creationId xmlns:p14="http://schemas.microsoft.com/office/powerpoint/2010/main" val="352671403"/>
       </p:ext>
     </p:extLst>
   </p:cSld>
@@ -22070,98 +19191,6 @@
           <a:p>
             <a:r>
               <a:rPr lang="en-GB" dirty="0" smtClean="0"/>
-              <a:t>Impact of indexing</a:t>
-            </a:r>
-            <a:endParaRPr lang="en-GB" dirty="0"/>
-          </a:p>
-        </p:txBody>
-      </p:sp>
-      <p:sp>
-        <p:nvSpPr>
-          <p:cNvPr id="3" name="Content Placeholder 2"/>
-          <p:cNvSpPr>
-            <a:spLocks noGrp="1"/>
-          </p:cNvSpPr>
-          <p:nvPr>
-            <p:ph idx="1"/>
-          </p:nvPr>
-        </p:nvSpPr>
-        <p:spPr/>
-        <p:txBody>
-          <a:bodyPr/>
-          <a:lstStyle/>
-          <a:p>
-            <a:r>
-              <a:rPr lang="en-GB" sz="2200" dirty="0" smtClean="0"/>
-              <a:t>More indexes = more IO</a:t>
-            </a:r>
-          </a:p>
-          <a:p>
-            <a:r>
-              <a:rPr lang="en-GB" sz="2200" dirty="0" smtClean="0"/>
-              <a:t>More indexes = more complex query plans</a:t>
-            </a:r>
-            <a:endParaRPr lang="en-GB" sz="2200" dirty="0"/>
-          </a:p>
-          <a:p>
-            <a:endParaRPr lang="en-GB" dirty="0"/>
-          </a:p>
-        </p:txBody>
-      </p:sp>
-    </p:spTree>
-    <p:extLst>
-      <p:ext uri="{BB962C8B-B14F-4D97-AF65-F5344CB8AC3E}">
-        <p14:creationId xmlns:p14="http://schemas.microsoft.com/office/powerpoint/2010/main" val="352671403"/>
-      </p:ext>
-    </p:extLst>
-  </p:cSld>
-  <p:clrMapOvr>
-    <a:masterClrMapping/>
-  </p:clrMapOvr>
-  <p:timing>
-    <p:tnLst>
-      <p:par>
-        <p:cTn id="1" dur="indefinite" restart="never" nodeType="tmRoot"/>
-      </p:par>
-    </p:tnLst>
-  </p:timing>
-</p:sld>
-</file>
-
-<file path=ppt/slides/slide42.xml><?xml version="1.0" encoding="utf-8"?>
-<p:sld xmlns:a="http://schemas.openxmlformats.org/drawingml/2006/main" xmlns:r="http://schemas.openxmlformats.org/officeDocument/2006/relationships" xmlns:p="http://schemas.openxmlformats.org/presentationml/2006/main">
-  <p:cSld>
-    <p:spTree>
-      <p:nvGrpSpPr>
-        <p:cNvPr id="1" name=""/>
-        <p:cNvGrpSpPr/>
-        <p:nvPr/>
-      </p:nvGrpSpPr>
-      <p:grpSpPr>
-        <a:xfrm>
-          <a:off x="0" y="0"/>
-          <a:ext cx="0" cy="0"/>
-          <a:chOff x="0" y="0"/>
-          <a:chExt cx="0" cy="0"/>
-        </a:xfrm>
-      </p:grpSpPr>
-      <p:sp>
-        <p:nvSpPr>
-          <p:cNvPr id="2" name="Title 1"/>
-          <p:cNvSpPr>
-            <a:spLocks noGrp="1"/>
-          </p:cNvSpPr>
-          <p:nvPr>
-            <p:ph type="title"/>
-          </p:nvPr>
-        </p:nvSpPr>
-        <p:spPr/>
-        <p:txBody>
-          <a:bodyPr/>
-          <a:lstStyle/>
-          <a:p>
-            <a:r>
-              <a:rPr lang="en-GB" dirty="0" smtClean="0"/>
               <a:t>Demo</a:t>
             </a:r>
             <a:endParaRPr lang="en-GB" dirty="0"/>
@@ -22223,7 +19252,7 @@
 </p:sld>
 </file>
 
-<file path=ppt/slides/slide43.xml><?xml version="1.0" encoding="utf-8"?>
+<file path=ppt/slides/slide42.xml><?xml version="1.0" encoding="utf-8"?>
 <p:sld xmlns:a="http://schemas.openxmlformats.org/drawingml/2006/main" xmlns:r="http://schemas.openxmlformats.org/officeDocument/2006/relationships" xmlns:p="http://schemas.openxmlformats.org/presentationml/2006/main">
   <p:cSld>
     <p:spTree>
